--- a/hy/수업자료/6주차 멀티쓰레딩/Multi Threading.pptx
+++ b/hy/수업자료/6주차 멀티쓰레딩/Multi Threading.pptx
@@ -5,7 +5,7 @@
     <p:sldMasterId id="2147483648" r:id="rId1"/>
   </p:sldMasterIdLst>
   <p:notesMasterIdLst>
-    <p:notesMasterId r:id="rId18"/>
+    <p:notesMasterId r:id="rId23"/>
   </p:notesMasterIdLst>
   <p:sldIdLst>
     <p:sldId id="256" r:id="rId2"/>
@@ -24,6 +24,11 @@
     <p:sldId id="268" r:id="rId15"/>
     <p:sldId id="270" r:id="rId16"/>
     <p:sldId id="271" r:id="rId17"/>
+    <p:sldId id="272" r:id="rId18"/>
+    <p:sldId id="273" r:id="rId19"/>
+    <p:sldId id="274" r:id="rId20"/>
+    <p:sldId id="275" r:id="rId21"/>
+    <p:sldId id="276" r:id="rId22"/>
   </p:sldIdLst>
   <p:sldSz cx="12192000" cy="6858000"/>
   <p:notesSz cx="6858000" cy="9144000"/>
@@ -730,6 +735,90 @@
     <p:extLst>
       <p:ext uri="{BB962C8B-B14F-4D97-AF65-F5344CB8AC3E}">
         <p14:creationId xmlns:p14="http://schemas.microsoft.com/office/powerpoint/2010/main" val="2047644314"/>
+      </p:ext>
+    </p:extLst>
+  </p:cSld>
+  <p:clrMapOvr>
+    <a:masterClrMapping/>
+  </p:clrMapOvr>
+</p:notes>
+</file>
+
+<file path=ppt/notesSlides/notesSlide3.xml><?xml version="1.0" encoding="utf-8"?>
+<p:notes xmlns:a="http://schemas.openxmlformats.org/drawingml/2006/main" xmlns:r="http://schemas.openxmlformats.org/officeDocument/2006/relationships" xmlns:p="http://schemas.openxmlformats.org/presentationml/2006/main">
+  <p:cSld>
+    <p:spTree>
+      <p:nvGrpSpPr>
+        <p:cNvPr id="1" name=""/>
+        <p:cNvGrpSpPr/>
+        <p:nvPr/>
+      </p:nvGrpSpPr>
+      <p:grpSpPr>
+        <a:xfrm>
+          <a:off x="0" y="0"/>
+          <a:ext cx="0" cy="0"/>
+          <a:chOff x="0" y="0"/>
+          <a:chExt cx="0" cy="0"/>
+        </a:xfrm>
+      </p:grpSpPr>
+      <p:sp>
+        <p:nvSpPr>
+          <p:cNvPr id="2" name="Slide Image Placeholder 1"/>
+          <p:cNvSpPr>
+            <a:spLocks noGrp="1" noRot="1" noChangeAspect="1"/>
+          </p:cNvSpPr>
+          <p:nvPr>
+            <p:ph type="sldImg"/>
+          </p:nvPr>
+        </p:nvSpPr>
+        <p:spPr/>
+      </p:sp>
+      <p:sp>
+        <p:nvSpPr>
+          <p:cNvPr id="3" name="Notes Placeholder 2"/>
+          <p:cNvSpPr>
+            <a:spLocks noGrp="1"/>
+          </p:cNvSpPr>
+          <p:nvPr>
+            <p:ph type="body" idx="1"/>
+          </p:nvPr>
+        </p:nvSpPr>
+        <p:spPr/>
+        <p:txBody>
+          <a:bodyPr/>
+          <a:lstStyle/>
+          <a:p>
+            <a:endParaRPr lang="en-GB" dirty="0"/>
+          </a:p>
+        </p:txBody>
+      </p:sp>
+      <p:sp>
+        <p:nvSpPr>
+          <p:cNvPr id="4" name="Slide Number Placeholder 3"/>
+          <p:cNvSpPr>
+            <a:spLocks noGrp="1"/>
+          </p:cNvSpPr>
+          <p:nvPr>
+            <p:ph type="sldNum" sz="quarter" idx="5"/>
+          </p:nvPr>
+        </p:nvSpPr>
+        <p:spPr/>
+        <p:txBody>
+          <a:bodyPr/>
+          <a:lstStyle/>
+          <a:p>
+            <a:fld id="{C4EECB8D-1965-41E5-8096-BEC92FBFDCA9}" type="slidenum">
+              <a:rPr lang="ko-KR" altLang="en-US" smtClean="0"/>
+              <a:t>16</a:t>
+            </a:fld>
+            <a:endParaRPr lang="ko-KR" altLang="en-US"/>
+          </a:p>
+        </p:txBody>
+      </p:sp>
+    </p:spTree>
+    <p:extLst>
+      <p:ext uri="{BB962C8B-B14F-4D97-AF65-F5344CB8AC3E}">
+        <p14:creationId xmlns:p14="http://schemas.microsoft.com/office/powerpoint/2010/main" val="2687696886"/>
       </p:ext>
     </p:extLst>
   </p:cSld>
@@ -5157,7 +5246,7 @@
           <p:cNvPr id="2" name="Title 1">
             <a:extLst>
               <a:ext uri="{FF2B5EF4-FFF2-40B4-BE49-F238E27FC236}">
-                <a16:creationId xmlns:a16="http://schemas.microsoft.com/office/drawing/2014/main" id="{145FC3A2-5D57-A263-11E9-283B402EB869}"/>
+                <a16:creationId xmlns:a16="http://schemas.microsoft.com/office/drawing/2014/main" id="{AF401D07-D653-1300-73BE-6FB3CD682EEE}"/>
               </a:ext>
             </a:extLst>
           </p:cNvPr>
@@ -5173,7 +5262,15 @@
           <a:bodyPr/>
           <a:lstStyle/>
           <a:p>
-            <a:endParaRPr lang="en-GB"/>
+            <a:r>
+              <a:rPr lang="ko-KR" altLang="en-US" dirty="0"/>
+              <a:t>동시성 이슈</a:t>
+            </a:r>
+            <a:r>
+              <a:rPr lang="en-US" altLang="ko-KR" dirty="0"/>
+              <a:t>(Concurrency Issue)</a:t>
+            </a:r>
+            <a:endParaRPr lang="en-GB" dirty="0"/>
           </a:p>
         </p:txBody>
       </p:sp>
@@ -5182,7 +5279,7 @@
           <p:cNvPr id="3" name="Content Placeholder 2">
             <a:extLst>
               <a:ext uri="{FF2B5EF4-FFF2-40B4-BE49-F238E27FC236}">
-                <a16:creationId xmlns:a16="http://schemas.microsoft.com/office/drawing/2014/main" id="{6A78E33D-E3E1-4141-4EA3-E32E8346EB0B}"/>
+                <a16:creationId xmlns:a16="http://schemas.microsoft.com/office/drawing/2014/main" id="{B1E83442-D5C6-99BC-6E33-5E2CD8DF6644}"/>
               </a:ext>
             </a:extLst>
           </p:cNvPr>
@@ -5195,17 +5292,547 @@
         </p:nvSpPr>
         <p:spPr/>
         <p:txBody>
-          <a:bodyPr/>
-          <a:lstStyle/>
-          <a:p>
-            <a:endParaRPr lang="en-GB"/>
+          <a:bodyPr>
+            <a:normAutofit lnSpcReduction="10000"/>
+          </a:bodyPr>
+          <a:lstStyle/>
+          <a:p>
+            <a:r>
+              <a:rPr lang="ko-KR" altLang="en-US" dirty="0"/>
+              <a:t>멀티쓰레드 상황에서 충분한 동기화가 되어 있지 않은 경우</a:t>
+            </a:r>
+            <a:r>
+              <a:rPr lang="en-US" altLang="ko-KR" dirty="0"/>
+              <a:t>, </a:t>
+            </a:r>
+            <a:r>
+              <a:rPr lang="ko-KR" altLang="en-US" dirty="0"/>
+              <a:t>발생할 수 있는 이상 현상</a:t>
+            </a:r>
+            <a:endParaRPr lang="en-US" altLang="ko-KR" dirty="0"/>
+          </a:p>
+          <a:p>
+            <a:r>
+              <a:rPr lang="ko-KR" altLang="en-US" dirty="0"/>
+              <a:t>동시성 이슈는</a:t>
+            </a:r>
+            <a:r>
+              <a:rPr lang="en-US" altLang="ko-KR" dirty="0"/>
+              <a:t>, </a:t>
+            </a:r>
+            <a:r>
+              <a:rPr lang="ko-KR" altLang="en-US" dirty="0"/>
+              <a:t>상황에 따라서 발생할 수도 있고</a:t>
+            </a:r>
+            <a:r>
+              <a:rPr lang="en-US" altLang="ko-KR" dirty="0"/>
+              <a:t>, </a:t>
+            </a:r>
+            <a:r>
+              <a:rPr lang="ko-KR" altLang="en-US" dirty="0"/>
+              <a:t>발생하지 않을 수도 있음</a:t>
+            </a:r>
+            <a:r>
+              <a:rPr lang="en-US" altLang="ko-KR" dirty="0"/>
+              <a:t>.</a:t>
+            </a:r>
+          </a:p>
+          <a:p>
+            <a:pPr lvl="1"/>
+            <a:r>
+              <a:rPr lang="ko-KR" altLang="en-US" dirty="0"/>
+              <a:t>이는 쓰레드 스케줄링 및 상황에 따라 다르기 때문에</a:t>
+            </a:r>
+            <a:r>
+              <a:rPr lang="en-US" altLang="ko-KR" dirty="0"/>
+              <a:t>, </a:t>
+            </a:r>
+            <a:r>
+              <a:rPr lang="ko-KR" altLang="en-US" dirty="0"/>
+              <a:t>한 번 발생할 경우</a:t>
+            </a:r>
+            <a:r>
+              <a:rPr lang="en-US" altLang="ko-KR" dirty="0"/>
+              <a:t>, </a:t>
+            </a:r>
+            <a:r>
+              <a:rPr lang="ko-KR" altLang="en-US" dirty="0"/>
+              <a:t>디버깅이 매우 어려움</a:t>
+            </a:r>
+            <a:endParaRPr lang="en-US" altLang="ko-KR" dirty="0"/>
+          </a:p>
+          <a:p>
+            <a:r>
+              <a:rPr lang="ko-KR" altLang="en-US" dirty="0"/>
+              <a:t>종류</a:t>
+            </a:r>
+            <a:r>
+              <a:rPr lang="en-US" altLang="ko-KR" dirty="0"/>
+              <a:t>	</a:t>
+            </a:r>
+          </a:p>
+          <a:p>
+            <a:pPr lvl="1"/>
+            <a:r>
+              <a:rPr lang="ko-KR" altLang="en-US" dirty="0"/>
+              <a:t>경쟁조건</a:t>
+            </a:r>
+            <a:r>
+              <a:rPr lang="en-US" altLang="ko-KR" dirty="0"/>
+              <a:t>(Race condition)</a:t>
+            </a:r>
+          </a:p>
+          <a:p>
+            <a:pPr lvl="1"/>
+            <a:r>
+              <a:rPr lang="ko-KR" altLang="en-US" dirty="0"/>
+              <a:t>데드락</a:t>
+            </a:r>
+            <a:r>
+              <a:rPr lang="en-US" altLang="ko-KR" dirty="0"/>
+              <a:t>(Dead lock)</a:t>
+            </a:r>
+          </a:p>
+          <a:p>
+            <a:pPr lvl="1"/>
+            <a:r>
+              <a:rPr lang="ko-KR" altLang="en-US" dirty="0"/>
+              <a:t>라이브락</a:t>
+            </a:r>
+            <a:r>
+              <a:rPr lang="en-US" altLang="ko-KR" dirty="0"/>
+              <a:t>(</a:t>
+            </a:r>
+            <a:r>
+              <a:rPr lang="en-US" altLang="ko-KR" dirty="0" err="1"/>
+              <a:t>Livelock</a:t>
+            </a:r>
+            <a:r>
+              <a:rPr lang="en-US" altLang="ko-KR" dirty="0"/>
+              <a:t>)</a:t>
+            </a:r>
+          </a:p>
+          <a:p>
+            <a:pPr lvl="1"/>
+            <a:r>
+              <a:rPr lang="ko-KR" altLang="en-US" dirty="0"/>
+              <a:t>기아</a:t>
+            </a:r>
+            <a:r>
+              <a:rPr lang="en-US" altLang="ko-KR" dirty="0"/>
+              <a:t>(Starvation)</a:t>
+            </a:r>
           </a:p>
         </p:txBody>
       </p:sp>
     </p:spTree>
     <p:extLst>
       <p:ext uri="{BB962C8B-B14F-4D97-AF65-F5344CB8AC3E}">
-        <p14:creationId xmlns:p14="http://schemas.microsoft.com/office/powerpoint/2010/main" val="256137809"/>
+        <p14:creationId xmlns:p14="http://schemas.microsoft.com/office/powerpoint/2010/main" val="1861929903"/>
+      </p:ext>
+    </p:extLst>
+  </p:cSld>
+  <p:clrMapOvr>
+    <a:masterClrMapping/>
+  </p:clrMapOvr>
+</p:sld>
+</file>
+
+<file path=ppt/slides/slide17.xml><?xml version="1.0" encoding="utf-8"?>
+<p:sld xmlns:a="http://schemas.openxmlformats.org/drawingml/2006/main" xmlns:r="http://schemas.openxmlformats.org/officeDocument/2006/relationships" xmlns:p="http://schemas.openxmlformats.org/presentationml/2006/main">
+  <p:cSld>
+    <p:spTree>
+      <p:nvGrpSpPr>
+        <p:cNvPr id="1" name=""/>
+        <p:cNvGrpSpPr/>
+        <p:nvPr/>
+      </p:nvGrpSpPr>
+      <p:grpSpPr>
+        <a:xfrm>
+          <a:off x="0" y="0"/>
+          <a:ext cx="0" cy="0"/>
+          <a:chOff x="0" y="0"/>
+          <a:chExt cx="0" cy="0"/>
+        </a:xfrm>
+      </p:grpSpPr>
+      <p:sp>
+        <p:nvSpPr>
+          <p:cNvPr id="2" name="Title 1">
+            <a:extLst>
+              <a:ext uri="{FF2B5EF4-FFF2-40B4-BE49-F238E27FC236}">
+                <a16:creationId xmlns:a16="http://schemas.microsoft.com/office/drawing/2014/main" id="{CCC8BC56-D60F-C07B-FE90-6ACA067DE7D6}"/>
+              </a:ext>
+            </a:extLst>
+          </p:cNvPr>
+          <p:cNvSpPr>
+            <a:spLocks noGrp="1"/>
+          </p:cNvSpPr>
+          <p:nvPr>
+            <p:ph type="title"/>
+          </p:nvPr>
+        </p:nvSpPr>
+        <p:spPr/>
+        <p:txBody>
+          <a:bodyPr/>
+          <a:lstStyle/>
+          <a:p>
+            <a:r>
+              <a:rPr lang="ko-KR" altLang="en-US" dirty="0"/>
+              <a:t>경쟁 조건</a:t>
+            </a:r>
+            <a:r>
+              <a:rPr lang="en-US" altLang="ko-KR" dirty="0"/>
+              <a:t>(Race Condition)</a:t>
+            </a:r>
+            <a:endParaRPr lang="en-GB" dirty="0"/>
+          </a:p>
+        </p:txBody>
+      </p:sp>
+      <p:sp>
+        <p:nvSpPr>
+          <p:cNvPr id="3" name="Content Placeholder 2">
+            <a:extLst>
+              <a:ext uri="{FF2B5EF4-FFF2-40B4-BE49-F238E27FC236}">
+                <a16:creationId xmlns:a16="http://schemas.microsoft.com/office/drawing/2014/main" id="{FAE99018-AC87-1E6F-0EAE-55ABCD3C5A06}"/>
+              </a:ext>
+            </a:extLst>
+          </p:cNvPr>
+          <p:cNvSpPr>
+            <a:spLocks noGrp="1"/>
+          </p:cNvSpPr>
+          <p:nvPr>
+            <p:ph idx="1"/>
+          </p:nvPr>
+        </p:nvSpPr>
+        <p:spPr/>
+        <p:txBody>
+          <a:bodyPr/>
+          <a:lstStyle/>
+          <a:p>
+            <a:r>
+              <a:rPr lang="ko-KR" altLang="en-US" dirty="0"/>
+              <a:t>쓰레드 스케줄링 상태에 따라서 결과가 달라지는 현상</a:t>
+            </a:r>
+            <a:endParaRPr lang="en-US" altLang="ko-KR" dirty="0"/>
+          </a:p>
+          <a:p>
+            <a:r>
+              <a:rPr lang="ko-KR" altLang="en-US" dirty="0"/>
+              <a:t>동기화되지 않은 공유 변수에 여러 쓰레드가 동시에 접근하여</a:t>
+            </a:r>
+            <a:r>
+              <a:rPr lang="en-US" altLang="ko-KR" dirty="0"/>
+              <a:t>, </a:t>
+            </a:r>
+            <a:r>
+              <a:rPr lang="ko-KR" altLang="en-US" dirty="0"/>
+              <a:t>데이터를 조작하는 경우</a:t>
+            </a:r>
+            <a:r>
+              <a:rPr lang="en-US" altLang="ko-KR" dirty="0"/>
+              <a:t>, </a:t>
+            </a:r>
+            <a:r>
+              <a:rPr lang="ko-KR" altLang="en-US" dirty="0"/>
+              <a:t>발생할 수 있음</a:t>
+            </a:r>
+            <a:endParaRPr lang="en-US" altLang="ko-KR" dirty="0"/>
+          </a:p>
+        </p:txBody>
+      </p:sp>
+    </p:spTree>
+    <p:extLst>
+      <p:ext uri="{BB962C8B-B14F-4D97-AF65-F5344CB8AC3E}">
+        <p14:creationId xmlns:p14="http://schemas.microsoft.com/office/powerpoint/2010/main" val="3868238998"/>
+      </p:ext>
+    </p:extLst>
+  </p:cSld>
+  <p:clrMapOvr>
+    <a:masterClrMapping/>
+  </p:clrMapOvr>
+</p:sld>
+</file>
+
+<file path=ppt/slides/slide18.xml><?xml version="1.0" encoding="utf-8"?>
+<p:sld xmlns:a="http://schemas.openxmlformats.org/drawingml/2006/main" xmlns:r="http://schemas.openxmlformats.org/officeDocument/2006/relationships" xmlns:p="http://schemas.openxmlformats.org/presentationml/2006/main">
+  <p:cSld>
+    <p:spTree>
+      <p:nvGrpSpPr>
+        <p:cNvPr id="1" name=""/>
+        <p:cNvGrpSpPr/>
+        <p:nvPr/>
+      </p:nvGrpSpPr>
+      <p:grpSpPr>
+        <a:xfrm>
+          <a:off x="0" y="0"/>
+          <a:ext cx="0" cy="0"/>
+          <a:chOff x="0" y="0"/>
+          <a:chExt cx="0" cy="0"/>
+        </a:xfrm>
+      </p:grpSpPr>
+      <p:sp>
+        <p:nvSpPr>
+          <p:cNvPr id="2" name="Title 1">
+            <a:extLst>
+              <a:ext uri="{FF2B5EF4-FFF2-40B4-BE49-F238E27FC236}">
+                <a16:creationId xmlns:a16="http://schemas.microsoft.com/office/drawing/2014/main" id="{B2F74A02-624D-5E8F-0B5C-6B839075E779}"/>
+              </a:ext>
+            </a:extLst>
+          </p:cNvPr>
+          <p:cNvSpPr>
+            <a:spLocks noGrp="1"/>
+          </p:cNvSpPr>
+          <p:nvPr>
+            <p:ph type="title"/>
+          </p:nvPr>
+        </p:nvSpPr>
+        <p:spPr/>
+        <p:txBody>
+          <a:bodyPr/>
+          <a:lstStyle/>
+          <a:p>
+            <a:r>
+              <a:rPr lang="ko-KR" altLang="en-US" dirty="0"/>
+              <a:t>데드락</a:t>
+            </a:r>
+            <a:r>
+              <a:rPr lang="en-US" altLang="ko-KR" dirty="0"/>
+              <a:t>(Dead Lock)</a:t>
+            </a:r>
+            <a:endParaRPr lang="en-GB" dirty="0"/>
+          </a:p>
+        </p:txBody>
+      </p:sp>
+      <p:sp>
+        <p:nvSpPr>
+          <p:cNvPr id="3" name="Content Placeholder 2">
+            <a:extLst>
+              <a:ext uri="{FF2B5EF4-FFF2-40B4-BE49-F238E27FC236}">
+                <a16:creationId xmlns:a16="http://schemas.microsoft.com/office/drawing/2014/main" id="{9A008080-761A-FE73-EB1D-CBF05925FE74}"/>
+              </a:ext>
+            </a:extLst>
+          </p:cNvPr>
+          <p:cNvSpPr>
+            <a:spLocks noGrp="1"/>
+          </p:cNvSpPr>
+          <p:nvPr>
+            <p:ph idx="1"/>
+          </p:nvPr>
+        </p:nvSpPr>
+        <p:spPr>
+          <a:xfrm>
+            <a:off x="208634" y="1690689"/>
+            <a:ext cx="11983366" cy="5101998"/>
+          </a:xfrm>
+        </p:spPr>
+        <p:txBody>
+          <a:bodyPr/>
+          <a:lstStyle/>
+          <a:p>
+            <a:r>
+              <a:rPr lang="ko-KR" altLang="en-US" sz="2000" dirty="0"/>
+              <a:t>두 개 이상의 쓰레드가 락을 획득한 채로</a:t>
+            </a:r>
+            <a:r>
+              <a:rPr lang="en-US" altLang="ko-KR" sz="2000" dirty="0"/>
+              <a:t>, </a:t>
+            </a:r>
+            <a:r>
+              <a:rPr lang="ko-KR" altLang="en-US" sz="2000" dirty="0"/>
+              <a:t>락을 놓지 않고</a:t>
+            </a:r>
+            <a:r>
+              <a:rPr lang="en-US" altLang="ko-KR" sz="2000" dirty="0"/>
+              <a:t>, </a:t>
+            </a:r>
+            <a:r>
+              <a:rPr lang="ko-KR" altLang="en-US" sz="2000" dirty="0"/>
+              <a:t>다른 쓰레드가 점유한 락을 기다리는 경우</a:t>
+            </a:r>
+            <a:r>
+              <a:rPr lang="en-US" altLang="ko-KR" sz="2000" dirty="0"/>
+              <a:t>, </a:t>
+            </a:r>
+            <a:r>
+              <a:rPr lang="ko-KR" altLang="en-US" sz="2000" dirty="0"/>
+              <a:t>발생할 수 있음</a:t>
+            </a:r>
+            <a:r>
+              <a:rPr lang="en-US" altLang="ko-KR" sz="2000" dirty="0"/>
+              <a:t>.</a:t>
+            </a:r>
+          </a:p>
+          <a:p>
+            <a:endParaRPr lang="en-GB" dirty="0"/>
+          </a:p>
+        </p:txBody>
+      </p:sp>
+      <p:pic>
+        <p:nvPicPr>
+          <p:cNvPr id="2052" name="Picture 4" descr="Introduction of Deadlock in Operating System - GeeksforGeeks">
+            <a:extLst>
+              <a:ext uri="{FF2B5EF4-FFF2-40B4-BE49-F238E27FC236}">
+                <a16:creationId xmlns:a16="http://schemas.microsoft.com/office/drawing/2014/main" id="{E75D6684-81F0-4373-C1DE-B8ED3BF4E712}"/>
+              </a:ext>
+            </a:extLst>
+          </p:cNvPr>
+          <p:cNvPicPr>
+            <a:picLocks noChangeAspect="1" noChangeArrowheads="1"/>
+          </p:cNvPicPr>
+          <p:nvPr/>
+        </p:nvPicPr>
+        <p:blipFill>
+          <a:blip r:embed="rId2">
+            <a:extLst>
+              <a:ext uri="{28A0092B-C50C-407E-A947-70E740481C1C}">
+                <a14:useLocalDpi xmlns:a14="http://schemas.microsoft.com/office/drawing/2010/main" val="0"/>
+              </a:ext>
+            </a:extLst>
+          </a:blip>
+          <a:srcRect/>
+          <a:stretch>
+            <a:fillRect/>
+          </a:stretch>
+        </p:blipFill>
+        <p:spPr bwMode="auto">
+          <a:xfrm>
+            <a:off x="3200886" y="2593813"/>
+            <a:ext cx="5286375" cy="3667125"/>
+          </a:xfrm>
+          <a:prstGeom prst="rect">
+            <a:avLst/>
+          </a:prstGeom>
+          <a:noFill/>
+          <a:extLst>
+            <a:ext uri="{909E8E84-426E-40DD-AFC4-6F175D3DCCD1}">
+              <a14:hiddenFill xmlns:a14="http://schemas.microsoft.com/office/drawing/2010/main">
+                <a:solidFill>
+                  <a:srgbClr val="FFFFFF"/>
+                </a:solidFill>
+              </a14:hiddenFill>
+            </a:ext>
+          </a:extLst>
+        </p:spPr>
+      </p:pic>
+    </p:spTree>
+    <p:extLst>
+      <p:ext uri="{BB962C8B-B14F-4D97-AF65-F5344CB8AC3E}">
+        <p14:creationId xmlns:p14="http://schemas.microsoft.com/office/powerpoint/2010/main" val="2269992022"/>
+      </p:ext>
+    </p:extLst>
+  </p:cSld>
+  <p:clrMapOvr>
+    <a:masterClrMapping/>
+  </p:clrMapOvr>
+</p:sld>
+</file>
+
+<file path=ppt/slides/slide19.xml><?xml version="1.0" encoding="utf-8"?>
+<p:sld xmlns:a="http://schemas.openxmlformats.org/drawingml/2006/main" xmlns:r="http://schemas.openxmlformats.org/officeDocument/2006/relationships" xmlns:p="http://schemas.openxmlformats.org/presentationml/2006/main">
+  <p:cSld>
+    <p:spTree>
+      <p:nvGrpSpPr>
+        <p:cNvPr id="1" name=""/>
+        <p:cNvGrpSpPr/>
+        <p:nvPr/>
+      </p:nvGrpSpPr>
+      <p:grpSpPr>
+        <a:xfrm>
+          <a:off x="0" y="0"/>
+          <a:ext cx="0" cy="0"/>
+          <a:chOff x="0" y="0"/>
+          <a:chExt cx="0" cy="0"/>
+        </a:xfrm>
+      </p:grpSpPr>
+      <p:pic>
+        <p:nvPicPr>
+          <p:cNvPr id="4" name="Picture 2" descr="식사하는 철학자 문제 - 나무위키">
+            <a:extLst>
+              <a:ext uri="{FF2B5EF4-FFF2-40B4-BE49-F238E27FC236}">
+                <a16:creationId xmlns:a16="http://schemas.microsoft.com/office/drawing/2014/main" id="{854A272A-2445-96A3-CF06-1C0D67E3A045}"/>
+              </a:ext>
+            </a:extLst>
+          </p:cNvPr>
+          <p:cNvPicPr>
+            <a:picLocks noGrp="1" noChangeAspect="1" noChangeArrowheads="1"/>
+          </p:cNvPicPr>
+          <p:nvPr>
+            <p:ph idx="1"/>
+          </p:nvPr>
+        </p:nvPicPr>
+        <p:blipFill>
+          <a:blip r:embed="rId2">
+            <a:extLst>
+              <a:ext uri="{28A0092B-C50C-407E-A947-70E740481C1C}">
+                <a14:useLocalDpi xmlns:a14="http://schemas.microsoft.com/office/drawing/2010/main" val="0"/>
+              </a:ext>
+            </a:extLst>
+          </a:blip>
+          <a:srcRect/>
+          <a:stretch>
+            <a:fillRect/>
+          </a:stretch>
+        </p:blipFill>
+        <p:spPr bwMode="auto">
+          <a:xfrm>
+            <a:off x="4361463" y="0"/>
+            <a:ext cx="6548437" cy="6636533"/>
+          </a:xfrm>
+          <a:prstGeom prst="rect">
+            <a:avLst/>
+          </a:prstGeom>
+          <a:noFill/>
+          <a:extLst>
+            <a:ext uri="{909E8E84-426E-40DD-AFC4-6F175D3DCCD1}">
+              <a14:hiddenFill xmlns:a14="http://schemas.microsoft.com/office/drawing/2010/main">
+                <a:solidFill>
+                  <a:srgbClr val="FFFFFF"/>
+                </a:solidFill>
+              </a14:hiddenFill>
+            </a:ext>
+          </a:extLst>
+        </p:spPr>
+      </p:pic>
+      <p:sp>
+        <p:nvSpPr>
+          <p:cNvPr id="5" name="TextBox 4">
+            <a:extLst>
+              <a:ext uri="{FF2B5EF4-FFF2-40B4-BE49-F238E27FC236}">
+                <a16:creationId xmlns:a16="http://schemas.microsoft.com/office/drawing/2014/main" id="{1D73342F-F111-F99F-BE2B-A95D621548FC}"/>
+              </a:ext>
+            </a:extLst>
+          </p:cNvPr>
+          <p:cNvSpPr txBox="1"/>
+          <p:nvPr/>
+        </p:nvSpPr>
+        <p:spPr>
+          <a:xfrm>
+            <a:off x="718457" y="270588"/>
+            <a:ext cx="4650712" cy="369332"/>
+          </a:xfrm>
+          <a:prstGeom prst="rect">
+            <a:avLst/>
+          </a:prstGeom>
+          <a:noFill/>
+        </p:spPr>
+        <p:txBody>
+          <a:bodyPr wrap="square" rtlCol="0">
+            <a:spAutoFit/>
+          </a:bodyPr>
+          <a:lstStyle/>
+          <a:p>
+            <a:r>
+              <a:rPr lang="ko-KR" altLang="en-US" dirty="0"/>
+              <a:t>식사하는 철학자 문제</a:t>
+            </a:r>
+            <a:endParaRPr lang="en-GB" dirty="0"/>
+          </a:p>
+        </p:txBody>
+      </p:sp>
+    </p:spTree>
+    <p:extLst>
+      <p:ext uri="{BB962C8B-B14F-4D97-AF65-F5344CB8AC3E}">
+        <p14:creationId xmlns:p14="http://schemas.microsoft.com/office/powerpoint/2010/main" val="3035911580"/>
       </p:ext>
     </p:extLst>
   </p:cSld>
@@ -5315,6 +5942,426 @@
     <p:extLst>
       <p:ext uri="{BB962C8B-B14F-4D97-AF65-F5344CB8AC3E}">
         <p14:creationId xmlns:p14="http://schemas.microsoft.com/office/powerpoint/2010/main" val="853490105"/>
+      </p:ext>
+    </p:extLst>
+  </p:cSld>
+  <p:clrMapOvr>
+    <a:masterClrMapping/>
+  </p:clrMapOvr>
+</p:sld>
+</file>
+
+<file path=ppt/slides/slide20.xml><?xml version="1.0" encoding="utf-8"?>
+<p:sld xmlns:a="http://schemas.openxmlformats.org/drawingml/2006/main" xmlns:r="http://schemas.openxmlformats.org/officeDocument/2006/relationships" xmlns:p="http://schemas.openxmlformats.org/presentationml/2006/main">
+  <p:cSld>
+    <p:spTree>
+      <p:nvGrpSpPr>
+        <p:cNvPr id="1" name=""/>
+        <p:cNvGrpSpPr/>
+        <p:nvPr/>
+      </p:nvGrpSpPr>
+      <p:grpSpPr>
+        <a:xfrm>
+          <a:off x="0" y="0"/>
+          <a:ext cx="0" cy="0"/>
+          <a:chOff x="0" y="0"/>
+          <a:chExt cx="0" cy="0"/>
+        </a:xfrm>
+      </p:grpSpPr>
+      <p:sp>
+        <p:nvSpPr>
+          <p:cNvPr id="2" name="Title 1">
+            <a:extLst>
+              <a:ext uri="{FF2B5EF4-FFF2-40B4-BE49-F238E27FC236}">
+                <a16:creationId xmlns:a16="http://schemas.microsoft.com/office/drawing/2014/main" id="{E7B8458A-9FE4-C07D-0888-7B8153F5212B}"/>
+              </a:ext>
+            </a:extLst>
+          </p:cNvPr>
+          <p:cNvSpPr>
+            <a:spLocks noGrp="1"/>
+          </p:cNvSpPr>
+          <p:nvPr>
+            <p:ph type="title"/>
+          </p:nvPr>
+        </p:nvSpPr>
+        <p:spPr/>
+        <p:txBody>
+          <a:bodyPr/>
+          <a:lstStyle/>
+          <a:p>
+            <a:r>
+              <a:rPr lang="ko-KR" altLang="en-US" dirty="0"/>
+              <a:t>라이브락</a:t>
+            </a:r>
+            <a:r>
+              <a:rPr lang="en-US" altLang="ko-KR" dirty="0"/>
+              <a:t>(</a:t>
+            </a:r>
+            <a:r>
+              <a:rPr lang="en-US" altLang="ko-KR" dirty="0" err="1"/>
+              <a:t>livelock</a:t>
+            </a:r>
+            <a:r>
+              <a:rPr lang="en-US" altLang="ko-KR" dirty="0"/>
+              <a:t>)</a:t>
+            </a:r>
+            <a:endParaRPr lang="en-GB" dirty="0"/>
+          </a:p>
+        </p:txBody>
+      </p:sp>
+      <p:sp>
+        <p:nvSpPr>
+          <p:cNvPr id="3" name="Content Placeholder 2">
+            <a:extLst>
+              <a:ext uri="{FF2B5EF4-FFF2-40B4-BE49-F238E27FC236}">
+                <a16:creationId xmlns:a16="http://schemas.microsoft.com/office/drawing/2014/main" id="{ADF2C0C6-A31E-967E-C534-9B29F5B49C9C}"/>
+              </a:ext>
+            </a:extLst>
+          </p:cNvPr>
+          <p:cNvSpPr>
+            <a:spLocks noGrp="1"/>
+          </p:cNvSpPr>
+          <p:nvPr>
+            <p:ph idx="1"/>
+          </p:nvPr>
+        </p:nvSpPr>
+        <p:spPr/>
+        <p:txBody>
+          <a:bodyPr>
+            <a:normAutofit/>
+          </a:bodyPr>
+          <a:lstStyle/>
+          <a:p>
+            <a:r>
+              <a:rPr lang="en-US" altLang="ko-KR" b="0" i="0" dirty="0">
+                <a:solidFill>
+                  <a:srgbClr val="3B4045"/>
+                </a:solidFill>
+                <a:effectLst/>
+                <a:latin typeface="-apple-system"/>
+              </a:rPr>
+              <a:t>A </a:t>
+            </a:r>
+            <a:r>
+              <a:rPr lang="en-US" altLang="ko-KR" b="1" i="0" dirty="0" err="1">
+                <a:solidFill>
+                  <a:srgbClr val="3B4045"/>
+                </a:solidFill>
+                <a:effectLst/>
+                <a:latin typeface="-apple-system"/>
+              </a:rPr>
+              <a:t>livelock</a:t>
+            </a:r>
+            <a:r>
+              <a:rPr lang="en-US" altLang="ko-KR" b="0" i="0" dirty="0">
+                <a:solidFill>
+                  <a:srgbClr val="3B4045"/>
+                </a:solidFill>
+                <a:effectLst/>
+                <a:latin typeface="-apple-system"/>
+              </a:rPr>
+              <a:t> is similar to a deadlock, except that the states of the processes involved in the </a:t>
+            </a:r>
+            <a:r>
+              <a:rPr lang="en-US" altLang="ko-KR" b="0" i="0" dirty="0" err="1">
+                <a:solidFill>
+                  <a:srgbClr val="3B4045"/>
+                </a:solidFill>
+                <a:effectLst/>
+                <a:latin typeface="-apple-system"/>
+              </a:rPr>
+              <a:t>livelock</a:t>
+            </a:r>
+            <a:r>
+              <a:rPr lang="en-US" altLang="ko-KR" b="0" i="0" dirty="0">
+                <a:solidFill>
+                  <a:srgbClr val="3B4045"/>
+                </a:solidFill>
+                <a:effectLst/>
+                <a:latin typeface="-apple-system"/>
+              </a:rPr>
+              <a:t> constantly change with regard to one another, </a:t>
+            </a:r>
+            <a:r>
+              <a:rPr lang="en-US" altLang="ko-KR" sz="3600" b="1" i="0" dirty="0">
+                <a:solidFill>
+                  <a:srgbClr val="3B4045"/>
+                </a:solidFill>
+                <a:effectLst/>
+                <a:latin typeface="-apple-system"/>
+              </a:rPr>
+              <a:t>none progressing</a:t>
+            </a:r>
+          </a:p>
+          <a:p>
+            <a:r>
+              <a:rPr lang="ko-KR" altLang="en-US" sz="2400" dirty="0"/>
+              <a:t>활동성</a:t>
+            </a:r>
+            <a:r>
+              <a:rPr lang="en-US" altLang="ko-KR" sz="2400" dirty="0"/>
+              <a:t>(liveness)</a:t>
+            </a:r>
+            <a:r>
+              <a:rPr lang="ko-KR" altLang="en-US" sz="2400" dirty="0"/>
+              <a:t>에 문제가 발생한 경우</a:t>
+            </a:r>
+            <a:r>
+              <a:rPr lang="en-US" altLang="ko-KR" sz="2400" dirty="0"/>
+              <a:t>, </a:t>
+            </a:r>
+            <a:r>
+              <a:rPr lang="ko-KR" altLang="en-US" sz="2400" dirty="0"/>
+              <a:t>라이브락에 걸렸다고 볼 수 있음</a:t>
+            </a:r>
+            <a:r>
+              <a:rPr lang="en-US" altLang="ko-KR" sz="2400" dirty="0"/>
+              <a:t>. </a:t>
+            </a:r>
+          </a:p>
+          <a:p>
+            <a:pPr lvl="1"/>
+            <a:r>
+              <a:rPr lang="ko-KR" altLang="en-US" sz="2000" dirty="0"/>
+              <a:t>여러 쓰레드가 특정 조건에서만 그 다음 행동이 가능하도록 되어 있고</a:t>
+            </a:r>
+            <a:r>
+              <a:rPr lang="en-US" altLang="ko-KR" sz="2000" dirty="0"/>
+              <a:t>, </a:t>
+            </a:r>
+            <a:r>
+              <a:rPr lang="ko-KR" altLang="en-US" sz="2000" dirty="0"/>
+              <a:t>각 쓰레드가 서로 다른 상태로 계속 변경하는 경우</a:t>
+            </a:r>
+            <a:r>
+              <a:rPr lang="en-US" altLang="ko-KR" sz="2000" dirty="0"/>
+              <a:t>, </a:t>
+            </a:r>
+            <a:r>
+              <a:rPr lang="ko-KR" altLang="en-US" sz="2000" dirty="0"/>
+              <a:t>라이브락에 빠질 수 있음</a:t>
+            </a:r>
+            <a:r>
+              <a:rPr lang="en-US" altLang="ko-KR" sz="2000" dirty="0"/>
+              <a:t>.</a:t>
+            </a:r>
+          </a:p>
+          <a:p>
+            <a:pPr lvl="1"/>
+            <a:r>
+              <a:rPr lang="ko-KR" altLang="en-US" sz="2000" dirty="0"/>
+              <a:t>활동성이란</a:t>
+            </a:r>
+            <a:r>
+              <a:rPr lang="en-US" altLang="ko-KR" sz="2000" dirty="0"/>
+              <a:t>, </a:t>
+            </a:r>
+            <a:r>
+              <a:rPr lang="ko-KR" altLang="en-US" sz="2000" dirty="0"/>
+              <a:t>즉</a:t>
+            </a:r>
+            <a:r>
+              <a:rPr lang="en-US" altLang="ko-KR" sz="2000" dirty="0"/>
+              <a:t>, </a:t>
+            </a:r>
+            <a:r>
+              <a:rPr lang="ko-KR" altLang="en-US" sz="2000" dirty="0"/>
+              <a:t>원하는 행동이 결국에는 행해진다는 의미로</a:t>
+            </a:r>
+            <a:r>
+              <a:rPr lang="en-US" altLang="ko-KR" sz="2000" dirty="0"/>
+              <a:t>, </a:t>
+            </a:r>
+            <a:r>
+              <a:rPr lang="ko-KR" altLang="en-US" sz="2000" dirty="0"/>
+              <a:t>코드가 무한 반복에 빠진 경우</a:t>
+            </a:r>
+            <a:r>
+              <a:rPr lang="en-US" altLang="ko-KR" sz="2000" dirty="0"/>
+              <a:t>, </a:t>
+            </a:r>
+            <a:r>
+              <a:rPr lang="ko-KR" altLang="en-US" sz="2000" dirty="0"/>
+              <a:t>활동성에 장애가 발생했다고 볼 수 있음</a:t>
+            </a:r>
+            <a:r>
+              <a:rPr lang="en-US" altLang="ko-KR" sz="2000" dirty="0"/>
+              <a:t>.</a:t>
+            </a:r>
+          </a:p>
+          <a:p>
+            <a:pPr lvl="2"/>
+            <a:r>
+              <a:rPr lang="ko-KR" altLang="en-US" sz="1800" dirty="0"/>
+              <a:t>예</a:t>
+            </a:r>
+            <a:r>
+              <a:rPr lang="en-US" altLang="ko-KR" sz="1800" dirty="0"/>
+              <a:t>) </a:t>
+            </a:r>
+            <a:r>
+              <a:rPr lang="ko-KR" altLang="en-US" sz="1800" dirty="0"/>
+              <a:t>무한 반복문에 빠진 코드</a:t>
+            </a:r>
+            <a:endParaRPr lang="en-US" altLang="ko-KR" sz="1800" dirty="0"/>
+          </a:p>
+          <a:p>
+            <a:pPr lvl="2"/>
+            <a:endParaRPr lang="en-US" dirty="0"/>
+          </a:p>
+        </p:txBody>
+      </p:sp>
+    </p:spTree>
+    <p:extLst>
+      <p:ext uri="{BB962C8B-B14F-4D97-AF65-F5344CB8AC3E}">
+        <p14:creationId xmlns:p14="http://schemas.microsoft.com/office/powerpoint/2010/main" val="2230033286"/>
+      </p:ext>
+    </p:extLst>
+  </p:cSld>
+  <p:clrMapOvr>
+    <a:masterClrMapping/>
+  </p:clrMapOvr>
+</p:sld>
+</file>
+
+<file path=ppt/slides/slide21.xml><?xml version="1.0" encoding="utf-8"?>
+<p:sld xmlns:a="http://schemas.openxmlformats.org/drawingml/2006/main" xmlns:r="http://schemas.openxmlformats.org/officeDocument/2006/relationships" xmlns:p="http://schemas.openxmlformats.org/presentationml/2006/main">
+  <p:cSld>
+    <p:spTree>
+      <p:nvGrpSpPr>
+        <p:cNvPr id="1" name=""/>
+        <p:cNvGrpSpPr/>
+        <p:nvPr/>
+      </p:nvGrpSpPr>
+      <p:grpSpPr>
+        <a:xfrm>
+          <a:off x="0" y="0"/>
+          <a:ext cx="0" cy="0"/>
+          <a:chOff x="0" y="0"/>
+          <a:chExt cx="0" cy="0"/>
+        </a:xfrm>
+      </p:grpSpPr>
+      <p:sp>
+        <p:nvSpPr>
+          <p:cNvPr id="2" name="Title 1">
+            <a:extLst>
+              <a:ext uri="{FF2B5EF4-FFF2-40B4-BE49-F238E27FC236}">
+                <a16:creationId xmlns:a16="http://schemas.microsoft.com/office/drawing/2014/main" id="{8A6B3C48-D1E6-6268-29C0-9545CE95671C}"/>
+              </a:ext>
+            </a:extLst>
+          </p:cNvPr>
+          <p:cNvSpPr>
+            <a:spLocks noGrp="1"/>
+          </p:cNvSpPr>
+          <p:nvPr>
+            <p:ph type="title"/>
+          </p:nvPr>
+        </p:nvSpPr>
+        <p:spPr/>
+        <p:txBody>
+          <a:bodyPr/>
+          <a:lstStyle/>
+          <a:p>
+            <a:r>
+              <a:rPr lang="ko-KR" altLang="en-US" dirty="0"/>
+              <a:t>기아 상태</a:t>
+            </a:r>
+            <a:r>
+              <a:rPr lang="en-US" altLang="ko-KR" dirty="0"/>
+              <a:t>(Starvation)</a:t>
+            </a:r>
+            <a:endParaRPr lang="en-GB" dirty="0"/>
+          </a:p>
+        </p:txBody>
+      </p:sp>
+      <p:sp>
+        <p:nvSpPr>
+          <p:cNvPr id="3" name="Content Placeholder 2">
+            <a:extLst>
+              <a:ext uri="{FF2B5EF4-FFF2-40B4-BE49-F238E27FC236}">
+                <a16:creationId xmlns:a16="http://schemas.microsoft.com/office/drawing/2014/main" id="{A5A08A32-032F-48BC-430A-2941F61E46D0}"/>
+              </a:ext>
+            </a:extLst>
+          </p:cNvPr>
+          <p:cNvSpPr>
+            <a:spLocks noGrp="1"/>
+          </p:cNvSpPr>
+          <p:nvPr>
+            <p:ph idx="1"/>
+          </p:nvPr>
+        </p:nvSpPr>
+        <p:spPr/>
+        <p:txBody>
+          <a:bodyPr/>
+          <a:lstStyle/>
+          <a:p>
+            <a:r>
+              <a:rPr lang="ko-KR" altLang="en-US" dirty="0"/>
+              <a:t>특정 쓰레드가 자원을 오랜시간</a:t>
+            </a:r>
+            <a:r>
+              <a:rPr lang="en-US" altLang="ko-KR" dirty="0"/>
+              <a:t>, </a:t>
+            </a:r>
+            <a:r>
+              <a:rPr lang="ko-KR" altLang="en-US" dirty="0"/>
+              <a:t>혹은 영원히 할당받지 못하는 경우</a:t>
+            </a:r>
+            <a:r>
+              <a:rPr lang="en-US" altLang="ko-KR" dirty="0"/>
+              <a:t>, </a:t>
+            </a:r>
+            <a:r>
+              <a:rPr lang="ko-KR" altLang="en-US" dirty="0"/>
+              <a:t>기아 상태에 빠질 수 있음</a:t>
+            </a:r>
+            <a:endParaRPr lang="en-US" altLang="ko-KR" dirty="0"/>
+          </a:p>
+          <a:p>
+            <a:r>
+              <a:rPr lang="ko-KR" altLang="en-US" dirty="0"/>
+              <a:t>쓰레드에는 우선순위를 설정할 수 있는 기능이 있는데</a:t>
+            </a:r>
+            <a:r>
+              <a:rPr lang="en-US" altLang="ko-KR" dirty="0"/>
+              <a:t>, </a:t>
+            </a:r>
+            <a:r>
+              <a:rPr lang="ko-KR" altLang="en-US" dirty="0"/>
+              <a:t>이를 잘 못 활용할 경우</a:t>
+            </a:r>
+            <a:r>
+              <a:rPr lang="en-US" altLang="ko-KR" dirty="0"/>
+              <a:t>, </a:t>
+            </a:r>
+            <a:r>
+              <a:rPr lang="ko-KR" altLang="en-US" dirty="0"/>
+              <a:t>자원이 충분치 않다면</a:t>
+            </a:r>
+            <a:r>
+              <a:rPr lang="en-US" altLang="ko-KR" dirty="0"/>
+              <a:t>, </a:t>
+            </a:r>
+            <a:r>
+              <a:rPr lang="ko-KR" altLang="en-US" dirty="0"/>
+              <a:t>우선순위가 낮은 쓰레드는 영원히 스케줄러에게 </a:t>
+            </a:r>
+            <a:r>
+              <a:rPr lang="en-US" altLang="ko-KR" dirty="0"/>
+              <a:t>CPU </a:t>
+            </a:r>
+            <a:r>
+              <a:rPr lang="ko-KR" altLang="en-US" dirty="0"/>
+              <a:t>및 자원을 할당받지 못할 수 있음</a:t>
+            </a:r>
+            <a:endParaRPr lang="en-US" altLang="ko-KR" dirty="0"/>
+          </a:p>
+        </p:txBody>
+      </p:sp>
+    </p:spTree>
+    <p:extLst>
+      <p:ext uri="{BB962C8B-B14F-4D97-AF65-F5344CB8AC3E}">
+        <p14:creationId xmlns:p14="http://schemas.microsoft.com/office/powerpoint/2010/main" val="1119301350"/>
       </p:ext>
     </p:extLst>
   </p:cSld>

--- a/hy/수업자료/6주차 멀티쓰레딩/Multi Threading.pptx
+++ b/hy/수업자료/6주차 멀티쓰레딩/Multi Threading.pptx
@@ -5,30 +5,44 @@
     <p:sldMasterId id="2147483648" r:id="rId1"/>
   </p:sldMasterIdLst>
   <p:notesMasterIdLst>
-    <p:notesMasterId r:id="rId23"/>
+    <p:notesMasterId r:id="rId37"/>
   </p:notesMasterIdLst>
   <p:sldIdLst>
     <p:sldId id="256" r:id="rId2"/>
     <p:sldId id="261" r:id="rId3"/>
     <p:sldId id="257" r:id="rId4"/>
-    <p:sldId id="259" r:id="rId5"/>
-    <p:sldId id="269" r:id="rId6"/>
-    <p:sldId id="260" r:id="rId7"/>
-    <p:sldId id="258" r:id="rId8"/>
-    <p:sldId id="264" r:id="rId9"/>
-    <p:sldId id="262" r:id="rId10"/>
-    <p:sldId id="263" r:id="rId11"/>
-    <p:sldId id="265" r:id="rId12"/>
-    <p:sldId id="266" r:id="rId13"/>
-    <p:sldId id="267" r:id="rId14"/>
-    <p:sldId id="268" r:id="rId15"/>
-    <p:sldId id="270" r:id="rId16"/>
-    <p:sldId id="271" r:id="rId17"/>
-    <p:sldId id="272" r:id="rId18"/>
-    <p:sldId id="273" r:id="rId19"/>
-    <p:sldId id="274" r:id="rId20"/>
-    <p:sldId id="275" r:id="rId21"/>
-    <p:sldId id="276" r:id="rId22"/>
+    <p:sldId id="281" r:id="rId5"/>
+    <p:sldId id="259" r:id="rId6"/>
+    <p:sldId id="269" r:id="rId7"/>
+    <p:sldId id="277" r:id="rId8"/>
+    <p:sldId id="260" r:id="rId9"/>
+    <p:sldId id="258" r:id="rId10"/>
+    <p:sldId id="264" r:id="rId11"/>
+    <p:sldId id="278" r:id="rId12"/>
+    <p:sldId id="262" r:id="rId13"/>
+    <p:sldId id="263" r:id="rId14"/>
+    <p:sldId id="265" r:id="rId15"/>
+    <p:sldId id="266" r:id="rId16"/>
+    <p:sldId id="279" r:id="rId17"/>
+    <p:sldId id="282" r:id="rId18"/>
+    <p:sldId id="267" r:id="rId19"/>
+    <p:sldId id="280" r:id="rId20"/>
+    <p:sldId id="268" r:id="rId21"/>
+    <p:sldId id="270" r:id="rId22"/>
+    <p:sldId id="271" r:id="rId23"/>
+    <p:sldId id="272" r:id="rId24"/>
+    <p:sldId id="273" r:id="rId25"/>
+    <p:sldId id="274" r:id="rId26"/>
+    <p:sldId id="275" r:id="rId27"/>
+    <p:sldId id="276" r:id="rId28"/>
+    <p:sldId id="283" r:id="rId29"/>
+    <p:sldId id="284" r:id="rId30"/>
+    <p:sldId id="285" r:id="rId31"/>
+    <p:sldId id="286" r:id="rId32"/>
+    <p:sldId id="288" r:id="rId33"/>
+    <p:sldId id="287" r:id="rId34"/>
+    <p:sldId id="289" r:id="rId35"/>
+    <p:sldId id="290" r:id="rId36"/>
   </p:sldIdLst>
   <p:sldSz cx="12192000" cy="6858000"/>
   <p:notesSz cx="6858000" cy="9144000"/>
@@ -217,7 +231,7 @@
           <a:p>
             <a:fld id="{0B53A3BC-95EC-4D02-B752-F6FC9AD06EDF}" type="datetimeFigureOut">
               <a:rPr lang="ko-KR" altLang="en-US" smtClean="0"/>
-              <a:t>2024-09-20</a:t>
+              <a:t>2024-09-24</a:t>
             </a:fld>
             <a:endParaRPr lang="ko-KR" altLang="en-US"/>
           </a:p>
@@ -809,7 +823,7 @@
           <a:p>
             <a:fld id="{C4EECB8D-1965-41E5-8096-BEC92FBFDCA9}" type="slidenum">
               <a:rPr lang="ko-KR" altLang="en-US" smtClean="0"/>
-              <a:t>16</a:t>
+              <a:t>22</a:t>
             </a:fld>
             <a:endParaRPr lang="ko-KR" altLang="en-US"/>
           </a:p>
@@ -975,7 +989,7 @@
           <a:p>
             <a:fld id="{567B9D49-6FAF-4614-8489-C1546A96FEA5}" type="datetimeFigureOut">
               <a:rPr lang="ko-KR" altLang="en-US" smtClean="0"/>
-              <a:t>2024-09-20</a:t>
+              <a:t>2024-09-24</a:t>
             </a:fld>
             <a:endParaRPr lang="ko-KR" altLang="en-US"/>
           </a:p>
@@ -1173,7 +1187,7 @@
           <a:p>
             <a:fld id="{567B9D49-6FAF-4614-8489-C1546A96FEA5}" type="datetimeFigureOut">
               <a:rPr lang="ko-KR" altLang="en-US" smtClean="0"/>
-              <a:t>2024-09-20</a:t>
+              <a:t>2024-09-24</a:t>
             </a:fld>
             <a:endParaRPr lang="ko-KR" altLang="en-US"/>
           </a:p>
@@ -1381,7 +1395,7 @@
           <a:p>
             <a:fld id="{567B9D49-6FAF-4614-8489-C1546A96FEA5}" type="datetimeFigureOut">
               <a:rPr lang="ko-KR" altLang="en-US" smtClean="0"/>
-              <a:t>2024-09-20</a:t>
+              <a:t>2024-09-24</a:t>
             </a:fld>
             <a:endParaRPr lang="ko-KR" altLang="en-US"/>
           </a:p>
@@ -1579,7 +1593,7 @@
           <a:p>
             <a:fld id="{567B9D49-6FAF-4614-8489-C1546A96FEA5}" type="datetimeFigureOut">
               <a:rPr lang="ko-KR" altLang="en-US" smtClean="0"/>
-              <a:t>2024-09-20</a:t>
+              <a:t>2024-09-24</a:t>
             </a:fld>
             <a:endParaRPr lang="ko-KR" altLang="en-US"/>
           </a:p>
@@ -1854,7 +1868,7 @@
           <a:p>
             <a:fld id="{567B9D49-6FAF-4614-8489-C1546A96FEA5}" type="datetimeFigureOut">
               <a:rPr lang="ko-KR" altLang="en-US" smtClean="0"/>
-              <a:t>2024-09-20</a:t>
+              <a:t>2024-09-24</a:t>
             </a:fld>
             <a:endParaRPr lang="ko-KR" altLang="en-US"/>
           </a:p>
@@ -2119,7 +2133,7 @@
           <a:p>
             <a:fld id="{567B9D49-6FAF-4614-8489-C1546A96FEA5}" type="datetimeFigureOut">
               <a:rPr lang="ko-KR" altLang="en-US" smtClean="0"/>
-              <a:t>2024-09-20</a:t>
+              <a:t>2024-09-24</a:t>
             </a:fld>
             <a:endParaRPr lang="ko-KR" altLang="en-US"/>
           </a:p>
@@ -2531,7 +2545,7 @@
           <a:p>
             <a:fld id="{567B9D49-6FAF-4614-8489-C1546A96FEA5}" type="datetimeFigureOut">
               <a:rPr lang="ko-KR" altLang="en-US" smtClean="0"/>
-              <a:t>2024-09-20</a:t>
+              <a:t>2024-09-24</a:t>
             </a:fld>
             <a:endParaRPr lang="ko-KR" altLang="en-US"/>
           </a:p>
@@ -2672,7 +2686,7 @@
           <a:p>
             <a:fld id="{567B9D49-6FAF-4614-8489-C1546A96FEA5}" type="datetimeFigureOut">
               <a:rPr lang="ko-KR" altLang="en-US" smtClean="0"/>
-              <a:t>2024-09-20</a:t>
+              <a:t>2024-09-24</a:t>
             </a:fld>
             <a:endParaRPr lang="ko-KR" altLang="en-US"/>
           </a:p>
@@ -2785,7 +2799,7 @@
           <a:p>
             <a:fld id="{567B9D49-6FAF-4614-8489-C1546A96FEA5}" type="datetimeFigureOut">
               <a:rPr lang="ko-KR" altLang="en-US" smtClean="0"/>
-              <a:t>2024-09-20</a:t>
+              <a:t>2024-09-24</a:t>
             </a:fld>
             <a:endParaRPr lang="ko-KR" altLang="en-US"/>
           </a:p>
@@ -3096,7 +3110,7 @@
           <a:p>
             <a:fld id="{567B9D49-6FAF-4614-8489-C1546A96FEA5}" type="datetimeFigureOut">
               <a:rPr lang="ko-KR" altLang="en-US" smtClean="0"/>
-              <a:t>2024-09-20</a:t>
+              <a:t>2024-09-24</a:t>
             </a:fld>
             <a:endParaRPr lang="ko-KR" altLang="en-US"/>
           </a:p>
@@ -3384,7 +3398,7 @@
           <a:p>
             <a:fld id="{567B9D49-6FAF-4614-8489-C1546A96FEA5}" type="datetimeFigureOut">
               <a:rPr lang="ko-KR" altLang="en-US" smtClean="0"/>
-              <a:t>2024-09-20</a:t>
+              <a:t>2024-09-24</a:t>
             </a:fld>
             <a:endParaRPr lang="ko-KR" altLang="en-US"/>
           </a:p>
@@ -3625,7 +3639,7 @@
           <a:p>
             <a:fld id="{567B9D49-6FAF-4614-8489-C1546A96FEA5}" type="datetimeFigureOut">
               <a:rPr lang="ko-KR" altLang="en-US" smtClean="0"/>
-              <a:t>2024-09-20</a:t>
+              <a:t>2024-09-24</a:t>
             </a:fld>
             <a:endParaRPr lang="ko-KR" altLang="en-US"/>
           </a:p>
@@ -4138,6 +4152,315 @@
           <p:cNvPr id="2" name="제목 1">
             <a:extLst>
               <a:ext uri="{FF2B5EF4-FFF2-40B4-BE49-F238E27FC236}">
+                <a16:creationId xmlns:a16="http://schemas.microsoft.com/office/drawing/2014/main" id="{530E2627-FE64-4115-9736-769365B5334B}"/>
+              </a:ext>
+            </a:extLst>
+          </p:cNvPr>
+          <p:cNvSpPr>
+            <a:spLocks noGrp="1"/>
+          </p:cNvSpPr>
+          <p:nvPr>
+            <p:ph type="title"/>
+          </p:nvPr>
+        </p:nvSpPr>
+        <p:spPr/>
+        <p:txBody>
+          <a:bodyPr/>
+          <a:lstStyle/>
+          <a:p>
+            <a:r>
+              <a:rPr lang="en-US" altLang="ko-KR" dirty="0"/>
+              <a:t>CPU Scheduling related issues</a:t>
+            </a:r>
+            <a:endParaRPr lang="ko-KR" altLang="en-US" dirty="0"/>
+          </a:p>
+        </p:txBody>
+      </p:sp>
+      <p:sp>
+        <p:nvSpPr>
+          <p:cNvPr id="3" name="내용 개체 틀 2">
+            <a:extLst>
+              <a:ext uri="{FF2B5EF4-FFF2-40B4-BE49-F238E27FC236}">
+                <a16:creationId xmlns:a16="http://schemas.microsoft.com/office/drawing/2014/main" id="{F2EC200E-3423-49B1-83DA-7B17FF6EEF3B}"/>
+              </a:ext>
+            </a:extLst>
+          </p:cNvPr>
+          <p:cNvSpPr>
+            <a:spLocks noGrp="1"/>
+          </p:cNvSpPr>
+          <p:nvPr>
+            <p:ph idx="1"/>
+          </p:nvPr>
+        </p:nvSpPr>
+        <p:spPr/>
+        <p:txBody>
+          <a:bodyPr/>
+          <a:lstStyle/>
+          <a:p>
+            <a:r>
+              <a:rPr lang="en-US" altLang="ko-KR" dirty="0"/>
+              <a:t>Context Switching</a:t>
+            </a:r>
+          </a:p>
+          <a:p>
+            <a:r>
+              <a:rPr lang="en-US" altLang="ko-KR" dirty="0"/>
+              <a:t>Priority(</a:t>
+            </a:r>
+            <a:r>
+              <a:rPr lang="ko-KR" altLang="en-US" dirty="0"/>
+              <a:t>우선순위</a:t>
+            </a:r>
+            <a:r>
+              <a:rPr lang="en-US" altLang="ko-KR" dirty="0"/>
+              <a:t>)</a:t>
+            </a:r>
+            <a:endParaRPr lang="ko-KR" altLang="en-US" dirty="0"/>
+          </a:p>
+        </p:txBody>
+      </p:sp>
+    </p:spTree>
+    <p:extLst>
+      <p:ext uri="{BB962C8B-B14F-4D97-AF65-F5344CB8AC3E}">
+        <p14:creationId xmlns:p14="http://schemas.microsoft.com/office/powerpoint/2010/main" val="2796532021"/>
+      </p:ext>
+    </p:extLst>
+  </p:cSld>
+  <p:clrMapOvr>
+    <a:masterClrMapping/>
+  </p:clrMapOvr>
+</p:sld>
+</file>
+
+<file path=ppt/slides/slide11.xml><?xml version="1.0" encoding="utf-8"?>
+<p:sld xmlns:a="http://schemas.openxmlformats.org/drawingml/2006/main" xmlns:r="http://schemas.openxmlformats.org/officeDocument/2006/relationships" xmlns:p="http://schemas.openxmlformats.org/presentationml/2006/main">
+  <p:cSld>
+    <p:spTree>
+      <p:nvGrpSpPr>
+        <p:cNvPr id="1" name=""/>
+        <p:cNvGrpSpPr/>
+        <p:nvPr/>
+      </p:nvGrpSpPr>
+      <p:grpSpPr>
+        <a:xfrm>
+          <a:off x="0" y="0"/>
+          <a:ext cx="0" cy="0"/>
+          <a:chOff x="0" y="0"/>
+          <a:chExt cx="0" cy="0"/>
+        </a:xfrm>
+      </p:grpSpPr>
+      <p:sp>
+        <p:nvSpPr>
+          <p:cNvPr id="2" name="Title 1">
+            <a:extLst>
+              <a:ext uri="{FF2B5EF4-FFF2-40B4-BE49-F238E27FC236}">
+                <a16:creationId xmlns:a16="http://schemas.microsoft.com/office/drawing/2014/main" id="{A502D2D2-6E1B-3ACF-1099-6CA15CFEED5D}"/>
+              </a:ext>
+            </a:extLst>
+          </p:cNvPr>
+          <p:cNvSpPr>
+            <a:spLocks noGrp="1"/>
+          </p:cNvSpPr>
+          <p:nvPr>
+            <p:ph type="title"/>
+          </p:nvPr>
+        </p:nvSpPr>
+        <p:spPr/>
+        <p:txBody>
+          <a:bodyPr/>
+          <a:lstStyle/>
+          <a:p>
+            <a:r>
+              <a:rPr lang="en-GB" dirty="0"/>
+              <a:t>Context </a:t>
+            </a:r>
+            <a:r>
+              <a:rPr lang="en-GB" dirty="0" err="1"/>
+              <a:t>Swtiching</a:t>
+            </a:r>
+            <a:endParaRPr lang="en-GB" dirty="0"/>
+          </a:p>
+        </p:txBody>
+      </p:sp>
+      <p:sp>
+        <p:nvSpPr>
+          <p:cNvPr id="3" name="Content Placeholder 2">
+            <a:extLst>
+              <a:ext uri="{FF2B5EF4-FFF2-40B4-BE49-F238E27FC236}">
+                <a16:creationId xmlns:a16="http://schemas.microsoft.com/office/drawing/2014/main" id="{FE33E23C-BBC6-FDBB-B16E-719BE83B082C}"/>
+              </a:ext>
+            </a:extLst>
+          </p:cNvPr>
+          <p:cNvSpPr>
+            <a:spLocks noGrp="1"/>
+          </p:cNvSpPr>
+          <p:nvPr>
+            <p:ph idx="1"/>
+          </p:nvPr>
+        </p:nvSpPr>
+        <p:spPr/>
+        <p:txBody>
+          <a:bodyPr/>
+          <a:lstStyle/>
+          <a:p>
+            <a:endParaRPr lang="en-GB" dirty="0"/>
+          </a:p>
+        </p:txBody>
+      </p:sp>
+    </p:spTree>
+    <p:extLst>
+      <p:ext uri="{BB962C8B-B14F-4D97-AF65-F5344CB8AC3E}">
+        <p14:creationId xmlns:p14="http://schemas.microsoft.com/office/powerpoint/2010/main" val="3925407228"/>
+      </p:ext>
+    </p:extLst>
+  </p:cSld>
+  <p:clrMapOvr>
+    <a:masterClrMapping/>
+  </p:clrMapOvr>
+</p:sld>
+</file>
+
+<file path=ppt/slides/slide12.xml><?xml version="1.0" encoding="utf-8"?>
+<p:sld xmlns:a="http://schemas.openxmlformats.org/drawingml/2006/main" xmlns:r="http://schemas.openxmlformats.org/officeDocument/2006/relationships" xmlns:p="http://schemas.openxmlformats.org/presentationml/2006/main">
+  <p:cSld>
+    <p:spTree>
+      <p:nvGrpSpPr>
+        <p:cNvPr id="1" name=""/>
+        <p:cNvGrpSpPr/>
+        <p:nvPr/>
+      </p:nvGrpSpPr>
+      <p:grpSpPr>
+        <a:xfrm>
+          <a:off x="0" y="0"/>
+          <a:ext cx="0" cy="0"/>
+          <a:chOff x="0" y="0"/>
+          <a:chExt cx="0" cy="0"/>
+        </a:xfrm>
+      </p:grpSpPr>
+      <p:sp>
+        <p:nvSpPr>
+          <p:cNvPr id="2" name="제목 1">
+            <a:extLst>
+              <a:ext uri="{FF2B5EF4-FFF2-40B4-BE49-F238E27FC236}">
+                <a16:creationId xmlns:a16="http://schemas.microsoft.com/office/drawing/2014/main" id="{8F202E2F-484E-4753-B3EB-5E3B03D1C8FC}"/>
+              </a:ext>
+            </a:extLst>
+          </p:cNvPr>
+          <p:cNvSpPr>
+            <a:spLocks noGrp="1"/>
+          </p:cNvSpPr>
+          <p:nvPr>
+            <p:ph type="title"/>
+          </p:nvPr>
+        </p:nvSpPr>
+        <p:spPr/>
+        <p:txBody>
+          <a:bodyPr/>
+          <a:lstStyle/>
+          <a:p>
+            <a:r>
+              <a:rPr lang="en-US" altLang="ko-KR" dirty="0"/>
+              <a:t>CPU</a:t>
+            </a:r>
+            <a:r>
+              <a:rPr lang="ko-KR" altLang="en-US" dirty="0"/>
+              <a:t> </a:t>
+            </a:r>
+            <a:r>
+              <a:rPr lang="en-US" altLang="ko-KR" dirty="0"/>
+              <a:t>Scheduling</a:t>
+            </a:r>
+            <a:r>
+              <a:rPr lang="ko-KR" altLang="en-US" dirty="0"/>
+              <a:t> 종류</a:t>
+            </a:r>
+          </a:p>
+        </p:txBody>
+      </p:sp>
+      <p:pic>
+        <p:nvPicPr>
+          <p:cNvPr id="2050" name="Picture 2" descr="Different types of CPU Scheduling Algorithms">
+            <a:extLst>
+              <a:ext uri="{FF2B5EF4-FFF2-40B4-BE49-F238E27FC236}">
+                <a16:creationId xmlns:a16="http://schemas.microsoft.com/office/drawing/2014/main" id="{99B8737A-EC8B-42C4-A0D7-6C2C9FF4C25D}"/>
+              </a:ext>
+            </a:extLst>
+          </p:cNvPr>
+          <p:cNvPicPr>
+            <a:picLocks noGrp="1" noChangeAspect="1" noChangeArrowheads="1"/>
+          </p:cNvPicPr>
+          <p:nvPr>
+            <p:ph idx="1"/>
+          </p:nvPr>
+        </p:nvPicPr>
+        <p:blipFill>
+          <a:blip r:embed="rId2">
+            <a:extLst>
+              <a:ext uri="{28A0092B-C50C-407E-A947-70E740481C1C}">
+                <a14:useLocalDpi xmlns:a14="http://schemas.microsoft.com/office/drawing/2010/main" val="0"/>
+              </a:ext>
+            </a:extLst>
+          </a:blip>
+          <a:srcRect/>
+          <a:stretch>
+            <a:fillRect/>
+          </a:stretch>
+        </p:blipFill>
+        <p:spPr bwMode="auto">
+          <a:xfrm>
+            <a:off x="1528725" y="1690688"/>
+            <a:ext cx="7955023" cy="4351338"/>
+          </a:xfrm>
+          <a:prstGeom prst="rect">
+            <a:avLst/>
+          </a:prstGeom>
+          <a:noFill/>
+          <a:extLst>
+            <a:ext uri="{909E8E84-426E-40DD-AFC4-6F175D3DCCD1}">
+              <a14:hiddenFill xmlns:a14="http://schemas.microsoft.com/office/drawing/2010/main">
+                <a:solidFill>
+                  <a:srgbClr val="FFFFFF"/>
+                </a:solidFill>
+              </a14:hiddenFill>
+            </a:ext>
+          </a:extLst>
+        </p:spPr>
+      </p:pic>
+    </p:spTree>
+    <p:extLst>
+      <p:ext uri="{BB962C8B-B14F-4D97-AF65-F5344CB8AC3E}">
+        <p14:creationId xmlns:p14="http://schemas.microsoft.com/office/powerpoint/2010/main" val="1054027736"/>
+      </p:ext>
+    </p:extLst>
+  </p:cSld>
+  <p:clrMapOvr>
+    <a:masterClrMapping/>
+  </p:clrMapOvr>
+</p:sld>
+</file>
+
+<file path=ppt/slides/slide13.xml><?xml version="1.0" encoding="utf-8"?>
+<p:sld xmlns:a="http://schemas.openxmlformats.org/drawingml/2006/main" xmlns:r="http://schemas.openxmlformats.org/officeDocument/2006/relationships" xmlns:p="http://schemas.openxmlformats.org/presentationml/2006/main">
+  <p:cSld>
+    <p:spTree>
+      <p:nvGrpSpPr>
+        <p:cNvPr id="1" name=""/>
+        <p:cNvGrpSpPr/>
+        <p:nvPr/>
+      </p:nvGrpSpPr>
+      <p:grpSpPr>
+        <a:xfrm>
+          <a:off x="0" y="0"/>
+          <a:ext cx="0" cy="0"/>
+          <a:chOff x="0" y="0"/>
+          <a:chExt cx="0" cy="0"/>
+        </a:xfrm>
+      </p:grpSpPr>
+      <p:sp>
+        <p:nvSpPr>
+          <p:cNvPr id="2" name="제목 1">
+            <a:extLst>
+              <a:ext uri="{FF2B5EF4-FFF2-40B4-BE49-F238E27FC236}">
                 <a16:creationId xmlns:a16="http://schemas.microsoft.com/office/drawing/2014/main" id="{86183A06-B2DD-4988-BC16-9F5DC7A5F878}"/>
               </a:ext>
             </a:extLst>
@@ -4209,6 +4532,52 @@
           </a:extLst>
         </p:spPr>
       </p:pic>
+      <p:sp>
+        <p:nvSpPr>
+          <p:cNvPr id="3" name="Rectangle 2">
+            <a:extLst>
+              <a:ext uri="{FF2B5EF4-FFF2-40B4-BE49-F238E27FC236}">
+                <a16:creationId xmlns:a16="http://schemas.microsoft.com/office/drawing/2014/main" id="{116B9B5A-5A79-1840-3F86-DE80743E80F8}"/>
+              </a:ext>
+            </a:extLst>
+          </p:cNvPr>
+          <p:cNvSpPr/>
+          <p:nvPr/>
+        </p:nvSpPr>
+        <p:spPr>
+          <a:xfrm>
+            <a:off x="1714501" y="3135086"/>
+            <a:ext cx="3477986" cy="2383970"/>
+          </a:xfrm>
+          <a:prstGeom prst="rect">
+            <a:avLst/>
+          </a:prstGeom>
+        </p:spPr>
+        <p:style>
+          <a:lnRef idx="2">
+            <a:schemeClr val="accent1">
+              <a:shade val="15000"/>
+            </a:schemeClr>
+          </a:lnRef>
+          <a:fillRef idx="1">
+            <a:schemeClr val="accent1"/>
+          </a:fillRef>
+          <a:effectRef idx="0">
+            <a:schemeClr val="accent1"/>
+          </a:effectRef>
+          <a:fontRef idx="minor">
+            <a:schemeClr val="lt1"/>
+          </a:fontRef>
+        </p:style>
+        <p:txBody>
+          <a:bodyPr rtlCol="0" anchor="ctr"/>
+          <a:lstStyle/>
+          <a:p>
+            <a:pPr algn="ctr"/>
+            <a:endParaRPr lang="en-GB"/>
+          </a:p>
+        </p:txBody>
+      </p:sp>
     </p:spTree>
     <p:extLst>
       <p:ext uri="{BB962C8B-B14F-4D97-AF65-F5344CB8AC3E}">
@@ -4222,7 +4591,7 @@
 </p:sld>
 </file>
 
-<file path=ppt/slides/slide11.xml><?xml version="1.0" encoding="utf-8"?>
+<file path=ppt/slides/slide14.xml><?xml version="1.0" encoding="utf-8"?>
 <p:sld xmlns:a="http://schemas.openxmlformats.org/drawingml/2006/main" xmlns:r="http://schemas.openxmlformats.org/officeDocument/2006/relationships" xmlns:p="http://schemas.openxmlformats.org/presentationml/2006/main">
   <p:cSld>
     <p:spTree>
@@ -4316,7 +4685,7 @@
 </p:sld>
 </file>
 
-<file path=ppt/slides/slide12.xml><?xml version="1.0" encoding="utf-8"?>
+<file path=ppt/slides/slide15.xml><?xml version="1.0" encoding="utf-8"?>
 <p:sld xmlns:a="http://schemas.openxmlformats.org/drawingml/2006/main" xmlns:r="http://schemas.openxmlformats.org/officeDocument/2006/relationships" xmlns:p="http://schemas.openxmlformats.org/presentationml/2006/main">
   <p:cSld>
     <p:spTree>
@@ -4461,10 +4830,9 @@
               <a:t>가벼움</a:t>
             </a:r>
             <a:r>
-              <a:rPr lang="en-US" altLang="ko-KR"/>
+              <a:rPr lang="en-US" altLang="ko-KR" dirty="0"/>
               <a:t>!</a:t>
             </a:r>
-            <a:endParaRPr lang="en-US" altLang="ko-KR" dirty="0"/>
           </a:p>
           <a:p>
             <a:r>
@@ -4519,7 +4887,1686 @@
 </p:sld>
 </file>
 
-<file path=ppt/slides/slide13.xml><?xml version="1.0" encoding="utf-8"?>
+<file path=ppt/slides/slide16.xml><?xml version="1.0" encoding="utf-8"?>
+<p:sld xmlns:a="http://schemas.openxmlformats.org/drawingml/2006/main" xmlns:r="http://schemas.openxmlformats.org/officeDocument/2006/relationships" xmlns:p="http://schemas.openxmlformats.org/presentationml/2006/main">
+  <p:cSld>
+    <p:spTree>
+      <p:nvGrpSpPr>
+        <p:cNvPr id="1" name=""/>
+        <p:cNvGrpSpPr/>
+        <p:nvPr/>
+      </p:nvGrpSpPr>
+      <p:grpSpPr>
+        <a:xfrm>
+          <a:off x="0" y="0"/>
+          <a:ext cx="0" cy="0"/>
+          <a:chOff x="0" y="0"/>
+          <a:chExt cx="0" cy="0"/>
+        </a:xfrm>
+      </p:grpSpPr>
+      <p:sp>
+        <p:nvSpPr>
+          <p:cNvPr id="4" name="Rectangle 3">
+            <a:extLst>
+              <a:ext uri="{FF2B5EF4-FFF2-40B4-BE49-F238E27FC236}">
+                <a16:creationId xmlns:a16="http://schemas.microsoft.com/office/drawing/2014/main" id="{EF58F265-D0FD-5E53-0954-742CFE3C9548}"/>
+              </a:ext>
+            </a:extLst>
+          </p:cNvPr>
+          <p:cNvSpPr/>
+          <p:nvPr/>
+        </p:nvSpPr>
+        <p:spPr>
+          <a:xfrm>
+            <a:off x="1338347" y="1011551"/>
+            <a:ext cx="8052646" cy="4060322"/>
+          </a:xfrm>
+          <a:prstGeom prst="rect">
+            <a:avLst/>
+          </a:prstGeom>
+        </p:spPr>
+        <p:style>
+          <a:lnRef idx="2">
+            <a:schemeClr val="accent1">
+              <a:shade val="15000"/>
+            </a:schemeClr>
+          </a:lnRef>
+          <a:fillRef idx="1">
+            <a:schemeClr val="accent1"/>
+          </a:fillRef>
+          <a:effectRef idx="0">
+            <a:schemeClr val="accent1"/>
+          </a:effectRef>
+          <a:fontRef idx="minor">
+            <a:schemeClr val="lt1"/>
+          </a:fontRef>
+        </p:style>
+        <p:txBody>
+          <a:bodyPr rtlCol="0" anchor="ctr"/>
+          <a:lstStyle/>
+          <a:p>
+            <a:pPr algn="ctr"/>
+            <a:endParaRPr lang="en-GB"/>
+          </a:p>
+        </p:txBody>
+      </p:sp>
+      <p:sp>
+        <p:nvSpPr>
+          <p:cNvPr id="5" name="Rectangle 4">
+            <a:extLst>
+              <a:ext uri="{FF2B5EF4-FFF2-40B4-BE49-F238E27FC236}">
+                <a16:creationId xmlns:a16="http://schemas.microsoft.com/office/drawing/2014/main" id="{600445CA-A51E-36C9-E114-D657BFED4083}"/>
+              </a:ext>
+            </a:extLst>
+          </p:cNvPr>
+          <p:cNvSpPr/>
+          <p:nvPr/>
+        </p:nvSpPr>
+        <p:spPr>
+          <a:xfrm>
+            <a:off x="1559173" y="876494"/>
+            <a:ext cx="7684579" cy="1133772"/>
+          </a:xfrm>
+          <a:prstGeom prst="rect">
+            <a:avLst/>
+          </a:prstGeom>
+        </p:spPr>
+        <p:style>
+          <a:lnRef idx="2">
+            <a:schemeClr val="accent1">
+              <a:shade val="15000"/>
+            </a:schemeClr>
+          </a:lnRef>
+          <a:fillRef idx="1">
+            <a:schemeClr val="accent1"/>
+          </a:fillRef>
+          <a:effectRef idx="0">
+            <a:schemeClr val="accent1"/>
+          </a:effectRef>
+          <a:fontRef idx="minor">
+            <a:schemeClr val="lt1"/>
+          </a:fontRef>
+        </p:style>
+        <p:txBody>
+          <a:bodyPr rtlCol="0" anchor="ctr"/>
+          <a:lstStyle/>
+          <a:p>
+            <a:pPr algn="ctr"/>
+            <a:r>
+              <a:rPr lang="en-GB" dirty="0"/>
+              <a:t>HEAP, DATA, TEXT, File Handler</a:t>
+            </a:r>
+          </a:p>
+        </p:txBody>
+      </p:sp>
+      <p:sp>
+        <p:nvSpPr>
+          <p:cNvPr id="10" name="Rectangle 9">
+            <a:extLst>
+              <a:ext uri="{FF2B5EF4-FFF2-40B4-BE49-F238E27FC236}">
+                <a16:creationId xmlns:a16="http://schemas.microsoft.com/office/drawing/2014/main" id="{AF5423AE-3814-BE7C-9325-B194BE9BCD0D}"/>
+              </a:ext>
+            </a:extLst>
+          </p:cNvPr>
+          <p:cNvSpPr/>
+          <p:nvPr/>
+        </p:nvSpPr>
+        <p:spPr>
+          <a:xfrm>
+            <a:off x="1436278" y="2513307"/>
+            <a:ext cx="1058078" cy="2019531"/>
+          </a:xfrm>
+          <a:prstGeom prst="rect">
+            <a:avLst/>
+          </a:prstGeom>
+        </p:spPr>
+        <p:style>
+          <a:lnRef idx="2">
+            <a:schemeClr val="accent1">
+              <a:shade val="15000"/>
+            </a:schemeClr>
+          </a:lnRef>
+          <a:fillRef idx="1">
+            <a:schemeClr val="accent1"/>
+          </a:fillRef>
+          <a:effectRef idx="0">
+            <a:schemeClr val="accent1"/>
+          </a:effectRef>
+          <a:fontRef idx="minor">
+            <a:schemeClr val="lt1"/>
+          </a:fontRef>
+        </p:style>
+        <p:txBody>
+          <a:bodyPr rtlCol="0" anchor="ctr"/>
+          <a:lstStyle/>
+          <a:p>
+            <a:pPr algn="ctr"/>
+            <a:r>
+              <a:rPr lang="en-GB" dirty="0"/>
+              <a:t>Thread1</a:t>
+            </a:r>
+          </a:p>
+        </p:txBody>
+      </p:sp>
+      <p:sp>
+        <p:nvSpPr>
+          <p:cNvPr id="11" name="Rectangle 10">
+            <a:extLst>
+              <a:ext uri="{FF2B5EF4-FFF2-40B4-BE49-F238E27FC236}">
+                <a16:creationId xmlns:a16="http://schemas.microsoft.com/office/drawing/2014/main" id="{321C2EEE-B2BC-A7C8-32E7-23E699D740FF}"/>
+              </a:ext>
+            </a:extLst>
+          </p:cNvPr>
+          <p:cNvSpPr/>
+          <p:nvPr/>
+        </p:nvSpPr>
+        <p:spPr>
+          <a:xfrm>
+            <a:off x="2801007" y="2537991"/>
+            <a:ext cx="1058078" cy="2019531"/>
+          </a:xfrm>
+          <a:prstGeom prst="rect">
+            <a:avLst/>
+          </a:prstGeom>
+        </p:spPr>
+        <p:style>
+          <a:lnRef idx="2">
+            <a:schemeClr val="accent1">
+              <a:shade val="15000"/>
+            </a:schemeClr>
+          </a:lnRef>
+          <a:fillRef idx="1">
+            <a:schemeClr val="accent1"/>
+          </a:fillRef>
+          <a:effectRef idx="0">
+            <a:schemeClr val="accent1"/>
+          </a:effectRef>
+          <a:fontRef idx="minor">
+            <a:schemeClr val="lt1"/>
+          </a:fontRef>
+        </p:style>
+        <p:txBody>
+          <a:bodyPr rtlCol="0" anchor="ctr"/>
+          <a:lstStyle/>
+          <a:p>
+            <a:pPr algn="ctr"/>
+            <a:r>
+              <a:rPr lang="en-GB" dirty="0"/>
+              <a:t>Thread2</a:t>
+            </a:r>
+          </a:p>
+        </p:txBody>
+      </p:sp>
+      <p:sp>
+        <p:nvSpPr>
+          <p:cNvPr id="12" name="Rectangle 11">
+            <a:extLst>
+              <a:ext uri="{FF2B5EF4-FFF2-40B4-BE49-F238E27FC236}">
+                <a16:creationId xmlns:a16="http://schemas.microsoft.com/office/drawing/2014/main" id="{59C3BA24-BFCF-0C2A-5768-0E3A53124B7E}"/>
+              </a:ext>
+            </a:extLst>
+          </p:cNvPr>
+          <p:cNvSpPr/>
+          <p:nvPr/>
+        </p:nvSpPr>
+        <p:spPr>
+          <a:xfrm>
+            <a:off x="4292350" y="2537990"/>
+            <a:ext cx="1058078" cy="2019531"/>
+          </a:xfrm>
+          <a:prstGeom prst="rect">
+            <a:avLst/>
+          </a:prstGeom>
+        </p:spPr>
+        <p:style>
+          <a:lnRef idx="2">
+            <a:schemeClr val="accent1">
+              <a:shade val="15000"/>
+            </a:schemeClr>
+          </a:lnRef>
+          <a:fillRef idx="1">
+            <a:schemeClr val="accent1"/>
+          </a:fillRef>
+          <a:effectRef idx="0">
+            <a:schemeClr val="accent1"/>
+          </a:effectRef>
+          <a:fontRef idx="minor">
+            <a:schemeClr val="lt1"/>
+          </a:fontRef>
+        </p:style>
+        <p:txBody>
+          <a:bodyPr rtlCol="0" anchor="ctr"/>
+          <a:lstStyle/>
+          <a:p>
+            <a:pPr algn="ctr"/>
+            <a:r>
+              <a:rPr lang="en-GB" dirty="0"/>
+              <a:t>Thread3</a:t>
+            </a:r>
+          </a:p>
+        </p:txBody>
+      </p:sp>
+      <p:sp>
+        <p:nvSpPr>
+          <p:cNvPr id="13" name="Rectangle 12">
+            <a:extLst>
+              <a:ext uri="{FF2B5EF4-FFF2-40B4-BE49-F238E27FC236}">
+                <a16:creationId xmlns:a16="http://schemas.microsoft.com/office/drawing/2014/main" id="{E258A591-767B-FFF3-0ED7-309F4554443E}"/>
+              </a:ext>
+            </a:extLst>
+          </p:cNvPr>
+          <p:cNvSpPr/>
+          <p:nvPr/>
+        </p:nvSpPr>
+        <p:spPr>
+          <a:xfrm>
+            <a:off x="1547518" y="3781961"/>
+            <a:ext cx="791176" cy="680263"/>
+          </a:xfrm>
+          <a:prstGeom prst="rect">
+            <a:avLst/>
+          </a:prstGeom>
+        </p:spPr>
+        <p:style>
+          <a:lnRef idx="2">
+            <a:schemeClr val="accent1">
+              <a:shade val="15000"/>
+            </a:schemeClr>
+          </a:lnRef>
+          <a:fillRef idx="1">
+            <a:schemeClr val="accent1"/>
+          </a:fillRef>
+          <a:effectRef idx="0">
+            <a:schemeClr val="accent1"/>
+          </a:effectRef>
+          <a:fontRef idx="minor">
+            <a:schemeClr val="lt1"/>
+          </a:fontRef>
+        </p:style>
+        <p:txBody>
+          <a:bodyPr rtlCol="0" anchor="ctr"/>
+          <a:lstStyle/>
+          <a:p>
+            <a:pPr algn="ctr"/>
+            <a:r>
+              <a:rPr lang="en-GB" dirty="0"/>
+              <a:t>Stack</a:t>
+            </a:r>
+          </a:p>
+        </p:txBody>
+      </p:sp>
+      <p:sp>
+        <p:nvSpPr>
+          <p:cNvPr id="14" name="Rectangle 13">
+            <a:extLst>
+              <a:ext uri="{FF2B5EF4-FFF2-40B4-BE49-F238E27FC236}">
+                <a16:creationId xmlns:a16="http://schemas.microsoft.com/office/drawing/2014/main" id="{523B022C-644D-09F6-714C-B2DFA6D2C216}"/>
+              </a:ext>
+            </a:extLst>
+          </p:cNvPr>
+          <p:cNvSpPr/>
+          <p:nvPr/>
+        </p:nvSpPr>
+        <p:spPr>
+          <a:xfrm>
+            <a:off x="2880131" y="3722137"/>
+            <a:ext cx="791176" cy="680263"/>
+          </a:xfrm>
+          <a:prstGeom prst="rect">
+            <a:avLst/>
+          </a:prstGeom>
+        </p:spPr>
+        <p:style>
+          <a:lnRef idx="2">
+            <a:schemeClr val="accent1">
+              <a:shade val="15000"/>
+            </a:schemeClr>
+          </a:lnRef>
+          <a:fillRef idx="1">
+            <a:schemeClr val="accent1"/>
+          </a:fillRef>
+          <a:effectRef idx="0">
+            <a:schemeClr val="accent1"/>
+          </a:effectRef>
+          <a:fontRef idx="minor">
+            <a:schemeClr val="lt1"/>
+          </a:fontRef>
+        </p:style>
+        <p:txBody>
+          <a:bodyPr rtlCol="0" anchor="ctr"/>
+          <a:lstStyle/>
+          <a:p>
+            <a:pPr algn="ctr"/>
+            <a:r>
+              <a:rPr lang="en-GB" dirty="0"/>
+              <a:t>Stack</a:t>
+            </a:r>
+          </a:p>
+        </p:txBody>
+      </p:sp>
+      <p:sp>
+        <p:nvSpPr>
+          <p:cNvPr id="15" name="Rectangle 14">
+            <a:extLst>
+              <a:ext uri="{FF2B5EF4-FFF2-40B4-BE49-F238E27FC236}">
+                <a16:creationId xmlns:a16="http://schemas.microsoft.com/office/drawing/2014/main" id="{8834CE56-1135-E0F8-351C-FE0849CB58BE}"/>
+              </a:ext>
+            </a:extLst>
+          </p:cNvPr>
+          <p:cNvSpPr/>
+          <p:nvPr/>
+        </p:nvSpPr>
+        <p:spPr>
+          <a:xfrm>
+            <a:off x="4406852" y="3742549"/>
+            <a:ext cx="791176" cy="680263"/>
+          </a:xfrm>
+          <a:prstGeom prst="rect">
+            <a:avLst/>
+          </a:prstGeom>
+        </p:spPr>
+        <p:style>
+          <a:lnRef idx="2">
+            <a:schemeClr val="accent1">
+              <a:shade val="15000"/>
+            </a:schemeClr>
+          </a:lnRef>
+          <a:fillRef idx="1">
+            <a:schemeClr val="accent1"/>
+          </a:fillRef>
+          <a:effectRef idx="0">
+            <a:schemeClr val="accent1"/>
+          </a:effectRef>
+          <a:fontRef idx="minor">
+            <a:schemeClr val="lt1"/>
+          </a:fontRef>
+        </p:style>
+        <p:txBody>
+          <a:bodyPr rtlCol="0" anchor="ctr"/>
+          <a:lstStyle/>
+          <a:p>
+            <a:pPr algn="ctr"/>
+            <a:r>
+              <a:rPr lang="en-GB" dirty="0"/>
+              <a:t>Stack</a:t>
+            </a:r>
+          </a:p>
+        </p:txBody>
+      </p:sp>
+      <p:sp>
+        <p:nvSpPr>
+          <p:cNvPr id="18" name="Arrow: Right 17">
+            <a:extLst>
+              <a:ext uri="{FF2B5EF4-FFF2-40B4-BE49-F238E27FC236}">
+                <a16:creationId xmlns:a16="http://schemas.microsoft.com/office/drawing/2014/main" id="{18C36D2C-B7D0-F910-D756-C138935D1D64}"/>
+              </a:ext>
+            </a:extLst>
+          </p:cNvPr>
+          <p:cNvSpPr/>
+          <p:nvPr/>
+        </p:nvSpPr>
+        <p:spPr>
+          <a:xfrm rot="18605721">
+            <a:off x="1945073" y="2072716"/>
+            <a:ext cx="1197953" cy="478995"/>
+          </a:xfrm>
+          <a:prstGeom prst="rightArrow">
+            <a:avLst/>
+          </a:prstGeom>
+          <a:solidFill>
+            <a:srgbClr val="FF0000"/>
+          </a:solidFill>
+          <a:ln>
+            <a:noFill/>
+          </a:ln>
+        </p:spPr>
+        <p:style>
+          <a:lnRef idx="2">
+            <a:schemeClr val="accent1">
+              <a:shade val="15000"/>
+            </a:schemeClr>
+          </a:lnRef>
+          <a:fillRef idx="1">
+            <a:schemeClr val="accent1"/>
+          </a:fillRef>
+          <a:effectRef idx="0">
+            <a:schemeClr val="accent1"/>
+          </a:effectRef>
+          <a:fontRef idx="minor">
+            <a:schemeClr val="lt1"/>
+          </a:fontRef>
+        </p:style>
+        <p:txBody>
+          <a:bodyPr rtlCol="0" anchor="ctr"/>
+          <a:lstStyle/>
+          <a:p>
+            <a:pPr algn="ctr"/>
+            <a:endParaRPr lang="en-GB"/>
+          </a:p>
+        </p:txBody>
+      </p:sp>
+      <p:sp>
+        <p:nvSpPr>
+          <p:cNvPr id="19" name="Arrow: Right 18">
+            <a:extLst>
+              <a:ext uri="{FF2B5EF4-FFF2-40B4-BE49-F238E27FC236}">
+                <a16:creationId xmlns:a16="http://schemas.microsoft.com/office/drawing/2014/main" id="{F947DC7F-290A-C828-BB7C-46AE9B80E5C4}"/>
+              </a:ext>
+            </a:extLst>
+          </p:cNvPr>
+          <p:cNvSpPr/>
+          <p:nvPr/>
+        </p:nvSpPr>
+        <p:spPr>
+          <a:xfrm rot="13922370">
+            <a:off x="4541769" y="2042142"/>
+            <a:ext cx="1197952" cy="478995"/>
+          </a:xfrm>
+          <a:prstGeom prst="rightArrow">
+            <a:avLst/>
+          </a:prstGeom>
+          <a:solidFill>
+            <a:srgbClr val="FF0000"/>
+          </a:solidFill>
+          <a:ln>
+            <a:noFill/>
+          </a:ln>
+        </p:spPr>
+        <p:style>
+          <a:lnRef idx="2">
+            <a:schemeClr val="accent1">
+              <a:shade val="15000"/>
+            </a:schemeClr>
+          </a:lnRef>
+          <a:fillRef idx="1">
+            <a:schemeClr val="accent1"/>
+          </a:fillRef>
+          <a:effectRef idx="0">
+            <a:schemeClr val="accent1"/>
+          </a:effectRef>
+          <a:fontRef idx="minor">
+            <a:schemeClr val="lt1"/>
+          </a:fontRef>
+        </p:style>
+        <p:txBody>
+          <a:bodyPr rtlCol="0" anchor="ctr"/>
+          <a:lstStyle/>
+          <a:p>
+            <a:pPr algn="ctr"/>
+            <a:endParaRPr lang="en-GB"/>
+          </a:p>
+        </p:txBody>
+      </p:sp>
+      <p:sp>
+        <p:nvSpPr>
+          <p:cNvPr id="20" name="TextBox 19">
+            <a:extLst>
+              <a:ext uri="{FF2B5EF4-FFF2-40B4-BE49-F238E27FC236}">
+                <a16:creationId xmlns:a16="http://schemas.microsoft.com/office/drawing/2014/main" id="{ADE49A64-C13C-986D-B4C2-3E34C55C1FE7}"/>
+              </a:ext>
+            </a:extLst>
+          </p:cNvPr>
+          <p:cNvSpPr txBox="1"/>
+          <p:nvPr/>
+        </p:nvSpPr>
+        <p:spPr>
+          <a:xfrm>
+            <a:off x="1398919" y="2991826"/>
+            <a:ext cx="791176" cy="369332"/>
+          </a:xfrm>
+          <a:prstGeom prst="rect">
+            <a:avLst/>
+          </a:prstGeom>
+          <a:noFill/>
+        </p:spPr>
+        <p:txBody>
+          <a:bodyPr wrap="square" rtlCol="0">
+            <a:spAutoFit/>
+          </a:bodyPr>
+          <a:lstStyle/>
+          <a:p>
+            <a:r>
+              <a:rPr lang="en-GB" dirty="0"/>
+              <a:t>Pc : 1</a:t>
+            </a:r>
+          </a:p>
+        </p:txBody>
+      </p:sp>
+      <p:sp>
+        <p:nvSpPr>
+          <p:cNvPr id="21" name="TextBox 20">
+            <a:extLst>
+              <a:ext uri="{FF2B5EF4-FFF2-40B4-BE49-F238E27FC236}">
+                <a16:creationId xmlns:a16="http://schemas.microsoft.com/office/drawing/2014/main" id="{0B4391E5-5054-EB75-A5A8-315434DBF2E3}"/>
+              </a:ext>
+            </a:extLst>
+          </p:cNvPr>
+          <p:cNvSpPr txBox="1"/>
+          <p:nvPr/>
+        </p:nvSpPr>
+        <p:spPr>
+          <a:xfrm>
+            <a:off x="2942725" y="2936789"/>
+            <a:ext cx="791176" cy="369332"/>
+          </a:xfrm>
+          <a:prstGeom prst="rect">
+            <a:avLst/>
+          </a:prstGeom>
+          <a:noFill/>
+        </p:spPr>
+        <p:txBody>
+          <a:bodyPr wrap="square" rtlCol="0">
+            <a:spAutoFit/>
+          </a:bodyPr>
+          <a:lstStyle/>
+          <a:p>
+            <a:r>
+              <a:rPr lang="en-GB" dirty="0"/>
+              <a:t>Pc : 2</a:t>
+            </a:r>
+          </a:p>
+        </p:txBody>
+      </p:sp>
+      <p:sp>
+        <p:nvSpPr>
+          <p:cNvPr id="22" name="TextBox 21">
+            <a:extLst>
+              <a:ext uri="{FF2B5EF4-FFF2-40B4-BE49-F238E27FC236}">
+                <a16:creationId xmlns:a16="http://schemas.microsoft.com/office/drawing/2014/main" id="{21727369-09B6-419C-28CA-A56CDF2182DF}"/>
+              </a:ext>
+            </a:extLst>
+          </p:cNvPr>
+          <p:cNvSpPr txBox="1"/>
+          <p:nvPr/>
+        </p:nvSpPr>
+        <p:spPr>
+          <a:xfrm>
+            <a:off x="4455838" y="2938787"/>
+            <a:ext cx="791176" cy="369332"/>
+          </a:xfrm>
+          <a:prstGeom prst="rect">
+            <a:avLst/>
+          </a:prstGeom>
+          <a:noFill/>
+        </p:spPr>
+        <p:txBody>
+          <a:bodyPr wrap="square" rtlCol="0">
+            <a:spAutoFit/>
+          </a:bodyPr>
+          <a:lstStyle/>
+          <a:p>
+            <a:r>
+              <a:rPr lang="en-GB" dirty="0"/>
+              <a:t>Pc : 1</a:t>
+            </a:r>
+          </a:p>
+        </p:txBody>
+      </p:sp>
+      <p:sp>
+        <p:nvSpPr>
+          <p:cNvPr id="36" name="Rectangle 35">
+            <a:extLst>
+              <a:ext uri="{FF2B5EF4-FFF2-40B4-BE49-F238E27FC236}">
+                <a16:creationId xmlns:a16="http://schemas.microsoft.com/office/drawing/2014/main" id="{9502BBFA-11E5-C601-1BCB-89D3AD690C5B}"/>
+              </a:ext>
+            </a:extLst>
+          </p:cNvPr>
+          <p:cNvSpPr/>
+          <p:nvPr/>
+        </p:nvSpPr>
+        <p:spPr>
+          <a:xfrm>
+            <a:off x="5742870" y="2627799"/>
+            <a:ext cx="1058078" cy="2019531"/>
+          </a:xfrm>
+          <a:prstGeom prst="rect">
+            <a:avLst/>
+          </a:prstGeom>
+        </p:spPr>
+        <p:style>
+          <a:lnRef idx="2">
+            <a:schemeClr val="accent1">
+              <a:shade val="15000"/>
+            </a:schemeClr>
+          </a:lnRef>
+          <a:fillRef idx="1">
+            <a:schemeClr val="accent1"/>
+          </a:fillRef>
+          <a:effectRef idx="0">
+            <a:schemeClr val="accent1"/>
+          </a:effectRef>
+          <a:fontRef idx="minor">
+            <a:schemeClr val="lt1"/>
+          </a:fontRef>
+        </p:style>
+        <p:txBody>
+          <a:bodyPr rtlCol="0" anchor="ctr"/>
+          <a:lstStyle/>
+          <a:p>
+            <a:pPr algn="ctr"/>
+            <a:r>
+              <a:rPr lang="en-GB" dirty="0"/>
+              <a:t>Thread4</a:t>
+            </a:r>
+          </a:p>
+        </p:txBody>
+      </p:sp>
+      <p:sp>
+        <p:nvSpPr>
+          <p:cNvPr id="37" name="Rectangle 36">
+            <a:extLst>
+              <a:ext uri="{FF2B5EF4-FFF2-40B4-BE49-F238E27FC236}">
+                <a16:creationId xmlns:a16="http://schemas.microsoft.com/office/drawing/2014/main" id="{2EA94F3C-CB37-9111-71B7-B02109A1DD7F}"/>
+              </a:ext>
+            </a:extLst>
+          </p:cNvPr>
+          <p:cNvSpPr/>
+          <p:nvPr/>
+        </p:nvSpPr>
+        <p:spPr>
+          <a:xfrm>
+            <a:off x="5857372" y="3832358"/>
+            <a:ext cx="791176" cy="680263"/>
+          </a:xfrm>
+          <a:prstGeom prst="rect">
+            <a:avLst/>
+          </a:prstGeom>
+        </p:spPr>
+        <p:style>
+          <a:lnRef idx="2">
+            <a:schemeClr val="accent1">
+              <a:shade val="15000"/>
+            </a:schemeClr>
+          </a:lnRef>
+          <a:fillRef idx="1">
+            <a:schemeClr val="accent1"/>
+          </a:fillRef>
+          <a:effectRef idx="0">
+            <a:schemeClr val="accent1"/>
+          </a:effectRef>
+          <a:fontRef idx="minor">
+            <a:schemeClr val="lt1"/>
+          </a:fontRef>
+        </p:style>
+        <p:txBody>
+          <a:bodyPr rtlCol="0" anchor="ctr"/>
+          <a:lstStyle/>
+          <a:p>
+            <a:pPr algn="ctr"/>
+            <a:r>
+              <a:rPr lang="en-GB" dirty="0"/>
+              <a:t>Stack</a:t>
+            </a:r>
+          </a:p>
+        </p:txBody>
+      </p:sp>
+      <p:sp>
+        <p:nvSpPr>
+          <p:cNvPr id="38" name="TextBox 37">
+            <a:extLst>
+              <a:ext uri="{FF2B5EF4-FFF2-40B4-BE49-F238E27FC236}">
+                <a16:creationId xmlns:a16="http://schemas.microsoft.com/office/drawing/2014/main" id="{6CC8301F-56D1-E934-D367-1700B2E57438}"/>
+              </a:ext>
+            </a:extLst>
+          </p:cNvPr>
+          <p:cNvSpPr txBox="1"/>
+          <p:nvPr/>
+        </p:nvSpPr>
+        <p:spPr>
+          <a:xfrm>
+            <a:off x="5796983" y="2908146"/>
+            <a:ext cx="791176" cy="369332"/>
+          </a:xfrm>
+          <a:prstGeom prst="rect">
+            <a:avLst/>
+          </a:prstGeom>
+          <a:noFill/>
+        </p:spPr>
+        <p:txBody>
+          <a:bodyPr wrap="square" rtlCol="0">
+            <a:spAutoFit/>
+          </a:bodyPr>
+          <a:lstStyle/>
+          <a:p>
+            <a:r>
+              <a:rPr lang="en-GB" dirty="0"/>
+              <a:t>Pc : 1</a:t>
+            </a:r>
+          </a:p>
+        </p:txBody>
+      </p:sp>
+      <p:sp>
+        <p:nvSpPr>
+          <p:cNvPr id="39" name="Arrow: Right 38">
+            <a:extLst>
+              <a:ext uri="{FF2B5EF4-FFF2-40B4-BE49-F238E27FC236}">
+                <a16:creationId xmlns:a16="http://schemas.microsoft.com/office/drawing/2014/main" id="{9AD12806-F1E1-ADEB-D080-4700033D8725}"/>
+              </a:ext>
+            </a:extLst>
+          </p:cNvPr>
+          <p:cNvSpPr/>
+          <p:nvPr/>
+        </p:nvSpPr>
+        <p:spPr>
+          <a:xfrm rot="13922370">
+            <a:off x="5615373" y="1898224"/>
+            <a:ext cx="1197952" cy="478995"/>
+          </a:xfrm>
+          <a:prstGeom prst="rightArrow">
+            <a:avLst/>
+          </a:prstGeom>
+          <a:solidFill>
+            <a:srgbClr val="FF0000"/>
+          </a:solidFill>
+          <a:ln>
+            <a:noFill/>
+          </a:ln>
+        </p:spPr>
+        <p:style>
+          <a:lnRef idx="2">
+            <a:schemeClr val="accent1">
+              <a:shade val="15000"/>
+            </a:schemeClr>
+          </a:lnRef>
+          <a:fillRef idx="1">
+            <a:schemeClr val="accent1"/>
+          </a:fillRef>
+          <a:effectRef idx="0">
+            <a:schemeClr val="accent1"/>
+          </a:effectRef>
+          <a:fontRef idx="minor">
+            <a:schemeClr val="lt1"/>
+          </a:fontRef>
+        </p:style>
+        <p:txBody>
+          <a:bodyPr rtlCol="0" anchor="ctr"/>
+          <a:lstStyle/>
+          <a:p>
+            <a:pPr algn="ctr"/>
+            <a:endParaRPr lang="en-GB"/>
+          </a:p>
+        </p:txBody>
+      </p:sp>
+      <p:sp>
+        <p:nvSpPr>
+          <p:cNvPr id="44" name="Rectangle 43">
+            <a:extLst>
+              <a:ext uri="{FF2B5EF4-FFF2-40B4-BE49-F238E27FC236}">
+                <a16:creationId xmlns:a16="http://schemas.microsoft.com/office/drawing/2014/main" id="{A98453FE-A29E-0DF2-53B9-99ADF5895D97}"/>
+              </a:ext>
+            </a:extLst>
+          </p:cNvPr>
+          <p:cNvSpPr/>
+          <p:nvPr/>
+        </p:nvSpPr>
+        <p:spPr>
+          <a:xfrm>
+            <a:off x="7331968" y="2712371"/>
+            <a:ext cx="1058078" cy="2019531"/>
+          </a:xfrm>
+          <a:prstGeom prst="rect">
+            <a:avLst/>
+          </a:prstGeom>
+        </p:spPr>
+        <p:style>
+          <a:lnRef idx="2">
+            <a:schemeClr val="accent1">
+              <a:shade val="15000"/>
+            </a:schemeClr>
+          </a:lnRef>
+          <a:fillRef idx="1">
+            <a:schemeClr val="accent1"/>
+          </a:fillRef>
+          <a:effectRef idx="0">
+            <a:schemeClr val="accent1"/>
+          </a:effectRef>
+          <a:fontRef idx="minor">
+            <a:schemeClr val="lt1"/>
+          </a:fontRef>
+        </p:style>
+        <p:txBody>
+          <a:bodyPr rtlCol="0" anchor="ctr"/>
+          <a:lstStyle/>
+          <a:p>
+            <a:pPr algn="ctr"/>
+            <a:r>
+              <a:rPr lang="en-GB" dirty="0"/>
+              <a:t>Thread5</a:t>
+            </a:r>
+          </a:p>
+        </p:txBody>
+      </p:sp>
+      <p:sp>
+        <p:nvSpPr>
+          <p:cNvPr id="45" name="Rectangle 44">
+            <a:extLst>
+              <a:ext uri="{FF2B5EF4-FFF2-40B4-BE49-F238E27FC236}">
+                <a16:creationId xmlns:a16="http://schemas.microsoft.com/office/drawing/2014/main" id="{0E494CCA-48FB-D663-2253-7E6250BD1AEF}"/>
+              </a:ext>
+            </a:extLst>
+          </p:cNvPr>
+          <p:cNvSpPr/>
+          <p:nvPr/>
+        </p:nvSpPr>
+        <p:spPr>
+          <a:xfrm>
+            <a:off x="7465419" y="3916930"/>
+            <a:ext cx="791176" cy="680263"/>
+          </a:xfrm>
+          <a:prstGeom prst="rect">
+            <a:avLst/>
+          </a:prstGeom>
+        </p:spPr>
+        <p:style>
+          <a:lnRef idx="2">
+            <a:schemeClr val="accent1">
+              <a:shade val="15000"/>
+            </a:schemeClr>
+          </a:lnRef>
+          <a:fillRef idx="1">
+            <a:schemeClr val="accent1"/>
+          </a:fillRef>
+          <a:effectRef idx="0">
+            <a:schemeClr val="accent1"/>
+          </a:effectRef>
+          <a:fontRef idx="minor">
+            <a:schemeClr val="lt1"/>
+          </a:fontRef>
+        </p:style>
+        <p:txBody>
+          <a:bodyPr rtlCol="0" anchor="ctr"/>
+          <a:lstStyle/>
+          <a:p>
+            <a:pPr algn="ctr"/>
+            <a:r>
+              <a:rPr lang="en-GB" dirty="0"/>
+              <a:t>Stack</a:t>
+            </a:r>
+          </a:p>
+        </p:txBody>
+      </p:sp>
+      <p:sp>
+        <p:nvSpPr>
+          <p:cNvPr id="46" name="TextBox 45">
+            <a:extLst>
+              <a:ext uri="{FF2B5EF4-FFF2-40B4-BE49-F238E27FC236}">
+                <a16:creationId xmlns:a16="http://schemas.microsoft.com/office/drawing/2014/main" id="{C82BB3BC-7B70-7C8B-2343-4657354FFD00}"/>
+              </a:ext>
+            </a:extLst>
+          </p:cNvPr>
+          <p:cNvSpPr txBox="1"/>
+          <p:nvPr/>
+        </p:nvSpPr>
+        <p:spPr>
+          <a:xfrm>
+            <a:off x="7517560" y="2928151"/>
+            <a:ext cx="791176" cy="369332"/>
+          </a:xfrm>
+          <a:prstGeom prst="rect">
+            <a:avLst/>
+          </a:prstGeom>
+          <a:noFill/>
+        </p:spPr>
+        <p:txBody>
+          <a:bodyPr wrap="square" rtlCol="0">
+            <a:spAutoFit/>
+          </a:bodyPr>
+          <a:lstStyle/>
+          <a:p>
+            <a:r>
+              <a:rPr lang="en-GB" dirty="0"/>
+              <a:t>Pc : 1</a:t>
+            </a:r>
+          </a:p>
+        </p:txBody>
+      </p:sp>
+    </p:spTree>
+    <p:extLst>
+      <p:ext uri="{BB962C8B-B14F-4D97-AF65-F5344CB8AC3E}">
+        <p14:creationId xmlns:p14="http://schemas.microsoft.com/office/powerpoint/2010/main" val="2675367226"/>
+      </p:ext>
+    </p:extLst>
+  </p:cSld>
+  <p:clrMapOvr>
+    <a:masterClrMapping/>
+  </p:clrMapOvr>
+</p:sld>
+</file>
+
+<file path=ppt/slides/slide17.xml><?xml version="1.0" encoding="utf-8"?>
+<p:sld xmlns:a="http://schemas.openxmlformats.org/drawingml/2006/main" xmlns:r="http://schemas.openxmlformats.org/officeDocument/2006/relationships" xmlns:p="http://schemas.openxmlformats.org/presentationml/2006/main">
+  <p:cSld>
+    <p:spTree>
+      <p:nvGrpSpPr>
+        <p:cNvPr id="1" name=""/>
+        <p:cNvGrpSpPr/>
+        <p:nvPr/>
+      </p:nvGrpSpPr>
+      <p:grpSpPr>
+        <a:xfrm>
+          <a:off x="0" y="0"/>
+          <a:ext cx="0" cy="0"/>
+          <a:chOff x="0" y="0"/>
+          <a:chExt cx="0" cy="0"/>
+        </a:xfrm>
+      </p:grpSpPr>
+      <p:sp>
+        <p:nvSpPr>
+          <p:cNvPr id="18" name="Rectangle 17">
+            <a:extLst>
+              <a:ext uri="{FF2B5EF4-FFF2-40B4-BE49-F238E27FC236}">
+                <a16:creationId xmlns:a16="http://schemas.microsoft.com/office/drawing/2014/main" id="{08899002-04F6-F10B-094B-AD8BF2005224}"/>
+              </a:ext>
+            </a:extLst>
+          </p:cNvPr>
+          <p:cNvSpPr/>
+          <p:nvPr/>
+        </p:nvSpPr>
+        <p:spPr>
+          <a:xfrm>
+            <a:off x="1438956" y="4073884"/>
+            <a:ext cx="1212395" cy="1927321"/>
+          </a:xfrm>
+          <a:prstGeom prst="rect">
+            <a:avLst/>
+          </a:prstGeom>
+        </p:spPr>
+        <p:style>
+          <a:lnRef idx="2">
+            <a:schemeClr val="accent1">
+              <a:shade val="15000"/>
+            </a:schemeClr>
+          </a:lnRef>
+          <a:fillRef idx="1">
+            <a:schemeClr val="accent1"/>
+          </a:fillRef>
+          <a:effectRef idx="0">
+            <a:schemeClr val="accent1"/>
+          </a:effectRef>
+          <a:fontRef idx="minor">
+            <a:schemeClr val="lt1"/>
+          </a:fontRef>
+        </p:style>
+        <p:txBody>
+          <a:bodyPr rtlCol="0" anchor="ctr"/>
+          <a:lstStyle/>
+          <a:p>
+            <a:pPr algn="ctr"/>
+            <a:endParaRPr lang="en-GB"/>
+          </a:p>
+        </p:txBody>
+      </p:sp>
+      <p:sp>
+        <p:nvSpPr>
+          <p:cNvPr id="19" name="Rectangle 18">
+            <a:extLst>
+              <a:ext uri="{FF2B5EF4-FFF2-40B4-BE49-F238E27FC236}">
+                <a16:creationId xmlns:a16="http://schemas.microsoft.com/office/drawing/2014/main" id="{F940CF7F-7E90-8423-A040-FC427FCA0EA9}"/>
+              </a:ext>
+            </a:extLst>
+          </p:cNvPr>
+          <p:cNvSpPr/>
+          <p:nvPr/>
+        </p:nvSpPr>
+        <p:spPr>
+          <a:xfrm>
+            <a:off x="3665168" y="4073884"/>
+            <a:ext cx="1159924" cy="1785783"/>
+          </a:xfrm>
+          <a:prstGeom prst="rect">
+            <a:avLst/>
+          </a:prstGeom>
+        </p:spPr>
+        <p:style>
+          <a:lnRef idx="2">
+            <a:schemeClr val="accent1">
+              <a:shade val="15000"/>
+            </a:schemeClr>
+          </a:lnRef>
+          <a:fillRef idx="1">
+            <a:schemeClr val="accent1"/>
+          </a:fillRef>
+          <a:effectRef idx="0">
+            <a:schemeClr val="accent1"/>
+          </a:effectRef>
+          <a:fontRef idx="minor">
+            <a:schemeClr val="lt1"/>
+          </a:fontRef>
+        </p:style>
+        <p:txBody>
+          <a:bodyPr rtlCol="0" anchor="ctr"/>
+          <a:lstStyle/>
+          <a:p>
+            <a:pPr algn="ctr"/>
+            <a:endParaRPr lang="en-GB"/>
+          </a:p>
+        </p:txBody>
+      </p:sp>
+      <p:sp>
+        <p:nvSpPr>
+          <p:cNvPr id="20" name="Rectangle 19">
+            <a:extLst>
+              <a:ext uri="{FF2B5EF4-FFF2-40B4-BE49-F238E27FC236}">
+                <a16:creationId xmlns:a16="http://schemas.microsoft.com/office/drawing/2014/main" id="{C71878AA-651C-D80C-79DA-B52662A501D9}"/>
+              </a:ext>
+            </a:extLst>
+          </p:cNvPr>
+          <p:cNvSpPr/>
+          <p:nvPr/>
+        </p:nvSpPr>
+        <p:spPr>
+          <a:xfrm>
+            <a:off x="5968091" y="4003114"/>
+            <a:ext cx="1279072" cy="1927321"/>
+          </a:xfrm>
+          <a:prstGeom prst="rect">
+            <a:avLst/>
+          </a:prstGeom>
+        </p:spPr>
+        <p:style>
+          <a:lnRef idx="2">
+            <a:schemeClr val="accent1">
+              <a:shade val="15000"/>
+            </a:schemeClr>
+          </a:lnRef>
+          <a:fillRef idx="1">
+            <a:schemeClr val="accent1"/>
+          </a:fillRef>
+          <a:effectRef idx="0">
+            <a:schemeClr val="accent1"/>
+          </a:effectRef>
+          <a:fontRef idx="minor">
+            <a:schemeClr val="lt1"/>
+          </a:fontRef>
+        </p:style>
+        <p:txBody>
+          <a:bodyPr rtlCol="0" anchor="ctr"/>
+          <a:lstStyle/>
+          <a:p>
+            <a:pPr algn="ctr"/>
+            <a:endParaRPr lang="en-GB"/>
+          </a:p>
+        </p:txBody>
+      </p:sp>
+      <p:pic>
+        <p:nvPicPr>
+          <p:cNvPr id="21" name="Picture 20">
+            <a:extLst>
+              <a:ext uri="{FF2B5EF4-FFF2-40B4-BE49-F238E27FC236}">
+                <a16:creationId xmlns:a16="http://schemas.microsoft.com/office/drawing/2014/main" id="{85345D06-6EFD-329C-3788-6B79D4FF6522}"/>
+              </a:ext>
+            </a:extLst>
+          </p:cNvPr>
+          <p:cNvPicPr>
+            <a:picLocks noChangeAspect="1"/>
+          </p:cNvPicPr>
+          <p:nvPr/>
+        </p:nvPicPr>
+        <p:blipFill>
+          <a:blip r:embed="rId2"/>
+          <a:stretch>
+            <a:fillRect/>
+          </a:stretch>
+        </p:blipFill>
+        <p:spPr>
+          <a:xfrm>
+            <a:off x="1415141" y="2692369"/>
+            <a:ext cx="5832022" cy="1094015"/>
+          </a:xfrm>
+          <a:prstGeom prst="rect">
+            <a:avLst/>
+          </a:prstGeom>
+        </p:spPr>
+      </p:pic>
+      <p:sp>
+        <p:nvSpPr>
+          <p:cNvPr id="25" name="Rectangle 24">
+            <a:extLst>
+              <a:ext uri="{FF2B5EF4-FFF2-40B4-BE49-F238E27FC236}">
+                <a16:creationId xmlns:a16="http://schemas.microsoft.com/office/drawing/2014/main" id="{2E5C13E7-E737-02F0-E8E3-77C92A80EEB5}"/>
+              </a:ext>
+            </a:extLst>
+          </p:cNvPr>
+          <p:cNvSpPr/>
+          <p:nvPr/>
+        </p:nvSpPr>
+        <p:spPr>
+          <a:xfrm>
+            <a:off x="2212521" y="1600200"/>
+            <a:ext cx="6858000" cy="579664"/>
+          </a:xfrm>
+          <a:prstGeom prst="rect">
+            <a:avLst/>
+          </a:prstGeom>
+        </p:spPr>
+        <p:style>
+          <a:lnRef idx="2">
+            <a:schemeClr val="accent1">
+              <a:shade val="15000"/>
+            </a:schemeClr>
+          </a:lnRef>
+          <a:fillRef idx="1">
+            <a:schemeClr val="accent1"/>
+          </a:fillRef>
+          <a:effectRef idx="0">
+            <a:schemeClr val="accent1"/>
+          </a:effectRef>
+          <a:fontRef idx="minor">
+            <a:schemeClr val="lt1"/>
+          </a:fontRef>
+        </p:style>
+        <p:txBody>
+          <a:bodyPr rtlCol="0" anchor="ctr"/>
+          <a:lstStyle/>
+          <a:p>
+            <a:pPr algn="ctr"/>
+            <a:r>
+              <a:rPr lang="en-GB" dirty="0"/>
+              <a:t>OS</a:t>
+            </a:r>
+          </a:p>
+        </p:txBody>
+      </p:sp>
+      <p:sp>
+        <p:nvSpPr>
+          <p:cNvPr id="26" name="TextBox 25">
+            <a:extLst>
+              <a:ext uri="{FF2B5EF4-FFF2-40B4-BE49-F238E27FC236}">
+                <a16:creationId xmlns:a16="http://schemas.microsoft.com/office/drawing/2014/main" id="{B036CAE5-FB85-5342-7F6E-C88723484624}"/>
+              </a:ext>
+            </a:extLst>
+          </p:cNvPr>
+          <p:cNvSpPr txBox="1"/>
+          <p:nvPr/>
+        </p:nvSpPr>
+        <p:spPr>
+          <a:xfrm>
+            <a:off x="1651739" y="4210364"/>
+            <a:ext cx="1567543" cy="369332"/>
+          </a:xfrm>
+          <a:prstGeom prst="rect">
+            <a:avLst/>
+          </a:prstGeom>
+          <a:noFill/>
+        </p:spPr>
+        <p:txBody>
+          <a:bodyPr wrap="square" rtlCol="0">
+            <a:spAutoFit/>
+          </a:bodyPr>
+          <a:lstStyle/>
+          <a:p>
+            <a:r>
+              <a:rPr lang="en-GB" dirty="0"/>
+              <a:t>PC : 3</a:t>
+            </a:r>
+          </a:p>
+        </p:txBody>
+      </p:sp>
+      <p:sp>
+        <p:nvSpPr>
+          <p:cNvPr id="27" name="TextBox 26">
+            <a:extLst>
+              <a:ext uri="{FF2B5EF4-FFF2-40B4-BE49-F238E27FC236}">
+                <a16:creationId xmlns:a16="http://schemas.microsoft.com/office/drawing/2014/main" id="{67730845-3A52-2343-0566-30B14AA310C7}"/>
+              </a:ext>
+            </a:extLst>
+          </p:cNvPr>
+          <p:cNvSpPr txBox="1"/>
+          <p:nvPr/>
+        </p:nvSpPr>
+        <p:spPr>
+          <a:xfrm>
+            <a:off x="3829048" y="4395030"/>
+            <a:ext cx="1567543" cy="369332"/>
+          </a:xfrm>
+          <a:prstGeom prst="rect">
+            <a:avLst/>
+          </a:prstGeom>
+          <a:noFill/>
+        </p:spPr>
+        <p:txBody>
+          <a:bodyPr wrap="square" rtlCol="0">
+            <a:spAutoFit/>
+          </a:bodyPr>
+          <a:lstStyle/>
+          <a:p>
+            <a:r>
+              <a:rPr lang="en-GB" dirty="0"/>
+              <a:t>PC : 5</a:t>
+            </a:r>
+          </a:p>
+        </p:txBody>
+      </p:sp>
+      <p:sp>
+        <p:nvSpPr>
+          <p:cNvPr id="28" name="TextBox 27">
+            <a:extLst>
+              <a:ext uri="{FF2B5EF4-FFF2-40B4-BE49-F238E27FC236}">
+                <a16:creationId xmlns:a16="http://schemas.microsoft.com/office/drawing/2014/main" id="{E9F46AFF-083A-6F0E-BDCB-E4E34CA07C8B}"/>
+              </a:ext>
+            </a:extLst>
+          </p:cNvPr>
+          <p:cNvSpPr txBox="1"/>
+          <p:nvPr/>
+        </p:nvSpPr>
+        <p:spPr>
+          <a:xfrm>
+            <a:off x="6096000" y="4226872"/>
+            <a:ext cx="1567543" cy="369332"/>
+          </a:xfrm>
+          <a:prstGeom prst="rect">
+            <a:avLst/>
+          </a:prstGeom>
+          <a:noFill/>
+        </p:spPr>
+        <p:txBody>
+          <a:bodyPr wrap="square" rtlCol="0">
+            <a:spAutoFit/>
+          </a:bodyPr>
+          <a:lstStyle/>
+          <a:p>
+            <a:r>
+              <a:rPr lang="en-GB" dirty="0"/>
+              <a:t>PC : 7</a:t>
+            </a:r>
+          </a:p>
+        </p:txBody>
+      </p:sp>
+      <p:sp>
+        <p:nvSpPr>
+          <p:cNvPr id="29" name="Rectangle 28">
+            <a:extLst>
+              <a:ext uri="{FF2B5EF4-FFF2-40B4-BE49-F238E27FC236}">
+                <a16:creationId xmlns:a16="http://schemas.microsoft.com/office/drawing/2014/main" id="{FB8D02B5-4D17-4F41-F7EE-94F7B71C5184}"/>
+              </a:ext>
+            </a:extLst>
+          </p:cNvPr>
+          <p:cNvSpPr/>
+          <p:nvPr/>
+        </p:nvSpPr>
+        <p:spPr>
+          <a:xfrm>
+            <a:off x="1110342" y="2651040"/>
+            <a:ext cx="9282792" cy="3953868"/>
+          </a:xfrm>
+          <a:prstGeom prst="rect">
+            <a:avLst/>
+          </a:prstGeom>
+          <a:noFill/>
+          <a:ln>
+            <a:solidFill>
+              <a:srgbClr val="FF0000"/>
+            </a:solidFill>
+          </a:ln>
+        </p:spPr>
+        <p:style>
+          <a:lnRef idx="2">
+            <a:schemeClr val="accent1">
+              <a:shade val="15000"/>
+            </a:schemeClr>
+          </a:lnRef>
+          <a:fillRef idx="1">
+            <a:schemeClr val="accent1"/>
+          </a:fillRef>
+          <a:effectRef idx="0">
+            <a:schemeClr val="accent1"/>
+          </a:effectRef>
+          <a:fontRef idx="minor">
+            <a:schemeClr val="lt1"/>
+          </a:fontRef>
+        </p:style>
+        <p:txBody>
+          <a:bodyPr rtlCol="0" anchor="ctr"/>
+          <a:lstStyle/>
+          <a:p>
+            <a:pPr algn="ctr"/>
+            <a:endParaRPr lang="en-GB" dirty="0"/>
+          </a:p>
+        </p:txBody>
+      </p:sp>
+      <p:sp>
+        <p:nvSpPr>
+          <p:cNvPr id="30" name="Rectangle 29">
+            <a:extLst>
+              <a:ext uri="{FF2B5EF4-FFF2-40B4-BE49-F238E27FC236}">
+                <a16:creationId xmlns:a16="http://schemas.microsoft.com/office/drawing/2014/main" id="{BCB97AD0-D33F-0258-C54D-1F533700FB0C}"/>
+              </a:ext>
+            </a:extLst>
+          </p:cNvPr>
+          <p:cNvSpPr/>
+          <p:nvPr/>
+        </p:nvSpPr>
+        <p:spPr>
+          <a:xfrm>
+            <a:off x="4193119" y="76868"/>
+            <a:ext cx="2471058" cy="1094015"/>
+          </a:xfrm>
+          <a:prstGeom prst="rect">
+            <a:avLst/>
+          </a:prstGeom>
+          <a:solidFill>
+            <a:srgbClr val="FF0000"/>
+          </a:solidFill>
+        </p:spPr>
+        <p:style>
+          <a:lnRef idx="2">
+            <a:schemeClr val="accent1">
+              <a:shade val="15000"/>
+            </a:schemeClr>
+          </a:lnRef>
+          <a:fillRef idx="1">
+            <a:schemeClr val="accent1"/>
+          </a:fillRef>
+          <a:effectRef idx="0">
+            <a:schemeClr val="accent1"/>
+          </a:effectRef>
+          <a:fontRef idx="minor">
+            <a:schemeClr val="lt1"/>
+          </a:fontRef>
+        </p:style>
+        <p:txBody>
+          <a:bodyPr rtlCol="0" anchor="ctr"/>
+          <a:lstStyle/>
+          <a:p>
+            <a:pPr algn="ctr"/>
+            <a:r>
+              <a:rPr lang="en-GB" dirty="0"/>
+              <a:t>CPU</a:t>
+            </a:r>
+          </a:p>
+        </p:txBody>
+      </p:sp>
+      <p:sp>
+        <p:nvSpPr>
+          <p:cNvPr id="32" name="Rectangle 31">
+            <a:extLst>
+              <a:ext uri="{FF2B5EF4-FFF2-40B4-BE49-F238E27FC236}">
+                <a16:creationId xmlns:a16="http://schemas.microsoft.com/office/drawing/2014/main" id="{4218F186-9F59-CFD8-EB86-6ED83DF97E04}"/>
+              </a:ext>
+            </a:extLst>
+          </p:cNvPr>
+          <p:cNvSpPr/>
+          <p:nvPr/>
+        </p:nvSpPr>
+        <p:spPr>
+          <a:xfrm>
+            <a:off x="1672777" y="4820855"/>
+            <a:ext cx="791176" cy="680263"/>
+          </a:xfrm>
+          <a:prstGeom prst="rect">
+            <a:avLst/>
+          </a:prstGeom>
+        </p:spPr>
+        <p:style>
+          <a:lnRef idx="2">
+            <a:schemeClr val="accent1">
+              <a:shade val="15000"/>
+            </a:schemeClr>
+          </a:lnRef>
+          <a:fillRef idx="1">
+            <a:schemeClr val="accent1"/>
+          </a:fillRef>
+          <a:effectRef idx="0">
+            <a:schemeClr val="accent1"/>
+          </a:effectRef>
+          <a:fontRef idx="minor">
+            <a:schemeClr val="lt1"/>
+          </a:fontRef>
+        </p:style>
+        <p:txBody>
+          <a:bodyPr rtlCol="0" anchor="ctr"/>
+          <a:lstStyle/>
+          <a:p>
+            <a:pPr algn="ctr"/>
+            <a:r>
+              <a:rPr lang="en-GB" dirty="0"/>
+              <a:t>Stack</a:t>
+            </a:r>
+          </a:p>
+        </p:txBody>
+      </p:sp>
+      <p:sp>
+        <p:nvSpPr>
+          <p:cNvPr id="33" name="Rectangle 32">
+            <a:extLst>
+              <a:ext uri="{FF2B5EF4-FFF2-40B4-BE49-F238E27FC236}">
+                <a16:creationId xmlns:a16="http://schemas.microsoft.com/office/drawing/2014/main" id="{3F34A720-19E4-B48B-E586-5BD376FDE096}"/>
+              </a:ext>
+            </a:extLst>
+          </p:cNvPr>
+          <p:cNvSpPr/>
+          <p:nvPr/>
+        </p:nvSpPr>
+        <p:spPr>
+          <a:xfrm>
+            <a:off x="3849542" y="4855514"/>
+            <a:ext cx="791176" cy="680263"/>
+          </a:xfrm>
+          <a:prstGeom prst="rect">
+            <a:avLst/>
+          </a:prstGeom>
+        </p:spPr>
+        <p:style>
+          <a:lnRef idx="2">
+            <a:schemeClr val="accent1">
+              <a:shade val="15000"/>
+            </a:schemeClr>
+          </a:lnRef>
+          <a:fillRef idx="1">
+            <a:schemeClr val="accent1"/>
+          </a:fillRef>
+          <a:effectRef idx="0">
+            <a:schemeClr val="accent1"/>
+          </a:effectRef>
+          <a:fontRef idx="minor">
+            <a:schemeClr val="lt1"/>
+          </a:fontRef>
+        </p:style>
+        <p:txBody>
+          <a:bodyPr rtlCol="0" anchor="ctr"/>
+          <a:lstStyle/>
+          <a:p>
+            <a:pPr algn="ctr"/>
+            <a:r>
+              <a:rPr lang="en-GB" dirty="0"/>
+              <a:t>Stack</a:t>
+            </a:r>
+          </a:p>
+        </p:txBody>
+      </p:sp>
+      <p:sp>
+        <p:nvSpPr>
+          <p:cNvPr id="34" name="Rectangle 33">
+            <a:extLst>
+              <a:ext uri="{FF2B5EF4-FFF2-40B4-BE49-F238E27FC236}">
+                <a16:creationId xmlns:a16="http://schemas.microsoft.com/office/drawing/2014/main" id="{E5E70413-A162-C21A-2154-EAC09B9517C2}"/>
+              </a:ext>
+            </a:extLst>
+          </p:cNvPr>
+          <p:cNvSpPr/>
+          <p:nvPr/>
+        </p:nvSpPr>
+        <p:spPr>
+          <a:xfrm>
+            <a:off x="6268589" y="4820855"/>
+            <a:ext cx="791176" cy="680263"/>
+          </a:xfrm>
+          <a:prstGeom prst="rect">
+            <a:avLst/>
+          </a:prstGeom>
+        </p:spPr>
+        <p:style>
+          <a:lnRef idx="2">
+            <a:schemeClr val="accent1">
+              <a:shade val="15000"/>
+            </a:schemeClr>
+          </a:lnRef>
+          <a:fillRef idx="1">
+            <a:schemeClr val="accent1"/>
+          </a:fillRef>
+          <a:effectRef idx="0">
+            <a:schemeClr val="accent1"/>
+          </a:effectRef>
+          <a:fontRef idx="minor">
+            <a:schemeClr val="lt1"/>
+          </a:fontRef>
+        </p:style>
+        <p:txBody>
+          <a:bodyPr rtlCol="0" anchor="ctr"/>
+          <a:lstStyle/>
+          <a:p>
+            <a:pPr algn="ctr"/>
+            <a:r>
+              <a:rPr lang="en-GB" dirty="0"/>
+              <a:t>Stack</a:t>
+            </a:r>
+          </a:p>
+        </p:txBody>
+      </p:sp>
+      <p:sp>
+        <p:nvSpPr>
+          <p:cNvPr id="35" name="Rectangle 34">
+            <a:extLst>
+              <a:ext uri="{FF2B5EF4-FFF2-40B4-BE49-F238E27FC236}">
+                <a16:creationId xmlns:a16="http://schemas.microsoft.com/office/drawing/2014/main" id="{12A92D77-E649-5C44-0D28-67BFC1DACABC}"/>
+              </a:ext>
+            </a:extLst>
+          </p:cNvPr>
+          <p:cNvSpPr/>
+          <p:nvPr/>
+        </p:nvSpPr>
+        <p:spPr>
+          <a:xfrm>
+            <a:off x="8275945" y="4073884"/>
+            <a:ext cx="1279072" cy="1927321"/>
+          </a:xfrm>
+          <a:prstGeom prst="rect">
+            <a:avLst/>
+          </a:prstGeom>
+        </p:spPr>
+        <p:style>
+          <a:lnRef idx="2">
+            <a:schemeClr val="accent1">
+              <a:shade val="15000"/>
+            </a:schemeClr>
+          </a:lnRef>
+          <a:fillRef idx="1">
+            <a:schemeClr val="accent1"/>
+          </a:fillRef>
+          <a:effectRef idx="0">
+            <a:schemeClr val="accent1"/>
+          </a:effectRef>
+          <a:fontRef idx="minor">
+            <a:schemeClr val="lt1"/>
+          </a:fontRef>
+        </p:style>
+        <p:txBody>
+          <a:bodyPr rtlCol="0" anchor="ctr"/>
+          <a:lstStyle/>
+          <a:p>
+            <a:pPr algn="ctr"/>
+            <a:endParaRPr lang="en-GB"/>
+          </a:p>
+        </p:txBody>
+      </p:sp>
+      <p:sp>
+        <p:nvSpPr>
+          <p:cNvPr id="36" name="Rectangle 35">
+            <a:extLst>
+              <a:ext uri="{FF2B5EF4-FFF2-40B4-BE49-F238E27FC236}">
+                <a16:creationId xmlns:a16="http://schemas.microsoft.com/office/drawing/2014/main" id="{2CF9AA76-90E5-1A93-455F-434B4865B117}"/>
+              </a:ext>
+            </a:extLst>
+          </p:cNvPr>
+          <p:cNvSpPr/>
+          <p:nvPr/>
+        </p:nvSpPr>
+        <p:spPr>
+          <a:xfrm>
+            <a:off x="8519893" y="4750087"/>
+            <a:ext cx="791176" cy="680263"/>
+          </a:xfrm>
+          <a:prstGeom prst="rect">
+            <a:avLst/>
+          </a:prstGeom>
+        </p:spPr>
+        <p:style>
+          <a:lnRef idx="2">
+            <a:schemeClr val="accent1">
+              <a:shade val="15000"/>
+            </a:schemeClr>
+          </a:lnRef>
+          <a:fillRef idx="1">
+            <a:schemeClr val="accent1"/>
+          </a:fillRef>
+          <a:effectRef idx="0">
+            <a:schemeClr val="accent1"/>
+          </a:effectRef>
+          <a:fontRef idx="minor">
+            <a:schemeClr val="lt1"/>
+          </a:fontRef>
+        </p:style>
+        <p:txBody>
+          <a:bodyPr rtlCol="0" anchor="ctr"/>
+          <a:lstStyle/>
+          <a:p>
+            <a:pPr algn="ctr"/>
+            <a:r>
+              <a:rPr lang="en-GB" dirty="0"/>
+              <a:t>Stack</a:t>
+            </a:r>
+          </a:p>
+        </p:txBody>
+      </p:sp>
+      <p:sp>
+        <p:nvSpPr>
+          <p:cNvPr id="37" name="TextBox 36">
+            <a:extLst>
+              <a:ext uri="{FF2B5EF4-FFF2-40B4-BE49-F238E27FC236}">
+                <a16:creationId xmlns:a16="http://schemas.microsoft.com/office/drawing/2014/main" id="{77AF2864-C31C-BB89-3DE8-81978E36C093}"/>
+              </a:ext>
+            </a:extLst>
+          </p:cNvPr>
+          <p:cNvSpPr txBox="1"/>
+          <p:nvPr/>
+        </p:nvSpPr>
+        <p:spPr>
+          <a:xfrm>
+            <a:off x="8340327" y="4073884"/>
+            <a:ext cx="1567543" cy="369332"/>
+          </a:xfrm>
+          <a:prstGeom prst="rect">
+            <a:avLst/>
+          </a:prstGeom>
+          <a:noFill/>
+        </p:spPr>
+        <p:txBody>
+          <a:bodyPr wrap="square" rtlCol="0">
+            <a:spAutoFit/>
+          </a:bodyPr>
+          <a:lstStyle/>
+          <a:p>
+            <a:r>
+              <a:rPr lang="en-GB" dirty="0"/>
+              <a:t>PC : 1</a:t>
+            </a:r>
+          </a:p>
+        </p:txBody>
+      </p:sp>
+    </p:spTree>
+    <p:extLst>
+      <p:ext uri="{BB962C8B-B14F-4D97-AF65-F5344CB8AC3E}">
+        <p14:creationId xmlns:p14="http://schemas.microsoft.com/office/powerpoint/2010/main" val="2391725581"/>
+      </p:ext>
+    </p:extLst>
+  </p:cSld>
+  <p:clrMapOvr>
+    <a:masterClrMapping/>
+  </p:clrMapOvr>
+</p:sld>
+</file>
+
+<file path=ppt/slides/slide18.xml><?xml version="1.0" encoding="utf-8"?>
 <p:sld xmlns:a="http://schemas.openxmlformats.org/drawingml/2006/main" xmlns:r="http://schemas.openxmlformats.org/officeDocument/2006/relationships" xmlns:p="http://schemas.openxmlformats.org/presentationml/2006/main">
   <p:cSld>
     <p:spTree>
@@ -4626,7 +6673,480 @@
 </p:sld>
 </file>
 
-<file path=ppt/slides/slide14.xml><?xml version="1.0" encoding="utf-8"?>
+<file path=ppt/slides/slide19.xml><?xml version="1.0" encoding="utf-8"?>
+<p:sld xmlns:a="http://schemas.openxmlformats.org/drawingml/2006/main" xmlns:r="http://schemas.openxmlformats.org/officeDocument/2006/relationships" xmlns:p="http://schemas.openxmlformats.org/presentationml/2006/main">
+  <p:cSld>
+    <p:spTree>
+      <p:nvGrpSpPr>
+        <p:cNvPr id="1" name=""/>
+        <p:cNvGrpSpPr/>
+        <p:nvPr/>
+      </p:nvGrpSpPr>
+      <p:grpSpPr>
+        <a:xfrm>
+          <a:off x="0" y="0"/>
+          <a:ext cx="0" cy="0"/>
+          <a:chOff x="0" y="0"/>
+          <a:chExt cx="0" cy="0"/>
+        </a:xfrm>
+      </p:grpSpPr>
+      <p:sp>
+        <p:nvSpPr>
+          <p:cNvPr id="4" name="Rectangle 3">
+            <a:extLst>
+              <a:ext uri="{FF2B5EF4-FFF2-40B4-BE49-F238E27FC236}">
+                <a16:creationId xmlns:a16="http://schemas.microsoft.com/office/drawing/2014/main" id="{9C7889B7-B06B-F441-C1E0-A1E27C8A882B}"/>
+              </a:ext>
+            </a:extLst>
+          </p:cNvPr>
+          <p:cNvSpPr/>
+          <p:nvPr/>
+        </p:nvSpPr>
+        <p:spPr>
+          <a:xfrm>
+            <a:off x="4543120" y="530679"/>
+            <a:ext cx="1698171" cy="2032907"/>
+          </a:xfrm>
+          <a:prstGeom prst="rect">
+            <a:avLst/>
+          </a:prstGeom>
+        </p:spPr>
+        <p:style>
+          <a:lnRef idx="2">
+            <a:schemeClr val="accent1">
+              <a:shade val="15000"/>
+            </a:schemeClr>
+          </a:lnRef>
+          <a:fillRef idx="1">
+            <a:schemeClr val="accent1"/>
+          </a:fillRef>
+          <a:effectRef idx="0">
+            <a:schemeClr val="accent1"/>
+          </a:effectRef>
+          <a:fontRef idx="minor">
+            <a:schemeClr val="lt1"/>
+          </a:fontRef>
+        </p:style>
+        <p:txBody>
+          <a:bodyPr rtlCol="0" anchor="ctr"/>
+          <a:lstStyle/>
+          <a:p>
+            <a:pPr algn="ctr"/>
+            <a:r>
+              <a:rPr lang="en-GB" dirty="0"/>
+              <a:t>PCB</a:t>
+            </a:r>
+          </a:p>
+        </p:txBody>
+      </p:sp>
+      <p:sp>
+        <p:nvSpPr>
+          <p:cNvPr id="5" name="Rectangle 4">
+            <a:extLst>
+              <a:ext uri="{FF2B5EF4-FFF2-40B4-BE49-F238E27FC236}">
+                <a16:creationId xmlns:a16="http://schemas.microsoft.com/office/drawing/2014/main" id="{E639F3E5-E6BC-DC67-A1F6-9C554B8AAB8D}"/>
+              </a:ext>
+            </a:extLst>
+          </p:cNvPr>
+          <p:cNvSpPr/>
+          <p:nvPr/>
+        </p:nvSpPr>
+        <p:spPr>
+          <a:xfrm>
+            <a:off x="4397829" y="4294414"/>
+            <a:ext cx="1698171" cy="2032907"/>
+          </a:xfrm>
+          <a:prstGeom prst="rect">
+            <a:avLst/>
+          </a:prstGeom>
+        </p:spPr>
+        <p:style>
+          <a:lnRef idx="2">
+            <a:schemeClr val="accent1">
+              <a:shade val="15000"/>
+            </a:schemeClr>
+          </a:lnRef>
+          <a:fillRef idx="1">
+            <a:schemeClr val="accent1"/>
+          </a:fillRef>
+          <a:effectRef idx="0">
+            <a:schemeClr val="accent1"/>
+          </a:effectRef>
+          <a:fontRef idx="minor">
+            <a:schemeClr val="lt1"/>
+          </a:fontRef>
+        </p:style>
+        <p:txBody>
+          <a:bodyPr rtlCol="0" anchor="ctr"/>
+          <a:lstStyle/>
+          <a:p>
+            <a:pPr algn="ctr"/>
+            <a:r>
+              <a:rPr lang="en-GB" dirty="0"/>
+              <a:t>Thread</a:t>
+            </a:r>
+          </a:p>
+        </p:txBody>
+      </p:sp>
+      <p:sp>
+        <p:nvSpPr>
+          <p:cNvPr id="6" name="Arrow: Up 5">
+            <a:extLst>
+              <a:ext uri="{FF2B5EF4-FFF2-40B4-BE49-F238E27FC236}">
+                <a16:creationId xmlns:a16="http://schemas.microsoft.com/office/drawing/2014/main" id="{0162CDB9-2996-CEAC-B2B8-B33674A8B644}"/>
+              </a:ext>
+            </a:extLst>
+          </p:cNvPr>
+          <p:cNvSpPr/>
+          <p:nvPr/>
+        </p:nvSpPr>
+        <p:spPr>
+          <a:xfrm>
+            <a:off x="5008484" y="2866085"/>
+            <a:ext cx="383721" cy="873579"/>
+          </a:xfrm>
+          <a:prstGeom prst="upArrow">
+            <a:avLst/>
+          </a:prstGeom>
+        </p:spPr>
+        <p:style>
+          <a:lnRef idx="2">
+            <a:schemeClr val="accent1">
+              <a:shade val="15000"/>
+            </a:schemeClr>
+          </a:lnRef>
+          <a:fillRef idx="1">
+            <a:schemeClr val="accent1"/>
+          </a:fillRef>
+          <a:effectRef idx="0">
+            <a:schemeClr val="accent1"/>
+          </a:effectRef>
+          <a:fontRef idx="minor">
+            <a:schemeClr val="lt1"/>
+          </a:fontRef>
+        </p:style>
+        <p:txBody>
+          <a:bodyPr rtlCol="0" anchor="ctr"/>
+          <a:lstStyle/>
+          <a:p>
+            <a:pPr algn="ctr"/>
+            <a:endParaRPr lang="en-GB"/>
+          </a:p>
+        </p:txBody>
+      </p:sp>
+      <p:sp>
+        <p:nvSpPr>
+          <p:cNvPr id="8" name="Arrow: Up 7">
+            <a:extLst>
+              <a:ext uri="{FF2B5EF4-FFF2-40B4-BE49-F238E27FC236}">
+                <a16:creationId xmlns:a16="http://schemas.microsoft.com/office/drawing/2014/main" id="{EB45A78D-5405-034C-CFBD-63EF3BFE0AA2}"/>
+              </a:ext>
+            </a:extLst>
+          </p:cNvPr>
+          <p:cNvSpPr/>
+          <p:nvPr/>
+        </p:nvSpPr>
+        <p:spPr>
+          <a:xfrm rot="19377461">
+            <a:off x="6607936" y="2927316"/>
+            <a:ext cx="383721" cy="873579"/>
+          </a:xfrm>
+          <a:prstGeom prst="upArrow">
+            <a:avLst/>
+          </a:prstGeom>
+        </p:spPr>
+        <p:style>
+          <a:lnRef idx="2">
+            <a:schemeClr val="accent1">
+              <a:shade val="15000"/>
+            </a:schemeClr>
+          </a:lnRef>
+          <a:fillRef idx="1">
+            <a:schemeClr val="accent1"/>
+          </a:fillRef>
+          <a:effectRef idx="0">
+            <a:schemeClr val="accent1"/>
+          </a:effectRef>
+          <a:fontRef idx="minor">
+            <a:schemeClr val="lt1"/>
+          </a:fontRef>
+        </p:style>
+        <p:txBody>
+          <a:bodyPr rtlCol="0" anchor="ctr"/>
+          <a:lstStyle/>
+          <a:p>
+            <a:pPr algn="ctr"/>
+            <a:endParaRPr lang="en-GB"/>
+          </a:p>
+        </p:txBody>
+      </p:sp>
+      <p:sp>
+        <p:nvSpPr>
+          <p:cNvPr id="9" name="Rectangle 8">
+            <a:extLst>
+              <a:ext uri="{FF2B5EF4-FFF2-40B4-BE49-F238E27FC236}">
+                <a16:creationId xmlns:a16="http://schemas.microsoft.com/office/drawing/2014/main" id="{816AE870-1C20-CFDE-337A-8B45765C8A1B}"/>
+              </a:ext>
+            </a:extLst>
+          </p:cNvPr>
+          <p:cNvSpPr/>
+          <p:nvPr/>
+        </p:nvSpPr>
+        <p:spPr>
+          <a:xfrm>
+            <a:off x="6479721" y="4229519"/>
+            <a:ext cx="1698171" cy="2032907"/>
+          </a:xfrm>
+          <a:prstGeom prst="rect">
+            <a:avLst/>
+          </a:prstGeom>
+        </p:spPr>
+        <p:style>
+          <a:lnRef idx="2">
+            <a:schemeClr val="accent1">
+              <a:shade val="15000"/>
+            </a:schemeClr>
+          </a:lnRef>
+          <a:fillRef idx="1">
+            <a:schemeClr val="accent1"/>
+          </a:fillRef>
+          <a:effectRef idx="0">
+            <a:schemeClr val="accent1"/>
+          </a:effectRef>
+          <a:fontRef idx="minor">
+            <a:schemeClr val="lt1"/>
+          </a:fontRef>
+        </p:style>
+        <p:txBody>
+          <a:bodyPr rtlCol="0" anchor="ctr"/>
+          <a:lstStyle/>
+          <a:p>
+            <a:pPr algn="ctr"/>
+            <a:r>
+              <a:rPr lang="en-GB" dirty="0"/>
+              <a:t>Thread</a:t>
+            </a:r>
+          </a:p>
+        </p:txBody>
+      </p:sp>
+      <p:sp>
+        <p:nvSpPr>
+          <p:cNvPr id="10" name="Rectangle 9">
+            <a:extLst>
+              <a:ext uri="{FF2B5EF4-FFF2-40B4-BE49-F238E27FC236}">
+                <a16:creationId xmlns:a16="http://schemas.microsoft.com/office/drawing/2014/main" id="{57D37ACE-45CA-29C9-E77F-10A95F7FEDCC}"/>
+              </a:ext>
+            </a:extLst>
+          </p:cNvPr>
+          <p:cNvSpPr/>
+          <p:nvPr/>
+        </p:nvSpPr>
+        <p:spPr>
+          <a:xfrm>
+            <a:off x="2315937" y="4120662"/>
+            <a:ext cx="1698171" cy="2032907"/>
+          </a:xfrm>
+          <a:prstGeom prst="rect">
+            <a:avLst/>
+          </a:prstGeom>
+        </p:spPr>
+        <p:style>
+          <a:lnRef idx="2">
+            <a:schemeClr val="accent1">
+              <a:shade val="15000"/>
+            </a:schemeClr>
+          </a:lnRef>
+          <a:fillRef idx="1">
+            <a:schemeClr val="accent1"/>
+          </a:fillRef>
+          <a:effectRef idx="0">
+            <a:schemeClr val="accent1"/>
+          </a:effectRef>
+          <a:fontRef idx="minor">
+            <a:schemeClr val="lt1"/>
+          </a:fontRef>
+        </p:style>
+        <p:txBody>
+          <a:bodyPr rtlCol="0" anchor="ctr"/>
+          <a:lstStyle/>
+          <a:p>
+            <a:pPr algn="ctr"/>
+            <a:r>
+              <a:rPr lang="en-GB" dirty="0"/>
+              <a:t>Thread</a:t>
+            </a:r>
+          </a:p>
+        </p:txBody>
+      </p:sp>
+      <p:sp>
+        <p:nvSpPr>
+          <p:cNvPr id="11" name="Arrow: Up 10">
+            <a:extLst>
+              <a:ext uri="{FF2B5EF4-FFF2-40B4-BE49-F238E27FC236}">
+                <a16:creationId xmlns:a16="http://schemas.microsoft.com/office/drawing/2014/main" id="{429DBE2C-F096-CF64-1DDC-8AE4E1359CD6}"/>
+              </a:ext>
+            </a:extLst>
+          </p:cNvPr>
+          <p:cNvSpPr/>
+          <p:nvPr/>
+        </p:nvSpPr>
+        <p:spPr>
+          <a:xfrm rot="1657603">
+            <a:off x="3789704" y="2869443"/>
+            <a:ext cx="383721" cy="873579"/>
+          </a:xfrm>
+          <a:prstGeom prst="upArrow">
+            <a:avLst/>
+          </a:prstGeom>
+        </p:spPr>
+        <p:style>
+          <a:lnRef idx="2">
+            <a:schemeClr val="accent1">
+              <a:shade val="15000"/>
+            </a:schemeClr>
+          </a:lnRef>
+          <a:fillRef idx="1">
+            <a:schemeClr val="accent1"/>
+          </a:fillRef>
+          <a:effectRef idx="0">
+            <a:schemeClr val="accent1"/>
+          </a:effectRef>
+          <a:fontRef idx="minor">
+            <a:schemeClr val="lt1"/>
+          </a:fontRef>
+        </p:style>
+        <p:txBody>
+          <a:bodyPr rtlCol="0" anchor="ctr"/>
+          <a:lstStyle/>
+          <a:p>
+            <a:pPr algn="ctr"/>
+            <a:endParaRPr lang="en-GB"/>
+          </a:p>
+        </p:txBody>
+      </p:sp>
+    </p:spTree>
+    <p:extLst>
+      <p:ext uri="{BB962C8B-B14F-4D97-AF65-F5344CB8AC3E}">
+        <p14:creationId xmlns:p14="http://schemas.microsoft.com/office/powerpoint/2010/main" val="1354281311"/>
+      </p:ext>
+    </p:extLst>
+  </p:cSld>
+  <p:clrMapOvr>
+    <a:masterClrMapping/>
+  </p:clrMapOvr>
+</p:sld>
+</file>
+
+<file path=ppt/slides/slide2.xml><?xml version="1.0" encoding="utf-8"?>
+<p:sld xmlns:a="http://schemas.openxmlformats.org/drawingml/2006/main" xmlns:r="http://schemas.openxmlformats.org/officeDocument/2006/relationships" xmlns:p="http://schemas.openxmlformats.org/presentationml/2006/main">
+  <p:cSld>
+    <p:spTree>
+      <p:nvGrpSpPr>
+        <p:cNvPr id="1" name=""/>
+        <p:cNvGrpSpPr/>
+        <p:nvPr/>
+      </p:nvGrpSpPr>
+      <p:grpSpPr>
+        <a:xfrm>
+          <a:off x="0" y="0"/>
+          <a:ext cx="0" cy="0"/>
+          <a:chOff x="0" y="0"/>
+          <a:chExt cx="0" cy="0"/>
+        </a:xfrm>
+      </p:grpSpPr>
+      <p:sp>
+        <p:nvSpPr>
+          <p:cNvPr id="2" name="제목 1">
+            <a:extLst>
+              <a:ext uri="{FF2B5EF4-FFF2-40B4-BE49-F238E27FC236}">
+                <a16:creationId xmlns:a16="http://schemas.microsoft.com/office/drawing/2014/main" id="{D7E7789C-7AB7-42A6-8AC9-4953582E8D5F}"/>
+              </a:ext>
+            </a:extLst>
+          </p:cNvPr>
+          <p:cNvSpPr>
+            <a:spLocks noGrp="1"/>
+          </p:cNvSpPr>
+          <p:nvPr>
+            <p:ph type="title"/>
+          </p:nvPr>
+        </p:nvSpPr>
+        <p:spPr/>
+        <p:txBody>
+          <a:bodyPr>
+            <a:normAutofit/>
+          </a:bodyPr>
+          <a:lstStyle/>
+          <a:p>
+            <a:r>
+              <a:rPr lang="en-US" altLang="ko-KR" sz="4000" dirty="0"/>
+              <a:t>What dose it mean to execute a program?</a:t>
+            </a:r>
+            <a:endParaRPr lang="ko-KR" altLang="en-US" sz="4000" dirty="0"/>
+          </a:p>
+        </p:txBody>
+      </p:sp>
+      <p:sp>
+        <p:nvSpPr>
+          <p:cNvPr id="5" name="내용 개체 틀 4">
+            <a:extLst>
+              <a:ext uri="{FF2B5EF4-FFF2-40B4-BE49-F238E27FC236}">
+                <a16:creationId xmlns:a16="http://schemas.microsoft.com/office/drawing/2014/main" id="{0771DDE2-340F-4C2D-BB33-64BFFB258A0B}"/>
+              </a:ext>
+            </a:extLst>
+          </p:cNvPr>
+          <p:cNvSpPr>
+            <a:spLocks noGrp="1"/>
+          </p:cNvSpPr>
+          <p:nvPr>
+            <p:ph idx="1"/>
+          </p:nvPr>
+        </p:nvSpPr>
+        <p:spPr/>
+        <p:txBody>
+          <a:bodyPr/>
+          <a:lstStyle/>
+          <a:p>
+            <a:r>
+              <a:rPr lang="en-US" altLang="ko-KR" dirty="0"/>
+              <a:t>Process(</a:t>
+            </a:r>
+            <a:r>
+              <a:rPr lang="ko-KR" altLang="en-US" dirty="0"/>
+              <a:t>프로세스</a:t>
+            </a:r>
+            <a:r>
+              <a:rPr lang="en-US" altLang="ko-KR" dirty="0"/>
+              <a:t>)</a:t>
+            </a:r>
+            <a:r>
+              <a:rPr lang="ko-KR" altLang="en-US" dirty="0"/>
+              <a:t>를 생성하고</a:t>
+            </a:r>
+            <a:r>
+              <a:rPr lang="en-US" altLang="ko-KR" dirty="0"/>
+              <a:t>, </a:t>
+            </a:r>
+            <a:r>
+              <a:rPr lang="ko-KR" altLang="en-US" dirty="0"/>
+              <a:t>운영체제가 이를 관리하도록 하는 것</a:t>
+            </a:r>
+          </a:p>
+        </p:txBody>
+      </p:sp>
+    </p:spTree>
+    <p:extLst>
+      <p:ext uri="{BB962C8B-B14F-4D97-AF65-F5344CB8AC3E}">
+        <p14:creationId xmlns:p14="http://schemas.microsoft.com/office/powerpoint/2010/main" val="853490105"/>
+      </p:ext>
+    </p:extLst>
+  </p:cSld>
+  <p:clrMapOvr>
+    <a:masterClrMapping/>
+  </p:clrMapOvr>
+</p:sld>
+</file>
+
+<file path=ppt/slides/slide20.xml><?xml version="1.0" encoding="utf-8"?>
 <p:sld xmlns:a="http://schemas.openxmlformats.org/drawingml/2006/main" xmlns:r="http://schemas.openxmlformats.org/officeDocument/2006/relationships" xmlns:p="http://schemas.openxmlformats.org/presentationml/2006/main">
   <p:cSld>
     <p:spTree>
@@ -4750,7 +7270,7 @@
         </p:nvSpPr>
         <p:spPr>
           <a:xfrm>
-            <a:off x="2679032" y="5173581"/>
+            <a:off x="7728142" y="5116431"/>
             <a:ext cx="1219200" cy="962526"/>
           </a:xfrm>
           <a:prstGeom prst="rect">
@@ -4799,7 +7319,7 @@
         </p:nvSpPr>
         <p:spPr>
           <a:xfrm>
-            <a:off x="4483768" y="5173581"/>
+            <a:off x="2434532" y="5116431"/>
             <a:ext cx="1219200" cy="962526"/>
           </a:xfrm>
           <a:prstGeom prst="rect">
@@ -4848,7 +7368,7 @@
         </p:nvSpPr>
         <p:spPr>
           <a:xfrm>
-            <a:off x="6368715" y="5173581"/>
+            <a:off x="4162928" y="5116431"/>
             <a:ext cx="1219200" cy="962526"/>
           </a:xfrm>
           <a:prstGeom prst="rect">
@@ -4993,7 +7513,7 @@
         </p:nvSpPr>
         <p:spPr>
           <a:xfrm>
-            <a:off x="5771147" y="677782"/>
+            <a:off x="5999746" y="5141496"/>
             <a:ext cx="1219200" cy="962526"/>
           </a:xfrm>
           <a:prstGeom prst="rect">
@@ -5041,7 +7561,7 @@
 </p:sld>
 </file>
 
-<file path=ppt/slides/slide15.xml><?xml version="1.0" encoding="utf-8"?>
+<file path=ppt/slides/slide21.xml><?xml version="1.0" encoding="utf-8"?>
 <p:sld xmlns:a="http://schemas.openxmlformats.org/drawingml/2006/main" xmlns:r="http://schemas.openxmlformats.org/officeDocument/2006/relationships" xmlns:p="http://schemas.openxmlformats.org/presentationml/2006/main">
   <p:cSld>
     <p:spTree>
@@ -5224,7 +7744,7 @@
 </p:sld>
 </file>
 
-<file path=ppt/slides/slide16.xml><?xml version="1.0" encoding="utf-8"?>
+<file path=ppt/slides/slide22.xml><?xml version="1.0" encoding="utf-8"?>
 <p:sld xmlns:a="http://schemas.openxmlformats.org/drawingml/2006/main" xmlns:r="http://schemas.openxmlformats.org/officeDocument/2006/relationships" xmlns:p="http://schemas.openxmlformats.org/presentationml/2006/main">
   <p:cSld>
     <p:spTree>
@@ -5293,7 +7813,7 @@
         <p:spPr/>
         <p:txBody>
           <a:bodyPr>
-            <a:normAutofit lnSpcReduction="10000"/>
+            <a:normAutofit fontScale="92500" lnSpcReduction="10000"/>
           </a:bodyPr>
           <a:lstStyle/>
           <a:p>
@@ -5422,6 +7942,14 @@
               <a:rPr lang="en-US" altLang="ko-KR" dirty="0"/>
               <a:t>(Starvation)</a:t>
             </a:r>
+          </a:p>
+          <a:p>
+            <a:pPr lvl="1"/>
+            <a:r>
+              <a:rPr lang="ko-KR" altLang="en-US" dirty="0"/>
+              <a:t>메모리  가시성</a:t>
+            </a:r>
+            <a:endParaRPr lang="en-US" altLang="ko-KR" dirty="0"/>
           </a:p>
         </p:txBody>
       </p:sp>
@@ -5438,7 +7966,7 @@
 </p:sld>
 </file>
 
-<file path=ppt/slides/slide17.xml><?xml version="1.0" encoding="utf-8"?>
+<file path=ppt/slides/slide23.xml><?xml version="1.0" encoding="utf-8"?>
 <p:sld xmlns:a="http://schemas.openxmlformats.org/drawingml/2006/main" xmlns:r="http://schemas.openxmlformats.org/officeDocument/2006/relationships" xmlns:p="http://schemas.openxmlformats.org/presentationml/2006/main">
   <p:cSld>
     <p:spTree>
@@ -5553,7 +8081,7 @@
 </p:sld>
 </file>
 
-<file path=ppt/slides/slide18.xml><?xml version="1.0" encoding="utf-8"?>
+<file path=ppt/slides/slide24.xml><?xml version="1.0" encoding="utf-8"?>
 <p:sld xmlns:a="http://schemas.openxmlformats.org/drawingml/2006/main" xmlns:r="http://schemas.openxmlformats.org/officeDocument/2006/relationships" xmlns:p="http://schemas.openxmlformats.org/presentationml/2006/main">
   <p:cSld>
     <p:spTree>
@@ -5727,7 +8255,7 @@
 </p:sld>
 </file>
 
-<file path=ppt/slides/slide19.xml><?xml version="1.0" encoding="utf-8"?>
+<file path=ppt/slides/slide25.xml><?xml version="1.0" encoding="utf-8"?>
 <p:sld xmlns:a="http://schemas.openxmlformats.org/drawingml/2006/main" xmlns:r="http://schemas.openxmlformats.org/officeDocument/2006/relationships" xmlns:p="http://schemas.openxmlformats.org/presentationml/2006/main">
   <p:cSld>
     <p:spTree>
@@ -5775,8 +8303,8 @@
         </p:blipFill>
         <p:spPr bwMode="auto">
           <a:xfrm>
-            <a:off x="4361463" y="0"/>
-            <a:ext cx="6548437" cy="6636533"/>
+            <a:off x="5110843" y="965618"/>
+            <a:ext cx="5039779" cy="5107579"/>
           </a:xfrm>
           <a:prstGeom prst="rect">
             <a:avLst/>
@@ -5842,7 +8370,7 @@
 </p:sld>
 </file>
 
-<file path=ppt/slides/slide2.xml><?xml version="1.0" encoding="utf-8"?>
+<file path=ppt/slides/slide26.xml><?xml version="1.0" encoding="utf-8"?>
 <p:sld xmlns:a="http://schemas.openxmlformats.org/drawingml/2006/main" xmlns:r="http://schemas.openxmlformats.org/officeDocument/2006/relationships" xmlns:p="http://schemas.openxmlformats.org/presentationml/2006/main">
   <p:cSld>
     <p:spTree>
@@ -5861,10 +8389,10 @@
       </p:grpSpPr>
       <p:sp>
         <p:nvSpPr>
-          <p:cNvPr id="2" name="제목 1">
-            <a:extLst>
-              <a:ext uri="{FF2B5EF4-FFF2-40B4-BE49-F238E27FC236}">
-                <a16:creationId xmlns:a16="http://schemas.microsoft.com/office/drawing/2014/main" id="{D7E7789C-7AB7-42A6-8AC9-4953582E8D5F}"/>
+          <p:cNvPr id="2" name="Title 1">
+            <a:extLst>
+              <a:ext uri="{FF2B5EF4-FFF2-40B4-BE49-F238E27FC236}">
+                <a16:creationId xmlns:a16="http://schemas.microsoft.com/office/drawing/2014/main" id="{E7B8458A-9FE4-C07D-0888-7B8153F5212B}"/>
               </a:ext>
             </a:extLst>
           </p:cNvPr>
@@ -5877,71 +8405,235 @@
         </p:nvSpPr>
         <p:spPr/>
         <p:txBody>
+          <a:bodyPr/>
+          <a:lstStyle/>
+          <a:p>
+            <a:r>
+              <a:rPr lang="ko-KR" altLang="en-US" dirty="0"/>
+              <a:t>라이브락</a:t>
+            </a:r>
+            <a:r>
+              <a:rPr lang="en-US" altLang="ko-KR" dirty="0"/>
+              <a:t>(</a:t>
+            </a:r>
+            <a:r>
+              <a:rPr lang="en-US" altLang="ko-KR" dirty="0" err="1"/>
+              <a:t>livelock</a:t>
+            </a:r>
+            <a:r>
+              <a:rPr lang="en-US" altLang="ko-KR" dirty="0"/>
+              <a:t>)</a:t>
+            </a:r>
+            <a:endParaRPr lang="en-GB" dirty="0"/>
+          </a:p>
+        </p:txBody>
+      </p:sp>
+      <p:sp>
+        <p:nvSpPr>
+          <p:cNvPr id="3" name="Content Placeholder 2">
+            <a:extLst>
+              <a:ext uri="{FF2B5EF4-FFF2-40B4-BE49-F238E27FC236}">
+                <a16:creationId xmlns:a16="http://schemas.microsoft.com/office/drawing/2014/main" id="{ADF2C0C6-A31E-967E-C534-9B29F5B49C9C}"/>
+              </a:ext>
+            </a:extLst>
+          </p:cNvPr>
+          <p:cNvSpPr>
+            <a:spLocks noGrp="1"/>
+          </p:cNvSpPr>
+          <p:nvPr>
+            <p:ph idx="1"/>
+          </p:nvPr>
+        </p:nvSpPr>
+        <p:spPr/>
+        <p:txBody>
           <a:bodyPr>
             <a:normAutofit/>
           </a:bodyPr>
           <a:lstStyle/>
           <a:p>
             <a:r>
-              <a:rPr lang="en-US" altLang="ko-KR" sz="4000" dirty="0"/>
-              <a:t>What dose it mean to execute a program?</a:t>
-            </a:r>
-            <a:endParaRPr lang="ko-KR" altLang="en-US" sz="4000" dirty="0"/>
-          </a:p>
-        </p:txBody>
-      </p:sp>
-      <p:sp>
-        <p:nvSpPr>
-          <p:cNvPr id="5" name="내용 개체 틀 4">
-            <a:extLst>
-              <a:ext uri="{FF2B5EF4-FFF2-40B4-BE49-F238E27FC236}">
-                <a16:creationId xmlns:a16="http://schemas.microsoft.com/office/drawing/2014/main" id="{0771DDE2-340F-4C2D-BB33-64BFFB258A0B}"/>
-              </a:ext>
-            </a:extLst>
-          </p:cNvPr>
-          <p:cNvSpPr>
-            <a:spLocks noGrp="1"/>
-          </p:cNvSpPr>
-          <p:nvPr>
-            <p:ph idx="1"/>
-          </p:nvPr>
-        </p:nvSpPr>
-        <p:spPr/>
-        <p:txBody>
-          <a:bodyPr/>
-          <a:lstStyle/>
-          <a:p>
-            <a:r>
-              <a:rPr lang="en-US" altLang="ko-KR" dirty="0"/>
-              <a:t>Process(</a:t>
-            </a:r>
-            <a:r>
-              <a:rPr lang="ko-KR" altLang="en-US" dirty="0"/>
-              <a:t>프로세스</a:t>
-            </a:r>
-            <a:r>
-              <a:rPr lang="en-US" altLang="ko-KR" dirty="0"/>
-              <a:t>)</a:t>
-            </a:r>
-            <a:r>
-              <a:rPr lang="ko-KR" altLang="en-US" dirty="0"/>
-              <a:t>를 생성하고</a:t>
-            </a:r>
-            <a:r>
-              <a:rPr lang="en-US" altLang="ko-KR" dirty="0"/>
+              <a:rPr lang="en-US" altLang="ko-KR" b="0" i="0" dirty="0">
+                <a:solidFill>
+                  <a:srgbClr val="3B4045"/>
+                </a:solidFill>
+                <a:effectLst/>
+                <a:latin typeface="-apple-system"/>
+              </a:rPr>
+              <a:t>A </a:t>
+            </a:r>
+            <a:r>
+              <a:rPr lang="en-US" altLang="ko-KR" b="1" i="0" dirty="0" err="1">
+                <a:solidFill>
+                  <a:srgbClr val="3B4045"/>
+                </a:solidFill>
+                <a:effectLst/>
+                <a:latin typeface="-apple-system"/>
+              </a:rPr>
+              <a:t>livelock</a:t>
+            </a:r>
+            <a:r>
+              <a:rPr lang="en-US" altLang="ko-KR" b="0" i="0" dirty="0">
+                <a:solidFill>
+                  <a:srgbClr val="3B4045"/>
+                </a:solidFill>
+                <a:effectLst/>
+                <a:latin typeface="-apple-system"/>
+              </a:rPr>
+              <a:t> is similar to a deadlock, except that the states of the processes involved in the </a:t>
+            </a:r>
+            <a:r>
+              <a:rPr lang="en-US" altLang="ko-KR" b="0" i="0" dirty="0" err="1">
+                <a:solidFill>
+                  <a:srgbClr val="3B4045"/>
+                </a:solidFill>
+                <a:effectLst/>
+                <a:latin typeface="-apple-system"/>
+              </a:rPr>
+              <a:t>livelock</a:t>
+            </a:r>
+            <a:r>
+              <a:rPr lang="en-US" altLang="ko-KR" b="0" i="0" dirty="0">
+                <a:solidFill>
+                  <a:srgbClr val="3B4045"/>
+                </a:solidFill>
+                <a:effectLst/>
+                <a:latin typeface="-apple-system"/>
+              </a:rPr>
+              <a:t> constantly change with regard to one another, </a:t>
+            </a:r>
+            <a:r>
+              <a:rPr lang="en-US" altLang="ko-KR" sz="3600" b="1" i="0" dirty="0">
+                <a:solidFill>
+                  <a:srgbClr val="3B4045"/>
+                </a:solidFill>
+                <a:effectLst/>
+                <a:latin typeface="-apple-system"/>
+              </a:rPr>
+              <a:t>none progressing</a:t>
+            </a:r>
+          </a:p>
+          <a:p>
+            <a:r>
+              <a:rPr lang="ko-KR" altLang="en-US" sz="2400" dirty="0"/>
+              <a:t>활동성</a:t>
+            </a:r>
+            <a:r>
+              <a:rPr lang="en-US" altLang="ko-KR" sz="2400" dirty="0"/>
+              <a:t>(liveness)</a:t>
+            </a:r>
+            <a:r>
+              <a:rPr lang="ko-KR" altLang="en-US" sz="2400" dirty="0"/>
+              <a:t>에 문제가 발생한 경우</a:t>
+            </a:r>
+            <a:r>
+              <a:rPr lang="en-US" altLang="ko-KR" sz="2400" dirty="0"/>
               <a:t>, </a:t>
             </a:r>
             <a:r>
-              <a:rPr lang="ko-KR" altLang="en-US" dirty="0"/>
-              <a:t>운영체제가 이를 관리하도록 하는 것</a:t>
-            </a:r>
+              <a:rPr lang="ko-KR" altLang="en-US" sz="2400" dirty="0"/>
+              <a:t>라이브락에 걸렸다고 볼 수 있음</a:t>
+            </a:r>
+            <a:r>
+              <a:rPr lang="en-US" altLang="ko-KR" sz="2400" dirty="0"/>
+              <a:t>. </a:t>
+            </a:r>
+          </a:p>
+          <a:p>
+            <a:pPr lvl="1"/>
+            <a:r>
+              <a:rPr lang="ko-KR" altLang="en-US" sz="2000" dirty="0"/>
+              <a:t>여러 쓰레드가 특정 조건에서만 그 다음 행동이 가능하도록 되어 있고</a:t>
+            </a:r>
+            <a:r>
+              <a:rPr lang="en-US" altLang="ko-KR" sz="2000" dirty="0"/>
+              <a:t>, </a:t>
+            </a:r>
+            <a:r>
+              <a:rPr lang="ko-KR" altLang="en-US" sz="2000" dirty="0"/>
+              <a:t>각 쓰레드가 서로 다른 상태로 계속 변경하는 경우</a:t>
+            </a:r>
+            <a:r>
+              <a:rPr lang="en-US" altLang="ko-KR" sz="2000" dirty="0"/>
+              <a:t>, </a:t>
+            </a:r>
+            <a:r>
+              <a:rPr lang="ko-KR" altLang="en-US" sz="2000" dirty="0"/>
+              <a:t>라이브락에 빠질 수 있음</a:t>
+            </a:r>
+            <a:r>
+              <a:rPr lang="en-US" altLang="ko-KR" sz="2000" dirty="0"/>
+              <a:t>.</a:t>
+            </a:r>
+          </a:p>
+          <a:p>
+            <a:pPr lvl="1"/>
+            <a:r>
+              <a:rPr lang="ko-KR" altLang="en-US" sz="2000" dirty="0"/>
+              <a:t>활동성이란</a:t>
+            </a:r>
+            <a:r>
+              <a:rPr lang="en-US" altLang="ko-KR" sz="2000" dirty="0"/>
+              <a:t>, </a:t>
+            </a:r>
+            <a:r>
+              <a:rPr lang="ko-KR" altLang="en-US" sz="2000" dirty="0"/>
+              <a:t>즉</a:t>
+            </a:r>
+            <a:r>
+              <a:rPr lang="en-US" altLang="ko-KR" sz="2000" dirty="0"/>
+              <a:t>, </a:t>
+            </a:r>
+            <a:r>
+              <a:rPr lang="ko-KR" altLang="en-US" sz="2000" dirty="0"/>
+              <a:t>원하는 행동이 결국에는 행해진다는 의미로</a:t>
+            </a:r>
+            <a:r>
+              <a:rPr lang="en-US" altLang="ko-KR" sz="2000" dirty="0"/>
+              <a:t>, </a:t>
+            </a:r>
+            <a:r>
+              <a:rPr lang="ko-KR" altLang="en-US" sz="2000" dirty="0"/>
+              <a:t>코드가 무한 반복에 빠진 경우</a:t>
+            </a:r>
+            <a:r>
+              <a:rPr lang="en-US" altLang="ko-KR" sz="2000" dirty="0"/>
+              <a:t>, </a:t>
+            </a:r>
+            <a:r>
+              <a:rPr lang="ko-KR" altLang="en-US" sz="2000" dirty="0"/>
+              <a:t>활동성에 장애가 발생했다고 볼 수 있음</a:t>
+            </a:r>
+            <a:r>
+              <a:rPr lang="en-US" altLang="ko-KR" sz="2000" dirty="0"/>
+              <a:t>.</a:t>
+            </a:r>
+          </a:p>
+          <a:p>
+            <a:pPr lvl="2"/>
+            <a:r>
+              <a:rPr lang="ko-KR" altLang="en-US" sz="1800" dirty="0"/>
+              <a:t>예</a:t>
+            </a:r>
+            <a:r>
+              <a:rPr lang="en-US" altLang="ko-KR" sz="1800" dirty="0"/>
+              <a:t>) </a:t>
+            </a:r>
+            <a:r>
+              <a:rPr lang="ko-KR" altLang="en-US" sz="1800" dirty="0"/>
+              <a:t>무한 반복문에 빠진 코드</a:t>
+            </a:r>
+            <a:endParaRPr lang="en-US" altLang="ko-KR" sz="1800" dirty="0"/>
+          </a:p>
+          <a:p>
+            <a:pPr lvl="2"/>
+            <a:endParaRPr lang="en-US" dirty="0"/>
           </a:p>
         </p:txBody>
       </p:sp>
     </p:spTree>
     <p:extLst>
       <p:ext uri="{BB962C8B-B14F-4D97-AF65-F5344CB8AC3E}">
-        <p14:creationId xmlns:p14="http://schemas.microsoft.com/office/powerpoint/2010/main" val="853490105"/>
+        <p14:creationId xmlns:p14="http://schemas.microsoft.com/office/powerpoint/2010/main" val="2230033286"/>
       </p:ext>
     </p:extLst>
   </p:cSld>
@@ -5951,7 +8643,7 @@
 </p:sld>
 </file>
 
-<file path=ppt/slides/slide20.xml><?xml version="1.0" encoding="utf-8"?>
+<file path=ppt/slides/slide27.xml><?xml version="1.0" encoding="utf-8"?>
 <p:sld xmlns:a="http://schemas.openxmlformats.org/drawingml/2006/main" xmlns:r="http://schemas.openxmlformats.org/officeDocument/2006/relationships" xmlns:p="http://schemas.openxmlformats.org/presentationml/2006/main">
   <p:cSld>
     <p:spTree>
@@ -5973,7 +8665,7 @@
           <p:cNvPr id="2" name="Title 1">
             <a:extLst>
               <a:ext uri="{FF2B5EF4-FFF2-40B4-BE49-F238E27FC236}">
-                <a16:creationId xmlns:a16="http://schemas.microsoft.com/office/drawing/2014/main" id="{E7B8458A-9FE4-C07D-0888-7B8153F5212B}"/>
+                <a16:creationId xmlns:a16="http://schemas.microsoft.com/office/drawing/2014/main" id="{8A6B3C48-D1E6-6268-29C0-9545CE95671C}"/>
               </a:ext>
             </a:extLst>
           </p:cNvPr>
@@ -5991,19 +8683,11 @@
           <a:p>
             <a:r>
               <a:rPr lang="ko-KR" altLang="en-US" dirty="0"/>
-              <a:t>라이브락</a:t>
-            </a:r>
-            <a:r>
-              <a:rPr lang="en-US" altLang="ko-KR" dirty="0"/>
-              <a:t>(</a:t>
-            </a:r>
-            <a:r>
-              <a:rPr lang="en-US" altLang="ko-KR" dirty="0" err="1"/>
-              <a:t>livelock</a:t>
-            </a:r>
-            <a:r>
-              <a:rPr lang="en-US" altLang="ko-KR" dirty="0"/>
-              <a:t>)</a:t>
+              <a:t>기아 상태</a:t>
+            </a:r>
+            <a:r>
+              <a:rPr lang="en-US" altLang="ko-KR" dirty="0"/>
+              <a:t>(Starvation)</a:t>
             </a:r>
             <a:endParaRPr lang="en-GB" dirty="0"/>
           </a:p>
@@ -6014,7 +8698,7 @@
           <p:cNvPr id="3" name="Content Placeholder 2">
             <a:extLst>
               <a:ext uri="{FF2B5EF4-FFF2-40B4-BE49-F238E27FC236}">
-                <a16:creationId xmlns:a16="http://schemas.microsoft.com/office/drawing/2014/main" id="{ADF2C0C6-A31E-967E-C534-9B29F5B49C9C}"/>
+                <a16:creationId xmlns:a16="http://schemas.microsoft.com/office/drawing/2014/main" id="{A5A08A32-032F-48BC-430A-2941F61E46D0}"/>
               </a:ext>
             </a:extLst>
           </p:cNvPr>
@@ -6027,194 +8711,76 @@
         </p:nvSpPr>
         <p:spPr/>
         <p:txBody>
-          <a:bodyPr>
-            <a:normAutofit/>
-          </a:bodyPr>
-          <a:lstStyle/>
-          <a:p>
-            <a:r>
-              <a:rPr lang="en-US" altLang="ko-KR" b="0" i="0" dirty="0">
-                <a:solidFill>
-                  <a:srgbClr val="3B4045"/>
-                </a:solidFill>
-                <a:effectLst/>
-                <a:latin typeface="-apple-system"/>
-              </a:rPr>
-              <a:t>A </a:t>
-            </a:r>
-            <a:r>
-              <a:rPr lang="en-US" altLang="ko-KR" b="1" i="0" dirty="0" err="1">
-                <a:solidFill>
-                  <a:srgbClr val="3B4045"/>
-                </a:solidFill>
-                <a:effectLst/>
-                <a:latin typeface="-apple-system"/>
-              </a:rPr>
-              <a:t>livelock</a:t>
-            </a:r>
-            <a:r>
-              <a:rPr lang="en-US" altLang="ko-KR" b="0" i="0" dirty="0">
-                <a:solidFill>
-                  <a:srgbClr val="3B4045"/>
-                </a:solidFill>
-                <a:effectLst/>
-                <a:latin typeface="-apple-system"/>
-              </a:rPr>
-              <a:t> is similar to a deadlock, except that the states of the processes involved in the </a:t>
-            </a:r>
-            <a:r>
-              <a:rPr lang="en-US" altLang="ko-KR" b="0" i="0" dirty="0" err="1">
-                <a:solidFill>
-                  <a:srgbClr val="3B4045"/>
-                </a:solidFill>
-                <a:effectLst/>
-                <a:latin typeface="-apple-system"/>
-              </a:rPr>
-              <a:t>livelock</a:t>
-            </a:r>
-            <a:r>
-              <a:rPr lang="en-US" altLang="ko-KR" b="0" i="0" dirty="0">
-                <a:solidFill>
-                  <a:srgbClr val="3B4045"/>
-                </a:solidFill>
-                <a:effectLst/>
-                <a:latin typeface="-apple-system"/>
-              </a:rPr>
-              <a:t> constantly change with regard to one another, </a:t>
-            </a:r>
-            <a:r>
-              <a:rPr lang="en-US" altLang="ko-KR" sz="3600" b="1" i="0" dirty="0">
-                <a:solidFill>
-                  <a:srgbClr val="3B4045"/>
-                </a:solidFill>
-                <a:effectLst/>
-                <a:latin typeface="-apple-system"/>
-              </a:rPr>
-              <a:t>none progressing</a:t>
-            </a:r>
-          </a:p>
-          <a:p>
-            <a:r>
-              <a:rPr lang="ko-KR" altLang="en-US" sz="2400" dirty="0"/>
-              <a:t>활동성</a:t>
-            </a:r>
-            <a:r>
-              <a:rPr lang="en-US" altLang="ko-KR" sz="2400" dirty="0"/>
-              <a:t>(liveness)</a:t>
-            </a:r>
-            <a:r>
-              <a:rPr lang="ko-KR" altLang="en-US" sz="2400" dirty="0"/>
-              <a:t>에 문제가 발생한 경우</a:t>
-            </a:r>
-            <a:r>
-              <a:rPr lang="en-US" altLang="ko-KR" sz="2400" dirty="0"/>
+          <a:bodyPr/>
+          <a:lstStyle/>
+          <a:p>
+            <a:r>
+              <a:rPr lang="ko-KR" altLang="en-US" dirty="0"/>
+              <a:t>특정 쓰레드가 자원을 오랜시간</a:t>
+            </a:r>
+            <a:r>
+              <a:rPr lang="en-US" altLang="ko-KR" dirty="0"/>
               <a:t>, </a:t>
             </a:r>
             <a:r>
-              <a:rPr lang="ko-KR" altLang="en-US" sz="2400" dirty="0"/>
-              <a:t>라이브락에 걸렸다고 볼 수 있음</a:t>
-            </a:r>
-            <a:r>
-              <a:rPr lang="en-US" altLang="ko-KR" sz="2400" dirty="0"/>
-              <a:t>. </a:t>
-            </a:r>
-          </a:p>
-          <a:p>
-            <a:pPr lvl="1"/>
-            <a:r>
-              <a:rPr lang="ko-KR" altLang="en-US" sz="2000" dirty="0"/>
-              <a:t>여러 쓰레드가 특정 조건에서만 그 다음 행동이 가능하도록 되어 있고</a:t>
-            </a:r>
-            <a:r>
-              <a:rPr lang="en-US" altLang="ko-KR" sz="2000" dirty="0"/>
+              <a:rPr lang="ko-KR" altLang="en-US" dirty="0"/>
+              <a:t>혹은 영원히 할당받지 못하는 경우</a:t>
+            </a:r>
+            <a:r>
+              <a:rPr lang="en-US" altLang="ko-KR" dirty="0"/>
               <a:t>, </a:t>
             </a:r>
             <a:r>
-              <a:rPr lang="ko-KR" altLang="en-US" sz="2000" dirty="0"/>
-              <a:t>각 쓰레드가 서로 다른 상태로 계속 변경하는 경우</a:t>
-            </a:r>
-            <a:r>
-              <a:rPr lang="en-US" altLang="ko-KR" sz="2000" dirty="0"/>
+              <a:rPr lang="ko-KR" altLang="en-US" dirty="0"/>
+              <a:t>기아 상태에 빠질 수 있음</a:t>
+            </a:r>
+            <a:endParaRPr lang="en-US" altLang="ko-KR" dirty="0"/>
+          </a:p>
+          <a:p>
+            <a:r>
+              <a:rPr lang="ko-KR" altLang="en-US" dirty="0"/>
+              <a:t>쓰레드에는 우선순위를 설정할 수 있는 기능이 있는데</a:t>
+            </a:r>
+            <a:r>
+              <a:rPr lang="en-US" altLang="ko-KR" dirty="0"/>
               <a:t>, </a:t>
             </a:r>
             <a:r>
-              <a:rPr lang="ko-KR" altLang="en-US" sz="2000" dirty="0"/>
-              <a:t>라이브락에 빠질 수 있음</a:t>
-            </a:r>
-            <a:r>
-              <a:rPr lang="en-US" altLang="ko-KR" sz="2000" dirty="0"/>
-              <a:t>.</a:t>
-            </a:r>
-          </a:p>
-          <a:p>
-            <a:pPr lvl="1"/>
-            <a:r>
-              <a:rPr lang="ko-KR" altLang="en-US" sz="2000" dirty="0"/>
-              <a:t>활동성이란</a:t>
-            </a:r>
-            <a:r>
-              <a:rPr lang="en-US" altLang="ko-KR" sz="2000" dirty="0"/>
+              <a:rPr lang="ko-KR" altLang="en-US" dirty="0"/>
+              <a:t>이를 잘 못 활용할 경우</a:t>
+            </a:r>
+            <a:r>
+              <a:rPr lang="en-US" altLang="ko-KR" dirty="0"/>
               <a:t>, </a:t>
             </a:r>
             <a:r>
-              <a:rPr lang="ko-KR" altLang="en-US" sz="2000" dirty="0"/>
-              <a:t>즉</a:t>
-            </a:r>
-            <a:r>
-              <a:rPr lang="en-US" altLang="ko-KR" sz="2000" dirty="0"/>
+              <a:rPr lang="ko-KR" altLang="en-US" dirty="0"/>
+              <a:t>자원이 충분치 않다면</a:t>
+            </a:r>
+            <a:r>
+              <a:rPr lang="en-US" altLang="ko-KR" dirty="0"/>
               <a:t>, </a:t>
             </a:r>
             <a:r>
-              <a:rPr lang="ko-KR" altLang="en-US" sz="2000" dirty="0"/>
-              <a:t>원하는 행동이 결국에는 행해진다는 의미로</a:t>
-            </a:r>
-            <a:r>
-              <a:rPr lang="en-US" altLang="ko-KR" sz="2000" dirty="0"/>
-              <a:t>, </a:t>
-            </a:r>
-            <a:r>
-              <a:rPr lang="ko-KR" altLang="en-US" sz="2000" dirty="0"/>
-              <a:t>코드가 무한 반복에 빠진 경우</a:t>
-            </a:r>
-            <a:r>
-              <a:rPr lang="en-US" altLang="ko-KR" sz="2000" dirty="0"/>
-              <a:t>, </a:t>
-            </a:r>
-            <a:r>
-              <a:rPr lang="ko-KR" altLang="en-US" sz="2000" dirty="0"/>
-              <a:t>활동성에 장애가 발생했다고 볼 수 있음</a:t>
-            </a:r>
-            <a:r>
-              <a:rPr lang="en-US" altLang="ko-KR" sz="2000" dirty="0"/>
-              <a:t>.</a:t>
-            </a:r>
-          </a:p>
-          <a:p>
-            <a:pPr lvl="2"/>
-            <a:r>
-              <a:rPr lang="ko-KR" altLang="en-US" sz="1800" dirty="0"/>
-              <a:t>예</a:t>
-            </a:r>
-            <a:r>
-              <a:rPr lang="en-US" altLang="ko-KR" sz="1800" dirty="0"/>
-              <a:t>) </a:t>
-            </a:r>
-            <a:r>
-              <a:rPr lang="ko-KR" altLang="en-US" sz="1800" dirty="0"/>
-              <a:t>무한 반복문에 빠진 코드</a:t>
-            </a:r>
-            <a:endParaRPr lang="en-US" altLang="ko-KR" sz="1800" dirty="0"/>
-          </a:p>
-          <a:p>
-            <a:pPr lvl="2"/>
-            <a:endParaRPr lang="en-US" dirty="0"/>
+              <a:rPr lang="ko-KR" altLang="en-US" dirty="0"/>
+              <a:t>우선순위가 낮은 쓰레드는 영원히 스케줄러에게 </a:t>
+            </a:r>
+            <a:r>
+              <a:rPr lang="en-US" altLang="ko-KR" dirty="0"/>
+              <a:t>CPU </a:t>
+            </a:r>
+            <a:r>
+              <a:rPr lang="ko-KR" altLang="en-US" dirty="0"/>
+              <a:t>및 자원을 할당받지 못할 수 있음</a:t>
+            </a:r>
+            <a:endParaRPr lang="en-US" altLang="ko-KR" dirty="0"/>
           </a:p>
         </p:txBody>
       </p:sp>
     </p:spTree>
     <p:extLst>
       <p:ext uri="{BB962C8B-B14F-4D97-AF65-F5344CB8AC3E}">
-        <p14:creationId xmlns:p14="http://schemas.microsoft.com/office/powerpoint/2010/main" val="2230033286"/>
+        <p14:creationId xmlns:p14="http://schemas.microsoft.com/office/powerpoint/2010/main" val="1119301350"/>
       </p:ext>
     </p:extLst>
   </p:cSld>
@@ -6224,7 +8790,7 @@
 </p:sld>
 </file>
 
-<file path=ppt/slides/slide21.xml><?xml version="1.0" encoding="utf-8"?>
+<file path=ppt/slides/slide28.xml><?xml version="1.0" encoding="utf-8"?>
 <p:sld xmlns:a="http://schemas.openxmlformats.org/drawingml/2006/main" xmlns:r="http://schemas.openxmlformats.org/officeDocument/2006/relationships" xmlns:p="http://schemas.openxmlformats.org/presentationml/2006/main">
   <p:cSld>
     <p:spTree>
@@ -6246,7 +8812,7 @@
           <p:cNvPr id="2" name="Title 1">
             <a:extLst>
               <a:ext uri="{FF2B5EF4-FFF2-40B4-BE49-F238E27FC236}">
-                <a16:creationId xmlns:a16="http://schemas.microsoft.com/office/drawing/2014/main" id="{8A6B3C48-D1E6-6268-29C0-9545CE95671C}"/>
+                <a16:creationId xmlns:a16="http://schemas.microsoft.com/office/drawing/2014/main" id="{540D39BA-5E04-3401-B903-3F2A0672839B}"/>
               </a:ext>
             </a:extLst>
           </p:cNvPr>
@@ -6263,12 +8829,16 @@
           <a:lstStyle/>
           <a:p>
             <a:r>
-              <a:rPr lang="ko-KR" altLang="en-US" dirty="0"/>
-              <a:t>기아 상태</a:t>
-            </a:r>
-            <a:r>
-              <a:rPr lang="en-US" altLang="ko-KR" dirty="0"/>
-              <a:t>(Starvation)</a:t>
+              <a:rPr lang="en-GB" dirty="0"/>
+              <a:t>Memory visibility (</a:t>
+            </a:r>
+            <a:r>
+              <a:rPr lang="ko-KR" altLang="en-US" dirty="0"/>
+              <a:t>메모리 가시성</a:t>
+            </a:r>
+            <a:r>
+              <a:rPr lang="en-US" altLang="ko-KR" dirty="0"/>
+              <a:t>)</a:t>
             </a:r>
             <a:endParaRPr lang="en-GB" dirty="0"/>
           </a:p>
@@ -6279,7 +8849,7 @@
           <p:cNvPr id="3" name="Content Placeholder 2">
             <a:extLst>
               <a:ext uri="{FF2B5EF4-FFF2-40B4-BE49-F238E27FC236}">
-                <a16:creationId xmlns:a16="http://schemas.microsoft.com/office/drawing/2014/main" id="{A5A08A32-032F-48BC-430A-2941F61E46D0}"/>
+                <a16:creationId xmlns:a16="http://schemas.microsoft.com/office/drawing/2014/main" id="{F8FF179A-C093-6634-27CD-737A83EE6D4A}"/>
               </a:ext>
             </a:extLst>
           </p:cNvPr>
@@ -6297,7 +8867,7 @@
           <a:p>
             <a:r>
               <a:rPr lang="ko-KR" altLang="en-US" dirty="0"/>
-              <a:t>특정 쓰레드가 자원을 오랜시간</a:t>
+              <a:t>복수의 쓰레드가 특정 공유 변수의 값을 변경할 때</a:t>
             </a:r>
             <a:r>
               <a:rPr lang="en-US" altLang="ko-KR" dirty="0"/>
@@ -6305,7 +8875,7 @@
             </a:r>
             <a:r>
               <a:rPr lang="ko-KR" altLang="en-US" dirty="0"/>
-              <a:t>혹은 영원히 할당받지 못하는 경우</a:t>
+              <a:t>임의의 쓰레드가 변경한 값을</a:t>
             </a:r>
             <a:r>
               <a:rPr lang="en-US" altLang="ko-KR" dirty="0"/>
@@ -6313,14 +8883,17 @@
             </a:r>
             <a:r>
               <a:rPr lang="ko-KR" altLang="en-US" dirty="0"/>
-              <a:t>기아 상태에 빠질 수 있음</a:t>
-            </a:r>
-            <a:endParaRPr lang="en-US" altLang="ko-KR" dirty="0"/>
-          </a:p>
-          <a:p>
-            <a:r>
-              <a:rPr lang="ko-KR" altLang="en-US" dirty="0"/>
-              <a:t>쓰레드에는 우선순위를 설정할 수 있는 기능이 있는데</a:t>
+              <a:t>그 외의 쓰레드가 보지 못하는 것을 의미한다</a:t>
+            </a:r>
+            <a:r>
+              <a:rPr lang="en-US" altLang="ko-KR" dirty="0"/>
+              <a:t>.</a:t>
+            </a:r>
+          </a:p>
+          <a:p>
+            <a:r>
+              <a:rPr lang="ko-KR" altLang="en-US" dirty="0"/>
+              <a:t>메모리 가시성에 문제가 생길 수 있는 경우는 다양하며</a:t>
             </a:r>
             <a:r>
               <a:rPr lang="en-US" altLang="ko-KR" dirty="0"/>
@@ -6328,7 +8901,7 @@
             </a:r>
             <a:r>
               <a:rPr lang="ko-KR" altLang="en-US" dirty="0"/>
-              <a:t>이를 잘 못 활용할 경우</a:t>
+              <a:t>예측 불가능하기 떄문에</a:t>
             </a:r>
             <a:r>
               <a:rPr lang="en-US" altLang="ko-KR" dirty="0"/>
@@ -6336,7 +8909,18 @@
             </a:r>
             <a:r>
               <a:rPr lang="ko-KR" altLang="en-US" dirty="0"/>
-              <a:t>자원이 충분치 않다면</a:t>
+              <a:t>처음부터 제대로 만드는 것이 중요하다</a:t>
+            </a:r>
+            <a:r>
+              <a:rPr lang="en-US" altLang="ko-KR" dirty="0"/>
+              <a:t>.</a:t>
+            </a:r>
+          </a:p>
+          <a:p>
+            <a:pPr lvl="1"/>
+            <a:r>
+              <a:rPr lang="ko-KR" altLang="en-US" dirty="0"/>
+              <a:t>자바 컴파일러의 성능 향상을 위한</a:t>
             </a:r>
             <a:r>
               <a:rPr lang="en-US" altLang="ko-KR" dirty="0"/>
@@ -6344,7 +8928,15 @@
             </a:r>
             <a:r>
               <a:rPr lang="ko-KR" altLang="en-US" dirty="0"/>
-              <a:t>우선순위가 낮은 쓰레드는 영원히 스케줄러에게 </a:t>
+              <a:t>재배치</a:t>
+            </a:r>
+            <a:r>
+              <a:rPr lang="en-US" altLang="ko-KR" dirty="0"/>
+              <a:t>, JVM,</a:t>
+            </a:r>
+            <a:r>
+              <a:rPr lang="ko-KR" altLang="en-US" dirty="0"/>
+              <a:t> </a:t>
             </a:r>
             <a:r>
               <a:rPr lang="en-US" altLang="ko-KR" dirty="0"/>
@@ -6352,16 +8944,230 @@
             </a:r>
             <a:r>
               <a:rPr lang="ko-KR" altLang="en-US" dirty="0"/>
-              <a:t>및 자원을 할당받지 못할 수 있음</a:t>
-            </a:r>
-            <a:endParaRPr lang="en-US" altLang="ko-KR" dirty="0"/>
+              <a:t>구조 등</a:t>
+            </a:r>
+            <a:r>
+              <a:rPr lang="en-US" altLang="ko-KR" dirty="0"/>
+              <a:t>, </a:t>
+            </a:r>
+            <a:r>
+              <a:rPr lang="ko-KR" altLang="en-US" dirty="0"/>
+              <a:t>다양하기 때문에</a:t>
+            </a:r>
+            <a:r>
+              <a:rPr lang="en-US" altLang="ko-KR" dirty="0"/>
+              <a:t>, </a:t>
+            </a:r>
+            <a:r>
+              <a:rPr lang="ko-KR" altLang="en-US" dirty="0"/>
+              <a:t>항상 조심</a:t>
+            </a:r>
+            <a:r>
+              <a:rPr lang="en-US" altLang="ko-KR" dirty="0"/>
+              <a:t>! </a:t>
+            </a:r>
+          </a:p>
+          <a:p>
+            <a:r>
+              <a:rPr lang="ko-KR" altLang="en-US" dirty="0"/>
+              <a:t>두 개 이상의 </a:t>
+            </a:r>
+            <a:r>
+              <a:rPr lang="en-US" altLang="ko-KR" dirty="0"/>
+              <a:t>CPU</a:t>
+            </a:r>
+            <a:r>
+              <a:rPr lang="ko-KR" altLang="en-US" dirty="0"/>
+              <a:t>에서 처리할 때</a:t>
+            </a:r>
+            <a:r>
+              <a:rPr lang="en-US" altLang="ko-KR" dirty="0"/>
+              <a:t>, </a:t>
+            </a:r>
+            <a:r>
+              <a:rPr lang="ko-KR" altLang="en-US" dirty="0"/>
+              <a:t>변경 내용을</a:t>
+            </a:r>
+            <a:r>
+              <a:rPr lang="en-US" altLang="ko-KR" dirty="0"/>
+              <a:t>, </a:t>
+            </a:r>
+            <a:r>
+              <a:rPr lang="ko-KR" altLang="en-US" dirty="0"/>
+              <a:t>공유 메모리에 적용하지 않거나</a:t>
+            </a:r>
+            <a:r>
+              <a:rPr lang="en-US" altLang="ko-KR" dirty="0"/>
+              <a:t>, </a:t>
+            </a:r>
+            <a:r>
+              <a:rPr lang="ko-KR" altLang="en-US" dirty="0"/>
+              <a:t>혹은 하더라도</a:t>
+            </a:r>
+            <a:r>
+              <a:rPr lang="en-US" altLang="ko-KR" dirty="0"/>
+              <a:t>, </a:t>
+            </a:r>
+            <a:r>
+              <a:rPr lang="ko-KR" altLang="en-US" dirty="0"/>
+              <a:t>변수를 캐시해서 읽는 경우</a:t>
+            </a:r>
+            <a:r>
+              <a:rPr lang="en-US" altLang="ko-KR" dirty="0"/>
+              <a:t>, </a:t>
+            </a:r>
+            <a:r>
+              <a:rPr lang="ko-KR" altLang="en-US" dirty="0"/>
+              <a:t>발생할 수 있다</a:t>
+            </a:r>
+            <a:r>
+              <a:rPr lang="en-US" altLang="ko-KR" dirty="0"/>
+              <a:t>.</a:t>
+            </a:r>
+          </a:p>
+          <a:p>
+            <a:endParaRPr lang="en-GB" dirty="0"/>
           </a:p>
         </p:txBody>
       </p:sp>
     </p:spTree>
     <p:extLst>
       <p:ext uri="{BB962C8B-B14F-4D97-AF65-F5344CB8AC3E}">
-        <p14:creationId xmlns:p14="http://schemas.microsoft.com/office/powerpoint/2010/main" val="1119301350"/>
+        <p14:creationId xmlns:p14="http://schemas.microsoft.com/office/powerpoint/2010/main" val="3866675502"/>
+      </p:ext>
+    </p:extLst>
+  </p:cSld>
+  <p:clrMapOvr>
+    <a:masterClrMapping/>
+  </p:clrMapOvr>
+</p:sld>
+</file>
+
+<file path=ppt/slides/slide29.xml><?xml version="1.0" encoding="utf-8"?>
+<p:sld xmlns:a="http://schemas.openxmlformats.org/drawingml/2006/main" xmlns:r="http://schemas.openxmlformats.org/officeDocument/2006/relationships" xmlns:p="http://schemas.openxmlformats.org/presentationml/2006/main">
+  <p:cSld>
+    <p:spTree>
+      <p:nvGrpSpPr>
+        <p:cNvPr id="1" name=""/>
+        <p:cNvGrpSpPr/>
+        <p:nvPr/>
+      </p:nvGrpSpPr>
+      <p:grpSpPr>
+        <a:xfrm>
+          <a:off x="0" y="0"/>
+          <a:ext cx="0" cy="0"/>
+          <a:chOff x="0" y="0"/>
+          <a:chExt cx="0" cy="0"/>
+        </a:xfrm>
+      </p:grpSpPr>
+      <p:sp>
+        <p:nvSpPr>
+          <p:cNvPr id="2" name="Title 1">
+            <a:extLst>
+              <a:ext uri="{FF2B5EF4-FFF2-40B4-BE49-F238E27FC236}">
+                <a16:creationId xmlns:a16="http://schemas.microsoft.com/office/drawing/2014/main" id="{52C9A998-485D-FB91-0895-5E9458DFDC3F}"/>
+              </a:ext>
+            </a:extLst>
+          </p:cNvPr>
+          <p:cNvSpPr>
+            <a:spLocks noGrp="1"/>
+          </p:cNvSpPr>
+          <p:nvPr>
+            <p:ph type="title"/>
+          </p:nvPr>
+        </p:nvSpPr>
+        <p:spPr/>
+        <p:txBody>
+          <a:bodyPr/>
+          <a:lstStyle/>
+          <a:p>
+            <a:endParaRPr lang="en-GB" dirty="0"/>
+          </a:p>
+        </p:txBody>
+      </p:sp>
+      <p:sp>
+        <p:nvSpPr>
+          <p:cNvPr id="3" name="Content Placeholder 2">
+            <a:extLst>
+              <a:ext uri="{FF2B5EF4-FFF2-40B4-BE49-F238E27FC236}">
+                <a16:creationId xmlns:a16="http://schemas.microsoft.com/office/drawing/2014/main" id="{3693B2D6-8CAF-DF82-EFEF-FD9E6C76BE22}"/>
+              </a:ext>
+            </a:extLst>
+          </p:cNvPr>
+          <p:cNvSpPr>
+            <a:spLocks noGrp="1"/>
+          </p:cNvSpPr>
+          <p:nvPr>
+            <p:ph idx="1"/>
+          </p:nvPr>
+        </p:nvSpPr>
+        <p:spPr/>
+        <p:txBody>
+          <a:bodyPr/>
+          <a:lstStyle/>
+          <a:p>
+            <a:r>
+              <a:rPr lang="ko-KR" altLang="en-US" dirty="0"/>
+              <a:t>예제 코드 </a:t>
+            </a:r>
+            <a:r>
+              <a:rPr lang="en-US" altLang="ko-KR" dirty="0"/>
+              <a:t>: </a:t>
+            </a:r>
+            <a:r>
+              <a:rPr kumimoji="0" lang="ko-KR" altLang="ko-KR" sz="2800" b="0" i="0" u="none" strike="noStrike" cap="none" normalizeH="0" baseline="0" dirty="0">
+                <a:ln>
+                  <a:noFill/>
+                </a:ln>
+                <a:solidFill>
+                  <a:srgbClr val="BCBEC4"/>
+                </a:solidFill>
+                <a:effectLst/>
+                <a:latin typeface="Arial Unicode MS"/>
+                <a:ea typeface="JetBrains Mono"/>
+              </a:rPr>
+              <a:t>UnVisibleField</a:t>
+            </a:r>
+            <a:endParaRPr lang="en-GB" dirty="0"/>
+          </a:p>
+        </p:txBody>
+      </p:sp>
+      <p:sp>
+        <p:nvSpPr>
+          <p:cNvPr id="4" name="TextBox 3">
+            <a:extLst>
+              <a:ext uri="{FF2B5EF4-FFF2-40B4-BE49-F238E27FC236}">
+                <a16:creationId xmlns:a16="http://schemas.microsoft.com/office/drawing/2014/main" id="{B014BA38-CD13-8FC1-4B04-C37E879ECA77}"/>
+              </a:ext>
+            </a:extLst>
+          </p:cNvPr>
+          <p:cNvSpPr txBox="1"/>
+          <p:nvPr/>
+        </p:nvSpPr>
+        <p:spPr>
+          <a:xfrm>
+            <a:off x="1273629" y="2824843"/>
+            <a:ext cx="9348107" cy="4033157"/>
+          </a:xfrm>
+          <a:prstGeom prst="rect">
+            <a:avLst/>
+          </a:prstGeom>
+          <a:noFill/>
+        </p:spPr>
+        <p:txBody>
+          <a:bodyPr wrap="square" rtlCol="0">
+            <a:spAutoFit/>
+          </a:bodyPr>
+          <a:lstStyle/>
+          <a:p>
+            <a:endParaRPr lang="en-GB" dirty="0"/>
+          </a:p>
+        </p:txBody>
+      </p:sp>
+    </p:spTree>
+    <p:extLst>
+      <p:ext uri="{BB962C8B-B14F-4D97-AF65-F5344CB8AC3E}">
+        <p14:creationId xmlns:p14="http://schemas.microsoft.com/office/powerpoint/2010/main" val="4143204817"/>
       </p:ext>
     </p:extLst>
   </p:cSld>
@@ -6450,7 +9256,7 @@
         </p:blipFill>
         <p:spPr bwMode="auto">
           <a:xfrm>
-            <a:off x="838200" y="1690688"/>
+            <a:off x="1211425" y="1564849"/>
             <a:ext cx="5695271" cy="4351338"/>
           </a:xfrm>
           <a:prstGeom prst="rect">
@@ -6576,6 +9382,1843 @@
     <p:extLst>
       <p:ext uri="{BB962C8B-B14F-4D97-AF65-F5344CB8AC3E}">
         <p14:creationId xmlns:p14="http://schemas.microsoft.com/office/powerpoint/2010/main" val="2454669821"/>
+      </p:ext>
+    </p:extLst>
+  </p:cSld>
+  <p:clrMapOvr>
+    <a:masterClrMapping/>
+  </p:clrMapOvr>
+</p:sld>
+</file>
+
+<file path=ppt/slides/slide30.xml><?xml version="1.0" encoding="utf-8"?>
+<p:sld xmlns:a="http://schemas.openxmlformats.org/drawingml/2006/main" xmlns:r="http://schemas.openxmlformats.org/officeDocument/2006/relationships" xmlns:p="http://schemas.openxmlformats.org/presentationml/2006/main">
+  <p:cSld>
+    <p:spTree>
+      <p:nvGrpSpPr>
+        <p:cNvPr id="1" name=""/>
+        <p:cNvGrpSpPr/>
+        <p:nvPr/>
+      </p:nvGrpSpPr>
+      <p:grpSpPr>
+        <a:xfrm>
+          <a:off x="0" y="0"/>
+          <a:ext cx="0" cy="0"/>
+          <a:chOff x="0" y="0"/>
+          <a:chExt cx="0" cy="0"/>
+        </a:xfrm>
+      </p:grpSpPr>
+      <p:sp>
+        <p:nvSpPr>
+          <p:cNvPr id="2" name="Title 1">
+            <a:extLst>
+              <a:ext uri="{FF2B5EF4-FFF2-40B4-BE49-F238E27FC236}">
+                <a16:creationId xmlns:a16="http://schemas.microsoft.com/office/drawing/2014/main" id="{2D4EC2E5-BABF-B510-CAE0-14D7C8929BD8}"/>
+              </a:ext>
+            </a:extLst>
+          </p:cNvPr>
+          <p:cNvSpPr>
+            <a:spLocks noGrp="1"/>
+          </p:cNvSpPr>
+          <p:nvPr>
+            <p:ph type="title"/>
+          </p:nvPr>
+        </p:nvSpPr>
+        <p:spPr/>
+        <p:txBody>
+          <a:bodyPr/>
+          <a:lstStyle/>
+          <a:p>
+            <a:r>
+              <a:rPr lang="ko-KR" altLang="en-US" dirty="0"/>
+              <a:t>동시성 이슈 방지 </a:t>
+            </a:r>
+            <a:r>
+              <a:rPr lang="en-US" altLang="ko-KR" dirty="0"/>
+              <a:t>: </a:t>
+            </a:r>
+            <a:r>
+              <a:rPr lang="ko-KR" altLang="en-US" dirty="0"/>
+              <a:t>쓰레드간의 동기화</a:t>
+            </a:r>
+            <a:endParaRPr lang="en-GB" dirty="0"/>
+          </a:p>
+        </p:txBody>
+      </p:sp>
+      <p:sp>
+        <p:nvSpPr>
+          <p:cNvPr id="3" name="Content Placeholder 2">
+            <a:extLst>
+              <a:ext uri="{FF2B5EF4-FFF2-40B4-BE49-F238E27FC236}">
+                <a16:creationId xmlns:a16="http://schemas.microsoft.com/office/drawing/2014/main" id="{3B9E20B0-B088-E5A2-CE08-3EBE0BB0B391}"/>
+              </a:ext>
+            </a:extLst>
+          </p:cNvPr>
+          <p:cNvSpPr>
+            <a:spLocks noGrp="1"/>
+          </p:cNvSpPr>
+          <p:nvPr>
+            <p:ph idx="1"/>
+          </p:nvPr>
+        </p:nvSpPr>
+        <p:spPr/>
+        <p:txBody>
+          <a:bodyPr/>
+          <a:lstStyle/>
+          <a:p>
+            <a:pPr marL="0" indent="0">
+              <a:buNone/>
+            </a:pPr>
+            <a:endParaRPr lang="en-US" altLang="ko-KR" dirty="0"/>
+          </a:p>
+          <a:p>
+            <a:r>
+              <a:rPr lang="ko-KR" altLang="en-US" dirty="0"/>
+              <a:t>복수의 쓰레드가 동시에 접근하고</a:t>
+            </a:r>
+            <a:r>
+              <a:rPr lang="en-US" altLang="ko-KR" dirty="0"/>
+              <a:t>, </a:t>
+            </a:r>
+            <a:r>
+              <a:rPr lang="ko-KR" altLang="en-US" dirty="0"/>
+              <a:t>공유 메모리에 값을 변경할 수 있는 경우</a:t>
+            </a:r>
+            <a:r>
+              <a:rPr lang="en-US" altLang="ko-KR" dirty="0"/>
+              <a:t>, </a:t>
+            </a:r>
+            <a:r>
+              <a:rPr lang="ko-KR" altLang="en-US" dirty="0"/>
+              <a:t>반드시</a:t>
+            </a:r>
+            <a:r>
+              <a:rPr lang="en-US" altLang="ko-KR" dirty="0"/>
+              <a:t>(</a:t>
+            </a:r>
+            <a:r>
+              <a:rPr lang="ko-KR" altLang="en-US" dirty="0"/>
+              <a:t>무조건</a:t>
+            </a:r>
+            <a:r>
+              <a:rPr lang="en-US" altLang="ko-KR" dirty="0"/>
+              <a:t>) </a:t>
+            </a:r>
+            <a:r>
+              <a:rPr lang="ko-KR" altLang="en-US" dirty="0"/>
+              <a:t>접근을 동기화 시켜주어야 한다</a:t>
+            </a:r>
+            <a:r>
+              <a:rPr lang="en-US" altLang="ko-KR" dirty="0"/>
+              <a:t>.</a:t>
+            </a:r>
+          </a:p>
+          <a:p>
+            <a:r>
+              <a:rPr lang="ko-KR" altLang="en-US" dirty="0"/>
+              <a:t>동기화가 적절히 이루어지게 되면</a:t>
+            </a:r>
+            <a:r>
+              <a:rPr lang="en-US" altLang="ko-KR" dirty="0"/>
+              <a:t>, </a:t>
+            </a:r>
+            <a:r>
+              <a:rPr lang="ko-KR" altLang="en-US" dirty="0"/>
+              <a:t>위에서 언급한 재배치 문제나</a:t>
+            </a:r>
+            <a:r>
+              <a:rPr lang="en-US" altLang="ko-KR" dirty="0"/>
+              <a:t>, </a:t>
+            </a:r>
+            <a:r>
+              <a:rPr lang="ko-KR" altLang="en-US" dirty="0"/>
+              <a:t>메모리 가시성 문제</a:t>
+            </a:r>
+            <a:r>
+              <a:rPr lang="en-US" altLang="ko-KR" dirty="0"/>
+              <a:t>, </a:t>
+            </a:r>
+            <a:r>
+              <a:rPr lang="ko-KR" altLang="en-US" dirty="0"/>
+              <a:t>경쟁 조건과 같은 문제를 예방할 수 있다</a:t>
+            </a:r>
+            <a:r>
+              <a:rPr lang="en-US" altLang="ko-KR" dirty="0"/>
+              <a:t>.</a:t>
+            </a:r>
+          </a:p>
+          <a:p>
+            <a:pPr lvl="1"/>
+            <a:r>
+              <a:rPr lang="ko-KR" altLang="en-US" dirty="0"/>
+              <a:t>하지만</a:t>
+            </a:r>
+            <a:r>
+              <a:rPr lang="en-US" altLang="ko-KR" dirty="0"/>
+              <a:t>, </a:t>
+            </a:r>
+            <a:r>
+              <a:rPr lang="ko-KR" altLang="en-US" dirty="0"/>
+              <a:t>적절치 못하게 동기화를 수행한 경우</a:t>
+            </a:r>
+            <a:r>
+              <a:rPr lang="en-US" altLang="ko-KR" dirty="0"/>
+              <a:t>, </a:t>
+            </a:r>
+            <a:r>
+              <a:rPr lang="ko-KR" altLang="en-US" dirty="0"/>
+              <a:t>데드락</a:t>
+            </a:r>
+            <a:r>
+              <a:rPr lang="en-US" altLang="ko-KR" dirty="0"/>
+              <a:t>, </a:t>
+            </a:r>
+            <a:r>
+              <a:rPr lang="ko-KR" altLang="en-US" dirty="0"/>
+              <a:t>라이브락</a:t>
+            </a:r>
+            <a:r>
+              <a:rPr lang="en-US" altLang="ko-KR" dirty="0"/>
+              <a:t>, </a:t>
+            </a:r>
+            <a:r>
+              <a:rPr lang="ko-KR" altLang="en-US" dirty="0"/>
+              <a:t>기아 등의 문제가 발생할 수 있기 때문에</a:t>
+            </a:r>
+            <a:r>
+              <a:rPr lang="en-US" altLang="ko-KR" dirty="0"/>
+              <a:t>, </a:t>
+            </a:r>
+            <a:r>
+              <a:rPr lang="ko-KR" altLang="en-US" dirty="0"/>
+              <a:t>정확히 알고 사용해야 한다</a:t>
+            </a:r>
+            <a:r>
+              <a:rPr lang="en-US" altLang="ko-KR" dirty="0"/>
+              <a:t>.</a:t>
+            </a:r>
+            <a:endParaRPr lang="en-GB" dirty="0"/>
+          </a:p>
+        </p:txBody>
+      </p:sp>
+    </p:spTree>
+    <p:extLst>
+      <p:ext uri="{BB962C8B-B14F-4D97-AF65-F5344CB8AC3E}">
+        <p14:creationId xmlns:p14="http://schemas.microsoft.com/office/powerpoint/2010/main" val="1725155815"/>
+      </p:ext>
+    </p:extLst>
+  </p:cSld>
+  <p:clrMapOvr>
+    <a:masterClrMapping/>
+  </p:clrMapOvr>
+</p:sld>
+</file>
+
+<file path=ppt/slides/slide31.xml><?xml version="1.0" encoding="utf-8"?>
+<p:sld xmlns:a="http://schemas.openxmlformats.org/drawingml/2006/main" xmlns:r="http://schemas.openxmlformats.org/officeDocument/2006/relationships" xmlns:p="http://schemas.openxmlformats.org/presentationml/2006/main">
+  <p:cSld>
+    <p:spTree>
+      <p:nvGrpSpPr>
+        <p:cNvPr id="1" name=""/>
+        <p:cNvGrpSpPr/>
+        <p:nvPr/>
+      </p:nvGrpSpPr>
+      <p:grpSpPr>
+        <a:xfrm>
+          <a:off x="0" y="0"/>
+          <a:ext cx="0" cy="0"/>
+          <a:chOff x="0" y="0"/>
+          <a:chExt cx="0" cy="0"/>
+        </a:xfrm>
+      </p:grpSpPr>
+      <p:sp>
+        <p:nvSpPr>
+          <p:cNvPr id="2" name="Title 1">
+            <a:extLst>
+              <a:ext uri="{FF2B5EF4-FFF2-40B4-BE49-F238E27FC236}">
+                <a16:creationId xmlns:a16="http://schemas.microsoft.com/office/drawing/2014/main" id="{63ADB96D-5B0C-FA2B-2EB8-C9514A26891D}"/>
+              </a:ext>
+            </a:extLst>
+          </p:cNvPr>
+          <p:cNvSpPr>
+            <a:spLocks noGrp="1"/>
+          </p:cNvSpPr>
+          <p:nvPr>
+            <p:ph type="title"/>
+          </p:nvPr>
+        </p:nvSpPr>
+        <p:spPr/>
+        <p:txBody>
+          <a:bodyPr/>
+          <a:lstStyle/>
+          <a:p>
+            <a:r>
+              <a:rPr lang="ko-KR" altLang="en-US" dirty="0"/>
+              <a:t>동기화 기법 </a:t>
+            </a:r>
+            <a:r>
+              <a:rPr lang="en-US" altLang="ko-KR" dirty="0"/>
+              <a:t>1 : </a:t>
+            </a:r>
+            <a:r>
+              <a:rPr lang="ko-KR" altLang="en-US" dirty="0"/>
+              <a:t>임계구역</a:t>
+            </a:r>
+            <a:r>
+              <a:rPr lang="en-US" altLang="ko-KR" dirty="0"/>
+              <a:t>(Critical section)</a:t>
+            </a:r>
+            <a:endParaRPr lang="en-GB" dirty="0"/>
+          </a:p>
+        </p:txBody>
+      </p:sp>
+      <p:sp>
+        <p:nvSpPr>
+          <p:cNvPr id="3" name="Content Placeholder 2">
+            <a:extLst>
+              <a:ext uri="{FF2B5EF4-FFF2-40B4-BE49-F238E27FC236}">
+                <a16:creationId xmlns:a16="http://schemas.microsoft.com/office/drawing/2014/main" id="{FF057878-CFC4-2E15-F335-D7E19C494AED}"/>
+              </a:ext>
+            </a:extLst>
+          </p:cNvPr>
+          <p:cNvSpPr>
+            <a:spLocks noGrp="1"/>
+          </p:cNvSpPr>
+          <p:nvPr>
+            <p:ph idx="1"/>
+          </p:nvPr>
+        </p:nvSpPr>
+        <p:spPr/>
+        <p:txBody>
+          <a:bodyPr>
+            <a:normAutofit fontScale="92500"/>
+          </a:bodyPr>
+          <a:lstStyle/>
+          <a:p>
+            <a:r>
+              <a:rPr lang="ko-KR" altLang="en-US" sz="2600" b="1" dirty="0"/>
+              <a:t>임계구역</a:t>
+            </a:r>
+            <a:r>
+              <a:rPr lang="ko-KR" altLang="en-US" sz="2600" dirty="0"/>
+              <a:t>은 멀티스레드 환경에서 공유 자원에 동시에 접근하면 데이터의 일관성이 깨질 수 있기 때문에</a:t>
+            </a:r>
+            <a:r>
+              <a:rPr lang="en-US" altLang="ko-KR" sz="2600" dirty="0"/>
+              <a:t>, </a:t>
+            </a:r>
+            <a:r>
+              <a:rPr lang="ko-KR" altLang="en-US" sz="2600" b="1" dirty="0"/>
+              <a:t>공유 자원에 대한 접근을 제한</a:t>
+            </a:r>
+            <a:r>
+              <a:rPr lang="ko-KR" altLang="en-US" sz="2600" dirty="0"/>
+              <a:t>하는 구역</a:t>
+            </a:r>
+            <a:endParaRPr lang="en-US" altLang="ko-KR" sz="2600" dirty="0"/>
+          </a:p>
+          <a:p>
+            <a:r>
+              <a:rPr lang="ko-KR" altLang="en-US" sz="2600" dirty="0"/>
+              <a:t>이 구역에 들어가기 위해서는 락</a:t>
+            </a:r>
+            <a:r>
+              <a:rPr lang="en-US" altLang="ko-KR" sz="2600" dirty="0"/>
+              <a:t>(</a:t>
+            </a:r>
+            <a:r>
+              <a:rPr lang="ko-KR" altLang="en-US" sz="2600" dirty="0"/>
+              <a:t>열쇠</a:t>
+            </a:r>
+            <a:r>
+              <a:rPr lang="en-US" altLang="ko-KR" sz="2600" dirty="0"/>
+              <a:t>)</a:t>
+            </a:r>
+            <a:r>
+              <a:rPr lang="ko-KR" altLang="en-US" sz="2600" dirty="0"/>
+              <a:t>가 필요하며</a:t>
+            </a:r>
+            <a:r>
+              <a:rPr lang="en-US" altLang="ko-KR" sz="2600" dirty="0"/>
+              <a:t>, </a:t>
+            </a:r>
+            <a:r>
+              <a:rPr lang="ko-KR" altLang="en-US" sz="2600" dirty="0"/>
+              <a:t>이를 통해</a:t>
+            </a:r>
+            <a:r>
+              <a:rPr lang="en-US" altLang="ko-KR" sz="2600" dirty="0"/>
+              <a:t>, </a:t>
+            </a:r>
+            <a:r>
+              <a:rPr lang="ko-KR" altLang="en-US" sz="2600" dirty="0"/>
+              <a:t>쓰레드의 접근을 직렬화하도록 한다</a:t>
+            </a:r>
+            <a:r>
+              <a:rPr lang="en-US" altLang="ko-KR" sz="2600" dirty="0"/>
+              <a:t>.</a:t>
+            </a:r>
+          </a:p>
+          <a:p>
+            <a:r>
+              <a:rPr lang="ko-KR" altLang="en-US" sz="2600" dirty="0"/>
+              <a:t>이를 통해</a:t>
+            </a:r>
+            <a:r>
+              <a:rPr lang="en-US" altLang="ko-KR" sz="2600" dirty="0"/>
+              <a:t>, </a:t>
+            </a:r>
+            <a:r>
+              <a:rPr lang="ko-KR" altLang="en-US" sz="2600" dirty="0"/>
+              <a:t>동시에 여러 쓰레드가 접근하여 발생할 수 있는 문제를 방지할 수 있다</a:t>
+            </a:r>
+            <a:r>
+              <a:rPr lang="en-US" altLang="ko-KR" sz="2600" dirty="0"/>
+              <a:t>.</a:t>
+            </a:r>
+          </a:p>
+          <a:p>
+            <a:r>
+              <a:rPr lang="ko-KR" altLang="en-US" sz="2600" dirty="0"/>
+              <a:t>다만</a:t>
+            </a:r>
+            <a:r>
+              <a:rPr lang="en-US" altLang="ko-KR" sz="2600" dirty="0"/>
+              <a:t>, </a:t>
+            </a:r>
+            <a:r>
+              <a:rPr lang="ko-KR" altLang="en-US" sz="2600" b="1" dirty="0"/>
+              <a:t>락 획득 순서가 일정치 않은 경우</a:t>
+            </a:r>
+            <a:r>
+              <a:rPr lang="en-US" altLang="ko-KR" sz="2600" dirty="0"/>
+              <a:t>, </a:t>
+            </a:r>
+            <a:r>
+              <a:rPr lang="ko-KR" altLang="en-US" sz="2600" dirty="0"/>
+              <a:t>데드락이 발생할 수 있다</a:t>
+            </a:r>
+            <a:r>
+              <a:rPr lang="en-US" altLang="ko-KR" sz="2600" dirty="0"/>
+              <a:t>.</a:t>
+            </a:r>
+          </a:p>
+          <a:p>
+            <a:r>
+              <a:rPr lang="ko-KR" altLang="en-US" sz="2600" dirty="0"/>
+              <a:t>자바에서는 </a:t>
+            </a:r>
+            <a:r>
+              <a:rPr lang="en-US" altLang="ko-KR" sz="2600" dirty="0">
+                <a:latin typeface="Arial Unicode MS"/>
+              </a:rPr>
+              <a:t>S</a:t>
+            </a:r>
+            <a:r>
+              <a:rPr kumimoji="0" lang="ko-KR" altLang="ko-KR" sz="2600" b="0" i="0" u="none" strike="noStrike" cap="none" normalizeH="0" baseline="0" dirty="0">
+                <a:ln>
+                  <a:noFill/>
+                </a:ln>
+                <a:solidFill>
+                  <a:schemeClr val="tx1"/>
+                </a:solidFill>
+                <a:effectLst/>
+                <a:latin typeface="Arial Unicode MS"/>
+              </a:rPr>
+              <a:t>ynchronized</a:t>
+            </a:r>
+            <a:r>
+              <a:rPr kumimoji="0" lang="en-US" altLang="ko-KR" sz="2600" b="0" i="0" u="none" strike="noStrike" cap="none" normalizeH="0" baseline="0" dirty="0">
+                <a:ln>
+                  <a:noFill/>
+                </a:ln>
+                <a:solidFill>
+                  <a:schemeClr val="tx1"/>
+                </a:solidFill>
+                <a:effectLst/>
+                <a:latin typeface="Arial Unicode MS"/>
+              </a:rPr>
+              <a:t> </a:t>
+            </a:r>
+            <a:r>
+              <a:rPr kumimoji="0" lang="ko-KR" altLang="en-US" sz="2600" b="0" i="0" u="none" strike="noStrike" cap="none" normalizeH="0" baseline="0" dirty="0">
+                <a:ln>
+                  <a:noFill/>
+                </a:ln>
+                <a:solidFill>
+                  <a:schemeClr val="tx1"/>
+                </a:solidFill>
+                <a:effectLst/>
+                <a:latin typeface="Arial Unicode MS"/>
+              </a:rPr>
+              <a:t>키워드를 통해</a:t>
+            </a:r>
+            <a:r>
+              <a:rPr kumimoji="0" lang="en-US" altLang="ko-KR" sz="2600" b="0" i="0" u="none" strike="noStrike" cap="none" normalizeH="0" baseline="0" dirty="0">
+                <a:ln>
+                  <a:noFill/>
+                </a:ln>
+                <a:solidFill>
+                  <a:schemeClr val="tx1"/>
+                </a:solidFill>
+                <a:effectLst/>
+                <a:latin typeface="Arial Unicode MS"/>
+              </a:rPr>
+              <a:t>, </a:t>
+            </a:r>
+            <a:r>
+              <a:rPr lang="ko-KR" altLang="en-US" sz="2600" dirty="0">
+                <a:latin typeface="Arial Unicode MS"/>
+              </a:rPr>
+              <a:t>임계 구역을 만들 수 있으며</a:t>
+            </a:r>
+            <a:r>
+              <a:rPr lang="en-US" altLang="ko-KR" sz="2600" dirty="0">
+                <a:latin typeface="Arial Unicode MS"/>
+              </a:rPr>
+              <a:t>, </a:t>
+            </a:r>
+            <a:r>
+              <a:rPr lang="ko-KR" altLang="en-US" sz="2600" dirty="0">
+                <a:latin typeface="Arial Unicode MS"/>
+              </a:rPr>
+              <a:t>이외에도 다양한 동기화 도구가 존재한다</a:t>
+            </a:r>
+            <a:r>
+              <a:rPr lang="en-US" altLang="ko-KR" sz="2600" dirty="0">
+                <a:latin typeface="Arial Unicode MS"/>
+              </a:rPr>
+              <a:t>.</a:t>
+            </a:r>
+          </a:p>
+          <a:p>
+            <a:pPr lvl="1"/>
+            <a:r>
+              <a:rPr lang="en-GB" altLang="ko-KR" sz="1900" dirty="0"/>
+              <a:t>Semaphore</a:t>
+            </a:r>
+          </a:p>
+          <a:p>
+            <a:pPr lvl="1"/>
+            <a:r>
+              <a:rPr lang="en-GB" altLang="ko-KR" sz="1900" b="0" i="0" dirty="0" err="1">
+                <a:solidFill>
+                  <a:srgbClr val="333333"/>
+                </a:solidFill>
+                <a:effectLst/>
+                <a:latin typeface="Noto Sans KR"/>
+              </a:rPr>
+              <a:t>CountDownLatch</a:t>
+            </a:r>
+            <a:endParaRPr lang="en-GB" altLang="ko-KR" sz="1900" b="0" i="0" dirty="0">
+              <a:solidFill>
+                <a:srgbClr val="333333"/>
+              </a:solidFill>
+              <a:effectLst/>
+              <a:latin typeface="Noto Sans KR"/>
+            </a:endParaRPr>
+          </a:p>
+        </p:txBody>
+      </p:sp>
+      <p:sp>
+        <p:nvSpPr>
+          <p:cNvPr id="4" name="Rectangle 1">
+            <a:extLst>
+              <a:ext uri="{FF2B5EF4-FFF2-40B4-BE49-F238E27FC236}">
+                <a16:creationId xmlns:a16="http://schemas.microsoft.com/office/drawing/2014/main" id="{E28475E9-0CC4-7AAD-86A8-E687C6B8FAC2}"/>
+              </a:ext>
+            </a:extLst>
+          </p:cNvPr>
+          <p:cNvSpPr>
+            <a:spLocks noChangeArrowheads="1"/>
+          </p:cNvSpPr>
+          <p:nvPr/>
+        </p:nvSpPr>
+        <p:spPr bwMode="auto">
+          <a:xfrm>
+            <a:off x="0" y="120878"/>
+            <a:ext cx="221536" cy="215444"/>
+          </a:xfrm>
+          <a:prstGeom prst="rect">
+            <a:avLst/>
+          </a:prstGeom>
+          <a:noFill/>
+          <a:ln>
+            <a:noFill/>
+          </a:ln>
+          <a:effectLst/>
+          <a:extLst>
+            <a:ext uri="{909E8E84-426E-40DD-AFC4-6F175D3DCCD1}">
+              <a14:hiddenFill xmlns:a14="http://schemas.microsoft.com/office/drawing/2010/main">
+                <a:solidFill>
+                  <a:schemeClr val="accent1"/>
+                </a:solidFill>
+              </a14:hiddenFill>
+            </a:ext>
+            <a:ext uri="{91240B29-F687-4F45-9708-019B960494DF}">
+              <a14:hiddenLine xmlns:a14="http://schemas.microsoft.com/office/drawing/2010/main" w="9525">
+                <a:solidFill>
+                  <a:schemeClr val="tx1"/>
+                </a:solidFill>
+                <a:miter lim="800000"/>
+                <a:headEnd/>
+                <a:tailEnd/>
+              </a14:hiddenLine>
+            </a:ext>
+            <a:ext uri="{AF507438-7753-43E0-B8FC-AC1667EBCBE1}">
+              <a14:hiddenEffects xmlns:a14="http://schemas.microsoft.com/office/drawing/2010/main">
+                <a:effectLst>
+                  <a:outerShdw dist="35921" dir="2700000" algn="ctr" rotWithShape="0">
+                    <a:schemeClr val="bg2"/>
+                  </a:outerShdw>
+                </a:effectLst>
+              </a14:hiddenEffects>
+            </a:ext>
+          </a:extLst>
+        </p:spPr>
+        <p:txBody>
+          <a:bodyPr vert="horz" wrap="none" lIns="91440" tIns="45720" rIns="91440" bIns="45720" numCol="1" anchor="ctr" anchorCtr="0" compatLnSpc="1">
+            <a:prstTxWarp prst="textNoShape">
+              <a:avLst/>
+            </a:prstTxWarp>
+            <a:spAutoFit/>
+          </a:bodyPr>
+          <a:lstStyle/>
+          <a:p>
+            <a:pPr marL="0" marR="0" lvl="0" indent="0" algn="l" defTabSz="914400" rtl="0" eaLnBrk="0" fontAlgn="base" latinLnBrk="0" hangingPunct="0">
+              <a:lnSpc>
+                <a:spcPct val="100000"/>
+              </a:lnSpc>
+              <a:spcBef>
+                <a:spcPct val="0"/>
+              </a:spcBef>
+              <a:spcAft>
+                <a:spcPct val="0"/>
+              </a:spcAft>
+              <a:buClrTx/>
+              <a:buSzTx/>
+              <a:buFontTx/>
+              <a:buNone/>
+              <a:tabLst/>
+            </a:pPr>
+            <a:r>
+              <a:rPr kumimoji="0" lang="ko-KR" altLang="ko-KR" sz="800" b="0" i="0" u="none" strike="noStrike" cap="none" normalizeH="0" baseline="0" dirty="0">
+                <a:ln>
+                  <a:noFill/>
+                </a:ln>
+                <a:solidFill>
+                  <a:schemeClr val="tx1"/>
+                </a:solidFill>
+                <a:effectLst/>
+              </a:rPr>
+              <a:t> </a:t>
+            </a:r>
+            <a:endParaRPr kumimoji="0" lang="ko-KR" altLang="ko-KR" sz="1800" b="0" i="0" u="none" strike="noStrike" cap="none" normalizeH="0" baseline="0" dirty="0">
+              <a:ln>
+                <a:noFill/>
+              </a:ln>
+              <a:solidFill>
+                <a:schemeClr val="tx1"/>
+              </a:solidFill>
+              <a:effectLst/>
+              <a:latin typeface="Arial" panose="020B0604020202020204" pitchFamily="34" charset="0"/>
+            </a:endParaRPr>
+          </a:p>
+        </p:txBody>
+      </p:sp>
+    </p:spTree>
+    <p:extLst>
+      <p:ext uri="{BB962C8B-B14F-4D97-AF65-F5344CB8AC3E}">
+        <p14:creationId xmlns:p14="http://schemas.microsoft.com/office/powerpoint/2010/main" val="492376575"/>
+      </p:ext>
+    </p:extLst>
+  </p:cSld>
+  <p:clrMapOvr>
+    <a:masterClrMapping/>
+  </p:clrMapOvr>
+</p:sld>
+</file>
+
+<file path=ppt/slides/slide32.xml><?xml version="1.0" encoding="utf-8"?>
+<p:sld xmlns:a="http://schemas.openxmlformats.org/drawingml/2006/main" xmlns:r="http://schemas.openxmlformats.org/officeDocument/2006/relationships" xmlns:p="http://schemas.openxmlformats.org/presentationml/2006/main">
+  <p:cSld>
+    <p:spTree>
+      <p:nvGrpSpPr>
+        <p:cNvPr id="1" name=""/>
+        <p:cNvGrpSpPr/>
+        <p:nvPr/>
+      </p:nvGrpSpPr>
+      <p:grpSpPr>
+        <a:xfrm>
+          <a:off x="0" y="0"/>
+          <a:ext cx="0" cy="0"/>
+          <a:chOff x="0" y="0"/>
+          <a:chExt cx="0" cy="0"/>
+        </a:xfrm>
+      </p:grpSpPr>
+      <p:sp>
+        <p:nvSpPr>
+          <p:cNvPr id="14" name="Rectangle 13">
+            <a:extLst>
+              <a:ext uri="{FF2B5EF4-FFF2-40B4-BE49-F238E27FC236}">
+                <a16:creationId xmlns:a16="http://schemas.microsoft.com/office/drawing/2014/main" id="{215A3FDC-5AAB-6879-7EEC-4DB53053DB2A}"/>
+              </a:ext>
+            </a:extLst>
+          </p:cNvPr>
+          <p:cNvSpPr/>
+          <p:nvPr/>
+        </p:nvSpPr>
+        <p:spPr>
+          <a:xfrm>
+            <a:off x="6196693" y="2160815"/>
+            <a:ext cx="2539093" cy="2656114"/>
+          </a:xfrm>
+          <a:prstGeom prst="rect">
+            <a:avLst/>
+          </a:prstGeom>
+          <a:solidFill>
+            <a:srgbClr val="FF0000"/>
+          </a:solidFill>
+          <a:ln>
+            <a:solidFill>
+              <a:srgbClr val="FF0000"/>
+            </a:solidFill>
+          </a:ln>
+        </p:spPr>
+        <p:style>
+          <a:lnRef idx="2">
+            <a:schemeClr val="accent1">
+              <a:shade val="15000"/>
+            </a:schemeClr>
+          </a:lnRef>
+          <a:fillRef idx="1">
+            <a:schemeClr val="accent1"/>
+          </a:fillRef>
+          <a:effectRef idx="0">
+            <a:schemeClr val="accent1"/>
+          </a:effectRef>
+          <a:fontRef idx="minor">
+            <a:schemeClr val="lt1"/>
+          </a:fontRef>
+        </p:style>
+        <p:txBody>
+          <a:bodyPr rtlCol="0" anchor="ctr"/>
+          <a:lstStyle/>
+          <a:p>
+            <a:pPr algn="ctr"/>
+            <a:endParaRPr lang="en-GB"/>
+          </a:p>
+        </p:txBody>
+      </p:sp>
+      <p:sp>
+        <p:nvSpPr>
+          <p:cNvPr id="4" name="Flowchart: Process 3">
+            <a:extLst>
+              <a:ext uri="{FF2B5EF4-FFF2-40B4-BE49-F238E27FC236}">
+                <a16:creationId xmlns:a16="http://schemas.microsoft.com/office/drawing/2014/main" id="{984CA5E9-ACA7-8C63-65C9-EE2641A2D930}"/>
+              </a:ext>
+            </a:extLst>
+          </p:cNvPr>
+          <p:cNvSpPr/>
+          <p:nvPr/>
+        </p:nvSpPr>
+        <p:spPr>
+          <a:xfrm>
+            <a:off x="212271" y="2160815"/>
+            <a:ext cx="2563586" cy="2375807"/>
+          </a:xfrm>
+          <a:prstGeom prst="flowChartProcess">
+            <a:avLst/>
+          </a:prstGeom>
+        </p:spPr>
+        <p:style>
+          <a:lnRef idx="2">
+            <a:schemeClr val="accent1">
+              <a:shade val="15000"/>
+            </a:schemeClr>
+          </a:lnRef>
+          <a:fillRef idx="1">
+            <a:schemeClr val="accent1"/>
+          </a:fillRef>
+          <a:effectRef idx="0">
+            <a:schemeClr val="accent1"/>
+          </a:effectRef>
+          <a:fontRef idx="minor">
+            <a:schemeClr val="lt1"/>
+          </a:fontRef>
+        </p:style>
+        <p:txBody>
+          <a:bodyPr rtlCol="0" anchor="ctr"/>
+          <a:lstStyle/>
+          <a:p>
+            <a:pPr algn="ctr"/>
+            <a:r>
+              <a:rPr lang="en-GB" dirty="0"/>
+              <a:t>Shard Field</a:t>
+            </a:r>
+          </a:p>
+        </p:txBody>
+      </p:sp>
+      <p:sp>
+        <p:nvSpPr>
+          <p:cNvPr id="5" name="Arrow: Left 4">
+            <a:extLst>
+              <a:ext uri="{FF2B5EF4-FFF2-40B4-BE49-F238E27FC236}">
+                <a16:creationId xmlns:a16="http://schemas.microsoft.com/office/drawing/2014/main" id="{208D82C2-AE90-3558-DB99-AFF4D0D19D59}"/>
+              </a:ext>
+            </a:extLst>
+          </p:cNvPr>
+          <p:cNvSpPr/>
+          <p:nvPr/>
+        </p:nvSpPr>
+        <p:spPr>
+          <a:xfrm>
+            <a:off x="3135086" y="2209801"/>
+            <a:ext cx="1869621" cy="661307"/>
+          </a:xfrm>
+          <a:prstGeom prst="leftArrow">
+            <a:avLst/>
+          </a:prstGeom>
+        </p:spPr>
+        <p:style>
+          <a:lnRef idx="2">
+            <a:schemeClr val="accent1">
+              <a:shade val="15000"/>
+            </a:schemeClr>
+          </a:lnRef>
+          <a:fillRef idx="1">
+            <a:schemeClr val="accent1"/>
+          </a:fillRef>
+          <a:effectRef idx="0">
+            <a:schemeClr val="accent1"/>
+          </a:effectRef>
+          <a:fontRef idx="minor">
+            <a:schemeClr val="lt1"/>
+          </a:fontRef>
+        </p:style>
+        <p:txBody>
+          <a:bodyPr rtlCol="0" anchor="ctr"/>
+          <a:lstStyle/>
+          <a:p>
+            <a:pPr algn="ctr"/>
+            <a:endParaRPr lang="en-GB"/>
+          </a:p>
+        </p:txBody>
+      </p:sp>
+      <p:sp>
+        <p:nvSpPr>
+          <p:cNvPr id="6" name="Arrow: Left 5">
+            <a:extLst>
+              <a:ext uri="{FF2B5EF4-FFF2-40B4-BE49-F238E27FC236}">
+                <a16:creationId xmlns:a16="http://schemas.microsoft.com/office/drawing/2014/main" id="{128F040D-725A-7917-265D-5D9E6397D771}"/>
+              </a:ext>
+            </a:extLst>
+          </p:cNvPr>
+          <p:cNvSpPr/>
+          <p:nvPr/>
+        </p:nvSpPr>
+        <p:spPr>
+          <a:xfrm>
+            <a:off x="3135085" y="3080658"/>
+            <a:ext cx="1869621" cy="661307"/>
+          </a:xfrm>
+          <a:prstGeom prst="leftArrow">
+            <a:avLst/>
+          </a:prstGeom>
+        </p:spPr>
+        <p:style>
+          <a:lnRef idx="2">
+            <a:schemeClr val="accent1">
+              <a:shade val="15000"/>
+            </a:schemeClr>
+          </a:lnRef>
+          <a:fillRef idx="1">
+            <a:schemeClr val="accent1"/>
+          </a:fillRef>
+          <a:effectRef idx="0">
+            <a:schemeClr val="accent1"/>
+          </a:effectRef>
+          <a:fontRef idx="minor">
+            <a:schemeClr val="lt1"/>
+          </a:fontRef>
+        </p:style>
+        <p:txBody>
+          <a:bodyPr rtlCol="0" anchor="ctr"/>
+          <a:lstStyle/>
+          <a:p>
+            <a:pPr algn="ctr"/>
+            <a:endParaRPr lang="en-GB"/>
+          </a:p>
+        </p:txBody>
+      </p:sp>
+      <p:sp>
+        <p:nvSpPr>
+          <p:cNvPr id="7" name="Arrow: Left 6">
+            <a:extLst>
+              <a:ext uri="{FF2B5EF4-FFF2-40B4-BE49-F238E27FC236}">
+                <a16:creationId xmlns:a16="http://schemas.microsoft.com/office/drawing/2014/main" id="{E875F361-33D1-A119-0306-D85227B69076}"/>
+              </a:ext>
+            </a:extLst>
+          </p:cNvPr>
+          <p:cNvSpPr/>
+          <p:nvPr/>
+        </p:nvSpPr>
+        <p:spPr>
+          <a:xfrm>
+            <a:off x="3135084" y="3951515"/>
+            <a:ext cx="1869621" cy="661307"/>
+          </a:xfrm>
+          <a:prstGeom prst="leftArrow">
+            <a:avLst/>
+          </a:prstGeom>
+        </p:spPr>
+        <p:style>
+          <a:lnRef idx="2">
+            <a:schemeClr val="accent1">
+              <a:shade val="15000"/>
+            </a:schemeClr>
+          </a:lnRef>
+          <a:fillRef idx="1">
+            <a:schemeClr val="accent1"/>
+          </a:fillRef>
+          <a:effectRef idx="0">
+            <a:schemeClr val="accent1"/>
+          </a:effectRef>
+          <a:fontRef idx="minor">
+            <a:schemeClr val="lt1"/>
+          </a:fontRef>
+        </p:style>
+        <p:txBody>
+          <a:bodyPr rtlCol="0" anchor="ctr"/>
+          <a:lstStyle/>
+          <a:p>
+            <a:pPr algn="ctr"/>
+            <a:endParaRPr lang="en-GB"/>
+          </a:p>
+        </p:txBody>
+      </p:sp>
+      <p:cxnSp>
+        <p:nvCxnSpPr>
+          <p:cNvPr id="9" name="Straight Connector 8">
+            <a:extLst>
+              <a:ext uri="{FF2B5EF4-FFF2-40B4-BE49-F238E27FC236}">
+                <a16:creationId xmlns:a16="http://schemas.microsoft.com/office/drawing/2014/main" id="{EC089F05-1D9C-2A1F-3F7B-C061676CF8F2}"/>
+              </a:ext>
+            </a:extLst>
+          </p:cNvPr>
+          <p:cNvCxnSpPr/>
+          <p:nvPr/>
+        </p:nvCxnSpPr>
+        <p:spPr>
+          <a:xfrm>
+            <a:off x="5935436" y="0"/>
+            <a:ext cx="0" cy="6858000"/>
+          </a:xfrm>
+          <a:prstGeom prst="line">
+            <a:avLst/>
+          </a:prstGeom>
+        </p:spPr>
+        <p:style>
+          <a:lnRef idx="1">
+            <a:schemeClr val="accent1"/>
+          </a:lnRef>
+          <a:fillRef idx="0">
+            <a:schemeClr val="accent1"/>
+          </a:fillRef>
+          <a:effectRef idx="0">
+            <a:schemeClr val="accent1"/>
+          </a:effectRef>
+          <a:fontRef idx="minor">
+            <a:schemeClr val="tx1"/>
+          </a:fontRef>
+        </p:style>
+      </p:cxnSp>
+      <p:sp>
+        <p:nvSpPr>
+          <p:cNvPr id="10" name="Flowchart: Process 9">
+            <a:extLst>
+              <a:ext uri="{FF2B5EF4-FFF2-40B4-BE49-F238E27FC236}">
+                <a16:creationId xmlns:a16="http://schemas.microsoft.com/office/drawing/2014/main" id="{D7F7F15F-7032-B0DA-4CF5-FF4D20583182}"/>
+              </a:ext>
+            </a:extLst>
+          </p:cNvPr>
+          <p:cNvSpPr/>
+          <p:nvPr/>
+        </p:nvSpPr>
+        <p:spPr>
+          <a:xfrm>
+            <a:off x="6594019" y="2653393"/>
+            <a:ext cx="1570265" cy="1736272"/>
+          </a:xfrm>
+          <a:prstGeom prst="flowChartProcess">
+            <a:avLst/>
+          </a:prstGeom>
+        </p:spPr>
+        <p:style>
+          <a:lnRef idx="2">
+            <a:schemeClr val="accent1">
+              <a:shade val="15000"/>
+            </a:schemeClr>
+          </a:lnRef>
+          <a:fillRef idx="1">
+            <a:schemeClr val="accent1"/>
+          </a:fillRef>
+          <a:effectRef idx="0">
+            <a:schemeClr val="accent1"/>
+          </a:effectRef>
+          <a:fontRef idx="minor">
+            <a:schemeClr val="lt1"/>
+          </a:fontRef>
+        </p:style>
+        <p:txBody>
+          <a:bodyPr rtlCol="0" anchor="ctr"/>
+          <a:lstStyle/>
+          <a:p>
+            <a:pPr algn="ctr"/>
+            <a:r>
+              <a:rPr lang="en-GB" dirty="0"/>
+              <a:t>Shard Field</a:t>
+            </a:r>
+          </a:p>
+        </p:txBody>
+      </p:sp>
+      <p:sp>
+        <p:nvSpPr>
+          <p:cNvPr id="11" name="Arrow: Left 10">
+            <a:extLst>
+              <a:ext uri="{FF2B5EF4-FFF2-40B4-BE49-F238E27FC236}">
+                <a16:creationId xmlns:a16="http://schemas.microsoft.com/office/drawing/2014/main" id="{E9CCD36F-AB25-D170-052E-DB15643D8560}"/>
+              </a:ext>
+            </a:extLst>
+          </p:cNvPr>
+          <p:cNvSpPr/>
+          <p:nvPr/>
+        </p:nvSpPr>
+        <p:spPr>
+          <a:xfrm>
+            <a:off x="9405259" y="2403023"/>
+            <a:ext cx="1869621" cy="661307"/>
+          </a:xfrm>
+          <a:prstGeom prst="leftArrow">
+            <a:avLst/>
+          </a:prstGeom>
+        </p:spPr>
+        <p:style>
+          <a:lnRef idx="2">
+            <a:schemeClr val="accent1">
+              <a:shade val="15000"/>
+            </a:schemeClr>
+          </a:lnRef>
+          <a:fillRef idx="1">
+            <a:schemeClr val="accent1"/>
+          </a:fillRef>
+          <a:effectRef idx="0">
+            <a:schemeClr val="accent1"/>
+          </a:effectRef>
+          <a:fontRef idx="minor">
+            <a:schemeClr val="lt1"/>
+          </a:fontRef>
+        </p:style>
+        <p:txBody>
+          <a:bodyPr rtlCol="0" anchor="ctr"/>
+          <a:lstStyle/>
+          <a:p>
+            <a:pPr algn="ctr"/>
+            <a:endParaRPr lang="en-GB"/>
+          </a:p>
+        </p:txBody>
+      </p:sp>
+      <p:sp>
+        <p:nvSpPr>
+          <p:cNvPr id="12" name="Arrow: Left 11">
+            <a:extLst>
+              <a:ext uri="{FF2B5EF4-FFF2-40B4-BE49-F238E27FC236}">
+                <a16:creationId xmlns:a16="http://schemas.microsoft.com/office/drawing/2014/main" id="{F5962876-79CF-5724-AFC3-693AAFD7E01D}"/>
+              </a:ext>
+            </a:extLst>
+          </p:cNvPr>
+          <p:cNvSpPr/>
+          <p:nvPr/>
+        </p:nvSpPr>
+        <p:spPr>
+          <a:xfrm>
+            <a:off x="8352065" y="3269116"/>
+            <a:ext cx="1053194" cy="394608"/>
+          </a:xfrm>
+          <a:prstGeom prst="leftArrow">
+            <a:avLst/>
+          </a:prstGeom>
+        </p:spPr>
+        <p:style>
+          <a:lnRef idx="2">
+            <a:schemeClr val="accent1">
+              <a:shade val="15000"/>
+            </a:schemeClr>
+          </a:lnRef>
+          <a:fillRef idx="1">
+            <a:schemeClr val="accent1"/>
+          </a:fillRef>
+          <a:effectRef idx="0">
+            <a:schemeClr val="accent1"/>
+          </a:effectRef>
+          <a:fontRef idx="minor">
+            <a:schemeClr val="lt1"/>
+          </a:fontRef>
+        </p:style>
+        <p:txBody>
+          <a:bodyPr rtlCol="0" anchor="ctr"/>
+          <a:lstStyle/>
+          <a:p>
+            <a:pPr algn="ctr"/>
+            <a:endParaRPr lang="en-GB"/>
+          </a:p>
+        </p:txBody>
+      </p:sp>
+      <p:sp>
+        <p:nvSpPr>
+          <p:cNvPr id="13" name="Arrow: Left 12">
+            <a:extLst>
+              <a:ext uri="{FF2B5EF4-FFF2-40B4-BE49-F238E27FC236}">
+                <a16:creationId xmlns:a16="http://schemas.microsoft.com/office/drawing/2014/main" id="{5FF3D3BB-AA5D-13DE-E9E4-FEC41705FD0B}"/>
+              </a:ext>
+            </a:extLst>
+          </p:cNvPr>
+          <p:cNvSpPr/>
+          <p:nvPr/>
+        </p:nvSpPr>
+        <p:spPr>
+          <a:xfrm>
+            <a:off x="9405258" y="1664494"/>
+            <a:ext cx="1869621" cy="661307"/>
+          </a:xfrm>
+          <a:prstGeom prst="leftArrow">
+            <a:avLst/>
+          </a:prstGeom>
+        </p:spPr>
+        <p:style>
+          <a:lnRef idx="2">
+            <a:schemeClr val="accent1">
+              <a:shade val="15000"/>
+            </a:schemeClr>
+          </a:lnRef>
+          <a:fillRef idx="1">
+            <a:schemeClr val="accent1"/>
+          </a:fillRef>
+          <a:effectRef idx="0">
+            <a:schemeClr val="accent1"/>
+          </a:effectRef>
+          <a:fontRef idx="minor">
+            <a:schemeClr val="lt1"/>
+          </a:fontRef>
+        </p:style>
+        <p:txBody>
+          <a:bodyPr rtlCol="0" anchor="ctr"/>
+          <a:lstStyle/>
+          <a:p>
+            <a:pPr algn="ctr"/>
+            <a:endParaRPr lang="en-GB"/>
+          </a:p>
+        </p:txBody>
+      </p:sp>
+      <p:pic>
+        <p:nvPicPr>
+          <p:cNvPr id="3078" name="Picture 6" descr="이모티콘 자물쇠 PNG 이미지 | PNGWing">
+            <a:extLst>
+              <a:ext uri="{FF2B5EF4-FFF2-40B4-BE49-F238E27FC236}">
+                <a16:creationId xmlns:a16="http://schemas.microsoft.com/office/drawing/2014/main" id="{7BECE8EC-515F-43CA-A732-9C5BC531E0C5}"/>
+              </a:ext>
+            </a:extLst>
+          </p:cNvPr>
+          <p:cNvPicPr>
+            <a:picLocks noChangeAspect="1" noChangeArrowheads="1"/>
+          </p:cNvPicPr>
+          <p:nvPr/>
+        </p:nvPicPr>
+        <p:blipFill>
+          <a:blip r:embed="rId2">
+            <a:extLst>
+              <a:ext uri="{28A0092B-C50C-407E-A947-70E740481C1C}">
+                <a14:useLocalDpi xmlns:a14="http://schemas.microsoft.com/office/drawing/2010/main" val="0"/>
+              </a:ext>
+            </a:extLst>
+          </a:blip>
+          <a:srcRect/>
+          <a:stretch>
+            <a:fillRect/>
+          </a:stretch>
+        </p:blipFill>
+        <p:spPr bwMode="auto">
+          <a:xfrm>
+            <a:off x="8260899" y="2316276"/>
+            <a:ext cx="797379" cy="797379"/>
+          </a:xfrm>
+          <a:prstGeom prst="rect">
+            <a:avLst/>
+          </a:prstGeom>
+          <a:noFill/>
+          <a:extLst>
+            <a:ext uri="{909E8E84-426E-40DD-AFC4-6F175D3DCCD1}">
+              <a14:hiddenFill xmlns:a14="http://schemas.microsoft.com/office/drawing/2010/main">
+                <a:solidFill>
+                  <a:srgbClr val="FFFFFF"/>
+                </a:solidFill>
+              </a14:hiddenFill>
+            </a:ext>
+          </a:extLst>
+        </p:spPr>
+      </p:pic>
+    </p:spTree>
+    <p:extLst>
+      <p:ext uri="{BB962C8B-B14F-4D97-AF65-F5344CB8AC3E}">
+        <p14:creationId xmlns:p14="http://schemas.microsoft.com/office/powerpoint/2010/main" val="220767185"/>
+      </p:ext>
+    </p:extLst>
+  </p:cSld>
+  <p:clrMapOvr>
+    <a:masterClrMapping/>
+  </p:clrMapOvr>
+</p:sld>
+</file>
+
+<file path=ppt/slides/slide33.xml><?xml version="1.0" encoding="utf-8"?>
+<p:sld xmlns:a="http://schemas.openxmlformats.org/drawingml/2006/main" xmlns:r="http://schemas.openxmlformats.org/officeDocument/2006/relationships" xmlns:p="http://schemas.openxmlformats.org/presentationml/2006/main">
+  <p:cSld>
+    <p:spTree>
+      <p:nvGrpSpPr>
+        <p:cNvPr id="1" name=""/>
+        <p:cNvGrpSpPr/>
+        <p:nvPr/>
+      </p:nvGrpSpPr>
+      <p:grpSpPr>
+        <a:xfrm>
+          <a:off x="0" y="0"/>
+          <a:ext cx="0" cy="0"/>
+          <a:chOff x="0" y="0"/>
+          <a:chExt cx="0" cy="0"/>
+        </a:xfrm>
+      </p:grpSpPr>
+      <p:sp>
+        <p:nvSpPr>
+          <p:cNvPr id="2" name="Title 1">
+            <a:extLst>
+              <a:ext uri="{FF2B5EF4-FFF2-40B4-BE49-F238E27FC236}">
+                <a16:creationId xmlns:a16="http://schemas.microsoft.com/office/drawing/2014/main" id="{C7D7FBC5-26C8-0225-E3CF-8C870C977E76}"/>
+              </a:ext>
+            </a:extLst>
+          </p:cNvPr>
+          <p:cNvSpPr>
+            <a:spLocks noGrp="1"/>
+          </p:cNvSpPr>
+          <p:nvPr>
+            <p:ph type="title"/>
+          </p:nvPr>
+        </p:nvSpPr>
+        <p:spPr/>
+        <p:txBody>
+          <a:bodyPr/>
+          <a:lstStyle/>
+          <a:p>
+            <a:r>
+              <a:rPr lang="ko-KR" altLang="en-US" dirty="0"/>
+              <a:t>동기화 기법 </a:t>
+            </a:r>
+            <a:r>
+              <a:rPr lang="en-US" altLang="ko-KR" dirty="0"/>
+              <a:t>1 : </a:t>
+            </a:r>
+            <a:r>
+              <a:rPr lang="ko-KR" altLang="en-US" dirty="0"/>
+              <a:t>임계구역</a:t>
+            </a:r>
+            <a:r>
+              <a:rPr lang="en-US" altLang="ko-KR" dirty="0"/>
+              <a:t>(Critical section)</a:t>
+            </a:r>
+            <a:endParaRPr lang="en-GB" dirty="0"/>
+          </a:p>
+        </p:txBody>
+      </p:sp>
+      <p:sp>
+        <p:nvSpPr>
+          <p:cNvPr id="3" name="Content Placeholder 2">
+            <a:extLst>
+              <a:ext uri="{FF2B5EF4-FFF2-40B4-BE49-F238E27FC236}">
+                <a16:creationId xmlns:a16="http://schemas.microsoft.com/office/drawing/2014/main" id="{30D513A6-1BEA-BED4-06C6-8F71B62834D0}"/>
+              </a:ext>
+            </a:extLst>
+          </p:cNvPr>
+          <p:cNvSpPr>
+            <a:spLocks noGrp="1"/>
+          </p:cNvSpPr>
+          <p:nvPr>
+            <p:ph idx="1"/>
+          </p:nvPr>
+        </p:nvSpPr>
+        <p:spPr/>
+        <p:txBody>
+          <a:bodyPr/>
+          <a:lstStyle/>
+          <a:p>
+            <a:r>
+              <a:rPr lang="ko-KR" altLang="en-US" dirty="0"/>
+              <a:t>다만</a:t>
+            </a:r>
+            <a:r>
+              <a:rPr lang="en-US" altLang="ko-KR" dirty="0"/>
+              <a:t>, </a:t>
+            </a:r>
+            <a:r>
+              <a:rPr lang="ko-KR" altLang="en-US" dirty="0"/>
+              <a:t>임계구역은 병렬성을 제한하고</a:t>
+            </a:r>
+            <a:r>
+              <a:rPr lang="en-US" altLang="ko-KR" dirty="0"/>
+              <a:t>, </a:t>
+            </a:r>
+            <a:r>
+              <a:rPr lang="ko-KR" altLang="en-US" dirty="0"/>
+              <a:t>이로 인하여 병렬 프로그램의 성능을 저하시킬 수 있다</a:t>
+            </a:r>
+            <a:r>
+              <a:rPr lang="en-US" altLang="ko-KR" dirty="0"/>
+              <a:t>.</a:t>
+            </a:r>
+          </a:p>
+          <a:p>
+            <a:r>
+              <a:rPr lang="ko-KR" altLang="en-US" dirty="0"/>
+              <a:t>그렇기 때문에</a:t>
+            </a:r>
+            <a:r>
+              <a:rPr lang="en-US" altLang="ko-KR" dirty="0"/>
+              <a:t>, </a:t>
+            </a:r>
+            <a:r>
+              <a:rPr lang="ko-KR" altLang="en-US" dirty="0"/>
+              <a:t>반드시 필요한 부분만 임계구역으로 설정해야 하며</a:t>
+            </a:r>
+            <a:r>
+              <a:rPr lang="en-US" altLang="ko-KR" dirty="0"/>
+              <a:t>, </a:t>
+            </a:r>
+            <a:r>
+              <a:rPr lang="ko-KR" altLang="en-US" dirty="0"/>
+              <a:t>그 크기는 가능한 작아야 한다</a:t>
+            </a:r>
+            <a:r>
+              <a:rPr lang="en-US" altLang="ko-KR" dirty="0"/>
+              <a:t>.</a:t>
+            </a:r>
+          </a:p>
+          <a:p>
+            <a:r>
+              <a:rPr lang="ko-KR" altLang="en-US" dirty="0"/>
+              <a:t>또한</a:t>
+            </a:r>
+            <a:r>
+              <a:rPr lang="en-US" altLang="ko-KR" dirty="0"/>
+              <a:t>, </a:t>
+            </a:r>
+            <a:r>
+              <a:rPr lang="ko-KR" altLang="en-US" dirty="0"/>
+              <a:t>가능하면</a:t>
+            </a:r>
+            <a:r>
+              <a:rPr lang="en-US" altLang="ko-KR" dirty="0"/>
+              <a:t>, </a:t>
+            </a:r>
+            <a:r>
+              <a:rPr lang="ko-KR" altLang="en-US" dirty="0"/>
+              <a:t>시간이 오래 걸리는 작업은</a:t>
+            </a:r>
+            <a:r>
+              <a:rPr lang="en-US" altLang="ko-KR" dirty="0"/>
+              <a:t>, </a:t>
+            </a:r>
+            <a:r>
+              <a:rPr lang="ko-KR" altLang="en-US" dirty="0"/>
+              <a:t>임계구역에서 제외하는 편이 유리하다</a:t>
+            </a:r>
+            <a:r>
+              <a:rPr lang="en-US" altLang="ko-KR" dirty="0"/>
+              <a:t>.</a:t>
+            </a:r>
+          </a:p>
+          <a:p>
+            <a:r>
+              <a:rPr lang="ko-KR" altLang="en-US" dirty="0"/>
+              <a:t>마지막으로</a:t>
+            </a:r>
+            <a:r>
+              <a:rPr lang="en-US" altLang="ko-KR" dirty="0"/>
+              <a:t>, </a:t>
+            </a:r>
+            <a:r>
+              <a:rPr lang="ko-KR" altLang="en-US" dirty="0"/>
+              <a:t>객체의 상태를 이루는 변수가 복수개이면서</a:t>
+            </a:r>
+            <a:r>
+              <a:rPr lang="en-US" altLang="ko-KR" dirty="0"/>
+              <a:t>, </a:t>
+            </a:r>
+            <a:r>
+              <a:rPr lang="ko-KR" altLang="en-US" dirty="0"/>
+              <a:t>서로가 서로에게 의존성을 가지고 있다면</a:t>
+            </a:r>
+            <a:r>
+              <a:rPr lang="en-US" altLang="ko-KR" dirty="0"/>
+              <a:t>,</a:t>
+            </a:r>
+            <a:r>
+              <a:rPr lang="ko-KR" altLang="en-US" dirty="0"/>
+              <a:t> 관련 있는 모든 변수를 임계구역에 넣어</a:t>
+            </a:r>
+            <a:r>
+              <a:rPr lang="en-US" altLang="ko-KR" dirty="0"/>
+              <a:t>, </a:t>
+            </a:r>
+            <a:r>
+              <a:rPr lang="ko-KR" altLang="en-US" dirty="0"/>
+              <a:t>한 번에 수정해야 한다</a:t>
+            </a:r>
+            <a:r>
+              <a:rPr lang="en-US" altLang="ko-KR" dirty="0"/>
+              <a:t>.</a:t>
+            </a:r>
+          </a:p>
+        </p:txBody>
+      </p:sp>
+    </p:spTree>
+    <p:extLst>
+      <p:ext uri="{BB962C8B-B14F-4D97-AF65-F5344CB8AC3E}">
+        <p14:creationId xmlns:p14="http://schemas.microsoft.com/office/powerpoint/2010/main" val="798464046"/>
+      </p:ext>
+    </p:extLst>
+  </p:cSld>
+  <p:clrMapOvr>
+    <a:masterClrMapping/>
+  </p:clrMapOvr>
+</p:sld>
+</file>
+
+<file path=ppt/slides/slide34.xml><?xml version="1.0" encoding="utf-8"?>
+<p:sld xmlns:a="http://schemas.openxmlformats.org/drawingml/2006/main" xmlns:r="http://schemas.openxmlformats.org/officeDocument/2006/relationships" xmlns:p="http://schemas.openxmlformats.org/presentationml/2006/main">
+  <p:cSld>
+    <p:spTree>
+      <p:nvGrpSpPr>
+        <p:cNvPr id="1" name=""/>
+        <p:cNvGrpSpPr/>
+        <p:nvPr/>
+      </p:nvGrpSpPr>
+      <p:grpSpPr>
+        <a:xfrm>
+          <a:off x="0" y="0"/>
+          <a:ext cx="0" cy="0"/>
+          <a:chOff x="0" y="0"/>
+          <a:chExt cx="0" cy="0"/>
+        </a:xfrm>
+      </p:grpSpPr>
+      <p:sp>
+        <p:nvSpPr>
+          <p:cNvPr id="2" name="Title 1">
+            <a:extLst>
+              <a:ext uri="{FF2B5EF4-FFF2-40B4-BE49-F238E27FC236}">
+                <a16:creationId xmlns:a16="http://schemas.microsoft.com/office/drawing/2014/main" id="{133EFE9B-10F8-01A8-2F07-F559446ED094}"/>
+              </a:ext>
+            </a:extLst>
+          </p:cNvPr>
+          <p:cNvSpPr>
+            <a:spLocks noGrp="1"/>
+          </p:cNvSpPr>
+          <p:nvPr>
+            <p:ph type="title"/>
+          </p:nvPr>
+        </p:nvSpPr>
+        <p:spPr/>
+        <p:txBody>
+          <a:bodyPr/>
+          <a:lstStyle/>
+          <a:p>
+            <a:r>
+              <a:rPr lang="ko-KR" altLang="en-US" dirty="0"/>
+              <a:t>원자성</a:t>
+            </a:r>
+            <a:r>
+              <a:rPr lang="en-US" altLang="ko-KR" dirty="0"/>
+              <a:t>, </a:t>
+            </a:r>
+            <a:r>
+              <a:rPr lang="ko-KR" altLang="en-US" dirty="0"/>
+              <a:t>원자적 연산</a:t>
+            </a:r>
+            <a:r>
+              <a:rPr lang="en-US" altLang="ko-KR" dirty="0"/>
+              <a:t>, </a:t>
+            </a:r>
+            <a:r>
+              <a:rPr lang="ko-KR" altLang="en-US" dirty="0"/>
+              <a:t>단일연산</a:t>
+            </a:r>
+            <a:r>
+              <a:rPr lang="en-US" altLang="ko-KR" dirty="0"/>
+              <a:t>, Atomicity</a:t>
+            </a:r>
+            <a:endParaRPr lang="en-GB" dirty="0"/>
+          </a:p>
+        </p:txBody>
+      </p:sp>
+      <p:sp>
+        <p:nvSpPr>
+          <p:cNvPr id="3" name="Content Placeholder 2">
+            <a:extLst>
+              <a:ext uri="{FF2B5EF4-FFF2-40B4-BE49-F238E27FC236}">
+                <a16:creationId xmlns:a16="http://schemas.microsoft.com/office/drawing/2014/main" id="{9F81D7C5-885A-3C15-8877-4076032E02DC}"/>
+              </a:ext>
+            </a:extLst>
+          </p:cNvPr>
+          <p:cNvSpPr>
+            <a:spLocks noGrp="1"/>
+          </p:cNvSpPr>
+          <p:nvPr>
+            <p:ph idx="1"/>
+          </p:nvPr>
+        </p:nvSpPr>
+        <p:spPr/>
+        <p:txBody>
+          <a:bodyPr/>
+          <a:lstStyle/>
+          <a:p>
+            <a:r>
+              <a:rPr lang="ko-KR" altLang="en-US" dirty="0"/>
+              <a:t>객체의 상태를 표현할 때</a:t>
+            </a:r>
+            <a:r>
+              <a:rPr lang="en-US" altLang="ko-KR" dirty="0"/>
+              <a:t>, </a:t>
+            </a:r>
+            <a:r>
+              <a:rPr lang="ko-KR" altLang="en-US" dirty="0"/>
+              <a:t>상태란</a:t>
+            </a:r>
+            <a:r>
+              <a:rPr lang="en-US" altLang="ko-KR" dirty="0"/>
+              <a:t>, </a:t>
+            </a:r>
+            <a:r>
+              <a:rPr lang="ko-KR" altLang="en-US" dirty="0"/>
+              <a:t>결국 객체의 멤버 변수의 상태의 합과 같다고 할 수 있다</a:t>
+            </a:r>
+            <a:r>
+              <a:rPr lang="en-US" altLang="ko-KR" dirty="0"/>
+              <a:t>.</a:t>
+            </a:r>
+          </a:p>
+          <a:p>
+            <a:r>
+              <a:rPr lang="ko-KR" altLang="en-US" dirty="0"/>
+              <a:t>만약</a:t>
+            </a:r>
+            <a:r>
+              <a:rPr lang="en-US" altLang="ko-KR" dirty="0"/>
+              <a:t>, </a:t>
+            </a:r>
+            <a:r>
+              <a:rPr lang="ko-KR" altLang="en-US" dirty="0"/>
+              <a:t>객체의 상태를 이루는 멤버 변수 각각이 서로에게 의존성을 가진 경우</a:t>
+            </a:r>
+            <a:r>
+              <a:rPr lang="en-US" altLang="ko-KR" dirty="0"/>
+              <a:t>,</a:t>
+            </a:r>
+            <a:r>
+              <a:rPr lang="ko-KR" altLang="en-US" dirty="0"/>
+              <a:t> 혹은 관련이 있는 경우</a:t>
+            </a:r>
+            <a:r>
+              <a:rPr lang="en-US" altLang="ko-KR" dirty="0"/>
+              <a:t>, </a:t>
+            </a:r>
+            <a:r>
+              <a:rPr lang="ko-KR" altLang="en-US" dirty="0"/>
+              <a:t>이를 변경하고자 할 때는</a:t>
+            </a:r>
+            <a:r>
+              <a:rPr lang="en-US" altLang="ko-KR" dirty="0"/>
+              <a:t>, </a:t>
+            </a:r>
+            <a:r>
+              <a:rPr lang="ko-KR" altLang="en-US" dirty="0"/>
+              <a:t>원자적으로 처리해 주어야 한다</a:t>
+            </a:r>
+            <a:r>
+              <a:rPr lang="en-US" altLang="ko-KR" dirty="0"/>
+              <a:t>.</a:t>
+            </a:r>
+          </a:p>
+          <a:p>
+            <a:r>
+              <a:rPr lang="ko-KR" altLang="en-US" dirty="0"/>
+              <a:t>복합 연산을 처리할 때는 반드시</a:t>
+            </a:r>
+            <a:r>
+              <a:rPr lang="en-US" altLang="ko-KR" dirty="0"/>
+              <a:t>, </a:t>
+            </a:r>
+            <a:r>
+              <a:rPr lang="ko-KR" altLang="en-US" dirty="0"/>
+              <a:t>원자적으로 처리해 주어야 한다</a:t>
+            </a:r>
+            <a:r>
+              <a:rPr lang="en-US" altLang="ko-KR" dirty="0"/>
+              <a:t>.</a:t>
+            </a:r>
+          </a:p>
+          <a:p>
+            <a:pPr lvl="1"/>
+            <a:r>
+              <a:rPr lang="en-US" altLang="ko-KR" dirty="0"/>
+              <a:t>Ex) </a:t>
+            </a:r>
+            <a:r>
+              <a:rPr lang="ko-KR" altLang="en-US" dirty="0"/>
+              <a:t>값을 확인하고</a:t>
+            </a:r>
+            <a:r>
+              <a:rPr lang="en-US" altLang="ko-KR" dirty="0"/>
+              <a:t>, </a:t>
+            </a:r>
+            <a:r>
+              <a:rPr lang="ko-KR" altLang="en-US" dirty="0"/>
+              <a:t>조건에 부합할 경우에만 특정 행동을 하는 로직</a:t>
+            </a:r>
+            <a:r>
+              <a:rPr lang="en-US" altLang="ko-KR" dirty="0"/>
+              <a:t>(</a:t>
+            </a:r>
+            <a:r>
+              <a:rPr kumimoji="0" lang="ko-KR" altLang="ko-KR" sz="2400" b="0" i="0" u="none" strike="noStrike" cap="none" normalizeH="0" baseline="0" dirty="0">
+                <a:ln>
+                  <a:noFill/>
+                </a:ln>
+                <a:solidFill>
+                  <a:srgbClr val="BCBEC4"/>
+                </a:solidFill>
+                <a:effectLst/>
+                <a:latin typeface="Arial Unicode MS"/>
+                <a:ea typeface="JetBrains Mono"/>
+              </a:rPr>
+              <a:t>NotSafeSingletonFactory</a:t>
+            </a:r>
+            <a:r>
+              <a:rPr kumimoji="0" lang="en-US" altLang="ko-KR" sz="2400" b="0" i="0" u="none" strike="noStrike" cap="none" normalizeH="0" baseline="0" dirty="0">
+                <a:ln>
+                  <a:noFill/>
+                </a:ln>
+                <a:solidFill>
+                  <a:srgbClr val="BCBEC4"/>
+                </a:solidFill>
+                <a:effectLst/>
+                <a:latin typeface="Arial Unicode MS"/>
+                <a:ea typeface="JetBrains Mono"/>
+              </a:rPr>
+              <a:t>)</a:t>
+            </a:r>
+            <a:endParaRPr lang="en-US" altLang="ko-KR" dirty="0"/>
+          </a:p>
+        </p:txBody>
+      </p:sp>
+    </p:spTree>
+    <p:extLst>
+      <p:ext uri="{BB962C8B-B14F-4D97-AF65-F5344CB8AC3E}">
+        <p14:creationId xmlns:p14="http://schemas.microsoft.com/office/powerpoint/2010/main" val="996170832"/>
+      </p:ext>
+    </p:extLst>
+  </p:cSld>
+  <p:clrMapOvr>
+    <a:masterClrMapping/>
+  </p:clrMapOvr>
+</p:sld>
+</file>
+
+<file path=ppt/slides/slide35.xml><?xml version="1.0" encoding="utf-8"?>
+<p:sld xmlns:a="http://schemas.openxmlformats.org/drawingml/2006/main" xmlns:r="http://schemas.openxmlformats.org/officeDocument/2006/relationships" xmlns:p="http://schemas.openxmlformats.org/presentationml/2006/main">
+  <p:cSld>
+    <p:spTree>
+      <p:nvGrpSpPr>
+        <p:cNvPr id="1" name=""/>
+        <p:cNvGrpSpPr/>
+        <p:nvPr/>
+      </p:nvGrpSpPr>
+      <p:grpSpPr>
+        <a:xfrm>
+          <a:off x="0" y="0"/>
+          <a:ext cx="0" cy="0"/>
+          <a:chOff x="0" y="0"/>
+          <a:chExt cx="0" cy="0"/>
+        </a:xfrm>
+      </p:grpSpPr>
+      <p:sp>
+        <p:nvSpPr>
+          <p:cNvPr id="2" name="Title 1">
+            <a:extLst>
+              <a:ext uri="{FF2B5EF4-FFF2-40B4-BE49-F238E27FC236}">
+                <a16:creationId xmlns:a16="http://schemas.microsoft.com/office/drawing/2014/main" id="{C37BE800-E657-EF5B-B7D9-D3720BB27C05}"/>
+              </a:ext>
+            </a:extLst>
+          </p:cNvPr>
+          <p:cNvSpPr>
+            <a:spLocks noGrp="1"/>
+          </p:cNvSpPr>
+          <p:nvPr>
+            <p:ph type="title"/>
+          </p:nvPr>
+        </p:nvSpPr>
+        <p:spPr/>
+        <p:txBody>
+          <a:bodyPr/>
+          <a:lstStyle/>
+          <a:p>
+            <a:r>
+              <a:rPr lang="ko-KR" altLang="en-US" dirty="0"/>
+              <a:t>동기화 기법 </a:t>
+            </a:r>
+            <a:r>
+              <a:rPr lang="en-US" altLang="ko-KR" dirty="0"/>
+              <a:t>2 : </a:t>
+            </a:r>
+            <a:r>
+              <a:rPr lang="ko-KR" altLang="en-US" dirty="0"/>
+              <a:t>메모리 가시성 확보</a:t>
+            </a:r>
+            <a:endParaRPr lang="en-GB" dirty="0"/>
+          </a:p>
+        </p:txBody>
+      </p:sp>
+      <p:sp>
+        <p:nvSpPr>
+          <p:cNvPr id="3" name="Content Placeholder 2">
+            <a:extLst>
+              <a:ext uri="{FF2B5EF4-FFF2-40B4-BE49-F238E27FC236}">
+                <a16:creationId xmlns:a16="http://schemas.microsoft.com/office/drawing/2014/main" id="{46B4A2EE-D285-99A4-5A8D-505C8AE60410}"/>
+              </a:ext>
+            </a:extLst>
+          </p:cNvPr>
+          <p:cNvSpPr>
+            <a:spLocks noGrp="1"/>
+          </p:cNvSpPr>
+          <p:nvPr>
+            <p:ph idx="1"/>
+          </p:nvPr>
+        </p:nvSpPr>
+        <p:spPr/>
+        <p:txBody>
+          <a:bodyPr/>
+          <a:lstStyle/>
+          <a:p>
+            <a:r>
+              <a:rPr lang="ko-KR" altLang="en-US" dirty="0"/>
+              <a:t>자바에서는 메모리 가시성을 보장하기 위하여 </a:t>
+            </a:r>
+            <a:r>
+              <a:rPr lang="en-US" altLang="ko-KR" dirty="0"/>
+              <a:t>volatile </a:t>
+            </a:r>
+            <a:r>
+              <a:rPr lang="ko-KR" altLang="en-US" dirty="0"/>
+              <a:t>키워드를 제공함</a:t>
+            </a:r>
+            <a:r>
+              <a:rPr lang="en-US" altLang="ko-KR" dirty="0"/>
+              <a:t>.</a:t>
+            </a:r>
+          </a:p>
+          <a:p>
+            <a:r>
+              <a:rPr lang="ko-KR" altLang="en-US" dirty="0"/>
+              <a:t>본 키워드가 붙은 변수의 경우</a:t>
+            </a:r>
+            <a:r>
+              <a:rPr lang="en-US" altLang="ko-KR" dirty="0"/>
+              <a:t>, </a:t>
+            </a:r>
+            <a:r>
+              <a:rPr lang="ko-KR" altLang="en-US" dirty="0"/>
+              <a:t>임의의 쓰레드가 본 키워드가 붙은 변수를 변경하는 경우</a:t>
+            </a:r>
+            <a:r>
+              <a:rPr lang="en-US" altLang="ko-KR" dirty="0"/>
+              <a:t>, </a:t>
+            </a:r>
+            <a:r>
+              <a:rPr lang="ko-KR" altLang="en-US" dirty="0"/>
+              <a:t>다른 스레드가 변경 사항을 바로 볼 수 있도록 언어 차원에서 제공함</a:t>
+            </a:r>
+            <a:r>
+              <a:rPr lang="en-US" altLang="ko-KR" dirty="0"/>
+              <a:t>.</a:t>
+            </a:r>
+          </a:p>
+          <a:p>
+            <a:r>
+              <a:rPr lang="ko-KR" altLang="en-US" dirty="0"/>
+              <a:t>이는 곧</a:t>
+            </a:r>
+            <a:r>
+              <a:rPr lang="en-US" altLang="ko-KR" dirty="0"/>
+              <a:t>, </a:t>
+            </a:r>
+            <a:r>
+              <a:rPr lang="ko-KR" altLang="en-US" dirty="0"/>
+              <a:t>약한 동기화 수준으로</a:t>
+            </a:r>
+            <a:r>
+              <a:rPr lang="en-US" altLang="ko-KR" dirty="0"/>
+              <a:t>, </a:t>
+            </a:r>
+            <a:r>
+              <a:rPr lang="ko-KR" altLang="en-US" dirty="0"/>
+              <a:t>시기적절히 사용한다면</a:t>
+            </a:r>
+            <a:r>
+              <a:rPr lang="en-US" altLang="ko-KR" dirty="0"/>
+              <a:t>, </a:t>
+            </a:r>
+            <a:r>
+              <a:rPr lang="ko-KR" altLang="en-US" dirty="0"/>
+              <a:t>어플리케이션의 성능을 높일 수 있음</a:t>
+            </a:r>
+            <a:r>
+              <a:rPr lang="en-US" altLang="ko-KR" dirty="0"/>
+              <a:t>.</a:t>
+            </a:r>
+          </a:p>
+          <a:p>
+            <a:r>
+              <a:rPr lang="en-US" dirty="0"/>
+              <a:t>Ex ) </a:t>
+            </a:r>
+            <a:r>
+              <a:rPr kumimoji="0" lang="ko-KR" altLang="ko-KR" sz="2800" b="0" i="0" u="none" strike="noStrike" cap="none" normalizeH="0" baseline="0" dirty="0">
+                <a:ln>
+                  <a:noFill/>
+                </a:ln>
+                <a:solidFill>
+                  <a:srgbClr val="BCBEC4"/>
+                </a:solidFill>
+                <a:effectLst/>
+                <a:latin typeface="Arial Unicode MS"/>
+                <a:ea typeface="JetBrains Mono"/>
+              </a:rPr>
+              <a:t>VisibleField</a:t>
+            </a:r>
+            <a:endParaRPr lang="en-GB" dirty="0"/>
+          </a:p>
+        </p:txBody>
+      </p:sp>
+    </p:spTree>
+    <p:extLst>
+      <p:ext uri="{BB962C8B-B14F-4D97-AF65-F5344CB8AC3E}">
+        <p14:creationId xmlns:p14="http://schemas.microsoft.com/office/powerpoint/2010/main" val="4276223151"/>
       </p:ext>
     </p:extLst>
   </p:cSld>
@@ -6604,10 +11247,10 @@
       </p:grpSpPr>
       <p:sp>
         <p:nvSpPr>
-          <p:cNvPr id="2" name="제목 1">
-            <a:extLst>
-              <a:ext uri="{FF2B5EF4-FFF2-40B4-BE49-F238E27FC236}">
-                <a16:creationId xmlns:a16="http://schemas.microsoft.com/office/drawing/2014/main" id="{B90AEDD0-8B33-40D2-92D7-E971F1BBF3B8}"/>
+          <p:cNvPr id="2" name="Title 1">
+            <a:extLst>
+              <a:ext uri="{FF2B5EF4-FFF2-40B4-BE49-F238E27FC236}">
+                <a16:creationId xmlns:a16="http://schemas.microsoft.com/office/drawing/2014/main" id="{2F5B5AC3-58B6-4B79-226B-3754656FFD78}"/>
               </a:ext>
             </a:extLst>
           </p:cNvPr>
@@ -6623,85 +11266,63 @@
           <a:bodyPr/>
           <a:lstStyle/>
           <a:p>
-            <a:r>
-              <a:rPr lang="ko-KR" altLang="en-US" dirty="0"/>
-              <a:t>프로세스란</a:t>
-            </a:r>
-            <a:r>
-              <a:rPr lang="en-US" altLang="ko-KR" dirty="0"/>
-              <a:t>?</a:t>
-            </a:r>
-            <a:endParaRPr lang="ko-KR" altLang="en-US" dirty="0"/>
-          </a:p>
-        </p:txBody>
-      </p:sp>
-      <p:sp>
-        <p:nvSpPr>
-          <p:cNvPr id="3" name="내용 개체 틀 2">
-            <a:extLst>
-              <a:ext uri="{FF2B5EF4-FFF2-40B4-BE49-F238E27FC236}">
-                <a16:creationId xmlns:a16="http://schemas.microsoft.com/office/drawing/2014/main" id="{5FF8ED73-44DC-4E76-B2FC-6161B7E958C4}"/>
-              </a:ext>
-            </a:extLst>
-          </p:cNvPr>
-          <p:cNvSpPr>
-            <a:spLocks noGrp="1"/>
-          </p:cNvSpPr>
+            <a:endParaRPr lang="en-GB"/>
+          </a:p>
+        </p:txBody>
+      </p:sp>
+      <p:pic>
+        <p:nvPicPr>
+          <p:cNvPr id="4" name="Picture 2" descr="Stack Memory">
+            <a:extLst>
+              <a:ext uri="{FF2B5EF4-FFF2-40B4-BE49-F238E27FC236}">
+                <a16:creationId xmlns:a16="http://schemas.microsoft.com/office/drawing/2014/main" id="{C08914BA-844C-D426-0DA7-ABFD8173235D}"/>
+              </a:ext>
+            </a:extLst>
+          </p:cNvPr>
+          <p:cNvPicPr>
+            <a:picLocks noGrp="1" noChangeAspect="1" noChangeArrowheads="1"/>
+          </p:cNvPicPr>
           <p:nvPr>
             <p:ph idx="1"/>
           </p:nvPr>
-        </p:nvSpPr>
-        <p:spPr/>
-        <p:txBody>
-          <a:bodyPr/>
-          <a:lstStyle/>
-          <a:p>
-            <a:r>
-              <a:rPr lang="ko-KR" altLang="en-US" dirty="0"/>
-              <a:t>운영체제의 의하여 관리되는 </a:t>
-            </a:r>
-            <a:r>
-              <a:rPr lang="ko-KR" altLang="en-US" dirty="0" err="1"/>
-              <a:t>자료구조로써</a:t>
-            </a:r>
-            <a:r>
-              <a:rPr lang="en-US" altLang="ko-KR" dirty="0"/>
-              <a:t>, </a:t>
-            </a:r>
-            <a:r>
-              <a:rPr lang="ko-KR" altLang="en-US" dirty="0"/>
-              <a:t>프로그램을 시작하는데 필요한 데이터 및 컨텍스트 정보</a:t>
-            </a:r>
-            <a:r>
-              <a:rPr lang="en-US" altLang="ko-KR" dirty="0"/>
-              <a:t>(</a:t>
-            </a:r>
-            <a:r>
-              <a:rPr lang="ko-KR" altLang="en-US" dirty="0"/>
-              <a:t>레지스터 정보</a:t>
-            </a:r>
-            <a:r>
-              <a:rPr lang="en-US" altLang="ko-KR" dirty="0"/>
-              <a:t>, PC(program counter) </a:t>
-            </a:r>
-            <a:r>
-              <a:rPr lang="ko-KR" altLang="en-US" dirty="0"/>
-              <a:t>등이 저장된다</a:t>
-            </a:r>
-            <a:r>
-              <a:rPr lang="en-US" altLang="ko-KR" dirty="0"/>
-              <a:t>.</a:t>
-            </a:r>
-          </a:p>
-          <a:p>
-            <a:endParaRPr lang="ko-KR" altLang="en-US" dirty="0"/>
-          </a:p>
-        </p:txBody>
-      </p:sp>
+        </p:nvPicPr>
+        <p:blipFill>
+          <a:blip r:embed="rId2">
+            <a:extLst>
+              <a:ext uri="{28A0092B-C50C-407E-A947-70E740481C1C}">
+                <a14:useLocalDpi xmlns:a14="http://schemas.microsoft.com/office/drawing/2010/main" val="0"/>
+              </a:ext>
+            </a:extLst>
+          </a:blip>
+          <a:srcRect/>
+          <a:stretch>
+            <a:fillRect/>
+          </a:stretch>
+        </p:blipFill>
+        <p:spPr bwMode="auto">
+          <a:xfrm>
+            <a:off x="4440053" y="1690688"/>
+            <a:ext cx="5695271" cy="4351338"/>
+          </a:xfrm>
+          <a:prstGeom prst="rect">
+            <a:avLst/>
+          </a:prstGeom>
+          <a:noFill/>
+          <a:extLst>
+            <a:ext uri="{909E8E84-426E-40DD-AFC4-6F175D3DCCD1}">
+              <a14:hiddenFill xmlns:a14="http://schemas.microsoft.com/office/drawing/2010/main">
+                <a:solidFill>
+                  <a:srgbClr val="FFFFFF"/>
+                </a:solidFill>
+              </a14:hiddenFill>
+            </a:ext>
+          </a:extLst>
+        </p:spPr>
+      </p:pic>
     </p:spTree>
     <p:extLst>
       <p:ext uri="{BB962C8B-B14F-4D97-AF65-F5344CB8AC3E}">
-        <p14:creationId xmlns:p14="http://schemas.microsoft.com/office/powerpoint/2010/main" val="180191437"/>
+        <p14:creationId xmlns:p14="http://schemas.microsoft.com/office/powerpoint/2010/main" val="1353359507"/>
       </p:ext>
     </p:extLst>
   </p:cSld>
@@ -6730,10 +11351,10 @@
       </p:grpSpPr>
       <p:sp>
         <p:nvSpPr>
-          <p:cNvPr id="2" name="Title 1">
-            <a:extLst>
-              <a:ext uri="{FF2B5EF4-FFF2-40B4-BE49-F238E27FC236}">
-                <a16:creationId xmlns:a16="http://schemas.microsoft.com/office/drawing/2014/main" id="{53FC0ACE-AF1E-DA6B-03B6-A3DD86308D7F}"/>
+          <p:cNvPr id="2" name="제목 1">
+            <a:extLst>
+              <a:ext uri="{FF2B5EF4-FFF2-40B4-BE49-F238E27FC236}">
+                <a16:creationId xmlns:a16="http://schemas.microsoft.com/office/drawing/2014/main" id="{B90AEDD0-8B33-40D2-92D7-E971F1BBF3B8}"/>
               </a:ext>
             </a:extLst>
           </p:cNvPr>
@@ -6750,8 +11371,134 @@
           <a:lstStyle/>
           <a:p>
             <a:r>
+              <a:rPr lang="ko-KR" altLang="en-US" dirty="0"/>
+              <a:t>프로세스란</a:t>
+            </a:r>
+            <a:r>
+              <a:rPr lang="en-US" altLang="ko-KR" dirty="0"/>
+              <a:t>?</a:t>
+            </a:r>
+            <a:endParaRPr lang="ko-KR" altLang="en-US" dirty="0"/>
+          </a:p>
+        </p:txBody>
+      </p:sp>
+      <p:sp>
+        <p:nvSpPr>
+          <p:cNvPr id="3" name="내용 개체 틀 2">
+            <a:extLst>
+              <a:ext uri="{FF2B5EF4-FFF2-40B4-BE49-F238E27FC236}">
+                <a16:creationId xmlns:a16="http://schemas.microsoft.com/office/drawing/2014/main" id="{5FF8ED73-44DC-4E76-B2FC-6161B7E958C4}"/>
+              </a:ext>
+            </a:extLst>
+          </p:cNvPr>
+          <p:cNvSpPr>
+            <a:spLocks noGrp="1"/>
+          </p:cNvSpPr>
+          <p:nvPr>
+            <p:ph idx="1"/>
+          </p:nvPr>
+        </p:nvSpPr>
+        <p:spPr/>
+        <p:txBody>
+          <a:bodyPr/>
+          <a:lstStyle/>
+          <a:p>
+            <a:r>
+              <a:rPr lang="ko-KR" altLang="en-US" dirty="0"/>
+              <a:t>운영체제의 의하여 관리되는 </a:t>
+            </a:r>
+            <a:r>
+              <a:rPr lang="ko-KR" altLang="en-US" dirty="0" err="1"/>
+              <a:t>자료구조로써</a:t>
+            </a:r>
+            <a:r>
+              <a:rPr lang="en-US" altLang="ko-KR" dirty="0"/>
+              <a:t>, </a:t>
+            </a:r>
+            <a:r>
+              <a:rPr lang="ko-KR" altLang="en-US" dirty="0"/>
+              <a:t>프로그램을 시작하는데 필요한 데이터 및 컨텍스트 정보</a:t>
+            </a:r>
+            <a:r>
+              <a:rPr lang="en-US" altLang="ko-KR" dirty="0"/>
+              <a:t>(</a:t>
+            </a:r>
+            <a:r>
+              <a:rPr lang="ko-KR" altLang="en-US" dirty="0"/>
+              <a:t>레지스터 정보</a:t>
+            </a:r>
+            <a:r>
+              <a:rPr lang="en-US" altLang="ko-KR" dirty="0"/>
+              <a:t>, PC(program counter) </a:t>
+            </a:r>
+            <a:r>
+              <a:rPr lang="ko-KR" altLang="en-US" dirty="0"/>
+              <a:t>등이 저장된다</a:t>
+            </a:r>
+            <a:r>
+              <a:rPr lang="en-US" altLang="ko-KR" dirty="0"/>
+              <a:t>.</a:t>
+            </a:r>
+          </a:p>
+          <a:p>
+            <a:endParaRPr lang="ko-KR" altLang="en-US" dirty="0"/>
+          </a:p>
+        </p:txBody>
+      </p:sp>
+    </p:spTree>
+    <p:extLst>
+      <p:ext uri="{BB962C8B-B14F-4D97-AF65-F5344CB8AC3E}">
+        <p14:creationId xmlns:p14="http://schemas.microsoft.com/office/powerpoint/2010/main" val="180191437"/>
+      </p:ext>
+    </p:extLst>
+  </p:cSld>
+  <p:clrMapOvr>
+    <a:masterClrMapping/>
+  </p:clrMapOvr>
+</p:sld>
+</file>
+
+<file path=ppt/slides/slide6.xml><?xml version="1.0" encoding="utf-8"?>
+<p:sld xmlns:a="http://schemas.openxmlformats.org/drawingml/2006/main" xmlns:r="http://schemas.openxmlformats.org/officeDocument/2006/relationships" xmlns:p="http://schemas.openxmlformats.org/presentationml/2006/main">
+  <p:cSld>
+    <p:spTree>
+      <p:nvGrpSpPr>
+        <p:cNvPr id="1" name=""/>
+        <p:cNvGrpSpPr/>
+        <p:nvPr/>
+      </p:nvGrpSpPr>
+      <p:grpSpPr>
+        <a:xfrm>
+          <a:off x="0" y="0"/>
+          <a:ext cx="0" cy="0"/>
+          <a:chOff x="0" y="0"/>
+          <a:chExt cx="0" cy="0"/>
+        </a:xfrm>
+      </p:grpSpPr>
+      <p:sp>
+        <p:nvSpPr>
+          <p:cNvPr id="2" name="Title 1">
+            <a:extLst>
+              <a:ext uri="{FF2B5EF4-FFF2-40B4-BE49-F238E27FC236}">
+                <a16:creationId xmlns:a16="http://schemas.microsoft.com/office/drawing/2014/main" id="{53FC0ACE-AF1E-DA6B-03B6-A3DD86308D7F}"/>
+              </a:ext>
+            </a:extLst>
+          </p:cNvPr>
+          <p:cNvSpPr>
+            <a:spLocks noGrp="1"/>
+          </p:cNvSpPr>
+          <p:nvPr>
+            <p:ph type="title"/>
+          </p:nvPr>
+        </p:nvSpPr>
+        <p:spPr/>
+        <p:txBody>
+          <a:bodyPr/>
+          <a:lstStyle/>
+          <a:p>
+            <a:r>
               <a:rPr lang="en-GB" dirty="0"/>
-              <a:t>PCB</a:t>
+              <a:t>PCB(Process Control Block)</a:t>
             </a:r>
           </a:p>
         </p:txBody>
@@ -6787,7 +11534,7 @@
         </p:blipFill>
         <p:spPr bwMode="auto">
           <a:xfrm>
-            <a:off x="3296426" y="1825625"/>
+            <a:off x="3020006" y="1980744"/>
             <a:ext cx="5599148" cy="4351338"/>
           </a:xfrm>
           <a:prstGeom prst="rect">
@@ -6818,195 +11565,6 @@
 </p:sld>
 </file>
 
-<file path=ppt/slides/slide6.xml><?xml version="1.0" encoding="utf-8"?>
-<p:sld xmlns:a="http://schemas.openxmlformats.org/drawingml/2006/main" xmlns:r="http://schemas.openxmlformats.org/officeDocument/2006/relationships" xmlns:p="http://schemas.openxmlformats.org/presentationml/2006/main">
-  <p:cSld>
-    <p:spTree>
-      <p:nvGrpSpPr>
-        <p:cNvPr id="1" name=""/>
-        <p:cNvGrpSpPr/>
-        <p:nvPr/>
-      </p:nvGrpSpPr>
-      <p:grpSpPr>
-        <a:xfrm>
-          <a:off x="0" y="0"/>
-          <a:ext cx="0" cy="0"/>
-          <a:chOff x="0" y="0"/>
-          <a:chExt cx="0" cy="0"/>
-        </a:xfrm>
-      </p:grpSpPr>
-      <p:sp>
-        <p:nvSpPr>
-          <p:cNvPr id="2" name="제목 1">
-            <a:extLst>
-              <a:ext uri="{FF2B5EF4-FFF2-40B4-BE49-F238E27FC236}">
-                <a16:creationId xmlns:a16="http://schemas.microsoft.com/office/drawing/2014/main" id="{930AC132-B5BF-4228-BA51-9DA608A2E83E}"/>
-              </a:ext>
-            </a:extLst>
-          </p:cNvPr>
-          <p:cNvSpPr>
-            <a:spLocks noGrp="1"/>
-          </p:cNvSpPr>
-          <p:nvPr>
-            <p:ph type="title"/>
-          </p:nvPr>
-        </p:nvSpPr>
-        <p:spPr/>
-        <p:txBody>
-          <a:bodyPr/>
-          <a:lstStyle/>
-          <a:p>
-            <a:r>
-              <a:rPr lang="en-US" altLang="ko-KR" dirty="0"/>
-              <a:t>Multi</a:t>
-            </a:r>
-            <a:r>
-              <a:rPr lang="ko-KR" altLang="en-US" dirty="0"/>
-              <a:t> </a:t>
-            </a:r>
-            <a:r>
-              <a:rPr lang="en-US" altLang="ko-KR" dirty="0"/>
-              <a:t>Programing?</a:t>
-            </a:r>
-            <a:endParaRPr lang="ko-KR" altLang="en-US" dirty="0"/>
-          </a:p>
-        </p:txBody>
-      </p:sp>
-      <p:sp>
-        <p:nvSpPr>
-          <p:cNvPr id="3" name="내용 개체 틀 2">
-            <a:extLst>
-              <a:ext uri="{FF2B5EF4-FFF2-40B4-BE49-F238E27FC236}">
-                <a16:creationId xmlns:a16="http://schemas.microsoft.com/office/drawing/2014/main" id="{0AC606A2-26E5-4B49-B359-513BD9C9D54D}"/>
-              </a:ext>
-            </a:extLst>
-          </p:cNvPr>
-          <p:cNvSpPr>
-            <a:spLocks noGrp="1"/>
-          </p:cNvSpPr>
-          <p:nvPr>
-            <p:ph idx="1"/>
-          </p:nvPr>
-        </p:nvSpPr>
-        <p:spPr/>
-        <p:txBody>
-          <a:bodyPr/>
-          <a:lstStyle/>
-          <a:p>
-            <a:r>
-              <a:rPr lang="ko-KR" altLang="en-US" dirty="0"/>
-              <a:t>여러 프로세스가 메모리에 동시에 상주할 수 있으며</a:t>
-            </a:r>
-            <a:r>
-              <a:rPr lang="en-US" altLang="ko-KR" dirty="0"/>
-              <a:t>, </a:t>
-            </a:r>
-            <a:r>
-              <a:rPr lang="ko-KR" altLang="en-US" dirty="0"/>
-              <a:t>이 경우</a:t>
-            </a:r>
-            <a:r>
-              <a:rPr lang="en-US" altLang="ko-KR" dirty="0"/>
-              <a:t>, </a:t>
-            </a:r>
-            <a:r>
-              <a:rPr lang="ko-KR" altLang="en-US" dirty="0"/>
-              <a:t>운영체제는 미리 정의된 알고리즘에 의하여 프로세스를 선택하고</a:t>
-            </a:r>
-            <a:r>
-              <a:rPr lang="en-US" altLang="ko-KR" dirty="0"/>
-              <a:t>, CPU</a:t>
-            </a:r>
-            <a:r>
-              <a:rPr lang="ko-KR" altLang="en-US" dirty="0"/>
-              <a:t>를 할당한다</a:t>
-            </a:r>
-            <a:endParaRPr lang="en-US" altLang="ko-KR" dirty="0"/>
-          </a:p>
-          <a:p>
-            <a:r>
-              <a:rPr lang="ko-KR" altLang="en-US" dirty="0"/>
-              <a:t>코어를 하나만 가진 </a:t>
-            </a:r>
-            <a:r>
-              <a:rPr lang="en-US" altLang="ko-KR" dirty="0"/>
-              <a:t>CPU</a:t>
-            </a:r>
-            <a:r>
-              <a:rPr lang="ko-KR" altLang="en-US" dirty="0"/>
-              <a:t>는 한 순간 하나의 프로세스만 실행할 수 있다</a:t>
-            </a:r>
-            <a:r>
-              <a:rPr lang="en-US" altLang="ko-KR" dirty="0"/>
-              <a:t>.</a:t>
-            </a:r>
-          </a:p>
-          <a:p>
-            <a:r>
-              <a:rPr lang="ko-KR" altLang="en-US" dirty="0"/>
-              <a:t>그렇기 때문에</a:t>
-            </a:r>
-            <a:r>
-              <a:rPr lang="en-US" altLang="ko-KR" dirty="0"/>
-              <a:t>, </a:t>
-            </a:r>
-            <a:r>
-              <a:rPr lang="ko-KR" altLang="en-US" dirty="0"/>
-              <a:t>운영체제는 </a:t>
-            </a:r>
-            <a:r>
-              <a:rPr lang="en-US" altLang="ko-KR" dirty="0"/>
-              <a:t>Process Scheduling</a:t>
-            </a:r>
-            <a:r>
-              <a:rPr lang="ko-KR" altLang="en-US" dirty="0"/>
-              <a:t>을 통하여</a:t>
-            </a:r>
-            <a:r>
-              <a:rPr lang="en-US" altLang="ko-KR" dirty="0"/>
-              <a:t>, </a:t>
-            </a:r>
-            <a:r>
-              <a:rPr lang="ko-KR" altLang="en-US" dirty="0"/>
-              <a:t>가능한 </a:t>
-            </a:r>
-            <a:r>
-              <a:rPr lang="en-US" altLang="ko-KR" dirty="0"/>
-              <a:t>‘</a:t>
-            </a:r>
-            <a:r>
-              <a:rPr lang="ko-KR" altLang="en-US" dirty="0"/>
-              <a:t>공평하게</a:t>
-            </a:r>
-            <a:r>
-              <a:rPr lang="en-US" altLang="ko-KR" dirty="0"/>
-              <a:t>’ CPU</a:t>
-            </a:r>
-            <a:r>
-              <a:rPr lang="ko-KR" altLang="en-US" dirty="0"/>
-              <a:t>를 프로세스에게 할당한다</a:t>
-            </a:r>
-            <a:r>
-              <a:rPr lang="en-US" altLang="ko-KR" dirty="0"/>
-              <a:t>.</a:t>
-            </a:r>
-            <a:endParaRPr lang="ko-KR" altLang="en-US" dirty="0"/>
-          </a:p>
-        </p:txBody>
-      </p:sp>
-    </p:spTree>
-    <p:extLst>
-      <p:ext uri="{BB962C8B-B14F-4D97-AF65-F5344CB8AC3E}">
-        <p14:creationId xmlns:p14="http://schemas.microsoft.com/office/powerpoint/2010/main" val="3422673919"/>
-      </p:ext>
-    </p:extLst>
-  </p:cSld>
-  <p:clrMapOvr>
-    <a:masterClrMapping/>
-  </p:clrMapOvr>
-</p:sld>
-</file>
-
 <file path=ppt/slides/slide7.xml><?xml version="1.0" encoding="utf-8"?>
 <p:sld xmlns:a="http://schemas.openxmlformats.org/drawingml/2006/main" xmlns:r="http://schemas.openxmlformats.org/officeDocument/2006/relationships" xmlns:p="http://schemas.openxmlformats.org/presentationml/2006/main">
   <p:cSld>
@@ -7026,104 +11584,598 @@
       </p:grpSpPr>
       <p:sp>
         <p:nvSpPr>
-          <p:cNvPr id="2" name="제목 1">
-            <a:extLst>
-              <a:ext uri="{FF2B5EF4-FFF2-40B4-BE49-F238E27FC236}">
-                <a16:creationId xmlns:a16="http://schemas.microsoft.com/office/drawing/2014/main" id="{53795E64-9051-47C0-B27C-DF228487EC32}"/>
-              </a:ext>
-            </a:extLst>
-          </p:cNvPr>
-          <p:cNvSpPr>
-            <a:spLocks noGrp="1"/>
-          </p:cNvSpPr>
-          <p:nvPr>
-            <p:ph type="title"/>
-          </p:nvPr>
-        </p:nvSpPr>
-        <p:spPr/>
-        <p:txBody>
-          <a:bodyPr/>
-          <a:lstStyle/>
-          <a:p>
-            <a:r>
-              <a:rPr lang="en-US" altLang="ko-KR" dirty="0"/>
-              <a:t>CPU Scheduling</a:t>
-            </a:r>
-            <a:endParaRPr lang="ko-KR" altLang="en-US" dirty="0"/>
-          </a:p>
-        </p:txBody>
-      </p:sp>
-      <p:sp>
-        <p:nvSpPr>
-          <p:cNvPr id="3" name="내용 개체 틀 2">
-            <a:extLst>
-              <a:ext uri="{FF2B5EF4-FFF2-40B4-BE49-F238E27FC236}">
-                <a16:creationId xmlns:a16="http://schemas.microsoft.com/office/drawing/2014/main" id="{6AD1FD8B-3774-4A25-A90F-E2138C5883F5}"/>
-              </a:ext>
-            </a:extLst>
-          </p:cNvPr>
-          <p:cNvSpPr>
-            <a:spLocks noGrp="1"/>
-          </p:cNvSpPr>
-          <p:nvPr>
-            <p:ph idx="1"/>
-          </p:nvPr>
-        </p:nvSpPr>
-        <p:spPr/>
-        <p:txBody>
-          <a:bodyPr>
-            <a:normAutofit fontScale="92500" lnSpcReduction="10000"/>
+          <p:cNvPr id="4" name="Rectangle 3">
+            <a:extLst>
+              <a:ext uri="{FF2B5EF4-FFF2-40B4-BE49-F238E27FC236}">
+                <a16:creationId xmlns:a16="http://schemas.microsoft.com/office/drawing/2014/main" id="{320BFB02-BE37-5813-38B8-829472EEE429}"/>
+              </a:ext>
+            </a:extLst>
+          </p:cNvPr>
+          <p:cNvSpPr/>
+          <p:nvPr/>
+        </p:nvSpPr>
+        <p:spPr>
+          <a:xfrm>
+            <a:off x="1475015" y="3113499"/>
+            <a:ext cx="2286000" cy="3028950"/>
+          </a:xfrm>
+          <a:prstGeom prst="rect">
+            <a:avLst/>
+          </a:prstGeom>
+        </p:spPr>
+        <p:style>
+          <a:lnRef idx="2">
+            <a:schemeClr val="accent1">
+              <a:shade val="15000"/>
+            </a:schemeClr>
+          </a:lnRef>
+          <a:fillRef idx="1">
+            <a:schemeClr val="accent1"/>
+          </a:fillRef>
+          <a:effectRef idx="0">
+            <a:schemeClr val="accent1"/>
+          </a:effectRef>
+          <a:fontRef idx="minor">
+            <a:schemeClr val="lt1"/>
+          </a:fontRef>
+        </p:style>
+        <p:txBody>
+          <a:bodyPr rtlCol="0" anchor="ctr"/>
+          <a:lstStyle/>
+          <a:p>
+            <a:pPr algn="ctr"/>
+            <a:endParaRPr lang="en-GB"/>
+          </a:p>
+        </p:txBody>
+      </p:sp>
+      <p:sp>
+        <p:nvSpPr>
+          <p:cNvPr id="5" name="Rectangle 4">
+            <a:extLst>
+              <a:ext uri="{FF2B5EF4-FFF2-40B4-BE49-F238E27FC236}">
+                <a16:creationId xmlns:a16="http://schemas.microsoft.com/office/drawing/2014/main" id="{CD651B5D-B228-010B-E517-8A3652B92B1B}"/>
+              </a:ext>
+            </a:extLst>
+          </p:cNvPr>
+          <p:cNvSpPr/>
+          <p:nvPr/>
+        </p:nvSpPr>
+        <p:spPr>
+          <a:xfrm>
+            <a:off x="4465863" y="3132890"/>
+            <a:ext cx="2286000" cy="3028950"/>
+          </a:xfrm>
+          <a:prstGeom prst="rect">
+            <a:avLst/>
+          </a:prstGeom>
+        </p:spPr>
+        <p:style>
+          <a:lnRef idx="2">
+            <a:schemeClr val="accent1">
+              <a:shade val="15000"/>
+            </a:schemeClr>
+          </a:lnRef>
+          <a:fillRef idx="1">
+            <a:schemeClr val="accent1"/>
+          </a:fillRef>
+          <a:effectRef idx="0">
+            <a:schemeClr val="accent1"/>
+          </a:effectRef>
+          <a:fontRef idx="minor">
+            <a:schemeClr val="lt1"/>
+          </a:fontRef>
+        </p:style>
+        <p:txBody>
+          <a:bodyPr rtlCol="0" anchor="ctr"/>
+          <a:lstStyle/>
+          <a:p>
+            <a:pPr algn="ctr"/>
+            <a:endParaRPr lang="en-GB"/>
+          </a:p>
+        </p:txBody>
+      </p:sp>
+      <p:sp>
+        <p:nvSpPr>
+          <p:cNvPr id="6" name="Rectangle 5">
+            <a:extLst>
+              <a:ext uri="{FF2B5EF4-FFF2-40B4-BE49-F238E27FC236}">
+                <a16:creationId xmlns:a16="http://schemas.microsoft.com/office/drawing/2014/main" id="{C086A17B-EAD5-BA37-C99E-734BA5DFDF1C}"/>
+              </a:ext>
+            </a:extLst>
+          </p:cNvPr>
+          <p:cNvSpPr/>
+          <p:nvPr/>
+        </p:nvSpPr>
+        <p:spPr>
+          <a:xfrm>
+            <a:off x="7402286" y="3113499"/>
+            <a:ext cx="2286000" cy="3028950"/>
+          </a:xfrm>
+          <a:prstGeom prst="rect">
+            <a:avLst/>
+          </a:prstGeom>
+        </p:spPr>
+        <p:style>
+          <a:lnRef idx="2">
+            <a:schemeClr val="accent1">
+              <a:shade val="15000"/>
+            </a:schemeClr>
+          </a:lnRef>
+          <a:fillRef idx="1">
+            <a:schemeClr val="accent1"/>
+          </a:fillRef>
+          <a:effectRef idx="0">
+            <a:schemeClr val="accent1"/>
+          </a:effectRef>
+          <a:fontRef idx="minor">
+            <a:schemeClr val="lt1"/>
+          </a:fontRef>
+        </p:style>
+        <p:txBody>
+          <a:bodyPr rtlCol="0" anchor="ctr"/>
+          <a:lstStyle/>
+          <a:p>
+            <a:pPr algn="ctr"/>
+            <a:endParaRPr lang="en-GB"/>
+          </a:p>
+        </p:txBody>
+      </p:sp>
+      <p:pic>
+        <p:nvPicPr>
+          <p:cNvPr id="9" name="Picture 8">
+            <a:extLst>
+              <a:ext uri="{FF2B5EF4-FFF2-40B4-BE49-F238E27FC236}">
+                <a16:creationId xmlns:a16="http://schemas.microsoft.com/office/drawing/2014/main" id="{3692A8E6-8CD2-70DF-68A0-EAF75DF2D32D}"/>
+              </a:ext>
+            </a:extLst>
+          </p:cNvPr>
+          <p:cNvPicPr>
+            <a:picLocks noChangeAspect="1"/>
+          </p:cNvPicPr>
+          <p:nvPr/>
+        </p:nvPicPr>
+        <p:blipFill>
+          <a:blip r:embed="rId2"/>
+          <a:stretch>
+            <a:fillRect/>
+          </a:stretch>
+        </p:blipFill>
+        <p:spPr>
+          <a:xfrm>
+            <a:off x="1595520" y="3155145"/>
+            <a:ext cx="2044989" cy="1655308"/>
+          </a:xfrm>
+          <a:prstGeom prst="rect">
+            <a:avLst/>
+          </a:prstGeom>
+        </p:spPr>
+      </p:pic>
+      <p:pic>
+        <p:nvPicPr>
+          <p:cNvPr id="10" name="Picture 9">
+            <a:extLst>
+              <a:ext uri="{FF2B5EF4-FFF2-40B4-BE49-F238E27FC236}">
+                <a16:creationId xmlns:a16="http://schemas.microsoft.com/office/drawing/2014/main" id="{F8CC3349-F56C-C485-A7DE-6A6DE730ABA6}"/>
+              </a:ext>
+            </a:extLst>
+          </p:cNvPr>
+          <p:cNvPicPr>
+            <a:picLocks noChangeAspect="1"/>
+          </p:cNvPicPr>
+          <p:nvPr/>
+        </p:nvPicPr>
+        <p:blipFill>
+          <a:blip r:embed="rId2"/>
+          <a:stretch>
+            <a:fillRect/>
+          </a:stretch>
+        </p:blipFill>
+        <p:spPr>
+          <a:xfrm>
+            <a:off x="4586368" y="3189646"/>
+            <a:ext cx="2044989" cy="1655308"/>
+          </a:xfrm>
+          <a:prstGeom prst="rect">
+            <a:avLst/>
+          </a:prstGeom>
+        </p:spPr>
+      </p:pic>
+      <p:pic>
+        <p:nvPicPr>
+          <p:cNvPr id="11" name="Picture 10">
+            <a:extLst>
+              <a:ext uri="{FF2B5EF4-FFF2-40B4-BE49-F238E27FC236}">
+                <a16:creationId xmlns:a16="http://schemas.microsoft.com/office/drawing/2014/main" id="{49D567E8-020B-F44A-DEB0-0B3C7D3008E9}"/>
+              </a:ext>
+            </a:extLst>
+          </p:cNvPr>
+          <p:cNvPicPr>
+            <a:picLocks noChangeAspect="1"/>
+          </p:cNvPicPr>
+          <p:nvPr/>
+        </p:nvPicPr>
+        <p:blipFill>
+          <a:blip r:embed="rId2"/>
+          <a:stretch>
+            <a:fillRect/>
+          </a:stretch>
+        </p:blipFill>
+        <p:spPr>
+          <a:xfrm>
+            <a:off x="7550004" y="3189646"/>
+            <a:ext cx="2044989" cy="1655308"/>
+          </a:xfrm>
+          <a:prstGeom prst="rect">
+            <a:avLst/>
+          </a:prstGeom>
+        </p:spPr>
+      </p:pic>
+      <p:sp>
+        <p:nvSpPr>
+          <p:cNvPr id="12" name="Rectangle 11">
+            <a:extLst>
+              <a:ext uri="{FF2B5EF4-FFF2-40B4-BE49-F238E27FC236}">
+                <a16:creationId xmlns:a16="http://schemas.microsoft.com/office/drawing/2014/main" id="{A745D3E7-DA87-0C0B-FFA9-056D5EAE5EF6}"/>
+              </a:ext>
+            </a:extLst>
+          </p:cNvPr>
+          <p:cNvSpPr/>
+          <p:nvPr/>
+        </p:nvSpPr>
+        <p:spPr>
+          <a:xfrm>
+            <a:off x="3726993" y="2223197"/>
+            <a:ext cx="2471058" cy="1094015"/>
+          </a:xfrm>
+          <a:prstGeom prst="rect">
+            <a:avLst/>
+          </a:prstGeom>
+          <a:solidFill>
+            <a:srgbClr val="FF0000"/>
+          </a:solidFill>
+        </p:spPr>
+        <p:style>
+          <a:lnRef idx="2">
+            <a:schemeClr val="accent1">
+              <a:shade val="15000"/>
+            </a:schemeClr>
+          </a:lnRef>
+          <a:fillRef idx="1">
+            <a:schemeClr val="accent1"/>
+          </a:fillRef>
+          <a:effectRef idx="0">
+            <a:schemeClr val="accent1"/>
+          </a:effectRef>
+          <a:fontRef idx="minor">
+            <a:schemeClr val="lt1"/>
+          </a:fontRef>
+        </p:style>
+        <p:txBody>
+          <a:bodyPr rtlCol="0" anchor="ctr"/>
+          <a:lstStyle/>
+          <a:p>
+            <a:pPr algn="ctr"/>
+            <a:r>
+              <a:rPr lang="en-GB" dirty="0"/>
+              <a:t>CPU</a:t>
+            </a:r>
+          </a:p>
+        </p:txBody>
+      </p:sp>
+      <p:sp>
+        <p:nvSpPr>
+          <p:cNvPr id="13" name="Rectangle 12">
+            <a:extLst>
+              <a:ext uri="{FF2B5EF4-FFF2-40B4-BE49-F238E27FC236}">
+                <a16:creationId xmlns:a16="http://schemas.microsoft.com/office/drawing/2014/main" id="{00717AFE-6CAE-2984-731D-2163F08830A5}"/>
+              </a:ext>
+            </a:extLst>
+          </p:cNvPr>
+          <p:cNvSpPr/>
+          <p:nvPr/>
+        </p:nvSpPr>
+        <p:spPr>
+          <a:xfrm>
+            <a:off x="2212521" y="1600200"/>
+            <a:ext cx="6858000" cy="579664"/>
+          </a:xfrm>
+          <a:prstGeom prst="rect">
+            <a:avLst/>
+          </a:prstGeom>
+        </p:spPr>
+        <p:style>
+          <a:lnRef idx="2">
+            <a:schemeClr val="accent1">
+              <a:shade val="15000"/>
+            </a:schemeClr>
+          </a:lnRef>
+          <a:fillRef idx="1">
+            <a:schemeClr val="accent1"/>
+          </a:fillRef>
+          <a:effectRef idx="0">
+            <a:schemeClr val="accent1"/>
+          </a:effectRef>
+          <a:fontRef idx="minor">
+            <a:schemeClr val="lt1"/>
+          </a:fontRef>
+        </p:style>
+        <p:txBody>
+          <a:bodyPr rtlCol="0" anchor="ctr"/>
+          <a:lstStyle/>
+          <a:p>
+            <a:pPr algn="ctr"/>
+            <a:r>
+              <a:rPr lang="en-GB" dirty="0"/>
+              <a:t>OS</a:t>
+            </a:r>
+          </a:p>
+        </p:txBody>
+      </p:sp>
+      <p:sp>
+        <p:nvSpPr>
+          <p:cNvPr id="14" name="TextBox 13">
+            <a:extLst>
+              <a:ext uri="{FF2B5EF4-FFF2-40B4-BE49-F238E27FC236}">
+                <a16:creationId xmlns:a16="http://schemas.microsoft.com/office/drawing/2014/main" id="{134557B7-0994-061D-A6E3-5C03CD25882B}"/>
+              </a:ext>
+            </a:extLst>
+          </p:cNvPr>
+          <p:cNvSpPr txBox="1"/>
+          <p:nvPr/>
+        </p:nvSpPr>
+        <p:spPr>
+          <a:xfrm>
+            <a:off x="2085810" y="5037545"/>
+            <a:ext cx="1567543" cy="369332"/>
+          </a:xfrm>
+          <a:prstGeom prst="rect">
+            <a:avLst/>
+          </a:prstGeom>
+          <a:noFill/>
+        </p:spPr>
+        <p:txBody>
+          <a:bodyPr wrap="square" rtlCol="0">
+            <a:spAutoFit/>
           </a:bodyPr>
           <a:lstStyle/>
           <a:p>
             <a:r>
-              <a:rPr lang="en-US" altLang="ko-KR" dirty="0"/>
-              <a:t>Scheduling of processes/work is done to finish the work on time</a:t>
-            </a:r>
-          </a:p>
-          <a:p>
-            <a:r>
-              <a:rPr lang="en-US" altLang="ko-KR" b="1" dirty="0"/>
-              <a:t>CPU Scheduling</a:t>
-            </a:r>
-            <a:r>
-              <a:rPr lang="en-US" altLang="ko-KR" dirty="0"/>
-              <a:t> is a process that allows one process to use the CPU while another process is delayed (in standby) due to unavailability of any resources such as I / O </a:t>
-            </a:r>
-            <a:r>
-              <a:rPr lang="en-US" altLang="ko-KR" dirty="0" err="1"/>
-              <a:t>etc</a:t>
-            </a:r>
-            <a:r>
-              <a:rPr lang="en-US" altLang="ko-KR" dirty="0"/>
-              <a:t>, thus making full use of the CPU</a:t>
-            </a:r>
-          </a:p>
-          <a:p>
-            <a:r>
-              <a:rPr lang="en-US" altLang="ko-KR" dirty="0"/>
-              <a:t>The purpose of CPU Scheduling is to make the system more efficient, faster, and fairer.</a:t>
-            </a:r>
-          </a:p>
-          <a:p>
-            <a:r>
-              <a:rPr lang="en-US" altLang="ko-KR" dirty="0"/>
-              <a:t>It decides which task (or process) the CPU should work on at any given time</a:t>
-            </a:r>
-          </a:p>
-          <a:p>
-            <a:r>
-              <a:rPr lang="en-US" altLang="ko-KR" dirty="0"/>
-              <a:t>This is important because a CPU can only handle one task at a time, but there are usually many tasks that need to be processed</a:t>
-            </a:r>
-            <a:endParaRPr lang="ko-KR" altLang="en-US" dirty="0"/>
+              <a:rPr lang="en-GB" dirty="0"/>
+              <a:t>PC : </a:t>
+            </a:r>
+          </a:p>
+        </p:txBody>
+      </p:sp>
+      <p:sp>
+        <p:nvSpPr>
+          <p:cNvPr id="15" name="TextBox 14">
+            <a:extLst>
+              <a:ext uri="{FF2B5EF4-FFF2-40B4-BE49-F238E27FC236}">
+                <a16:creationId xmlns:a16="http://schemas.microsoft.com/office/drawing/2014/main" id="{155C3F6C-1761-FCEC-FE6D-DCDCFB8A4718}"/>
+              </a:ext>
+            </a:extLst>
+          </p:cNvPr>
+          <p:cNvSpPr txBox="1"/>
+          <p:nvPr/>
+        </p:nvSpPr>
+        <p:spPr>
+          <a:xfrm>
+            <a:off x="5184320" y="5006201"/>
+            <a:ext cx="1567543" cy="369332"/>
+          </a:xfrm>
+          <a:prstGeom prst="rect">
+            <a:avLst/>
+          </a:prstGeom>
+          <a:noFill/>
+        </p:spPr>
+        <p:txBody>
+          <a:bodyPr wrap="square" rtlCol="0">
+            <a:spAutoFit/>
+          </a:bodyPr>
+          <a:lstStyle/>
+          <a:p>
+            <a:r>
+              <a:rPr lang="en-GB" dirty="0"/>
+              <a:t>PC : 3</a:t>
+            </a:r>
+          </a:p>
+        </p:txBody>
+      </p:sp>
+      <p:sp>
+        <p:nvSpPr>
+          <p:cNvPr id="16" name="TextBox 15">
+            <a:extLst>
+              <a:ext uri="{FF2B5EF4-FFF2-40B4-BE49-F238E27FC236}">
+                <a16:creationId xmlns:a16="http://schemas.microsoft.com/office/drawing/2014/main" id="{E93A272C-84DA-34F3-6081-7115916EB3EA}"/>
+              </a:ext>
+            </a:extLst>
+          </p:cNvPr>
+          <p:cNvSpPr txBox="1"/>
+          <p:nvPr/>
+        </p:nvSpPr>
+        <p:spPr>
+          <a:xfrm>
+            <a:off x="8120743" y="5037837"/>
+            <a:ext cx="1567543" cy="369332"/>
+          </a:xfrm>
+          <a:prstGeom prst="rect">
+            <a:avLst/>
+          </a:prstGeom>
+          <a:noFill/>
+        </p:spPr>
+        <p:txBody>
+          <a:bodyPr wrap="square" rtlCol="0">
+            <a:spAutoFit/>
+          </a:bodyPr>
+          <a:lstStyle/>
+          <a:p>
+            <a:r>
+              <a:rPr lang="en-GB" dirty="0"/>
+              <a:t>PC : 7</a:t>
+            </a:r>
+          </a:p>
+        </p:txBody>
+      </p:sp>
+      <p:sp>
+        <p:nvSpPr>
+          <p:cNvPr id="17" name="Rectangle 16">
+            <a:extLst>
+              <a:ext uri="{FF2B5EF4-FFF2-40B4-BE49-F238E27FC236}">
+                <a16:creationId xmlns:a16="http://schemas.microsoft.com/office/drawing/2014/main" id="{B7CBF999-AF55-8BE4-C7BD-FAC1067154AE}"/>
+              </a:ext>
+            </a:extLst>
+          </p:cNvPr>
+          <p:cNvSpPr/>
+          <p:nvPr/>
+        </p:nvSpPr>
+        <p:spPr>
+          <a:xfrm>
+            <a:off x="1110342" y="2651040"/>
+            <a:ext cx="9282792" cy="3953868"/>
+          </a:xfrm>
+          <a:prstGeom prst="rect">
+            <a:avLst/>
+          </a:prstGeom>
+          <a:noFill/>
+          <a:ln>
+            <a:solidFill>
+              <a:srgbClr val="FF0000"/>
+            </a:solidFill>
+          </a:ln>
+        </p:spPr>
+        <p:style>
+          <a:lnRef idx="2">
+            <a:schemeClr val="accent1">
+              <a:shade val="15000"/>
+            </a:schemeClr>
+          </a:lnRef>
+          <a:fillRef idx="1">
+            <a:schemeClr val="accent1"/>
+          </a:fillRef>
+          <a:effectRef idx="0">
+            <a:schemeClr val="accent1"/>
+          </a:effectRef>
+          <a:fontRef idx="minor">
+            <a:schemeClr val="lt1"/>
+          </a:fontRef>
+        </p:style>
+        <p:txBody>
+          <a:bodyPr rtlCol="0" anchor="ctr"/>
+          <a:lstStyle/>
+          <a:p>
+            <a:pPr algn="ctr"/>
+            <a:endParaRPr lang="en-GB" dirty="0"/>
+          </a:p>
+        </p:txBody>
+      </p:sp>
+      <p:sp>
+        <p:nvSpPr>
+          <p:cNvPr id="18" name="Rectangle 17">
+            <a:extLst>
+              <a:ext uri="{FF2B5EF4-FFF2-40B4-BE49-F238E27FC236}">
+                <a16:creationId xmlns:a16="http://schemas.microsoft.com/office/drawing/2014/main" id="{62794B55-F22A-908C-6140-A8D8345A8208}"/>
+              </a:ext>
+            </a:extLst>
+          </p:cNvPr>
+          <p:cNvSpPr/>
+          <p:nvPr/>
+        </p:nvSpPr>
+        <p:spPr>
+          <a:xfrm>
+            <a:off x="379640" y="2179864"/>
+            <a:ext cx="2471058" cy="1094015"/>
+          </a:xfrm>
+          <a:prstGeom prst="rect">
+            <a:avLst/>
+          </a:prstGeom>
+          <a:solidFill>
+            <a:srgbClr val="FF0000"/>
+          </a:solidFill>
+        </p:spPr>
+        <p:style>
+          <a:lnRef idx="2">
+            <a:schemeClr val="accent1">
+              <a:shade val="15000"/>
+            </a:schemeClr>
+          </a:lnRef>
+          <a:fillRef idx="1">
+            <a:schemeClr val="accent1"/>
+          </a:fillRef>
+          <a:effectRef idx="0">
+            <a:schemeClr val="accent1"/>
+          </a:effectRef>
+          <a:fontRef idx="minor">
+            <a:schemeClr val="lt1"/>
+          </a:fontRef>
+        </p:style>
+        <p:txBody>
+          <a:bodyPr rtlCol="0" anchor="ctr"/>
+          <a:lstStyle/>
+          <a:p>
+            <a:pPr algn="ctr"/>
+            <a:r>
+              <a:rPr lang="en-GB" dirty="0"/>
+              <a:t>CPU</a:t>
+            </a:r>
+          </a:p>
+        </p:txBody>
+      </p:sp>
+      <p:sp>
+        <p:nvSpPr>
+          <p:cNvPr id="19" name="Rectangle 18">
+            <a:extLst>
+              <a:ext uri="{FF2B5EF4-FFF2-40B4-BE49-F238E27FC236}">
+                <a16:creationId xmlns:a16="http://schemas.microsoft.com/office/drawing/2014/main" id="{D29CBF9D-0FA9-0E04-82DB-76E8835EF474}"/>
+              </a:ext>
+            </a:extLst>
+          </p:cNvPr>
+          <p:cNvSpPr/>
+          <p:nvPr/>
+        </p:nvSpPr>
+        <p:spPr>
+          <a:xfrm>
+            <a:off x="7011759" y="2281604"/>
+            <a:ext cx="2471058" cy="1094015"/>
+          </a:xfrm>
+          <a:prstGeom prst="rect">
+            <a:avLst/>
+          </a:prstGeom>
+          <a:solidFill>
+            <a:srgbClr val="FF0000"/>
+          </a:solidFill>
+        </p:spPr>
+        <p:style>
+          <a:lnRef idx="2">
+            <a:schemeClr val="accent1">
+              <a:shade val="15000"/>
+            </a:schemeClr>
+          </a:lnRef>
+          <a:fillRef idx="1">
+            <a:schemeClr val="accent1"/>
+          </a:fillRef>
+          <a:effectRef idx="0">
+            <a:schemeClr val="accent1"/>
+          </a:effectRef>
+          <a:fontRef idx="minor">
+            <a:schemeClr val="lt1"/>
+          </a:fontRef>
+        </p:style>
+        <p:txBody>
+          <a:bodyPr rtlCol="0" anchor="ctr"/>
+          <a:lstStyle/>
+          <a:p>
+            <a:pPr algn="ctr"/>
+            <a:r>
+              <a:rPr lang="en-GB" dirty="0"/>
+              <a:t>CPU</a:t>
+            </a:r>
           </a:p>
         </p:txBody>
       </p:sp>
     </p:spTree>
     <p:extLst>
       <p:ext uri="{BB962C8B-B14F-4D97-AF65-F5344CB8AC3E}">
-        <p14:creationId xmlns:p14="http://schemas.microsoft.com/office/powerpoint/2010/main" val="1305266122"/>
+        <p14:creationId xmlns:p14="http://schemas.microsoft.com/office/powerpoint/2010/main" val="1828691240"/>
       </p:ext>
     </p:extLst>
   </p:cSld>
@@ -7155,7 +12207,7 @@
           <p:cNvPr id="2" name="제목 1">
             <a:extLst>
               <a:ext uri="{FF2B5EF4-FFF2-40B4-BE49-F238E27FC236}">
-                <a16:creationId xmlns:a16="http://schemas.microsoft.com/office/drawing/2014/main" id="{530E2627-FE64-4115-9736-769365B5334B}"/>
+                <a16:creationId xmlns:a16="http://schemas.microsoft.com/office/drawing/2014/main" id="{930AC132-B5BF-4228-BA51-9DA608A2E83E}"/>
               </a:ext>
             </a:extLst>
           </p:cNvPr>
@@ -7173,7 +12225,15 @@
           <a:p>
             <a:r>
               <a:rPr lang="en-US" altLang="ko-KR" dirty="0"/>
-              <a:t>CPU Scheduling related issues</a:t>
+              <a:t>Multi</a:t>
+            </a:r>
+            <a:r>
+              <a:rPr lang="ko-KR" altLang="en-US" dirty="0"/>
+              <a:t> </a:t>
+            </a:r>
+            <a:r>
+              <a:rPr lang="en-US" altLang="ko-KR" dirty="0"/>
+              <a:t>Programing?</a:t>
             </a:r>
             <a:endParaRPr lang="ko-KR" altLang="en-US" dirty="0"/>
           </a:p>
@@ -7184,7 +12244,7 @@
           <p:cNvPr id="3" name="내용 개체 틀 2">
             <a:extLst>
               <a:ext uri="{FF2B5EF4-FFF2-40B4-BE49-F238E27FC236}">
-                <a16:creationId xmlns:a16="http://schemas.microsoft.com/office/drawing/2014/main" id="{F2EC200E-3423-49B1-83DA-7B17FF6EEF3B}"/>
+                <a16:creationId xmlns:a16="http://schemas.microsoft.com/office/drawing/2014/main" id="{0AC606A2-26E5-4B49-B359-513BD9C9D54D}"/>
               </a:ext>
             </a:extLst>
           </p:cNvPr>
@@ -7201,22 +12261,101 @@
           <a:lstStyle/>
           <a:p>
             <a:r>
-              <a:rPr lang="en-US" altLang="ko-KR" dirty="0"/>
-              <a:t>Context Switching</a:t>
-            </a:r>
-          </a:p>
-          <a:p>
-            <a:r>
-              <a:rPr lang="en-US" altLang="ko-KR" dirty="0"/>
-              <a:t>Priority(</a:t>
-            </a:r>
-            <a:r>
-              <a:rPr lang="ko-KR" altLang="en-US" dirty="0"/>
-              <a:t>우선순위</a:t>
-            </a:r>
-            <a:r>
-              <a:rPr lang="en-US" altLang="ko-KR" dirty="0"/>
-              <a:t>)</a:t>
+              <a:rPr lang="ko-KR" altLang="en-US" dirty="0"/>
+              <a:t>여러 프로세스가 메모리에 동시에 상주할 수 있으며</a:t>
+            </a:r>
+            <a:r>
+              <a:rPr lang="en-US" altLang="ko-KR" dirty="0"/>
+              <a:t>, </a:t>
+            </a:r>
+            <a:r>
+              <a:rPr lang="ko-KR" altLang="en-US" dirty="0"/>
+              <a:t>이 경우</a:t>
+            </a:r>
+            <a:r>
+              <a:rPr lang="en-US" altLang="ko-KR" dirty="0"/>
+              <a:t>, </a:t>
+            </a:r>
+            <a:r>
+              <a:rPr lang="ko-KR" altLang="en-US" dirty="0"/>
+              <a:t>운영체제는 미리 정의된 알고리즘에 의하여 프로세스를 선택하고</a:t>
+            </a:r>
+            <a:r>
+              <a:rPr lang="en-US" altLang="ko-KR" dirty="0"/>
+              <a:t>, CPU</a:t>
+            </a:r>
+            <a:r>
+              <a:rPr lang="ko-KR" altLang="en-US" dirty="0"/>
+              <a:t>를 할당한다</a:t>
+            </a:r>
+            <a:endParaRPr lang="en-US" altLang="ko-KR" dirty="0"/>
+          </a:p>
+          <a:p>
+            <a:r>
+              <a:rPr lang="ko-KR" altLang="en-US" dirty="0"/>
+              <a:t>코어를 하나만 가진 </a:t>
+            </a:r>
+            <a:r>
+              <a:rPr lang="en-US" altLang="ko-KR" dirty="0"/>
+              <a:t>CPU</a:t>
+            </a:r>
+            <a:r>
+              <a:rPr lang="ko-KR" altLang="en-US" dirty="0"/>
+              <a:t>는 한 순간 하나의 프로세스만 실행할 수 있다</a:t>
+            </a:r>
+            <a:r>
+              <a:rPr lang="en-US" altLang="ko-KR" dirty="0"/>
+              <a:t>.</a:t>
+            </a:r>
+          </a:p>
+          <a:p>
+            <a:r>
+              <a:rPr lang="ko-KR" altLang="en-US" dirty="0"/>
+              <a:t>그렇기 때문에</a:t>
+            </a:r>
+            <a:r>
+              <a:rPr lang="en-US" altLang="ko-KR" dirty="0"/>
+              <a:t>, </a:t>
+            </a:r>
+            <a:r>
+              <a:rPr lang="ko-KR" altLang="en-US" dirty="0"/>
+              <a:t>운영체제는 </a:t>
+            </a:r>
+            <a:r>
+              <a:rPr lang="en-US" altLang="ko-KR" dirty="0"/>
+              <a:t>Process Scheduling</a:t>
+            </a:r>
+            <a:r>
+              <a:rPr lang="ko-KR" altLang="en-US" dirty="0"/>
+              <a:t>을 통하여</a:t>
+            </a:r>
+            <a:r>
+              <a:rPr lang="en-US" altLang="ko-KR" dirty="0"/>
+              <a:t>, </a:t>
+            </a:r>
+            <a:r>
+              <a:rPr lang="ko-KR" altLang="en-US" dirty="0"/>
+              <a:t>가능한 </a:t>
+            </a:r>
+            <a:r>
+              <a:rPr lang="en-US" altLang="ko-KR" dirty="0"/>
+              <a:t>‘</a:t>
+            </a:r>
+            <a:r>
+              <a:rPr lang="ko-KR" altLang="en-US" dirty="0"/>
+              <a:t>공평하게</a:t>
+            </a:r>
+            <a:r>
+              <a:rPr lang="en-US" altLang="ko-KR" dirty="0"/>
+              <a:t>’ CPU</a:t>
+            </a:r>
+            <a:r>
+              <a:rPr lang="ko-KR" altLang="en-US" dirty="0"/>
+              <a:t>를 프로세스에게 할당한다</a:t>
+            </a:r>
+            <a:r>
+              <a:rPr lang="en-US" altLang="ko-KR" dirty="0"/>
+              <a:t>.</a:t>
             </a:r>
             <a:endParaRPr lang="ko-KR" altLang="en-US" dirty="0"/>
           </a:p>
@@ -7225,7 +12364,7 @@
     </p:spTree>
     <p:extLst>
       <p:ext uri="{BB962C8B-B14F-4D97-AF65-F5344CB8AC3E}">
-        <p14:creationId xmlns:p14="http://schemas.microsoft.com/office/powerpoint/2010/main" val="2796532021"/>
+        <p14:creationId xmlns:p14="http://schemas.microsoft.com/office/powerpoint/2010/main" val="3422673919"/>
       </p:ext>
     </p:extLst>
   </p:cSld>
@@ -7257,7 +12396,7 @@
           <p:cNvPr id="2" name="제목 1">
             <a:extLst>
               <a:ext uri="{FF2B5EF4-FFF2-40B4-BE49-F238E27FC236}">
-                <a16:creationId xmlns:a16="http://schemas.microsoft.com/office/drawing/2014/main" id="{8F202E2F-484E-4753-B3EB-5E3B03D1C8FC}"/>
+                <a16:creationId xmlns:a16="http://schemas.microsoft.com/office/drawing/2014/main" id="{53795E64-9051-47C0-B27C-DF228487EC32}"/>
               </a:ext>
             </a:extLst>
           </p:cNvPr>
@@ -7275,76 +12414,83 @@
           <a:p>
             <a:r>
               <a:rPr lang="en-US" altLang="ko-KR" dirty="0"/>
-              <a:t>CPU</a:t>
-            </a:r>
-            <a:r>
-              <a:rPr lang="ko-KR" altLang="en-US" dirty="0"/>
-              <a:t> </a:t>
-            </a:r>
-            <a:r>
-              <a:rPr lang="en-US" altLang="ko-KR" dirty="0"/>
-              <a:t>Scheduling</a:t>
-            </a:r>
-            <a:r>
-              <a:rPr lang="ko-KR" altLang="en-US" dirty="0"/>
-              <a:t> 종류</a:t>
-            </a:r>
-          </a:p>
-        </p:txBody>
-      </p:sp>
-      <p:pic>
-        <p:nvPicPr>
-          <p:cNvPr id="2050" name="Picture 2" descr="Different types of CPU Scheduling Algorithms">
-            <a:extLst>
-              <a:ext uri="{FF2B5EF4-FFF2-40B4-BE49-F238E27FC236}">
-                <a16:creationId xmlns:a16="http://schemas.microsoft.com/office/drawing/2014/main" id="{99B8737A-EC8B-42C4-A0D7-6C2C9FF4C25D}"/>
-              </a:ext>
-            </a:extLst>
-          </p:cNvPr>
-          <p:cNvPicPr>
-            <a:picLocks noGrp="1" noChangeAspect="1" noChangeArrowheads="1"/>
-          </p:cNvPicPr>
+              <a:t>CPU Scheduling</a:t>
+            </a:r>
+            <a:endParaRPr lang="ko-KR" altLang="en-US" dirty="0"/>
+          </a:p>
+        </p:txBody>
+      </p:sp>
+      <p:sp>
+        <p:nvSpPr>
+          <p:cNvPr id="3" name="내용 개체 틀 2">
+            <a:extLst>
+              <a:ext uri="{FF2B5EF4-FFF2-40B4-BE49-F238E27FC236}">
+                <a16:creationId xmlns:a16="http://schemas.microsoft.com/office/drawing/2014/main" id="{6AD1FD8B-3774-4A25-A90F-E2138C5883F5}"/>
+              </a:ext>
+            </a:extLst>
+          </p:cNvPr>
+          <p:cNvSpPr>
+            <a:spLocks noGrp="1"/>
+          </p:cNvSpPr>
           <p:nvPr>
             <p:ph idx="1"/>
           </p:nvPr>
-        </p:nvPicPr>
-        <p:blipFill>
-          <a:blip r:embed="rId2">
-            <a:extLst>
-              <a:ext uri="{28A0092B-C50C-407E-A947-70E740481C1C}">
-                <a14:useLocalDpi xmlns:a14="http://schemas.microsoft.com/office/drawing/2010/main" val="0"/>
-              </a:ext>
-            </a:extLst>
-          </a:blip>
-          <a:srcRect/>
-          <a:stretch>
-            <a:fillRect/>
-          </a:stretch>
-        </p:blipFill>
-        <p:spPr bwMode="auto">
-          <a:xfrm>
-            <a:off x="2043074" y="1825625"/>
-            <a:ext cx="7955023" cy="4351338"/>
-          </a:xfrm>
-          <a:prstGeom prst="rect">
-            <a:avLst/>
-          </a:prstGeom>
-          <a:noFill/>
-          <a:extLst>
-            <a:ext uri="{909E8E84-426E-40DD-AFC4-6F175D3DCCD1}">
-              <a14:hiddenFill xmlns:a14="http://schemas.microsoft.com/office/drawing/2010/main">
-                <a:solidFill>
-                  <a:srgbClr val="FFFFFF"/>
-                </a:solidFill>
-              </a14:hiddenFill>
-            </a:ext>
-          </a:extLst>
-        </p:spPr>
-      </p:pic>
+        </p:nvSpPr>
+        <p:spPr/>
+        <p:txBody>
+          <a:bodyPr>
+            <a:normAutofit fontScale="92500" lnSpcReduction="10000"/>
+          </a:bodyPr>
+          <a:lstStyle/>
+          <a:p>
+            <a:r>
+              <a:rPr lang="en-US" altLang="ko-KR" dirty="0"/>
+              <a:t>Scheduling of processes/work is done to finish the work on time</a:t>
+            </a:r>
+          </a:p>
+          <a:p>
+            <a:r>
+              <a:rPr lang="en-US" altLang="ko-KR" b="1" dirty="0"/>
+              <a:t>CPU Scheduling</a:t>
+            </a:r>
+            <a:r>
+              <a:rPr lang="en-US" altLang="ko-KR" dirty="0"/>
+              <a:t> is a process that allows one process to use the CPU while another process is delayed (in standby) due to unavailability of any resources such as I / O </a:t>
+            </a:r>
+            <a:r>
+              <a:rPr lang="en-US" altLang="ko-KR" dirty="0" err="1"/>
+              <a:t>etc</a:t>
+            </a:r>
+            <a:r>
+              <a:rPr lang="en-US" altLang="ko-KR" dirty="0"/>
+              <a:t>, thus making full use of the CPU</a:t>
+            </a:r>
+          </a:p>
+          <a:p>
+            <a:r>
+              <a:rPr lang="en-US" altLang="ko-KR" dirty="0"/>
+              <a:t>The purpose of CPU Scheduling is to make the system more efficient, faster, and fairer.</a:t>
+            </a:r>
+          </a:p>
+          <a:p>
+            <a:r>
+              <a:rPr lang="en-US" altLang="ko-KR" dirty="0"/>
+              <a:t>It decides which task (or process) the CPU should work on at any given time</a:t>
+            </a:r>
+          </a:p>
+          <a:p>
+            <a:r>
+              <a:rPr lang="en-US" altLang="ko-KR" dirty="0"/>
+              <a:t>This is important because a CPU can only handle one task at a time, but there are usually many tasks that need to be processed</a:t>
+            </a:r>
+            <a:endParaRPr lang="ko-KR" altLang="en-US" dirty="0"/>
+          </a:p>
+        </p:txBody>
+      </p:sp>
     </p:spTree>
     <p:extLst>
       <p:ext uri="{BB962C8B-B14F-4D97-AF65-F5344CB8AC3E}">
-        <p14:creationId xmlns:p14="http://schemas.microsoft.com/office/powerpoint/2010/main" val="1054027736"/>
+        <p14:creationId xmlns:p14="http://schemas.microsoft.com/office/powerpoint/2010/main" val="1305266122"/>
       </p:ext>
     </p:extLst>
   </p:cSld>

--- a/hy/수업자료/6주차 멀티쓰레딩/Multi Threading.pptx
+++ b/hy/수업자료/6주차 멀티쓰레딩/Multi Threading.pptx
@@ -5,7 +5,7 @@
     <p:sldMasterId id="2147483648" r:id="rId1"/>
   </p:sldMasterIdLst>
   <p:notesMasterIdLst>
-    <p:notesMasterId r:id="rId37"/>
+    <p:notesMasterId r:id="rId38"/>
   </p:notesMasterIdLst>
   <p:sldIdLst>
     <p:sldId id="256" r:id="rId2"/>
@@ -43,6 +43,7 @@
     <p:sldId id="287" r:id="rId34"/>
     <p:sldId id="289" r:id="rId35"/>
     <p:sldId id="290" r:id="rId36"/>
+    <p:sldId id="291" r:id="rId37"/>
   </p:sldIdLst>
   <p:sldSz cx="12192000" cy="6858000"/>
   <p:notesSz cx="6858000" cy="9144000"/>
@@ -11219,6 +11220,250 @@
     <p:extLst>
       <p:ext uri="{BB962C8B-B14F-4D97-AF65-F5344CB8AC3E}">
         <p14:creationId xmlns:p14="http://schemas.microsoft.com/office/powerpoint/2010/main" val="4276223151"/>
+      </p:ext>
+    </p:extLst>
+  </p:cSld>
+  <p:clrMapOvr>
+    <a:masterClrMapping/>
+  </p:clrMapOvr>
+</p:sld>
+</file>
+
+<file path=ppt/slides/slide36.xml><?xml version="1.0" encoding="utf-8"?>
+<p:sld xmlns:a="http://schemas.openxmlformats.org/drawingml/2006/main" xmlns:r="http://schemas.openxmlformats.org/officeDocument/2006/relationships" xmlns:p="http://schemas.openxmlformats.org/presentationml/2006/main">
+  <p:cSld>
+    <p:spTree>
+      <p:nvGrpSpPr>
+        <p:cNvPr id="1" name=""/>
+        <p:cNvGrpSpPr/>
+        <p:nvPr/>
+      </p:nvGrpSpPr>
+      <p:grpSpPr>
+        <a:xfrm>
+          <a:off x="0" y="0"/>
+          <a:ext cx="0" cy="0"/>
+          <a:chOff x="0" y="0"/>
+          <a:chExt cx="0" cy="0"/>
+        </a:xfrm>
+      </p:grpSpPr>
+      <p:sp>
+        <p:nvSpPr>
+          <p:cNvPr id="2" name="Title 1">
+            <a:extLst>
+              <a:ext uri="{FF2B5EF4-FFF2-40B4-BE49-F238E27FC236}">
+                <a16:creationId xmlns:a16="http://schemas.microsoft.com/office/drawing/2014/main" id="{DF427876-5722-A372-F81B-2C4B9BEBDC23}"/>
+              </a:ext>
+            </a:extLst>
+          </p:cNvPr>
+          <p:cNvSpPr>
+            <a:spLocks noGrp="1"/>
+          </p:cNvSpPr>
+          <p:nvPr>
+            <p:ph type="title"/>
+          </p:nvPr>
+        </p:nvSpPr>
+        <p:spPr/>
+        <p:txBody>
+          <a:bodyPr/>
+          <a:lstStyle/>
+          <a:p>
+            <a:r>
+              <a:rPr lang="ko-KR" altLang="en-US" dirty="0"/>
+              <a:t>동기화 기법 </a:t>
+            </a:r>
+            <a:r>
+              <a:rPr lang="en-US" altLang="ko-KR" dirty="0"/>
+              <a:t>3 : </a:t>
+            </a:r>
+            <a:r>
+              <a:rPr lang="ko-KR" altLang="en-US" dirty="0"/>
+              <a:t>위임</a:t>
+            </a:r>
+            <a:endParaRPr lang="en-GB" dirty="0"/>
+          </a:p>
+        </p:txBody>
+      </p:sp>
+      <p:sp>
+        <p:nvSpPr>
+          <p:cNvPr id="3" name="Content Placeholder 2">
+            <a:extLst>
+              <a:ext uri="{FF2B5EF4-FFF2-40B4-BE49-F238E27FC236}">
+                <a16:creationId xmlns:a16="http://schemas.microsoft.com/office/drawing/2014/main" id="{A094B9A6-626C-C035-25B7-D12B14451FBD}"/>
+              </a:ext>
+            </a:extLst>
+          </p:cNvPr>
+          <p:cNvSpPr>
+            <a:spLocks noGrp="1"/>
+          </p:cNvSpPr>
+          <p:nvPr>
+            <p:ph idx="1"/>
+          </p:nvPr>
+        </p:nvSpPr>
+        <p:spPr/>
+        <p:txBody>
+          <a:bodyPr/>
+          <a:lstStyle/>
+          <a:p>
+            <a:r>
+              <a:rPr lang="en-GB" dirty="0"/>
+              <a:t>Volatile </a:t>
+            </a:r>
+            <a:r>
+              <a:rPr lang="ko-KR" altLang="en-US" dirty="0"/>
+              <a:t>키워드 등으로는 동기화가 부족한 경우</a:t>
+            </a:r>
+            <a:r>
+              <a:rPr lang="en-US" altLang="ko-KR" dirty="0"/>
+              <a:t>, synchronized </a:t>
+            </a:r>
+            <a:r>
+              <a:rPr lang="ko-KR" altLang="en-US" dirty="0"/>
+              <a:t>같은 키워드를 이용하여</a:t>
+            </a:r>
+            <a:r>
+              <a:rPr lang="en-US" altLang="ko-KR" dirty="0"/>
+              <a:t>, </a:t>
+            </a:r>
+            <a:r>
+              <a:rPr lang="ko-KR" altLang="en-US" dirty="0"/>
+              <a:t>명시적으로 임계구역을 설정하여 동기화를 맞춰줄 수 있음</a:t>
+            </a:r>
+            <a:r>
+              <a:rPr lang="en-US" altLang="ko-KR" dirty="0"/>
+              <a:t>.</a:t>
+            </a:r>
+          </a:p>
+          <a:p>
+            <a:r>
+              <a:rPr lang="ko-KR" altLang="en-US" dirty="0"/>
+              <a:t>하지만</a:t>
+            </a:r>
+            <a:r>
+              <a:rPr lang="en-US" altLang="ko-KR" dirty="0"/>
+              <a:t>, </a:t>
+            </a:r>
+            <a:r>
+              <a:rPr lang="ko-KR" altLang="en-US" dirty="0"/>
+              <a:t>제대로 사용하지 못하면</a:t>
+            </a:r>
+            <a:r>
+              <a:rPr lang="en-US" altLang="ko-KR" dirty="0"/>
+              <a:t>, </a:t>
+            </a:r>
+            <a:r>
+              <a:rPr lang="ko-KR" altLang="en-US" dirty="0"/>
+              <a:t>어플리케이션의 병렬 처리 정도를 낮추어 성능이 떨어질 수 있고</a:t>
+            </a:r>
+            <a:r>
+              <a:rPr lang="en-US" altLang="ko-KR" dirty="0"/>
+              <a:t>, </a:t>
+            </a:r>
+            <a:r>
+              <a:rPr lang="ko-KR" altLang="en-US" dirty="0"/>
+              <a:t>심한 경우 데드락 등의 활동성에 문제가 발생할 수 있음</a:t>
+            </a:r>
+            <a:r>
+              <a:rPr lang="en-US" altLang="ko-KR" dirty="0"/>
+              <a:t>.</a:t>
+            </a:r>
+          </a:p>
+          <a:p>
+            <a:r>
+              <a:rPr lang="ko-KR" altLang="en-US" dirty="0"/>
+              <a:t>이때</a:t>
+            </a:r>
+            <a:r>
+              <a:rPr lang="en-US" altLang="ko-KR" dirty="0"/>
+              <a:t>, </a:t>
+            </a:r>
+            <a:r>
+              <a:rPr lang="ko-KR" altLang="en-US" dirty="0"/>
+              <a:t>객체의 상태를 올바르게 유지하기 위하여</a:t>
+            </a:r>
+            <a:r>
+              <a:rPr lang="en-US" altLang="ko-KR" dirty="0"/>
+              <a:t>, </a:t>
+            </a:r>
+            <a:r>
+              <a:rPr lang="ko-KR" altLang="en-US" dirty="0"/>
+              <a:t>이미 내부적으로 동기화가 되어 있는 클래스를 이용하여</a:t>
+            </a:r>
+            <a:r>
+              <a:rPr lang="en-US" altLang="ko-KR" dirty="0"/>
+              <a:t>, </a:t>
+            </a:r>
+            <a:r>
+              <a:rPr lang="ko-KR" altLang="en-US" dirty="0"/>
+              <a:t>명시적인 락의 사용 없이도</a:t>
+            </a:r>
+            <a:r>
+              <a:rPr lang="en-US" altLang="ko-KR" dirty="0"/>
+              <a:t>, </a:t>
+            </a:r>
+            <a:r>
+              <a:rPr lang="ko-KR" altLang="en-US" dirty="0"/>
+              <a:t>동기화를 수행할 수 있음</a:t>
+            </a:r>
+            <a:r>
+              <a:rPr lang="en-US" altLang="ko-KR" dirty="0"/>
+              <a:t>.</a:t>
+            </a:r>
+          </a:p>
+          <a:p>
+            <a:r>
+              <a:rPr lang="en-GB" dirty="0"/>
+              <a:t>Ex) </a:t>
+            </a:r>
+            <a:r>
+              <a:rPr kumimoji="0" lang="ko-KR" altLang="ko-KR" sz="2800" b="0" i="0" u="none" strike="noStrike" cap="none" normalizeH="0" baseline="0" dirty="0">
+                <a:ln>
+                  <a:noFill/>
+                </a:ln>
+                <a:solidFill>
+                  <a:srgbClr val="BCBEC4"/>
+                </a:solidFill>
+                <a:effectLst/>
+                <a:latin typeface="Arial Unicode MS"/>
+                <a:ea typeface="JetBrains Mono"/>
+              </a:rPr>
+              <a:t>LowPerformanceCache</a:t>
+            </a:r>
+            <a:r>
+              <a:rPr kumimoji="0" lang="en-US" altLang="ko-KR" sz="2800" b="0" i="0" u="none" strike="noStrike" cap="none" normalizeH="0" baseline="0" dirty="0">
+                <a:ln>
+                  <a:noFill/>
+                </a:ln>
+                <a:solidFill>
+                  <a:srgbClr val="BCBEC4"/>
+                </a:solidFill>
+                <a:effectLst/>
+                <a:latin typeface="Arial Unicode MS"/>
+                <a:ea typeface="JetBrains Mono"/>
+              </a:rPr>
+              <a:t>, </a:t>
+            </a:r>
+            <a:r>
+              <a:rPr kumimoji="0" lang="en-US" altLang="ko-KR" sz="2800" b="0" i="0" u="none" strike="noStrike" cap="none" normalizeH="0" baseline="0" dirty="0" err="1">
+                <a:ln>
+                  <a:noFill/>
+                </a:ln>
+                <a:solidFill>
+                  <a:srgbClr val="BCBEC4"/>
+                </a:solidFill>
+                <a:effectLst/>
+                <a:latin typeface="Arial Unicode MS"/>
+                <a:ea typeface="JetBrains Mono"/>
+              </a:rPr>
+              <a:t>HighPerformanceCache</a:t>
+            </a:r>
+            <a:endParaRPr lang="en-GB" dirty="0"/>
+          </a:p>
+        </p:txBody>
+      </p:sp>
+    </p:spTree>
+    <p:extLst>
+      <p:ext uri="{BB962C8B-B14F-4D97-AF65-F5344CB8AC3E}">
+        <p14:creationId xmlns:p14="http://schemas.microsoft.com/office/powerpoint/2010/main" val="320446766"/>
       </p:ext>
     </p:extLst>
   </p:cSld>

--- a/hy/수업자료/6주차 멀티쓰레딩/Multi Threading.pptx
+++ b/hy/수업자료/6주차 멀티쓰레딩/Multi Threading.pptx
@@ -5,7 +5,7 @@
     <p:sldMasterId id="2147483648" r:id="rId1"/>
   </p:sldMasterIdLst>
   <p:notesMasterIdLst>
-    <p:notesMasterId r:id="rId38"/>
+    <p:notesMasterId r:id="rId39"/>
   </p:notesMasterIdLst>
   <p:sldIdLst>
     <p:sldId id="256" r:id="rId2"/>
@@ -44,6 +44,7 @@
     <p:sldId id="289" r:id="rId35"/>
     <p:sldId id="290" r:id="rId36"/>
     <p:sldId id="291" r:id="rId37"/>
+    <p:sldId id="292" r:id="rId38"/>
   </p:sldIdLst>
   <p:sldSz cx="12192000" cy="6858000"/>
   <p:notesSz cx="6858000" cy="9144000"/>
@@ -11464,6 +11465,102 @@
     <p:extLst>
       <p:ext uri="{BB962C8B-B14F-4D97-AF65-F5344CB8AC3E}">
         <p14:creationId xmlns:p14="http://schemas.microsoft.com/office/powerpoint/2010/main" val="320446766"/>
+      </p:ext>
+    </p:extLst>
+  </p:cSld>
+  <p:clrMapOvr>
+    <a:masterClrMapping/>
+  </p:clrMapOvr>
+</p:sld>
+</file>
+
+<file path=ppt/slides/slide37.xml><?xml version="1.0" encoding="utf-8"?>
+<p:sld xmlns:a="http://schemas.openxmlformats.org/drawingml/2006/main" xmlns:r="http://schemas.openxmlformats.org/officeDocument/2006/relationships" xmlns:p="http://schemas.openxmlformats.org/presentationml/2006/main">
+  <p:cSld>
+    <p:spTree>
+      <p:nvGrpSpPr>
+        <p:cNvPr id="1" name=""/>
+        <p:cNvGrpSpPr/>
+        <p:nvPr/>
+      </p:nvGrpSpPr>
+      <p:grpSpPr>
+        <a:xfrm>
+          <a:off x="0" y="0"/>
+          <a:ext cx="0" cy="0"/>
+          <a:chOff x="0" y="0"/>
+          <a:chExt cx="0" cy="0"/>
+        </a:xfrm>
+      </p:grpSpPr>
+      <p:sp>
+        <p:nvSpPr>
+          <p:cNvPr id="2" name="Title 1">
+            <a:extLst>
+              <a:ext uri="{FF2B5EF4-FFF2-40B4-BE49-F238E27FC236}">
+                <a16:creationId xmlns:a16="http://schemas.microsoft.com/office/drawing/2014/main" id="{BB1C4BDC-228A-D758-2CA6-B2B0ED538B35}"/>
+              </a:ext>
+            </a:extLst>
+          </p:cNvPr>
+          <p:cNvSpPr>
+            <a:spLocks noGrp="1"/>
+          </p:cNvSpPr>
+          <p:nvPr>
+            <p:ph type="title"/>
+          </p:nvPr>
+        </p:nvSpPr>
+        <p:spPr/>
+        <p:txBody>
+          <a:bodyPr/>
+          <a:lstStyle/>
+          <a:p>
+            <a:r>
+              <a:rPr lang="ko-KR" altLang="en-US"/>
+              <a:t>과제</a:t>
+            </a:r>
+            <a:endParaRPr lang="en-GB"/>
+          </a:p>
+        </p:txBody>
+      </p:sp>
+      <p:sp>
+        <p:nvSpPr>
+          <p:cNvPr id="3" name="Content Placeholder 2">
+            <a:extLst>
+              <a:ext uri="{FF2B5EF4-FFF2-40B4-BE49-F238E27FC236}">
+                <a16:creationId xmlns:a16="http://schemas.microsoft.com/office/drawing/2014/main" id="{863BA2BC-81E6-737B-5CD6-79B035B7C464}"/>
+              </a:ext>
+            </a:extLst>
+          </p:cNvPr>
+          <p:cNvSpPr>
+            <a:spLocks noGrp="1"/>
+          </p:cNvSpPr>
+          <p:nvPr>
+            <p:ph idx="1"/>
+          </p:nvPr>
+        </p:nvSpPr>
+        <p:spPr/>
+        <p:txBody>
+          <a:bodyPr/>
+          <a:lstStyle/>
+          <a:p>
+            <a:r>
+              <a:rPr lang="en-GB" dirty="0" err="1"/>
+              <a:t>cas</a:t>
+            </a:r>
+            <a:r>
+              <a:rPr lang="en-GB" dirty="0"/>
+              <a:t> </a:t>
+            </a:r>
+            <a:r>
+              <a:rPr lang="ko-KR" altLang="en-US" dirty="0"/>
+              <a:t>알고리즘 조사</a:t>
+            </a:r>
+            <a:endParaRPr lang="en-GB" dirty="0"/>
+          </a:p>
+        </p:txBody>
+      </p:sp>
+    </p:spTree>
+    <p:extLst>
+      <p:ext uri="{BB962C8B-B14F-4D97-AF65-F5344CB8AC3E}">
+        <p14:creationId xmlns:p14="http://schemas.microsoft.com/office/powerpoint/2010/main" val="176442376"/>
       </p:ext>
     </p:extLst>
   </p:cSld>

--- a/hy/수업자료/6주차 멀티쓰레딩/Multi Threading.pptx
+++ b/hy/수업자료/6주차 멀티쓰레딩/Multi Threading.pptx
@@ -5,7 +5,7 @@
     <p:sldMasterId id="2147483648" r:id="rId1"/>
   </p:sldMasterIdLst>
   <p:notesMasterIdLst>
-    <p:notesMasterId r:id="rId39"/>
+    <p:notesMasterId r:id="rId41"/>
   </p:notesMasterIdLst>
   <p:sldIdLst>
     <p:sldId id="256" r:id="rId2"/>
@@ -36,15 +36,17 @@
     <p:sldId id="275" r:id="rId27"/>
     <p:sldId id="276" r:id="rId28"/>
     <p:sldId id="283" r:id="rId29"/>
-    <p:sldId id="284" r:id="rId30"/>
-    <p:sldId id="285" r:id="rId31"/>
-    <p:sldId id="286" r:id="rId32"/>
-    <p:sldId id="288" r:id="rId33"/>
-    <p:sldId id="287" r:id="rId34"/>
-    <p:sldId id="289" r:id="rId35"/>
-    <p:sldId id="290" r:id="rId36"/>
-    <p:sldId id="291" r:id="rId37"/>
-    <p:sldId id="292" r:id="rId38"/>
+    <p:sldId id="293" r:id="rId30"/>
+    <p:sldId id="284" r:id="rId31"/>
+    <p:sldId id="294" r:id="rId32"/>
+    <p:sldId id="285" r:id="rId33"/>
+    <p:sldId id="286" r:id="rId34"/>
+    <p:sldId id="288" r:id="rId35"/>
+    <p:sldId id="287" r:id="rId36"/>
+    <p:sldId id="289" r:id="rId37"/>
+    <p:sldId id="290" r:id="rId38"/>
+    <p:sldId id="291" r:id="rId39"/>
+    <p:sldId id="292" r:id="rId40"/>
   </p:sldIdLst>
   <p:sldSz cx="12192000" cy="6858000"/>
   <p:notesSz cx="6858000" cy="9144000"/>
@@ -233,7 +235,7 @@
           <a:p>
             <a:fld id="{0B53A3BC-95EC-4D02-B752-F6FC9AD06EDF}" type="datetimeFigureOut">
               <a:rPr lang="ko-KR" altLang="en-US" smtClean="0"/>
-              <a:t>2024-09-24</a:t>
+              <a:t>2024-09-25</a:t>
             </a:fld>
             <a:endParaRPr lang="ko-KR" altLang="en-US"/>
           </a:p>
@@ -991,7 +993,7 @@
           <a:p>
             <a:fld id="{567B9D49-6FAF-4614-8489-C1546A96FEA5}" type="datetimeFigureOut">
               <a:rPr lang="ko-KR" altLang="en-US" smtClean="0"/>
-              <a:t>2024-09-24</a:t>
+              <a:t>2024-09-25</a:t>
             </a:fld>
             <a:endParaRPr lang="ko-KR" altLang="en-US"/>
           </a:p>
@@ -1189,7 +1191,7 @@
           <a:p>
             <a:fld id="{567B9D49-6FAF-4614-8489-C1546A96FEA5}" type="datetimeFigureOut">
               <a:rPr lang="ko-KR" altLang="en-US" smtClean="0"/>
-              <a:t>2024-09-24</a:t>
+              <a:t>2024-09-25</a:t>
             </a:fld>
             <a:endParaRPr lang="ko-KR" altLang="en-US"/>
           </a:p>
@@ -1397,7 +1399,7 @@
           <a:p>
             <a:fld id="{567B9D49-6FAF-4614-8489-C1546A96FEA5}" type="datetimeFigureOut">
               <a:rPr lang="ko-KR" altLang="en-US" smtClean="0"/>
-              <a:t>2024-09-24</a:t>
+              <a:t>2024-09-25</a:t>
             </a:fld>
             <a:endParaRPr lang="ko-KR" altLang="en-US"/>
           </a:p>
@@ -1595,7 +1597,7 @@
           <a:p>
             <a:fld id="{567B9D49-6FAF-4614-8489-C1546A96FEA5}" type="datetimeFigureOut">
               <a:rPr lang="ko-KR" altLang="en-US" smtClean="0"/>
-              <a:t>2024-09-24</a:t>
+              <a:t>2024-09-25</a:t>
             </a:fld>
             <a:endParaRPr lang="ko-KR" altLang="en-US"/>
           </a:p>
@@ -1870,7 +1872,7 @@
           <a:p>
             <a:fld id="{567B9D49-6FAF-4614-8489-C1546A96FEA5}" type="datetimeFigureOut">
               <a:rPr lang="ko-KR" altLang="en-US" smtClean="0"/>
-              <a:t>2024-09-24</a:t>
+              <a:t>2024-09-25</a:t>
             </a:fld>
             <a:endParaRPr lang="ko-KR" altLang="en-US"/>
           </a:p>
@@ -2135,7 +2137,7 @@
           <a:p>
             <a:fld id="{567B9D49-6FAF-4614-8489-C1546A96FEA5}" type="datetimeFigureOut">
               <a:rPr lang="ko-KR" altLang="en-US" smtClean="0"/>
-              <a:t>2024-09-24</a:t>
+              <a:t>2024-09-25</a:t>
             </a:fld>
             <a:endParaRPr lang="ko-KR" altLang="en-US"/>
           </a:p>
@@ -2547,7 +2549,7 @@
           <a:p>
             <a:fld id="{567B9D49-6FAF-4614-8489-C1546A96FEA5}" type="datetimeFigureOut">
               <a:rPr lang="ko-KR" altLang="en-US" smtClean="0"/>
-              <a:t>2024-09-24</a:t>
+              <a:t>2024-09-25</a:t>
             </a:fld>
             <a:endParaRPr lang="ko-KR" altLang="en-US"/>
           </a:p>
@@ -2688,7 +2690,7 @@
           <a:p>
             <a:fld id="{567B9D49-6FAF-4614-8489-C1546A96FEA5}" type="datetimeFigureOut">
               <a:rPr lang="ko-KR" altLang="en-US" smtClean="0"/>
-              <a:t>2024-09-24</a:t>
+              <a:t>2024-09-25</a:t>
             </a:fld>
             <a:endParaRPr lang="ko-KR" altLang="en-US"/>
           </a:p>
@@ -2801,7 +2803,7 @@
           <a:p>
             <a:fld id="{567B9D49-6FAF-4614-8489-C1546A96FEA5}" type="datetimeFigureOut">
               <a:rPr lang="ko-KR" altLang="en-US" smtClean="0"/>
-              <a:t>2024-09-24</a:t>
+              <a:t>2024-09-25</a:t>
             </a:fld>
             <a:endParaRPr lang="ko-KR" altLang="en-US"/>
           </a:p>
@@ -3112,7 +3114,7 @@
           <a:p>
             <a:fld id="{567B9D49-6FAF-4614-8489-C1546A96FEA5}" type="datetimeFigureOut">
               <a:rPr lang="ko-KR" altLang="en-US" smtClean="0"/>
-              <a:t>2024-09-24</a:t>
+              <a:t>2024-09-25</a:t>
             </a:fld>
             <a:endParaRPr lang="ko-KR" altLang="en-US"/>
           </a:p>
@@ -3400,7 +3402,7 @@
           <a:p>
             <a:fld id="{567B9D49-6FAF-4614-8489-C1546A96FEA5}" type="datetimeFigureOut">
               <a:rPr lang="ko-KR" altLang="en-US" smtClean="0"/>
-              <a:t>2024-09-24</a:t>
+              <a:t>2024-09-25</a:t>
             </a:fld>
             <a:endParaRPr lang="ko-KR" altLang="en-US"/>
           </a:p>
@@ -3641,7 +3643,7 @@
           <a:p>
             <a:fld id="{567B9D49-6FAF-4614-8489-C1546A96FEA5}" type="datetimeFigureOut">
               <a:rPr lang="ko-KR" altLang="en-US" smtClean="0"/>
-              <a:t>2024-09-24</a:t>
+              <a:t>2024-09-25</a:t>
             </a:fld>
             <a:endParaRPr lang="ko-KR" altLang="en-US"/>
           </a:p>
@@ -8864,7 +8866,9 @@
         </p:nvSpPr>
         <p:spPr/>
         <p:txBody>
-          <a:bodyPr/>
+          <a:bodyPr>
+            <a:normAutofit lnSpcReduction="10000"/>
+          </a:bodyPr>
           <a:lstStyle/>
           <a:p>
             <a:r>
@@ -9028,6 +9032,26 @@
             </a:r>
           </a:p>
           <a:p>
+            <a:r>
+              <a:rPr lang="en-GB" dirty="0"/>
+              <a:t>Synch Lock, CAS(Compare And Set), </a:t>
+            </a:r>
+            <a:r>
+              <a:rPr lang="ko-KR" altLang="en-US" dirty="0"/>
+              <a:t>공유변수를 불변객체로 사용하여</a:t>
+            </a:r>
+            <a:r>
+              <a:rPr lang="en-US" altLang="ko-KR" dirty="0"/>
+              <a:t>, Read Write Lock, (Lock </a:t>
+            </a:r>
+            <a:r>
+              <a:rPr lang="en-US" altLang="ko-KR" dirty="0" err="1"/>
+              <a:t>splilting</a:t>
+            </a:r>
+            <a:r>
+              <a:rPr lang="en-US" altLang="ko-KR" dirty="0"/>
+              <a:t>, Lock Striping)</a:t>
+            </a:r>
             <a:endParaRPr lang="en-GB" dirty="0"/>
           </a:p>
         </p:txBody>
@@ -9064,82 +9088,10 @@
       </p:grpSpPr>
       <p:sp>
         <p:nvSpPr>
-          <p:cNvPr id="2" name="Title 1">
-            <a:extLst>
-              <a:ext uri="{FF2B5EF4-FFF2-40B4-BE49-F238E27FC236}">
-                <a16:creationId xmlns:a16="http://schemas.microsoft.com/office/drawing/2014/main" id="{52C9A998-485D-FB91-0895-5E9458DFDC3F}"/>
-              </a:ext>
-            </a:extLst>
-          </p:cNvPr>
-          <p:cNvSpPr>
-            <a:spLocks noGrp="1"/>
-          </p:cNvSpPr>
-          <p:nvPr>
-            <p:ph type="title"/>
-          </p:nvPr>
-        </p:nvSpPr>
-        <p:spPr/>
-        <p:txBody>
-          <a:bodyPr/>
-          <a:lstStyle/>
-          <a:p>
-            <a:endParaRPr lang="en-GB" dirty="0"/>
-          </a:p>
-        </p:txBody>
-      </p:sp>
-      <p:sp>
-        <p:nvSpPr>
-          <p:cNvPr id="3" name="Content Placeholder 2">
-            <a:extLst>
-              <a:ext uri="{FF2B5EF4-FFF2-40B4-BE49-F238E27FC236}">
-                <a16:creationId xmlns:a16="http://schemas.microsoft.com/office/drawing/2014/main" id="{3693B2D6-8CAF-DF82-EFEF-FD9E6C76BE22}"/>
-              </a:ext>
-            </a:extLst>
-          </p:cNvPr>
-          <p:cNvSpPr>
-            <a:spLocks noGrp="1"/>
-          </p:cNvSpPr>
-          <p:nvPr>
-            <p:ph idx="1"/>
-          </p:nvPr>
-        </p:nvSpPr>
-        <p:spPr/>
-        <p:txBody>
-          <a:bodyPr/>
-          <a:lstStyle/>
-          <a:p>
-            <a:r>
-              <a:rPr lang="ko-KR" altLang="en-US" dirty="0"/>
-              <a:t>예제 코드 </a:t>
-            </a:r>
-            <a:r>
-              <a:rPr lang="en-US" altLang="ko-KR" dirty="0"/>
-              <a:t>: </a:t>
-            </a:r>
-            <a:r>
-              <a:rPr kumimoji="0" lang="ko-KR" altLang="ko-KR" sz="2800" b="0" i="0" u="none" strike="noStrike" cap="none" normalizeH="0" baseline="0" dirty="0">
-                <a:ln>
-                  <a:noFill/>
-                </a:ln>
-                <a:solidFill>
-                  <a:srgbClr val="BCBEC4"/>
-                </a:solidFill>
-                <a:effectLst/>
-                <a:latin typeface="Arial Unicode MS"/>
-                <a:ea typeface="JetBrains Mono"/>
-              </a:rPr>
-              <a:t>UnVisibleField</a:t>
-            </a:r>
-            <a:endParaRPr lang="en-GB" dirty="0"/>
-          </a:p>
-        </p:txBody>
-      </p:sp>
-      <p:sp>
-        <p:nvSpPr>
           <p:cNvPr id="4" name="TextBox 3">
             <a:extLst>
               <a:ext uri="{FF2B5EF4-FFF2-40B4-BE49-F238E27FC236}">
-                <a16:creationId xmlns:a16="http://schemas.microsoft.com/office/drawing/2014/main" id="{B014BA38-CD13-8FC1-4B04-C37E879ECA77}"/>
+                <a16:creationId xmlns:a16="http://schemas.microsoft.com/office/drawing/2014/main" id="{245A9197-72B7-6108-AC8F-E665CF074391}"/>
               </a:ext>
             </a:extLst>
           </p:cNvPr>
@@ -9148,8 +9100,8 @@
         </p:nvSpPr>
         <p:spPr>
           <a:xfrm>
-            <a:off x="1273629" y="2824843"/>
-            <a:ext cx="9348107" cy="4033157"/>
+            <a:off x="3543300" y="423284"/>
+            <a:ext cx="3673928" cy="369332"/>
           </a:xfrm>
           <a:prstGeom prst="rect">
             <a:avLst/>
@@ -9162,14 +9114,322 @@
           </a:bodyPr>
           <a:lstStyle/>
           <a:p>
-            <a:endParaRPr lang="en-GB" dirty="0"/>
+            <a:r>
+              <a:rPr lang="en-GB" dirty="0"/>
+              <a:t>CPU</a:t>
+            </a:r>
+          </a:p>
+        </p:txBody>
+      </p:sp>
+      <p:sp>
+        <p:nvSpPr>
+          <p:cNvPr id="5" name="Rectangle 4">
+            <a:extLst>
+              <a:ext uri="{FF2B5EF4-FFF2-40B4-BE49-F238E27FC236}">
+                <a16:creationId xmlns:a16="http://schemas.microsoft.com/office/drawing/2014/main" id="{3675BC84-8114-75C1-E010-C25249FB5171}"/>
+              </a:ext>
+            </a:extLst>
+          </p:cNvPr>
+          <p:cNvSpPr/>
+          <p:nvPr/>
+        </p:nvSpPr>
+        <p:spPr>
+          <a:xfrm>
+            <a:off x="6096000" y="277586"/>
+            <a:ext cx="2525486" cy="1126671"/>
+          </a:xfrm>
+          <a:prstGeom prst="rect">
+            <a:avLst/>
+          </a:prstGeom>
+        </p:spPr>
+        <p:style>
+          <a:lnRef idx="2">
+            <a:schemeClr val="accent1">
+              <a:shade val="15000"/>
+            </a:schemeClr>
+          </a:lnRef>
+          <a:fillRef idx="1">
+            <a:schemeClr val="accent1"/>
+          </a:fillRef>
+          <a:effectRef idx="0">
+            <a:schemeClr val="accent1"/>
+          </a:effectRef>
+          <a:fontRef idx="minor">
+            <a:schemeClr val="lt1"/>
+          </a:fontRef>
+        </p:style>
+        <p:txBody>
+          <a:bodyPr rtlCol="0" anchor="ctr"/>
+          <a:lstStyle/>
+          <a:p>
+            <a:pPr algn="ctr"/>
+            <a:r>
+              <a:rPr lang="en-GB" dirty="0"/>
+              <a:t>Register</a:t>
+            </a:r>
+          </a:p>
+        </p:txBody>
+      </p:sp>
+      <p:sp>
+        <p:nvSpPr>
+          <p:cNvPr id="6" name="Rectangle 5">
+            <a:extLst>
+              <a:ext uri="{FF2B5EF4-FFF2-40B4-BE49-F238E27FC236}">
+                <a16:creationId xmlns:a16="http://schemas.microsoft.com/office/drawing/2014/main" id="{F8EB8E4C-3D32-1025-47F1-5F81F6761D96}"/>
+              </a:ext>
+            </a:extLst>
+          </p:cNvPr>
+          <p:cNvSpPr/>
+          <p:nvPr/>
+        </p:nvSpPr>
+        <p:spPr>
+          <a:xfrm>
+            <a:off x="6096000" y="2422071"/>
+            <a:ext cx="2525486" cy="1126671"/>
+          </a:xfrm>
+          <a:prstGeom prst="rect">
+            <a:avLst/>
+          </a:prstGeom>
+        </p:spPr>
+        <p:style>
+          <a:lnRef idx="2">
+            <a:schemeClr val="accent1">
+              <a:shade val="15000"/>
+            </a:schemeClr>
+          </a:lnRef>
+          <a:fillRef idx="1">
+            <a:schemeClr val="accent1"/>
+          </a:fillRef>
+          <a:effectRef idx="0">
+            <a:schemeClr val="accent1"/>
+          </a:effectRef>
+          <a:fontRef idx="minor">
+            <a:schemeClr val="lt1"/>
+          </a:fontRef>
+        </p:style>
+        <p:txBody>
+          <a:bodyPr rtlCol="0" anchor="ctr"/>
+          <a:lstStyle/>
+          <a:p>
+            <a:pPr algn="ctr"/>
+            <a:r>
+              <a:rPr lang="en-GB" dirty="0"/>
+              <a:t>L1 Cache</a:t>
+            </a:r>
+          </a:p>
+        </p:txBody>
+      </p:sp>
+      <p:sp>
+        <p:nvSpPr>
+          <p:cNvPr id="7" name="Rectangle 6">
+            <a:extLst>
+              <a:ext uri="{FF2B5EF4-FFF2-40B4-BE49-F238E27FC236}">
+                <a16:creationId xmlns:a16="http://schemas.microsoft.com/office/drawing/2014/main" id="{EC5B0DC5-5C21-6F1E-11E0-5F8F61E04BF1}"/>
+              </a:ext>
+            </a:extLst>
+          </p:cNvPr>
+          <p:cNvSpPr/>
+          <p:nvPr/>
+        </p:nvSpPr>
+        <p:spPr>
+          <a:xfrm>
+            <a:off x="1415143" y="4974771"/>
+            <a:ext cx="9239250" cy="1126671"/>
+          </a:xfrm>
+          <a:prstGeom prst="rect">
+            <a:avLst/>
+          </a:prstGeom>
+        </p:spPr>
+        <p:style>
+          <a:lnRef idx="2">
+            <a:schemeClr val="accent1">
+              <a:shade val="15000"/>
+            </a:schemeClr>
+          </a:lnRef>
+          <a:fillRef idx="1">
+            <a:schemeClr val="accent1"/>
+          </a:fillRef>
+          <a:effectRef idx="0">
+            <a:schemeClr val="accent1"/>
+          </a:effectRef>
+          <a:fontRef idx="minor">
+            <a:schemeClr val="lt1"/>
+          </a:fontRef>
+        </p:style>
+        <p:txBody>
+          <a:bodyPr rtlCol="0" anchor="ctr"/>
+          <a:lstStyle/>
+          <a:p>
+            <a:pPr algn="ctr"/>
+            <a:r>
+              <a:rPr lang="en-GB" dirty="0"/>
+              <a:t>memory</a:t>
+            </a:r>
+          </a:p>
+        </p:txBody>
+      </p:sp>
+      <p:sp>
+        <p:nvSpPr>
+          <p:cNvPr id="11" name="Star: 6 Points 10">
+            <a:extLst>
+              <a:ext uri="{FF2B5EF4-FFF2-40B4-BE49-F238E27FC236}">
+                <a16:creationId xmlns:a16="http://schemas.microsoft.com/office/drawing/2014/main" id="{153B724A-4AD0-F9A9-BA79-A658374EA9EF}"/>
+              </a:ext>
+            </a:extLst>
+          </p:cNvPr>
+          <p:cNvSpPr/>
+          <p:nvPr/>
+        </p:nvSpPr>
+        <p:spPr>
+          <a:xfrm>
+            <a:off x="5606140" y="840921"/>
+            <a:ext cx="1151166" cy="793297"/>
+          </a:xfrm>
+          <a:prstGeom prst="star6">
+            <a:avLst/>
+          </a:prstGeom>
+          <a:solidFill>
+            <a:srgbClr val="FFC000"/>
+          </a:solidFill>
+        </p:spPr>
+        <p:style>
+          <a:lnRef idx="2">
+            <a:schemeClr val="accent1">
+              <a:shade val="15000"/>
+            </a:schemeClr>
+          </a:lnRef>
+          <a:fillRef idx="1">
+            <a:schemeClr val="accent1"/>
+          </a:fillRef>
+          <a:effectRef idx="0">
+            <a:schemeClr val="accent1"/>
+          </a:effectRef>
+          <a:fontRef idx="minor">
+            <a:schemeClr val="lt1"/>
+          </a:fontRef>
+        </p:style>
+        <p:txBody>
+          <a:bodyPr rtlCol="0" anchor="ctr"/>
+          <a:lstStyle/>
+          <a:p>
+            <a:pPr algn="ctr"/>
+            <a:r>
+              <a:rPr lang="en-GB" b="1" dirty="0">
+                <a:solidFill>
+                  <a:srgbClr val="FF0000"/>
+                </a:solidFill>
+              </a:rPr>
+              <a:t>Flag copy</a:t>
+            </a:r>
+          </a:p>
+        </p:txBody>
+      </p:sp>
+      <p:sp>
+        <p:nvSpPr>
+          <p:cNvPr id="13" name="Arrow: Down 12">
+            <a:extLst>
+              <a:ext uri="{FF2B5EF4-FFF2-40B4-BE49-F238E27FC236}">
+                <a16:creationId xmlns:a16="http://schemas.microsoft.com/office/drawing/2014/main" id="{0875600C-19E9-0223-BCAC-21B8311A34D9}"/>
+              </a:ext>
+            </a:extLst>
+          </p:cNvPr>
+          <p:cNvSpPr/>
+          <p:nvPr/>
+        </p:nvSpPr>
+        <p:spPr>
+          <a:xfrm>
+            <a:off x="1767563" y="3314700"/>
+            <a:ext cx="835481" cy="1826757"/>
+          </a:xfrm>
+          <a:prstGeom prst="downArrow">
+            <a:avLst/>
+          </a:prstGeom>
+        </p:spPr>
+        <p:style>
+          <a:lnRef idx="2">
+            <a:schemeClr val="accent1">
+              <a:shade val="15000"/>
+            </a:schemeClr>
+          </a:lnRef>
+          <a:fillRef idx="1">
+            <a:schemeClr val="accent1"/>
+          </a:fillRef>
+          <a:effectRef idx="0">
+            <a:schemeClr val="accent1"/>
+          </a:effectRef>
+          <a:fontRef idx="minor">
+            <a:schemeClr val="lt1"/>
+          </a:fontRef>
+        </p:style>
+        <p:txBody>
+          <a:bodyPr rtlCol="0" anchor="ctr"/>
+          <a:lstStyle/>
+          <a:p>
+            <a:pPr algn="ctr"/>
+            <a:endParaRPr lang="en-GB"/>
+          </a:p>
+        </p:txBody>
+      </p:sp>
+      <p:sp>
+        <p:nvSpPr>
+          <p:cNvPr id="14" name="Star: 6 Points 13">
+            <a:extLst>
+              <a:ext uri="{FF2B5EF4-FFF2-40B4-BE49-F238E27FC236}">
+                <a16:creationId xmlns:a16="http://schemas.microsoft.com/office/drawing/2014/main" id="{02E80902-D52A-8AAC-5858-7A4A63826ACC}"/>
+              </a:ext>
+            </a:extLst>
+          </p:cNvPr>
+          <p:cNvSpPr/>
+          <p:nvPr/>
+        </p:nvSpPr>
+        <p:spPr>
+          <a:xfrm>
+            <a:off x="1534886" y="5224801"/>
+            <a:ext cx="1151166" cy="793297"/>
+          </a:xfrm>
+          <a:prstGeom prst="star6">
+            <a:avLst/>
+          </a:prstGeom>
+          <a:solidFill>
+            <a:srgbClr val="FFC000"/>
+          </a:solidFill>
+        </p:spPr>
+        <p:style>
+          <a:lnRef idx="2">
+            <a:schemeClr val="accent1">
+              <a:shade val="15000"/>
+            </a:schemeClr>
+          </a:lnRef>
+          <a:fillRef idx="1">
+            <a:schemeClr val="accent1"/>
+          </a:fillRef>
+          <a:effectRef idx="0">
+            <a:schemeClr val="accent1"/>
+          </a:effectRef>
+          <a:fontRef idx="minor">
+            <a:schemeClr val="lt1"/>
+          </a:fontRef>
+        </p:style>
+        <p:txBody>
+          <a:bodyPr rtlCol="0" anchor="ctr"/>
+          <a:lstStyle/>
+          <a:p>
+            <a:pPr algn="ctr"/>
+            <a:r>
+              <a:rPr lang="en-GB" b="1" dirty="0">
+                <a:solidFill>
+                  <a:srgbClr val="FF0000"/>
+                </a:solidFill>
+              </a:rPr>
+              <a:t>flag</a:t>
+            </a:r>
           </a:p>
         </p:txBody>
       </p:sp>
     </p:spTree>
     <p:extLst>
       <p:ext uri="{BB962C8B-B14F-4D97-AF65-F5344CB8AC3E}">
-        <p14:creationId xmlns:p14="http://schemas.microsoft.com/office/powerpoint/2010/main" val="4143204817"/>
+        <p14:creationId xmlns:p14="http://schemas.microsoft.com/office/powerpoint/2010/main" val="1593032919"/>
       </p:ext>
     </p:extLst>
   </p:cSld>
@@ -9415,6 +9675,429 @@
           <p:cNvPr id="2" name="Title 1">
             <a:extLst>
               <a:ext uri="{FF2B5EF4-FFF2-40B4-BE49-F238E27FC236}">
+                <a16:creationId xmlns:a16="http://schemas.microsoft.com/office/drawing/2014/main" id="{52C9A998-485D-FB91-0895-5E9458DFDC3F}"/>
+              </a:ext>
+            </a:extLst>
+          </p:cNvPr>
+          <p:cNvSpPr>
+            <a:spLocks noGrp="1"/>
+          </p:cNvSpPr>
+          <p:nvPr>
+            <p:ph type="title"/>
+          </p:nvPr>
+        </p:nvSpPr>
+        <p:spPr/>
+        <p:txBody>
+          <a:bodyPr/>
+          <a:lstStyle/>
+          <a:p>
+            <a:endParaRPr lang="en-GB" dirty="0"/>
+          </a:p>
+        </p:txBody>
+      </p:sp>
+      <p:sp>
+        <p:nvSpPr>
+          <p:cNvPr id="3" name="Content Placeholder 2">
+            <a:extLst>
+              <a:ext uri="{FF2B5EF4-FFF2-40B4-BE49-F238E27FC236}">
+                <a16:creationId xmlns:a16="http://schemas.microsoft.com/office/drawing/2014/main" id="{3693B2D6-8CAF-DF82-EFEF-FD9E6C76BE22}"/>
+              </a:ext>
+            </a:extLst>
+          </p:cNvPr>
+          <p:cNvSpPr>
+            <a:spLocks noGrp="1"/>
+          </p:cNvSpPr>
+          <p:nvPr>
+            <p:ph idx="1"/>
+          </p:nvPr>
+        </p:nvSpPr>
+        <p:spPr/>
+        <p:txBody>
+          <a:bodyPr/>
+          <a:lstStyle/>
+          <a:p>
+            <a:r>
+              <a:rPr lang="ko-KR" altLang="en-US" dirty="0"/>
+              <a:t>예제 코드 </a:t>
+            </a:r>
+            <a:r>
+              <a:rPr lang="en-US" altLang="ko-KR" dirty="0"/>
+              <a:t>: </a:t>
+            </a:r>
+            <a:r>
+              <a:rPr kumimoji="0" lang="ko-KR" altLang="ko-KR" sz="2800" b="0" i="0" u="none" strike="noStrike" cap="none" normalizeH="0" baseline="0" dirty="0">
+                <a:ln>
+                  <a:noFill/>
+                </a:ln>
+                <a:solidFill>
+                  <a:srgbClr val="BCBEC4"/>
+                </a:solidFill>
+                <a:effectLst/>
+                <a:latin typeface="Arial Unicode MS"/>
+                <a:ea typeface="JetBrains Mono"/>
+              </a:rPr>
+              <a:t>UnVisibleField</a:t>
+            </a:r>
+            <a:endParaRPr lang="en-GB" dirty="0"/>
+          </a:p>
+        </p:txBody>
+      </p:sp>
+      <p:sp>
+        <p:nvSpPr>
+          <p:cNvPr id="4" name="TextBox 3">
+            <a:extLst>
+              <a:ext uri="{FF2B5EF4-FFF2-40B4-BE49-F238E27FC236}">
+                <a16:creationId xmlns:a16="http://schemas.microsoft.com/office/drawing/2014/main" id="{B014BA38-CD13-8FC1-4B04-C37E879ECA77}"/>
+              </a:ext>
+            </a:extLst>
+          </p:cNvPr>
+          <p:cNvSpPr txBox="1"/>
+          <p:nvPr/>
+        </p:nvSpPr>
+        <p:spPr>
+          <a:xfrm>
+            <a:off x="1273629" y="2824843"/>
+            <a:ext cx="9348107" cy="4033157"/>
+          </a:xfrm>
+          <a:prstGeom prst="rect">
+            <a:avLst/>
+          </a:prstGeom>
+          <a:noFill/>
+        </p:spPr>
+        <p:txBody>
+          <a:bodyPr wrap="square" rtlCol="0">
+            <a:spAutoFit/>
+          </a:bodyPr>
+          <a:lstStyle/>
+          <a:p>
+            <a:endParaRPr lang="en-GB" dirty="0"/>
+          </a:p>
+        </p:txBody>
+      </p:sp>
+    </p:spTree>
+    <p:extLst>
+      <p:ext uri="{BB962C8B-B14F-4D97-AF65-F5344CB8AC3E}">
+        <p14:creationId xmlns:p14="http://schemas.microsoft.com/office/powerpoint/2010/main" val="4143204817"/>
+      </p:ext>
+    </p:extLst>
+  </p:cSld>
+  <p:clrMapOvr>
+    <a:masterClrMapping/>
+  </p:clrMapOvr>
+</p:sld>
+</file>
+
+<file path=ppt/slides/slide31.xml><?xml version="1.0" encoding="utf-8"?>
+<p:sld xmlns:a="http://schemas.openxmlformats.org/drawingml/2006/main" xmlns:r="http://schemas.openxmlformats.org/officeDocument/2006/relationships" xmlns:p="http://schemas.openxmlformats.org/presentationml/2006/main">
+  <p:cSld>
+    <p:spTree>
+      <p:nvGrpSpPr>
+        <p:cNvPr id="1" name=""/>
+        <p:cNvGrpSpPr/>
+        <p:nvPr/>
+      </p:nvGrpSpPr>
+      <p:grpSpPr>
+        <a:xfrm>
+          <a:off x="0" y="0"/>
+          <a:ext cx="0" cy="0"/>
+          <a:chOff x="0" y="0"/>
+          <a:chExt cx="0" cy="0"/>
+        </a:xfrm>
+      </p:grpSpPr>
+      <p:sp>
+        <p:nvSpPr>
+          <p:cNvPr id="4" name="Oval 3">
+            <a:extLst>
+              <a:ext uri="{FF2B5EF4-FFF2-40B4-BE49-F238E27FC236}">
+                <a16:creationId xmlns:a16="http://schemas.microsoft.com/office/drawing/2014/main" id="{581A4D10-2125-8EE5-418B-DC5F8CC460F3}"/>
+              </a:ext>
+            </a:extLst>
+          </p:cNvPr>
+          <p:cNvSpPr/>
+          <p:nvPr/>
+        </p:nvSpPr>
+        <p:spPr>
+          <a:xfrm>
+            <a:off x="421822" y="1967592"/>
+            <a:ext cx="2041071" cy="1975757"/>
+          </a:xfrm>
+          <a:prstGeom prst="ellipse">
+            <a:avLst/>
+          </a:prstGeom>
+        </p:spPr>
+        <p:style>
+          <a:lnRef idx="2">
+            <a:schemeClr val="accent1">
+              <a:shade val="15000"/>
+            </a:schemeClr>
+          </a:lnRef>
+          <a:fillRef idx="1">
+            <a:schemeClr val="accent1"/>
+          </a:fillRef>
+          <a:effectRef idx="0">
+            <a:schemeClr val="accent1"/>
+          </a:effectRef>
+          <a:fontRef idx="minor">
+            <a:schemeClr val="lt1"/>
+          </a:fontRef>
+        </p:style>
+        <p:txBody>
+          <a:bodyPr rtlCol="0" anchor="ctr"/>
+          <a:lstStyle/>
+          <a:p>
+            <a:pPr algn="ctr"/>
+            <a:r>
+              <a:rPr lang="ko-KR" altLang="en-US" dirty="0"/>
+              <a:t>계좌</a:t>
+            </a:r>
+            <a:r>
+              <a:rPr lang="en-US" altLang="ko-KR" dirty="0"/>
+              <a:t>A</a:t>
+            </a:r>
+          </a:p>
+          <a:p>
+            <a:pPr algn="ctr"/>
+            <a:r>
+              <a:rPr lang="ko-KR" altLang="en-US" dirty="0"/>
+              <a:t>잔액 </a:t>
+            </a:r>
+            <a:r>
+              <a:rPr lang="en-US" altLang="ko-KR" dirty="0"/>
+              <a:t>0</a:t>
+            </a:r>
+            <a:endParaRPr lang="en-GB" dirty="0"/>
+          </a:p>
+        </p:txBody>
+      </p:sp>
+      <p:cxnSp>
+        <p:nvCxnSpPr>
+          <p:cNvPr id="9" name="Straight Arrow Connector 8">
+            <a:extLst>
+              <a:ext uri="{FF2B5EF4-FFF2-40B4-BE49-F238E27FC236}">
+                <a16:creationId xmlns:a16="http://schemas.microsoft.com/office/drawing/2014/main" id="{A524826E-800D-88AD-D9A0-1DDBE36FD393}"/>
+              </a:ext>
+            </a:extLst>
+          </p:cNvPr>
+          <p:cNvCxnSpPr>
+            <a:cxnSpLocks/>
+          </p:cNvCxnSpPr>
+          <p:nvPr/>
+        </p:nvCxnSpPr>
+        <p:spPr>
+          <a:xfrm>
+            <a:off x="2462893" y="3401785"/>
+            <a:ext cx="6215743" cy="2024741"/>
+          </a:xfrm>
+          <a:prstGeom prst="straightConnector1">
+            <a:avLst/>
+          </a:prstGeom>
+          <a:ln>
+            <a:tailEnd type="triangle"/>
+          </a:ln>
+        </p:spPr>
+        <p:style>
+          <a:lnRef idx="1">
+            <a:schemeClr val="accent1"/>
+          </a:lnRef>
+          <a:fillRef idx="0">
+            <a:schemeClr val="accent1"/>
+          </a:fillRef>
+          <a:effectRef idx="0">
+            <a:schemeClr val="accent1"/>
+          </a:effectRef>
+          <a:fontRef idx="minor">
+            <a:schemeClr val="tx1"/>
+          </a:fontRef>
+        </p:style>
+      </p:cxnSp>
+      <p:sp>
+        <p:nvSpPr>
+          <p:cNvPr id="10" name="Oval 9">
+            <a:extLst>
+              <a:ext uri="{FF2B5EF4-FFF2-40B4-BE49-F238E27FC236}">
+                <a16:creationId xmlns:a16="http://schemas.microsoft.com/office/drawing/2014/main" id="{241F3DCB-4DD9-3EC1-E8D5-EA30E21A04E5}"/>
+              </a:ext>
+            </a:extLst>
+          </p:cNvPr>
+          <p:cNvSpPr/>
+          <p:nvPr/>
+        </p:nvSpPr>
+        <p:spPr>
+          <a:xfrm>
+            <a:off x="8912678" y="4414156"/>
+            <a:ext cx="2041071" cy="1975757"/>
+          </a:xfrm>
+          <a:prstGeom prst="ellipse">
+            <a:avLst/>
+          </a:prstGeom>
+        </p:spPr>
+        <p:style>
+          <a:lnRef idx="2">
+            <a:schemeClr val="accent1">
+              <a:shade val="15000"/>
+            </a:schemeClr>
+          </a:lnRef>
+          <a:fillRef idx="1">
+            <a:schemeClr val="accent1"/>
+          </a:fillRef>
+          <a:effectRef idx="0">
+            <a:schemeClr val="accent1"/>
+          </a:effectRef>
+          <a:fontRef idx="minor">
+            <a:schemeClr val="lt1"/>
+          </a:fontRef>
+        </p:style>
+        <p:txBody>
+          <a:bodyPr rtlCol="0" anchor="ctr"/>
+          <a:lstStyle/>
+          <a:p>
+            <a:pPr algn="ctr"/>
+            <a:r>
+              <a:rPr lang="ko-KR" altLang="en-US" dirty="0"/>
+              <a:t>계좌</a:t>
+            </a:r>
+            <a:r>
+              <a:rPr lang="en-US" altLang="ko-KR" dirty="0"/>
+              <a:t>C</a:t>
+            </a:r>
+          </a:p>
+          <a:p>
+            <a:pPr algn="ctr"/>
+            <a:r>
+              <a:rPr lang="ko-KR" altLang="en-US" dirty="0"/>
+              <a:t>잔액 </a:t>
+            </a:r>
+            <a:r>
+              <a:rPr lang="en-US" altLang="ko-KR" dirty="0"/>
+              <a:t>100</a:t>
+            </a:r>
+            <a:endParaRPr lang="en-GB" dirty="0"/>
+          </a:p>
+        </p:txBody>
+      </p:sp>
+      <p:sp>
+        <p:nvSpPr>
+          <p:cNvPr id="12" name="TextBox 11">
+            <a:extLst>
+              <a:ext uri="{FF2B5EF4-FFF2-40B4-BE49-F238E27FC236}">
+                <a16:creationId xmlns:a16="http://schemas.microsoft.com/office/drawing/2014/main" id="{D0411CC0-7A77-626E-D41F-532674426EA4}"/>
+              </a:ext>
+            </a:extLst>
+          </p:cNvPr>
+          <p:cNvSpPr txBox="1"/>
+          <p:nvPr/>
+        </p:nvSpPr>
+        <p:spPr>
+          <a:xfrm>
+            <a:off x="2626180" y="4218216"/>
+            <a:ext cx="5265964" cy="1200329"/>
+          </a:xfrm>
+          <a:prstGeom prst="rect">
+            <a:avLst/>
+          </a:prstGeom>
+          <a:noFill/>
+        </p:spPr>
+        <p:txBody>
+          <a:bodyPr wrap="square" rtlCol="0">
+            <a:spAutoFit/>
+          </a:bodyPr>
+          <a:lstStyle/>
+          <a:p>
+            <a:pPr marL="342900" indent="-342900">
+              <a:buAutoNum type="arabicPeriod"/>
+            </a:pPr>
+            <a:endParaRPr lang="en-GB" dirty="0"/>
+          </a:p>
+          <a:p>
+            <a:pPr marL="342900" indent="-342900">
+              <a:buAutoNum type="arabicPeriod"/>
+            </a:pPr>
+            <a:r>
+              <a:rPr lang="en-US" dirty="0"/>
+              <a:t>Lock</a:t>
+            </a:r>
+            <a:r>
+              <a:rPr lang="ko-KR" altLang="en-US" dirty="0"/>
+              <a:t>을 확보하기 위해 기다린다</a:t>
+            </a:r>
+            <a:r>
+              <a:rPr lang="en-US" altLang="ko-KR" dirty="0"/>
+              <a:t>.</a:t>
+            </a:r>
+            <a:endParaRPr lang="en-GB" dirty="0"/>
+          </a:p>
+          <a:p>
+            <a:pPr marL="342900" indent="-342900">
+              <a:buAutoNum type="arabicPeriod"/>
+            </a:pPr>
+            <a:r>
+              <a:rPr lang="en-GB" dirty="0"/>
+              <a:t>100</a:t>
+            </a:r>
+            <a:r>
+              <a:rPr lang="ko-KR" altLang="en-US" dirty="0"/>
+              <a:t>원을 보내려고 한다</a:t>
+            </a:r>
+            <a:r>
+              <a:rPr lang="en-US" altLang="ko-KR" dirty="0"/>
+              <a:t>.</a:t>
+            </a:r>
+          </a:p>
+          <a:p>
+            <a:pPr marL="342900" indent="-342900">
+              <a:buAutoNum type="arabicPeriod"/>
+            </a:pPr>
+            <a:r>
+              <a:rPr lang="ko-KR" altLang="en-US" dirty="0"/>
+              <a:t>잔액이 </a:t>
+            </a:r>
+            <a:r>
+              <a:rPr lang="en-US" altLang="ko-KR" dirty="0"/>
+              <a:t>100</a:t>
+            </a:r>
+            <a:r>
+              <a:rPr lang="ko-KR" altLang="en-US" dirty="0"/>
+              <a:t>원 이상 있는지 확인한다</a:t>
+            </a:r>
+            <a:endParaRPr lang="en-US" altLang="ko-KR" dirty="0"/>
+          </a:p>
+        </p:txBody>
+      </p:sp>
+    </p:spTree>
+    <p:extLst>
+      <p:ext uri="{BB962C8B-B14F-4D97-AF65-F5344CB8AC3E}">
+        <p14:creationId xmlns:p14="http://schemas.microsoft.com/office/powerpoint/2010/main" val="3591800023"/>
+      </p:ext>
+    </p:extLst>
+  </p:cSld>
+  <p:clrMapOvr>
+    <a:masterClrMapping/>
+  </p:clrMapOvr>
+</p:sld>
+</file>
+
+<file path=ppt/slides/slide32.xml><?xml version="1.0" encoding="utf-8"?>
+<p:sld xmlns:a="http://schemas.openxmlformats.org/drawingml/2006/main" xmlns:r="http://schemas.openxmlformats.org/officeDocument/2006/relationships" xmlns:p="http://schemas.openxmlformats.org/presentationml/2006/main">
+  <p:cSld>
+    <p:spTree>
+      <p:nvGrpSpPr>
+        <p:cNvPr id="1" name=""/>
+        <p:cNvGrpSpPr/>
+        <p:nvPr/>
+      </p:nvGrpSpPr>
+      <p:grpSpPr>
+        <a:xfrm>
+          <a:off x="0" y="0"/>
+          <a:ext cx="0" cy="0"/>
+          <a:chOff x="0" y="0"/>
+          <a:chExt cx="0" cy="0"/>
+        </a:xfrm>
+      </p:grpSpPr>
+      <p:sp>
+        <p:nvSpPr>
+          <p:cNvPr id="2" name="Title 1">
+            <a:extLst>
+              <a:ext uri="{FF2B5EF4-FFF2-40B4-BE49-F238E27FC236}">
                 <a16:creationId xmlns:a16="http://schemas.microsoft.com/office/drawing/2014/main" id="{2D4EC2E5-BABF-B510-CAE0-14D7C8929BD8}"/>
               </a:ext>
             </a:extLst>
@@ -9616,7 +10299,7 @@
 </p:sld>
 </file>
 
-<file path=ppt/slides/slide31.xml><?xml version="1.0" encoding="utf-8"?>
+<file path=ppt/slides/slide33.xml><?xml version="1.0" encoding="utf-8"?>
 <p:sld xmlns:a="http://schemas.openxmlformats.org/drawingml/2006/main" xmlns:r="http://schemas.openxmlformats.org/officeDocument/2006/relationships" xmlns:p="http://schemas.openxmlformats.org/presentationml/2006/main">
   <p:cSld>
     <p:spTree>
@@ -10041,7 +10724,7 @@
 </p:sld>
 </file>
 
-<file path=ppt/slides/slide32.xml><?xml version="1.0" encoding="utf-8"?>
+<file path=ppt/slides/slide34.xml><?xml version="1.0" encoding="utf-8"?>
 <p:sld xmlns:a="http://schemas.openxmlformats.org/drawingml/2006/main" xmlns:r="http://schemas.openxmlformats.org/officeDocument/2006/relationships" xmlns:p="http://schemas.openxmlformats.org/presentationml/2006/main">
   <p:cSld>
     <p:spTree>
@@ -10058,6 +10741,60 @@
           <a:chExt cx="0" cy="0"/>
         </a:xfrm>
       </p:grpSpPr>
+      <p:sp>
+        <p:nvSpPr>
+          <p:cNvPr id="2" name="Rectangle 1">
+            <a:extLst>
+              <a:ext uri="{FF2B5EF4-FFF2-40B4-BE49-F238E27FC236}">
+                <a16:creationId xmlns:a16="http://schemas.microsoft.com/office/drawing/2014/main" id="{31DED3D3-164C-BC5B-4B50-28769FDEAEFE}"/>
+              </a:ext>
+            </a:extLst>
+          </p:cNvPr>
+          <p:cNvSpPr/>
+          <p:nvPr/>
+        </p:nvSpPr>
+        <p:spPr>
+          <a:xfrm>
+            <a:off x="5804800" y="1101495"/>
+            <a:ext cx="4014109" cy="4423685"/>
+          </a:xfrm>
+          <a:prstGeom prst="rect">
+            <a:avLst/>
+          </a:prstGeom>
+          <a:solidFill>
+            <a:schemeClr val="accent2"/>
+          </a:solidFill>
+          <a:ln>
+            <a:solidFill>
+              <a:srgbClr val="FF0000"/>
+            </a:solidFill>
+          </a:ln>
+        </p:spPr>
+        <p:style>
+          <a:lnRef idx="2">
+            <a:schemeClr val="accent1">
+              <a:shade val="15000"/>
+            </a:schemeClr>
+          </a:lnRef>
+          <a:fillRef idx="1">
+            <a:schemeClr val="accent1"/>
+          </a:fillRef>
+          <a:effectRef idx="0">
+            <a:schemeClr val="accent1"/>
+          </a:effectRef>
+          <a:fontRef idx="minor">
+            <a:schemeClr val="lt1"/>
+          </a:fontRef>
+        </p:style>
+        <p:txBody>
+          <a:bodyPr rtlCol="0" anchor="ctr"/>
+          <a:lstStyle/>
+          <a:p>
+            <a:pPr algn="ctr"/>
+            <a:endParaRPr lang="en-GB"/>
+          </a:p>
+        </p:txBody>
+      </p:sp>
       <p:sp>
         <p:nvSpPr>
           <p:cNvPr id="14" name="Rectangle 13">
@@ -10175,7 +10912,59 @@
         </p:nvSpPr>
         <p:spPr>
           <a:xfrm>
-            <a:off x="3135086" y="2209801"/>
+            <a:off x="3122837" y="2307770"/>
+            <a:ext cx="1869621" cy="661307"/>
+          </a:xfrm>
+          <a:prstGeom prst="leftArrow">
+            <a:avLst/>
+          </a:prstGeom>
+          <a:solidFill>
+            <a:schemeClr val="accent2"/>
+          </a:solidFill>
+        </p:spPr>
+        <p:style>
+          <a:lnRef idx="2">
+            <a:schemeClr val="accent1">
+              <a:shade val="15000"/>
+            </a:schemeClr>
+          </a:lnRef>
+          <a:fillRef idx="1">
+            <a:schemeClr val="accent1"/>
+          </a:fillRef>
+          <a:effectRef idx="0">
+            <a:schemeClr val="accent1"/>
+          </a:effectRef>
+          <a:fontRef idx="minor">
+            <a:schemeClr val="lt1"/>
+          </a:fontRef>
+        </p:style>
+        <p:txBody>
+          <a:bodyPr rtlCol="0" anchor="ctr"/>
+          <a:lstStyle/>
+          <a:p>
+            <a:pPr algn="ctr"/>
+            <a:r>
+              <a:rPr lang="en-GB" dirty="0"/>
+              <a:t>Thread # 1</a:t>
+            </a:r>
+          </a:p>
+        </p:txBody>
+      </p:sp>
+      <p:sp>
+        <p:nvSpPr>
+          <p:cNvPr id="6" name="Arrow: Left 5">
+            <a:extLst>
+              <a:ext uri="{FF2B5EF4-FFF2-40B4-BE49-F238E27FC236}">
+                <a16:creationId xmlns:a16="http://schemas.microsoft.com/office/drawing/2014/main" id="{128F040D-725A-7917-265D-5D9E6397D771}"/>
+              </a:ext>
+            </a:extLst>
+          </p:cNvPr>
+          <p:cNvSpPr/>
+          <p:nvPr/>
+        </p:nvSpPr>
+        <p:spPr>
+          <a:xfrm>
+            <a:off x="3122838" y="3018066"/>
             <a:ext cx="1869621" cy="661307"/>
           </a:xfrm>
           <a:prstGeom prst="leftArrow">
@@ -10203,16 +10992,19 @@
           <a:lstStyle/>
           <a:p>
             <a:pPr algn="ctr"/>
-            <a:endParaRPr lang="en-GB"/>
-          </a:p>
-        </p:txBody>
-      </p:sp>
-      <p:sp>
-        <p:nvSpPr>
-          <p:cNvPr id="6" name="Arrow: Left 5">
-            <a:extLst>
-              <a:ext uri="{FF2B5EF4-FFF2-40B4-BE49-F238E27FC236}">
-                <a16:creationId xmlns:a16="http://schemas.microsoft.com/office/drawing/2014/main" id="{128F040D-725A-7917-265D-5D9E6397D771}"/>
+            <a:r>
+              <a:rPr lang="en-GB" altLang="ko-KR" dirty="0"/>
+              <a:t>Thread # 2</a:t>
+            </a:r>
+          </a:p>
+        </p:txBody>
+      </p:sp>
+      <p:sp>
+        <p:nvSpPr>
+          <p:cNvPr id="7" name="Arrow: Left 6">
+            <a:extLst>
+              <a:ext uri="{FF2B5EF4-FFF2-40B4-BE49-F238E27FC236}">
+                <a16:creationId xmlns:a16="http://schemas.microsoft.com/office/drawing/2014/main" id="{E875F361-33D1-A119-0306-D85227B69076}"/>
               </a:ext>
             </a:extLst>
           </p:cNvPr>
@@ -10221,12 +11013,15 @@
         </p:nvSpPr>
         <p:spPr>
           <a:xfrm>
-            <a:off x="3135085" y="3080658"/>
+            <a:off x="3122837" y="3888923"/>
             <a:ext cx="1869621" cy="661307"/>
           </a:xfrm>
           <a:prstGeom prst="leftArrow">
             <a:avLst/>
           </a:prstGeom>
+          <a:solidFill>
+            <a:srgbClr val="FF0000"/>
+          </a:solidFill>
         </p:spPr>
         <p:style>
           <a:lnRef idx="2">
@@ -10249,53 +11044,10 @@
           <a:lstStyle/>
           <a:p>
             <a:pPr algn="ctr"/>
-            <a:endParaRPr lang="en-GB"/>
-          </a:p>
-        </p:txBody>
-      </p:sp>
-      <p:sp>
-        <p:nvSpPr>
-          <p:cNvPr id="7" name="Arrow: Left 6">
-            <a:extLst>
-              <a:ext uri="{FF2B5EF4-FFF2-40B4-BE49-F238E27FC236}">
-                <a16:creationId xmlns:a16="http://schemas.microsoft.com/office/drawing/2014/main" id="{E875F361-33D1-A119-0306-D85227B69076}"/>
-              </a:ext>
-            </a:extLst>
-          </p:cNvPr>
-          <p:cNvSpPr/>
-          <p:nvPr/>
-        </p:nvSpPr>
-        <p:spPr>
-          <a:xfrm>
-            <a:off x="3135084" y="3951515"/>
-            <a:ext cx="1869621" cy="661307"/>
-          </a:xfrm>
-          <a:prstGeom prst="leftArrow">
-            <a:avLst/>
-          </a:prstGeom>
-        </p:spPr>
-        <p:style>
-          <a:lnRef idx="2">
-            <a:schemeClr val="accent1">
-              <a:shade val="15000"/>
-            </a:schemeClr>
-          </a:lnRef>
-          <a:fillRef idx="1">
-            <a:schemeClr val="accent1"/>
-          </a:fillRef>
-          <a:effectRef idx="0">
-            <a:schemeClr val="accent1"/>
-          </a:effectRef>
-          <a:fontRef idx="minor">
-            <a:schemeClr val="lt1"/>
-          </a:fontRef>
-        </p:style>
-        <p:txBody>
-          <a:bodyPr rtlCol="0" anchor="ctr"/>
-          <a:lstStyle/>
-          <a:p>
-            <a:pPr algn="ctr"/>
-            <a:endParaRPr lang="en-GB"/>
+            <a:r>
+              <a:rPr lang="en-GB" altLang="ko-KR" dirty="0"/>
+              <a:t>Thread # 3</a:t>
+            </a:r>
           </a:p>
         </p:txBody>
       </p:sp>
@@ -10398,7 +11150,99 @@
         </p:nvSpPr>
         <p:spPr>
           <a:xfrm>
-            <a:off x="9405259" y="2403023"/>
+            <a:off x="7300237" y="5902780"/>
+            <a:ext cx="576936" cy="319764"/>
+          </a:xfrm>
+          <a:prstGeom prst="leftArrow">
+            <a:avLst/>
+          </a:prstGeom>
+        </p:spPr>
+        <p:style>
+          <a:lnRef idx="2">
+            <a:schemeClr val="accent1">
+              <a:shade val="15000"/>
+            </a:schemeClr>
+          </a:lnRef>
+          <a:fillRef idx="1">
+            <a:schemeClr val="accent1"/>
+          </a:fillRef>
+          <a:effectRef idx="0">
+            <a:schemeClr val="accent1"/>
+          </a:effectRef>
+          <a:fontRef idx="minor">
+            <a:schemeClr val="lt1"/>
+          </a:fontRef>
+        </p:style>
+        <p:txBody>
+          <a:bodyPr rtlCol="0" anchor="ctr"/>
+          <a:lstStyle/>
+          <a:p>
+            <a:pPr algn="ctr"/>
+            <a:endParaRPr lang="en-GB" dirty="0"/>
+          </a:p>
+        </p:txBody>
+      </p:sp>
+      <p:sp>
+        <p:nvSpPr>
+          <p:cNvPr id="12" name="Arrow: Left 11">
+            <a:extLst>
+              <a:ext uri="{FF2B5EF4-FFF2-40B4-BE49-F238E27FC236}">
+                <a16:creationId xmlns:a16="http://schemas.microsoft.com/office/drawing/2014/main" id="{F5962876-79CF-5724-AFC3-693AAFD7E01D}"/>
+              </a:ext>
+            </a:extLst>
+          </p:cNvPr>
+          <p:cNvSpPr/>
+          <p:nvPr/>
+        </p:nvSpPr>
+        <p:spPr>
+          <a:xfrm>
+            <a:off x="7823423" y="5574504"/>
+            <a:ext cx="806901" cy="336095"/>
+          </a:xfrm>
+          <a:prstGeom prst="leftArrow">
+            <a:avLst/>
+          </a:prstGeom>
+        </p:spPr>
+        <p:style>
+          <a:lnRef idx="2">
+            <a:schemeClr val="accent1">
+              <a:shade val="15000"/>
+            </a:schemeClr>
+          </a:lnRef>
+          <a:fillRef idx="1">
+            <a:schemeClr val="accent1"/>
+          </a:fillRef>
+          <a:effectRef idx="0">
+            <a:schemeClr val="accent1"/>
+          </a:effectRef>
+          <a:fontRef idx="minor">
+            <a:schemeClr val="lt1"/>
+          </a:fontRef>
+        </p:style>
+        <p:txBody>
+          <a:bodyPr rtlCol="0" anchor="ctr"/>
+          <a:lstStyle/>
+          <a:p>
+            <a:pPr algn="ctr"/>
+            <a:endParaRPr lang="en-GB"/>
+          </a:p>
+        </p:txBody>
+      </p:sp>
+      <p:sp>
+        <p:nvSpPr>
+          <p:cNvPr id="13" name="Arrow: Left 12">
+            <a:extLst>
+              <a:ext uri="{FF2B5EF4-FFF2-40B4-BE49-F238E27FC236}">
+                <a16:creationId xmlns:a16="http://schemas.microsoft.com/office/drawing/2014/main" id="{5FF3D3BB-AA5D-13DE-E9E4-FEC41705FD0B}"/>
+              </a:ext>
+            </a:extLst>
+          </p:cNvPr>
+          <p:cNvSpPr/>
+          <p:nvPr/>
+        </p:nvSpPr>
+        <p:spPr>
+          <a:xfrm>
+            <a:off x="7466239" y="6233431"/>
             <a:ext cx="1869621" cy="661307"/>
           </a:xfrm>
           <a:prstGeom prst="leftArrow">
@@ -10430,12 +11274,59 @@
           </a:p>
         </p:txBody>
       </p:sp>
-      <p:sp>
-        <p:nvSpPr>
-          <p:cNvPr id="12" name="Arrow: Left 11">
-            <a:extLst>
-              <a:ext uri="{FF2B5EF4-FFF2-40B4-BE49-F238E27FC236}">
-                <a16:creationId xmlns:a16="http://schemas.microsoft.com/office/drawing/2014/main" id="{F5962876-79CF-5724-AFC3-693AAFD7E01D}"/>
+      <p:pic>
+        <p:nvPicPr>
+          <p:cNvPr id="3078" name="Picture 6" descr="이모티콘 자물쇠 PNG 이미지 | PNGWing">
+            <a:extLst>
+              <a:ext uri="{FF2B5EF4-FFF2-40B4-BE49-F238E27FC236}">
+                <a16:creationId xmlns:a16="http://schemas.microsoft.com/office/drawing/2014/main" id="{7BECE8EC-515F-43CA-A732-9C5BC531E0C5}"/>
+              </a:ext>
+            </a:extLst>
+          </p:cNvPr>
+          <p:cNvPicPr>
+            <a:picLocks noChangeAspect="1" noChangeArrowheads="1"/>
+          </p:cNvPicPr>
+          <p:nvPr/>
+        </p:nvPicPr>
+        <p:blipFill>
+          <a:blip r:embed="rId2">
+            <a:extLst>
+              <a:ext uri="{28A0092B-C50C-407E-A947-70E740481C1C}">
+                <a14:useLocalDpi xmlns:a14="http://schemas.microsoft.com/office/drawing/2010/main" val="0"/>
+              </a:ext>
+            </a:extLst>
+          </a:blip>
+          <a:srcRect/>
+          <a:stretch>
+            <a:fillRect/>
+          </a:stretch>
+        </p:blipFill>
+        <p:spPr bwMode="auto">
+          <a:xfrm>
+            <a:off x="8167001" y="1363436"/>
+            <a:ext cx="797379" cy="797379"/>
+          </a:xfrm>
+          <a:prstGeom prst="rect">
+            <a:avLst/>
+          </a:prstGeom>
+          <a:noFill/>
+          <a:extLst>
+            <a:ext uri="{909E8E84-426E-40DD-AFC4-6F175D3DCCD1}">
+              <a14:hiddenFill xmlns:a14="http://schemas.microsoft.com/office/drawing/2010/main">
+                <a:solidFill>
+                  <a:srgbClr val="FFFFFF"/>
+                </a:solidFill>
+              </a14:hiddenFill>
+            </a:ext>
+          </a:extLst>
+        </p:spPr>
+      </p:pic>
+      <p:sp>
+        <p:nvSpPr>
+          <p:cNvPr id="3" name="Arrow: Left 2">
+            <a:extLst>
+              <a:ext uri="{FF2B5EF4-FFF2-40B4-BE49-F238E27FC236}">
+                <a16:creationId xmlns:a16="http://schemas.microsoft.com/office/drawing/2014/main" id="{C2EBB780-5D55-8F27-8251-020C1BB2D28A}"/>
               </a:ext>
             </a:extLst>
           </p:cNvPr>
@@ -10444,8 +11335,8 @@
         </p:nvSpPr>
         <p:spPr>
           <a:xfrm>
-            <a:off x="8352065" y="3269116"/>
-            <a:ext cx="1053194" cy="394608"/>
+            <a:off x="8735786" y="5855494"/>
+            <a:ext cx="806901" cy="336095"/>
           </a:xfrm>
           <a:prstGeom prst="leftArrow">
             <a:avLst/>
@@ -10476,563 +11367,10 @@
           </a:p>
         </p:txBody>
       </p:sp>
-      <p:sp>
-        <p:nvSpPr>
-          <p:cNvPr id="13" name="Arrow: Left 12">
-            <a:extLst>
-              <a:ext uri="{FF2B5EF4-FFF2-40B4-BE49-F238E27FC236}">
-                <a16:creationId xmlns:a16="http://schemas.microsoft.com/office/drawing/2014/main" id="{5FF3D3BB-AA5D-13DE-E9E4-FEC41705FD0B}"/>
-              </a:ext>
-            </a:extLst>
-          </p:cNvPr>
-          <p:cNvSpPr/>
-          <p:nvPr/>
-        </p:nvSpPr>
-        <p:spPr>
-          <a:xfrm>
-            <a:off x="9405258" y="1664494"/>
-            <a:ext cx="1869621" cy="661307"/>
-          </a:xfrm>
-          <a:prstGeom prst="leftArrow">
-            <a:avLst/>
-          </a:prstGeom>
-        </p:spPr>
-        <p:style>
-          <a:lnRef idx="2">
-            <a:schemeClr val="accent1">
-              <a:shade val="15000"/>
-            </a:schemeClr>
-          </a:lnRef>
-          <a:fillRef idx="1">
-            <a:schemeClr val="accent1"/>
-          </a:fillRef>
-          <a:effectRef idx="0">
-            <a:schemeClr val="accent1"/>
-          </a:effectRef>
-          <a:fontRef idx="minor">
-            <a:schemeClr val="lt1"/>
-          </a:fontRef>
-        </p:style>
-        <p:txBody>
-          <a:bodyPr rtlCol="0" anchor="ctr"/>
-          <a:lstStyle/>
-          <a:p>
-            <a:pPr algn="ctr"/>
-            <a:endParaRPr lang="en-GB"/>
-          </a:p>
-        </p:txBody>
-      </p:sp>
-      <p:pic>
-        <p:nvPicPr>
-          <p:cNvPr id="3078" name="Picture 6" descr="이모티콘 자물쇠 PNG 이미지 | PNGWing">
-            <a:extLst>
-              <a:ext uri="{FF2B5EF4-FFF2-40B4-BE49-F238E27FC236}">
-                <a16:creationId xmlns:a16="http://schemas.microsoft.com/office/drawing/2014/main" id="{7BECE8EC-515F-43CA-A732-9C5BC531E0C5}"/>
-              </a:ext>
-            </a:extLst>
-          </p:cNvPr>
-          <p:cNvPicPr>
-            <a:picLocks noChangeAspect="1" noChangeArrowheads="1"/>
-          </p:cNvPicPr>
-          <p:nvPr/>
-        </p:nvPicPr>
-        <p:blipFill>
-          <a:blip r:embed="rId2">
-            <a:extLst>
-              <a:ext uri="{28A0092B-C50C-407E-A947-70E740481C1C}">
-                <a14:useLocalDpi xmlns:a14="http://schemas.microsoft.com/office/drawing/2010/main" val="0"/>
-              </a:ext>
-            </a:extLst>
-          </a:blip>
-          <a:srcRect/>
-          <a:stretch>
-            <a:fillRect/>
-          </a:stretch>
-        </p:blipFill>
-        <p:spPr bwMode="auto">
-          <a:xfrm>
-            <a:off x="8260899" y="2316276"/>
-            <a:ext cx="797379" cy="797379"/>
-          </a:xfrm>
-          <a:prstGeom prst="rect">
-            <a:avLst/>
-          </a:prstGeom>
-          <a:noFill/>
-          <a:extLst>
-            <a:ext uri="{909E8E84-426E-40DD-AFC4-6F175D3DCCD1}">
-              <a14:hiddenFill xmlns:a14="http://schemas.microsoft.com/office/drawing/2010/main">
-                <a:solidFill>
-                  <a:srgbClr val="FFFFFF"/>
-                </a:solidFill>
-              </a14:hiddenFill>
-            </a:ext>
-          </a:extLst>
-        </p:spPr>
-      </p:pic>
     </p:spTree>
     <p:extLst>
       <p:ext uri="{BB962C8B-B14F-4D97-AF65-F5344CB8AC3E}">
         <p14:creationId xmlns:p14="http://schemas.microsoft.com/office/powerpoint/2010/main" val="220767185"/>
-      </p:ext>
-    </p:extLst>
-  </p:cSld>
-  <p:clrMapOvr>
-    <a:masterClrMapping/>
-  </p:clrMapOvr>
-</p:sld>
-</file>
-
-<file path=ppt/slides/slide33.xml><?xml version="1.0" encoding="utf-8"?>
-<p:sld xmlns:a="http://schemas.openxmlformats.org/drawingml/2006/main" xmlns:r="http://schemas.openxmlformats.org/officeDocument/2006/relationships" xmlns:p="http://schemas.openxmlformats.org/presentationml/2006/main">
-  <p:cSld>
-    <p:spTree>
-      <p:nvGrpSpPr>
-        <p:cNvPr id="1" name=""/>
-        <p:cNvGrpSpPr/>
-        <p:nvPr/>
-      </p:nvGrpSpPr>
-      <p:grpSpPr>
-        <a:xfrm>
-          <a:off x="0" y="0"/>
-          <a:ext cx="0" cy="0"/>
-          <a:chOff x="0" y="0"/>
-          <a:chExt cx="0" cy="0"/>
-        </a:xfrm>
-      </p:grpSpPr>
-      <p:sp>
-        <p:nvSpPr>
-          <p:cNvPr id="2" name="Title 1">
-            <a:extLst>
-              <a:ext uri="{FF2B5EF4-FFF2-40B4-BE49-F238E27FC236}">
-                <a16:creationId xmlns:a16="http://schemas.microsoft.com/office/drawing/2014/main" id="{C7D7FBC5-26C8-0225-E3CF-8C870C977E76}"/>
-              </a:ext>
-            </a:extLst>
-          </p:cNvPr>
-          <p:cNvSpPr>
-            <a:spLocks noGrp="1"/>
-          </p:cNvSpPr>
-          <p:nvPr>
-            <p:ph type="title"/>
-          </p:nvPr>
-        </p:nvSpPr>
-        <p:spPr/>
-        <p:txBody>
-          <a:bodyPr/>
-          <a:lstStyle/>
-          <a:p>
-            <a:r>
-              <a:rPr lang="ko-KR" altLang="en-US" dirty="0"/>
-              <a:t>동기화 기법 </a:t>
-            </a:r>
-            <a:r>
-              <a:rPr lang="en-US" altLang="ko-KR" dirty="0"/>
-              <a:t>1 : </a:t>
-            </a:r>
-            <a:r>
-              <a:rPr lang="ko-KR" altLang="en-US" dirty="0"/>
-              <a:t>임계구역</a:t>
-            </a:r>
-            <a:r>
-              <a:rPr lang="en-US" altLang="ko-KR" dirty="0"/>
-              <a:t>(Critical section)</a:t>
-            </a:r>
-            <a:endParaRPr lang="en-GB" dirty="0"/>
-          </a:p>
-        </p:txBody>
-      </p:sp>
-      <p:sp>
-        <p:nvSpPr>
-          <p:cNvPr id="3" name="Content Placeholder 2">
-            <a:extLst>
-              <a:ext uri="{FF2B5EF4-FFF2-40B4-BE49-F238E27FC236}">
-                <a16:creationId xmlns:a16="http://schemas.microsoft.com/office/drawing/2014/main" id="{30D513A6-1BEA-BED4-06C6-8F71B62834D0}"/>
-              </a:ext>
-            </a:extLst>
-          </p:cNvPr>
-          <p:cNvSpPr>
-            <a:spLocks noGrp="1"/>
-          </p:cNvSpPr>
-          <p:nvPr>
-            <p:ph idx="1"/>
-          </p:nvPr>
-        </p:nvSpPr>
-        <p:spPr/>
-        <p:txBody>
-          <a:bodyPr/>
-          <a:lstStyle/>
-          <a:p>
-            <a:r>
-              <a:rPr lang="ko-KR" altLang="en-US" dirty="0"/>
-              <a:t>다만</a:t>
-            </a:r>
-            <a:r>
-              <a:rPr lang="en-US" altLang="ko-KR" dirty="0"/>
-              <a:t>, </a:t>
-            </a:r>
-            <a:r>
-              <a:rPr lang="ko-KR" altLang="en-US" dirty="0"/>
-              <a:t>임계구역은 병렬성을 제한하고</a:t>
-            </a:r>
-            <a:r>
-              <a:rPr lang="en-US" altLang="ko-KR" dirty="0"/>
-              <a:t>, </a:t>
-            </a:r>
-            <a:r>
-              <a:rPr lang="ko-KR" altLang="en-US" dirty="0"/>
-              <a:t>이로 인하여 병렬 프로그램의 성능을 저하시킬 수 있다</a:t>
-            </a:r>
-            <a:r>
-              <a:rPr lang="en-US" altLang="ko-KR" dirty="0"/>
-              <a:t>.</a:t>
-            </a:r>
-          </a:p>
-          <a:p>
-            <a:r>
-              <a:rPr lang="ko-KR" altLang="en-US" dirty="0"/>
-              <a:t>그렇기 때문에</a:t>
-            </a:r>
-            <a:r>
-              <a:rPr lang="en-US" altLang="ko-KR" dirty="0"/>
-              <a:t>, </a:t>
-            </a:r>
-            <a:r>
-              <a:rPr lang="ko-KR" altLang="en-US" dirty="0"/>
-              <a:t>반드시 필요한 부분만 임계구역으로 설정해야 하며</a:t>
-            </a:r>
-            <a:r>
-              <a:rPr lang="en-US" altLang="ko-KR" dirty="0"/>
-              <a:t>, </a:t>
-            </a:r>
-            <a:r>
-              <a:rPr lang="ko-KR" altLang="en-US" dirty="0"/>
-              <a:t>그 크기는 가능한 작아야 한다</a:t>
-            </a:r>
-            <a:r>
-              <a:rPr lang="en-US" altLang="ko-KR" dirty="0"/>
-              <a:t>.</a:t>
-            </a:r>
-          </a:p>
-          <a:p>
-            <a:r>
-              <a:rPr lang="ko-KR" altLang="en-US" dirty="0"/>
-              <a:t>또한</a:t>
-            </a:r>
-            <a:r>
-              <a:rPr lang="en-US" altLang="ko-KR" dirty="0"/>
-              <a:t>, </a:t>
-            </a:r>
-            <a:r>
-              <a:rPr lang="ko-KR" altLang="en-US" dirty="0"/>
-              <a:t>가능하면</a:t>
-            </a:r>
-            <a:r>
-              <a:rPr lang="en-US" altLang="ko-KR" dirty="0"/>
-              <a:t>, </a:t>
-            </a:r>
-            <a:r>
-              <a:rPr lang="ko-KR" altLang="en-US" dirty="0"/>
-              <a:t>시간이 오래 걸리는 작업은</a:t>
-            </a:r>
-            <a:r>
-              <a:rPr lang="en-US" altLang="ko-KR" dirty="0"/>
-              <a:t>, </a:t>
-            </a:r>
-            <a:r>
-              <a:rPr lang="ko-KR" altLang="en-US" dirty="0"/>
-              <a:t>임계구역에서 제외하는 편이 유리하다</a:t>
-            </a:r>
-            <a:r>
-              <a:rPr lang="en-US" altLang="ko-KR" dirty="0"/>
-              <a:t>.</a:t>
-            </a:r>
-          </a:p>
-          <a:p>
-            <a:r>
-              <a:rPr lang="ko-KR" altLang="en-US" dirty="0"/>
-              <a:t>마지막으로</a:t>
-            </a:r>
-            <a:r>
-              <a:rPr lang="en-US" altLang="ko-KR" dirty="0"/>
-              <a:t>, </a:t>
-            </a:r>
-            <a:r>
-              <a:rPr lang="ko-KR" altLang="en-US" dirty="0"/>
-              <a:t>객체의 상태를 이루는 변수가 복수개이면서</a:t>
-            </a:r>
-            <a:r>
-              <a:rPr lang="en-US" altLang="ko-KR" dirty="0"/>
-              <a:t>, </a:t>
-            </a:r>
-            <a:r>
-              <a:rPr lang="ko-KR" altLang="en-US" dirty="0"/>
-              <a:t>서로가 서로에게 의존성을 가지고 있다면</a:t>
-            </a:r>
-            <a:r>
-              <a:rPr lang="en-US" altLang="ko-KR" dirty="0"/>
-              <a:t>,</a:t>
-            </a:r>
-            <a:r>
-              <a:rPr lang="ko-KR" altLang="en-US" dirty="0"/>
-              <a:t> 관련 있는 모든 변수를 임계구역에 넣어</a:t>
-            </a:r>
-            <a:r>
-              <a:rPr lang="en-US" altLang="ko-KR" dirty="0"/>
-              <a:t>, </a:t>
-            </a:r>
-            <a:r>
-              <a:rPr lang="ko-KR" altLang="en-US" dirty="0"/>
-              <a:t>한 번에 수정해야 한다</a:t>
-            </a:r>
-            <a:r>
-              <a:rPr lang="en-US" altLang="ko-KR" dirty="0"/>
-              <a:t>.</a:t>
-            </a:r>
-          </a:p>
-        </p:txBody>
-      </p:sp>
-    </p:spTree>
-    <p:extLst>
-      <p:ext uri="{BB962C8B-B14F-4D97-AF65-F5344CB8AC3E}">
-        <p14:creationId xmlns:p14="http://schemas.microsoft.com/office/powerpoint/2010/main" val="798464046"/>
-      </p:ext>
-    </p:extLst>
-  </p:cSld>
-  <p:clrMapOvr>
-    <a:masterClrMapping/>
-  </p:clrMapOvr>
-</p:sld>
-</file>
-
-<file path=ppt/slides/slide34.xml><?xml version="1.0" encoding="utf-8"?>
-<p:sld xmlns:a="http://schemas.openxmlformats.org/drawingml/2006/main" xmlns:r="http://schemas.openxmlformats.org/officeDocument/2006/relationships" xmlns:p="http://schemas.openxmlformats.org/presentationml/2006/main">
-  <p:cSld>
-    <p:spTree>
-      <p:nvGrpSpPr>
-        <p:cNvPr id="1" name=""/>
-        <p:cNvGrpSpPr/>
-        <p:nvPr/>
-      </p:nvGrpSpPr>
-      <p:grpSpPr>
-        <a:xfrm>
-          <a:off x="0" y="0"/>
-          <a:ext cx="0" cy="0"/>
-          <a:chOff x="0" y="0"/>
-          <a:chExt cx="0" cy="0"/>
-        </a:xfrm>
-      </p:grpSpPr>
-      <p:sp>
-        <p:nvSpPr>
-          <p:cNvPr id="2" name="Title 1">
-            <a:extLst>
-              <a:ext uri="{FF2B5EF4-FFF2-40B4-BE49-F238E27FC236}">
-                <a16:creationId xmlns:a16="http://schemas.microsoft.com/office/drawing/2014/main" id="{133EFE9B-10F8-01A8-2F07-F559446ED094}"/>
-              </a:ext>
-            </a:extLst>
-          </p:cNvPr>
-          <p:cNvSpPr>
-            <a:spLocks noGrp="1"/>
-          </p:cNvSpPr>
-          <p:nvPr>
-            <p:ph type="title"/>
-          </p:nvPr>
-        </p:nvSpPr>
-        <p:spPr/>
-        <p:txBody>
-          <a:bodyPr/>
-          <a:lstStyle/>
-          <a:p>
-            <a:r>
-              <a:rPr lang="ko-KR" altLang="en-US" dirty="0"/>
-              <a:t>원자성</a:t>
-            </a:r>
-            <a:r>
-              <a:rPr lang="en-US" altLang="ko-KR" dirty="0"/>
-              <a:t>, </a:t>
-            </a:r>
-            <a:r>
-              <a:rPr lang="ko-KR" altLang="en-US" dirty="0"/>
-              <a:t>원자적 연산</a:t>
-            </a:r>
-            <a:r>
-              <a:rPr lang="en-US" altLang="ko-KR" dirty="0"/>
-              <a:t>, </a:t>
-            </a:r>
-            <a:r>
-              <a:rPr lang="ko-KR" altLang="en-US" dirty="0"/>
-              <a:t>단일연산</a:t>
-            </a:r>
-            <a:r>
-              <a:rPr lang="en-US" altLang="ko-KR" dirty="0"/>
-              <a:t>, Atomicity</a:t>
-            </a:r>
-            <a:endParaRPr lang="en-GB" dirty="0"/>
-          </a:p>
-        </p:txBody>
-      </p:sp>
-      <p:sp>
-        <p:nvSpPr>
-          <p:cNvPr id="3" name="Content Placeholder 2">
-            <a:extLst>
-              <a:ext uri="{FF2B5EF4-FFF2-40B4-BE49-F238E27FC236}">
-                <a16:creationId xmlns:a16="http://schemas.microsoft.com/office/drawing/2014/main" id="{9F81D7C5-885A-3C15-8877-4076032E02DC}"/>
-              </a:ext>
-            </a:extLst>
-          </p:cNvPr>
-          <p:cNvSpPr>
-            <a:spLocks noGrp="1"/>
-          </p:cNvSpPr>
-          <p:nvPr>
-            <p:ph idx="1"/>
-          </p:nvPr>
-        </p:nvSpPr>
-        <p:spPr/>
-        <p:txBody>
-          <a:bodyPr/>
-          <a:lstStyle/>
-          <a:p>
-            <a:r>
-              <a:rPr lang="ko-KR" altLang="en-US" dirty="0"/>
-              <a:t>객체의 상태를 표현할 때</a:t>
-            </a:r>
-            <a:r>
-              <a:rPr lang="en-US" altLang="ko-KR" dirty="0"/>
-              <a:t>, </a:t>
-            </a:r>
-            <a:r>
-              <a:rPr lang="ko-KR" altLang="en-US" dirty="0"/>
-              <a:t>상태란</a:t>
-            </a:r>
-            <a:r>
-              <a:rPr lang="en-US" altLang="ko-KR" dirty="0"/>
-              <a:t>, </a:t>
-            </a:r>
-            <a:r>
-              <a:rPr lang="ko-KR" altLang="en-US" dirty="0"/>
-              <a:t>결국 객체의 멤버 변수의 상태의 합과 같다고 할 수 있다</a:t>
-            </a:r>
-            <a:r>
-              <a:rPr lang="en-US" altLang="ko-KR" dirty="0"/>
-              <a:t>.</a:t>
-            </a:r>
-          </a:p>
-          <a:p>
-            <a:r>
-              <a:rPr lang="ko-KR" altLang="en-US" dirty="0"/>
-              <a:t>만약</a:t>
-            </a:r>
-            <a:r>
-              <a:rPr lang="en-US" altLang="ko-KR" dirty="0"/>
-              <a:t>, </a:t>
-            </a:r>
-            <a:r>
-              <a:rPr lang="ko-KR" altLang="en-US" dirty="0"/>
-              <a:t>객체의 상태를 이루는 멤버 변수 각각이 서로에게 의존성을 가진 경우</a:t>
-            </a:r>
-            <a:r>
-              <a:rPr lang="en-US" altLang="ko-KR" dirty="0"/>
-              <a:t>,</a:t>
-            </a:r>
-            <a:r>
-              <a:rPr lang="ko-KR" altLang="en-US" dirty="0"/>
-              <a:t> 혹은 관련이 있는 경우</a:t>
-            </a:r>
-            <a:r>
-              <a:rPr lang="en-US" altLang="ko-KR" dirty="0"/>
-              <a:t>, </a:t>
-            </a:r>
-            <a:r>
-              <a:rPr lang="ko-KR" altLang="en-US" dirty="0"/>
-              <a:t>이를 변경하고자 할 때는</a:t>
-            </a:r>
-            <a:r>
-              <a:rPr lang="en-US" altLang="ko-KR" dirty="0"/>
-              <a:t>, </a:t>
-            </a:r>
-            <a:r>
-              <a:rPr lang="ko-KR" altLang="en-US" dirty="0"/>
-              <a:t>원자적으로 처리해 주어야 한다</a:t>
-            </a:r>
-            <a:r>
-              <a:rPr lang="en-US" altLang="ko-KR" dirty="0"/>
-              <a:t>.</a:t>
-            </a:r>
-          </a:p>
-          <a:p>
-            <a:r>
-              <a:rPr lang="ko-KR" altLang="en-US" dirty="0"/>
-              <a:t>복합 연산을 처리할 때는 반드시</a:t>
-            </a:r>
-            <a:r>
-              <a:rPr lang="en-US" altLang="ko-KR" dirty="0"/>
-              <a:t>, </a:t>
-            </a:r>
-            <a:r>
-              <a:rPr lang="ko-KR" altLang="en-US" dirty="0"/>
-              <a:t>원자적으로 처리해 주어야 한다</a:t>
-            </a:r>
-            <a:r>
-              <a:rPr lang="en-US" altLang="ko-KR" dirty="0"/>
-              <a:t>.</a:t>
-            </a:r>
-          </a:p>
-          <a:p>
-            <a:pPr lvl="1"/>
-            <a:r>
-              <a:rPr lang="en-US" altLang="ko-KR" dirty="0"/>
-              <a:t>Ex) </a:t>
-            </a:r>
-            <a:r>
-              <a:rPr lang="ko-KR" altLang="en-US" dirty="0"/>
-              <a:t>값을 확인하고</a:t>
-            </a:r>
-            <a:r>
-              <a:rPr lang="en-US" altLang="ko-KR" dirty="0"/>
-              <a:t>, </a:t>
-            </a:r>
-            <a:r>
-              <a:rPr lang="ko-KR" altLang="en-US" dirty="0"/>
-              <a:t>조건에 부합할 경우에만 특정 행동을 하는 로직</a:t>
-            </a:r>
-            <a:r>
-              <a:rPr lang="en-US" altLang="ko-KR" dirty="0"/>
-              <a:t>(</a:t>
-            </a:r>
-            <a:r>
-              <a:rPr kumimoji="0" lang="ko-KR" altLang="ko-KR" sz="2400" b="0" i="0" u="none" strike="noStrike" cap="none" normalizeH="0" baseline="0" dirty="0">
-                <a:ln>
-                  <a:noFill/>
-                </a:ln>
-                <a:solidFill>
-                  <a:srgbClr val="BCBEC4"/>
-                </a:solidFill>
-                <a:effectLst/>
-                <a:latin typeface="Arial Unicode MS"/>
-                <a:ea typeface="JetBrains Mono"/>
-              </a:rPr>
-              <a:t>NotSafeSingletonFactory</a:t>
-            </a:r>
-            <a:r>
-              <a:rPr kumimoji="0" lang="en-US" altLang="ko-KR" sz="2400" b="0" i="0" u="none" strike="noStrike" cap="none" normalizeH="0" baseline="0" dirty="0">
-                <a:ln>
-                  <a:noFill/>
-                </a:ln>
-                <a:solidFill>
-                  <a:srgbClr val="BCBEC4"/>
-                </a:solidFill>
-                <a:effectLst/>
-                <a:latin typeface="Arial Unicode MS"/>
-                <a:ea typeface="JetBrains Mono"/>
-              </a:rPr>
-              <a:t>)</a:t>
-            </a:r>
-            <a:endParaRPr lang="en-US" altLang="ko-KR" dirty="0"/>
-          </a:p>
-        </p:txBody>
-      </p:sp>
-    </p:spTree>
-    <p:extLst>
-      <p:ext uri="{BB962C8B-B14F-4D97-AF65-F5344CB8AC3E}">
-        <p14:creationId xmlns:p14="http://schemas.microsoft.com/office/powerpoint/2010/main" val="996170832"/>
       </p:ext>
     </p:extLst>
   </p:cSld>
@@ -11064,7 +11402,7 @@
           <p:cNvPr id="2" name="Title 1">
             <a:extLst>
               <a:ext uri="{FF2B5EF4-FFF2-40B4-BE49-F238E27FC236}">
-                <a16:creationId xmlns:a16="http://schemas.microsoft.com/office/drawing/2014/main" id="{C37BE800-E657-EF5B-B7D9-D3720BB27C05}"/>
+                <a16:creationId xmlns:a16="http://schemas.microsoft.com/office/drawing/2014/main" id="{C7D7FBC5-26C8-0225-E3CF-8C870C977E76}"/>
               </a:ext>
             </a:extLst>
           </p:cNvPr>
@@ -11086,11 +11424,15 @@
             </a:r>
             <a:r>
               <a:rPr lang="en-US" altLang="ko-KR" dirty="0"/>
-              <a:t>2 : </a:t>
-            </a:r>
-            <a:r>
-              <a:rPr lang="ko-KR" altLang="en-US" dirty="0"/>
-              <a:t>메모리 가시성 확보</a:t>
+              <a:t>1 : </a:t>
+            </a:r>
+            <a:r>
+              <a:rPr lang="ko-KR" altLang="en-US" dirty="0"/>
+              <a:t>임계구역</a:t>
+            </a:r>
+            <a:r>
+              <a:rPr lang="en-US" altLang="ko-KR" dirty="0"/>
+              <a:t>(Critical section)</a:t>
             </a:r>
             <a:endParaRPr lang="en-GB" dirty="0"/>
           </a:p>
@@ -11101,7 +11443,7 @@
           <p:cNvPr id="3" name="Content Placeholder 2">
             <a:extLst>
               <a:ext uri="{FF2B5EF4-FFF2-40B4-BE49-F238E27FC236}">
-                <a16:creationId xmlns:a16="http://schemas.microsoft.com/office/drawing/2014/main" id="{46B4A2EE-D285-99A4-5A8D-505C8AE60410}"/>
+                <a16:creationId xmlns:a16="http://schemas.microsoft.com/office/drawing/2014/main" id="{30D513A6-1BEA-BED4-06C6-8F71B62834D0}"/>
               </a:ext>
             </a:extLst>
           </p:cNvPr>
@@ -11119,15 +11461,23 @@
           <a:p>
             <a:r>
               <a:rPr lang="ko-KR" altLang="en-US" dirty="0"/>
-              <a:t>자바에서는 메모리 가시성을 보장하기 위하여 </a:t>
-            </a:r>
-            <a:r>
-              <a:rPr lang="en-US" altLang="ko-KR" dirty="0"/>
-              <a:t>volatile </a:t>
-            </a:r>
-            <a:r>
-              <a:rPr lang="ko-KR" altLang="en-US" dirty="0"/>
-              <a:t>키워드를 제공함</a:t>
+              <a:t>다만</a:t>
+            </a:r>
+            <a:r>
+              <a:rPr lang="en-US" altLang="ko-KR" dirty="0"/>
+              <a:t>, </a:t>
+            </a:r>
+            <a:r>
+              <a:rPr lang="ko-KR" altLang="en-US" dirty="0"/>
+              <a:t>임계구역은 병렬성을 제한하고</a:t>
+            </a:r>
+            <a:r>
+              <a:rPr lang="en-US" altLang="ko-KR" dirty="0"/>
+              <a:t>, </a:t>
+            </a:r>
+            <a:r>
+              <a:rPr lang="ko-KR" altLang="en-US" dirty="0"/>
+              <a:t>이로 인하여 병렬 프로그램의 성능을 저하시킬 수 있다</a:t>
             </a:r>
             <a:r>
               <a:rPr lang="en-US" altLang="ko-KR" dirty="0"/>
@@ -11137,7 +11487,7 @@
           <a:p>
             <a:r>
               <a:rPr lang="ko-KR" altLang="en-US" dirty="0"/>
-              <a:t>본 키워드가 붙은 변수의 경우</a:t>
+              <a:t>그렇기 때문에</a:t>
             </a:r>
             <a:r>
               <a:rPr lang="en-US" altLang="ko-KR" dirty="0"/>
@@ -11145,7 +11495,7 @@
             </a:r>
             <a:r>
               <a:rPr lang="ko-KR" altLang="en-US" dirty="0"/>
-              <a:t>임의의 쓰레드가 본 키워드가 붙은 변수를 변경하는 경우</a:t>
+              <a:t>반드시 필요한 부분만 임계구역으로 설정해야 하며</a:t>
             </a:r>
             <a:r>
               <a:rPr lang="en-US" altLang="ko-KR" dirty="0"/>
@@ -11153,7 +11503,7 @@
             </a:r>
             <a:r>
               <a:rPr lang="ko-KR" altLang="en-US" dirty="0"/>
-              <a:t>다른 스레드가 변경 사항을 바로 볼 수 있도록 언어 차원에서 제공함</a:t>
+              <a:t>그 크기는 가능한 작아야 한다</a:t>
             </a:r>
             <a:r>
               <a:rPr lang="en-US" altLang="ko-KR" dirty="0"/>
@@ -11163,7 +11513,7 @@
           <a:p>
             <a:r>
               <a:rPr lang="ko-KR" altLang="en-US" dirty="0"/>
-              <a:t>이는 곧</a:t>
+              <a:t>또한</a:t>
             </a:r>
             <a:r>
               <a:rPr lang="en-US" altLang="ko-KR" dirty="0"/>
@@ -11171,7 +11521,7 @@
             </a:r>
             <a:r>
               <a:rPr lang="ko-KR" altLang="en-US" dirty="0"/>
-              <a:t>약한 동기화 수준으로</a:t>
+              <a:t>가능하면</a:t>
             </a:r>
             <a:r>
               <a:rPr lang="en-US" altLang="ko-KR" dirty="0"/>
@@ -11179,7 +11529,7 @@
             </a:r>
             <a:r>
               <a:rPr lang="ko-KR" altLang="en-US" dirty="0"/>
-              <a:t>시기적절히 사용한다면</a:t>
+              <a:t>시간이 오래 걸리는 작업은</a:t>
             </a:r>
             <a:r>
               <a:rPr lang="en-US" altLang="ko-KR" dirty="0"/>
@@ -11187,7 +11537,7 @@
             </a:r>
             <a:r>
               <a:rPr lang="ko-KR" altLang="en-US" dirty="0"/>
-              <a:t>어플리케이션의 성능을 높일 수 있음</a:t>
+              <a:t>임계구역에서 제외하는 편이 유리하다</a:t>
             </a:r>
             <a:r>
               <a:rPr lang="en-US" altLang="ko-KR" dirty="0"/>
@@ -11196,31 +11546,52 @@
           </a:p>
           <a:p>
             <a:r>
-              <a:rPr lang="en-US" dirty="0"/>
-              <a:t>Ex ) </a:t>
-            </a:r>
-            <a:r>
-              <a:rPr kumimoji="0" lang="ko-KR" altLang="ko-KR" sz="2800" b="0" i="0" u="none" strike="noStrike" cap="none" normalizeH="0" baseline="0" dirty="0">
-                <a:ln>
-                  <a:noFill/>
-                </a:ln>
-                <a:solidFill>
-                  <a:srgbClr val="BCBEC4"/>
-                </a:solidFill>
-                <a:effectLst/>
-                <a:latin typeface="Arial Unicode MS"/>
-                <a:ea typeface="JetBrains Mono"/>
-              </a:rPr>
-              <a:t>VisibleField</a:t>
-            </a:r>
-            <a:endParaRPr lang="en-GB" dirty="0"/>
+              <a:rPr lang="ko-KR" altLang="en-US" dirty="0"/>
+              <a:t>마지막으로</a:t>
+            </a:r>
+            <a:r>
+              <a:rPr lang="en-US" altLang="ko-KR" dirty="0"/>
+              <a:t>, </a:t>
+            </a:r>
+            <a:r>
+              <a:rPr lang="ko-KR" altLang="en-US" dirty="0"/>
+              <a:t>객체의 상태를 이루는 변수가 복수개이면서</a:t>
+            </a:r>
+            <a:r>
+              <a:rPr lang="en-US" altLang="ko-KR" dirty="0"/>
+              <a:t>, </a:t>
+            </a:r>
+            <a:r>
+              <a:rPr lang="ko-KR" altLang="en-US" dirty="0"/>
+              <a:t>서로가 서로에게 의존성을 가지고 있다면</a:t>
+            </a:r>
+            <a:r>
+              <a:rPr lang="en-US" altLang="ko-KR" dirty="0"/>
+              <a:t>,</a:t>
+            </a:r>
+            <a:r>
+              <a:rPr lang="ko-KR" altLang="en-US" dirty="0"/>
+              <a:t> 관련 있는 모든 변수를 임계구역에 넣어</a:t>
+            </a:r>
+            <a:r>
+              <a:rPr lang="en-US" altLang="ko-KR" dirty="0"/>
+              <a:t>, </a:t>
+            </a:r>
+            <a:r>
+              <a:rPr lang="ko-KR" altLang="en-US" dirty="0"/>
+              <a:t>한 번에 수정해야 한다</a:t>
+            </a:r>
+            <a:r>
+              <a:rPr lang="en-US" altLang="ko-KR" dirty="0"/>
+              <a:t>.</a:t>
+            </a:r>
           </a:p>
         </p:txBody>
       </p:sp>
     </p:spTree>
     <p:extLst>
       <p:ext uri="{BB962C8B-B14F-4D97-AF65-F5344CB8AC3E}">
-        <p14:creationId xmlns:p14="http://schemas.microsoft.com/office/powerpoint/2010/main" val="4276223151"/>
+        <p14:creationId xmlns:p14="http://schemas.microsoft.com/office/powerpoint/2010/main" val="798464046"/>
       </p:ext>
     </p:extLst>
   </p:cSld>
@@ -11252,6 +11623,433 @@
           <p:cNvPr id="2" name="Title 1">
             <a:extLst>
               <a:ext uri="{FF2B5EF4-FFF2-40B4-BE49-F238E27FC236}">
+                <a16:creationId xmlns:a16="http://schemas.microsoft.com/office/drawing/2014/main" id="{133EFE9B-10F8-01A8-2F07-F559446ED094}"/>
+              </a:ext>
+            </a:extLst>
+          </p:cNvPr>
+          <p:cNvSpPr>
+            <a:spLocks noGrp="1"/>
+          </p:cNvSpPr>
+          <p:nvPr>
+            <p:ph type="title"/>
+          </p:nvPr>
+        </p:nvSpPr>
+        <p:spPr/>
+        <p:txBody>
+          <a:bodyPr/>
+          <a:lstStyle/>
+          <a:p>
+            <a:r>
+              <a:rPr lang="ko-KR" altLang="en-US" dirty="0"/>
+              <a:t>원자성</a:t>
+            </a:r>
+            <a:r>
+              <a:rPr lang="en-US" altLang="ko-KR" dirty="0"/>
+              <a:t>, </a:t>
+            </a:r>
+            <a:r>
+              <a:rPr lang="ko-KR" altLang="en-US" dirty="0"/>
+              <a:t>원자적 연산</a:t>
+            </a:r>
+            <a:r>
+              <a:rPr lang="en-US" altLang="ko-KR" dirty="0"/>
+              <a:t>, </a:t>
+            </a:r>
+            <a:r>
+              <a:rPr lang="ko-KR" altLang="en-US" dirty="0"/>
+              <a:t>단일연산</a:t>
+            </a:r>
+            <a:r>
+              <a:rPr lang="en-US" altLang="ko-KR" dirty="0"/>
+              <a:t>, Atomicity</a:t>
+            </a:r>
+            <a:endParaRPr lang="en-GB" dirty="0"/>
+          </a:p>
+        </p:txBody>
+      </p:sp>
+      <p:sp>
+        <p:nvSpPr>
+          <p:cNvPr id="3" name="Content Placeholder 2">
+            <a:extLst>
+              <a:ext uri="{FF2B5EF4-FFF2-40B4-BE49-F238E27FC236}">
+                <a16:creationId xmlns:a16="http://schemas.microsoft.com/office/drawing/2014/main" id="{9F81D7C5-885A-3C15-8877-4076032E02DC}"/>
+              </a:ext>
+            </a:extLst>
+          </p:cNvPr>
+          <p:cNvSpPr>
+            <a:spLocks noGrp="1"/>
+          </p:cNvSpPr>
+          <p:nvPr>
+            <p:ph idx="1"/>
+          </p:nvPr>
+        </p:nvSpPr>
+        <p:spPr/>
+        <p:txBody>
+          <a:bodyPr/>
+          <a:lstStyle/>
+          <a:p>
+            <a:r>
+              <a:rPr lang="ko-KR" altLang="en-US" dirty="0"/>
+              <a:t>객체의 상태를 표현할 때</a:t>
+            </a:r>
+            <a:r>
+              <a:rPr lang="en-US" altLang="ko-KR" dirty="0"/>
+              <a:t>, </a:t>
+            </a:r>
+            <a:r>
+              <a:rPr lang="ko-KR" altLang="en-US" dirty="0"/>
+              <a:t>상태란</a:t>
+            </a:r>
+            <a:r>
+              <a:rPr lang="en-US" altLang="ko-KR" dirty="0"/>
+              <a:t>, </a:t>
+            </a:r>
+            <a:r>
+              <a:rPr lang="ko-KR" altLang="en-US" dirty="0"/>
+              <a:t>결국 객체의 멤버 변수의 상태의 합과 같다고 할 수 있다</a:t>
+            </a:r>
+            <a:r>
+              <a:rPr lang="en-US" altLang="ko-KR" dirty="0"/>
+              <a:t>.</a:t>
+            </a:r>
+          </a:p>
+          <a:p>
+            <a:r>
+              <a:rPr lang="ko-KR" altLang="en-US" dirty="0"/>
+              <a:t>만약</a:t>
+            </a:r>
+            <a:r>
+              <a:rPr lang="en-US" altLang="ko-KR" dirty="0"/>
+              <a:t>, </a:t>
+            </a:r>
+            <a:r>
+              <a:rPr lang="ko-KR" altLang="en-US" dirty="0"/>
+              <a:t>객체의 상태를 이루는 멤버 변수 각각이 서로에게 의존성을 가진 경우</a:t>
+            </a:r>
+            <a:r>
+              <a:rPr lang="en-US" altLang="ko-KR" dirty="0"/>
+              <a:t>,</a:t>
+            </a:r>
+            <a:r>
+              <a:rPr lang="ko-KR" altLang="en-US" dirty="0"/>
+              <a:t> 혹은 관련이 있는 경우</a:t>
+            </a:r>
+            <a:r>
+              <a:rPr lang="en-US" altLang="ko-KR" dirty="0"/>
+              <a:t>, </a:t>
+            </a:r>
+            <a:r>
+              <a:rPr lang="ko-KR" altLang="en-US" dirty="0"/>
+              <a:t>이를 변경하고자 할 때는</a:t>
+            </a:r>
+            <a:r>
+              <a:rPr lang="en-US" altLang="ko-KR" dirty="0"/>
+              <a:t>, </a:t>
+            </a:r>
+            <a:r>
+              <a:rPr lang="ko-KR" altLang="en-US" dirty="0"/>
+              <a:t>원자적으로 처리해 주어야 한다</a:t>
+            </a:r>
+            <a:r>
+              <a:rPr lang="en-US" altLang="ko-KR" dirty="0"/>
+              <a:t>.</a:t>
+            </a:r>
+          </a:p>
+          <a:p>
+            <a:r>
+              <a:rPr lang="ko-KR" altLang="en-US" dirty="0"/>
+              <a:t>복합 연산을 처리할 때는 반드시</a:t>
+            </a:r>
+            <a:r>
+              <a:rPr lang="en-US" altLang="ko-KR" dirty="0"/>
+              <a:t>, </a:t>
+            </a:r>
+            <a:r>
+              <a:rPr lang="ko-KR" altLang="en-US" dirty="0"/>
+              <a:t>원자적으로 처리해 주어야 한다</a:t>
+            </a:r>
+            <a:r>
+              <a:rPr lang="en-US" altLang="ko-KR" dirty="0"/>
+              <a:t>.</a:t>
+            </a:r>
+          </a:p>
+          <a:p>
+            <a:pPr lvl="1"/>
+            <a:r>
+              <a:rPr lang="en-US" altLang="ko-KR" dirty="0"/>
+              <a:t>Ex) </a:t>
+            </a:r>
+            <a:r>
+              <a:rPr lang="ko-KR" altLang="en-US" dirty="0"/>
+              <a:t>값을 확인하고</a:t>
+            </a:r>
+            <a:r>
+              <a:rPr lang="en-US" altLang="ko-KR" dirty="0"/>
+              <a:t>, </a:t>
+            </a:r>
+            <a:r>
+              <a:rPr lang="ko-KR" altLang="en-US" dirty="0"/>
+              <a:t>조건에 부합할 경우에만 특정 행동을 하는 로직</a:t>
+            </a:r>
+            <a:r>
+              <a:rPr lang="en-US" altLang="ko-KR" dirty="0"/>
+              <a:t>(</a:t>
+            </a:r>
+            <a:r>
+              <a:rPr kumimoji="0" lang="ko-KR" altLang="ko-KR" sz="2400" b="0" i="0" u="none" strike="noStrike" cap="none" normalizeH="0" baseline="0" dirty="0">
+                <a:ln>
+                  <a:noFill/>
+                </a:ln>
+                <a:solidFill>
+                  <a:srgbClr val="BCBEC4"/>
+                </a:solidFill>
+                <a:effectLst/>
+                <a:latin typeface="Arial Unicode MS"/>
+                <a:ea typeface="JetBrains Mono"/>
+              </a:rPr>
+              <a:t>NotSafeSingletonFactory</a:t>
+            </a:r>
+            <a:r>
+              <a:rPr kumimoji="0" lang="en-US" altLang="ko-KR" sz="2400" b="0" i="0" u="none" strike="noStrike" cap="none" normalizeH="0" baseline="0" dirty="0">
+                <a:ln>
+                  <a:noFill/>
+                </a:ln>
+                <a:solidFill>
+                  <a:srgbClr val="BCBEC4"/>
+                </a:solidFill>
+                <a:effectLst/>
+                <a:latin typeface="Arial Unicode MS"/>
+                <a:ea typeface="JetBrains Mono"/>
+              </a:rPr>
+              <a:t>)</a:t>
+            </a:r>
+            <a:endParaRPr lang="en-US" altLang="ko-KR" dirty="0"/>
+          </a:p>
+        </p:txBody>
+      </p:sp>
+    </p:spTree>
+    <p:extLst>
+      <p:ext uri="{BB962C8B-B14F-4D97-AF65-F5344CB8AC3E}">
+        <p14:creationId xmlns:p14="http://schemas.microsoft.com/office/powerpoint/2010/main" val="996170832"/>
+      </p:ext>
+    </p:extLst>
+  </p:cSld>
+  <p:clrMapOvr>
+    <a:masterClrMapping/>
+  </p:clrMapOvr>
+</p:sld>
+</file>
+
+<file path=ppt/slides/slide37.xml><?xml version="1.0" encoding="utf-8"?>
+<p:sld xmlns:a="http://schemas.openxmlformats.org/drawingml/2006/main" xmlns:r="http://schemas.openxmlformats.org/officeDocument/2006/relationships" xmlns:p="http://schemas.openxmlformats.org/presentationml/2006/main">
+  <p:cSld>
+    <p:spTree>
+      <p:nvGrpSpPr>
+        <p:cNvPr id="1" name=""/>
+        <p:cNvGrpSpPr/>
+        <p:nvPr/>
+      </p:nvGrpSpPr>
+      <p:grpSpPr>
+        <a:xfrm>
+          <a:off x="0" y="0"/>
+          <a:ext cx="0" cy="0"/>
+          <a:chOff x="0" y="0"/>
+          <a:chExt cx="0" cy="0"/>
+        </a:xfrm>
+      </p:grpSpPr>
+      <p:sp>
+        <p:nvSpPr>
+          <p:cNvPr id="2" name="Title 1">
+            <a:extLst>
+              <a:ext uri="{FF2B5EF4-FFF2-40B4-BE49-F238E27FC236}">
+                <a16:creationId xmlns:a16="http://schemas.microsoft.com/office/drawing/2014/main" id="{C37BE800-E657-EF5B-B7D9-D3720BB27C05}"/>
+              </a:ext>
+            </a:extLst>
+          </p:cNvPr>
+          <p:cNvSpPr>
+            <a:spLocks noGrp="1"/>
+          </p:cNvSpPr>
+          <p:nvPr>
+            <p:ph type="title"/>
+          </p:nvPr>
+        </p:nvSpPr>
+        <p:spPr/>
+        <p:txBody>
+          <a:bodyPr/>
+          <a:lstStyle/>
+          <a:p>
+            <a:r>
+              <a:rPr lang="ko-KR" altLang="en-US" dirty="0"/>
+              <a:t>동기화 기법 </a:t>
+            </a:r>
+            <a:r>
+              <a:rPr lang="en-US" altLang="ko-KR" dirty="0"/>
+              <a:t>2 : </a:t>
+            </a:r>
+            <a:r>
+              <a:rPr lang="ko-KR" altLang="en-US" dirty="0"/>
+              <a:t>메모리 가시성 확보</a:t>
+            </a:r>
+            <a:endParaRPr lang="en-GB" dirty="0"/>
+          </a:p>
+        </p:txBody>
+      </p:sp>
+      <p:sp>
+        <p:nvSpPr>
+          <p:cNvPr id="3" name="Content Placeholder 2">
+            <a:extLst>
+              <a:ext uri="{FF2B5EF4-FFF2-40B4-BE49-F238E27FC236}">
+                <a16:creationId xmlns:a16="http://schemas.microsoft.com/office/drawing/2014/main" id="{46B4A2EE-D285-99A4-5A8D-505C8AE60410}"/>
+              </a:ext>
+            </a:extLst>
+          </p:cNvPr>
+          <p:cNvSpPr>
+            <a:spLocks noGrp="1"/>
+          </p:cNvSpPr>
+          <p:nvPr>
+            <p:ph idx="1"/>
+          </p:nvPr>
+        </p:nvSpPr>
+        <p:spPr/>
+        <p:txBody>
+          <a:bodyPr/>
+          <a:lstStyle/>
+          <a:p>
+            <a:r>
+              <a:rPr lang="ko-KR" altLang="en-US" dirty="0"/>
+              <a:t>자바에서는 메모리 가시성을 보장하기 위하여 </a:t>
+            </a:r>
+            <a:r>
+              <a:rPr lang="en-US" altLang="ko-KR" dirty="0"/>
+              <a:t>volatile </a:t>
+            </a:r>
+            <a:r>
+              <a:rPr lang="ko-KR" altLang="en-US" dirty="0"/>
+              <a:t>키워드를 제공함</a:t>
+            </a:r>
+            <a:r>
+              <a:rPr lang="en-US" altLang="ko-KR" dirty="0"/>
+              <a:t>.</a:t>
+            </a:r>
+          </a:p>
+          <a:p>
+            <a:r>
+              <a:rPr lang="ko-KR" altLang="en-US" dirty="0"/>
+              <a:t>본 키워드가 붙은 변수의 경우</a:t>
+            </a:r>
+            <a:r>
+              <a:rPr lang="en-US" altLang="ko-KR" dirty="0"/>
+              <a:t>, </a:t>
+            </a:r>
+            <a:r>
+              <a:rPr lang="ko-KR" altLang="en-US" dirty="0"/>
+              <a:t>임의의 쓰레드가 본 키워드가 붙은 변수를 변경하는 경우</a:t>
+            </a:r>
+            <a:r>
+              <a:rPr lang="en-US" altLang="ko-KR" dirty="0"/>
+              <a:t>, </a:t>
+            </a:r>
+            <a:r>
+              <a:rPr lang="ko-KR" altLang="en-US" dirty="0"/>
+              <a:t>다른 스레드가 변경 사항을 바로 볼 수 있도록 언어 차원에서 제공함</a:t>
+            </a:r>
+            <a:r>
+              <a:rPr lang="en-US" altLang="ko-KR" dirty="0"/>
+              <a:t>.</a:t>
+            </a:r>
+          </a:p>
+          <a:p>
+            <a:r>
+              <a:rPr lang="ko-KR" altLang="en-US" dirty="0"/>
+              <a:t>이는 곧</a:t>
+            </a:r>
+            <a:r>
+              <a:rPr lang="en-US" altLang="ko-KR" dirty="0"/>
+              <a:t>, </a:t>
+            </a:r>
+            <a:r>
+              <a:rPr lang="ko-KR" altLang="en-US" dirty="0"/>
+              <a:t>약한 동기화 수준으로</a:t>
+            </a:r>
+            <a:r>
+              <a:rPr lang="en-US" altLang="ko-KR" dirty="0"/>
+              <a:t>, </a:t>
+            </a:r>
+            <a:r>
+              <a:rPr lang="ko-KR" altLang="en-US" dirty="0"/>
+              <a:t>시기적절히 사용한다면</a:t>
+            </a:r>
+            <a:r>
+              <a:rPr lang="en-US" altLang="ko-KR" dirty="0"/>
+              <a:t>, </a:t>
+            </a:r>
+            <a:r>
+              <a:rPr lang="ko-KR" altLang="en-US" dirty="0"/>
+              <a:t>어플리케이션의 성능을 높일 수 있음</a:t>
+            </a:r>
+            <a:r>
+              <a:rPr lang="en-US" altLang="ko-KR" dirty="0"/>
+              <a:t>.</a:t>
+            </a:r>
+          </a:p>
+          <a:p>
+            <a:r>
+              <a:rPr lang="en-US" dirty="0"/>
+              <a:t>Ex ) </a:t>
+            </a:r>
+            <a:r>
+              <a:rPr kumimoji="0" lang="ko-KR" altLang="ko-KR" sz="2800" b="0" i="0" u="none" strike="noStrike" cap="none" normalizeH="0" baseline="0" dirty="0">
+                <a:ln>
+                  <a:noFill/>
+                </a:ln>
+                <a:solidFill>
+                  <a:srgbClr val="BCBEC4"/>
+                </a:solidFill>
+                <a:effectLst/>
+                <a:latin typeface="Arial Unicode MS"/>
+                <a:ea typeface="JetBrains Mono"/>
+              </a:rPr>
+              <a:t>VisibleField</a:t>
+            </a:r>
+            <a:endParaRPr lang="en-GB" dirty="0"/>
+          </a:p>
+        </p:txBody>
+      </p:sp>
+    </p:spTree>
+    <p:extLst>
+      <p:ext uri="{BB962C8B-B14F-4D97-AF65-F5344CB8AC3E}">
+        <p14:creationId xmlns:p14="http://schemas.microsoft.com/office/powerpoint/2010/main" val="4276223151"/>
+      </p:ext>
+    </p:extLst>
+  </p:cSld>
+  <p:clrMapOvr>
+    <a:masterClrMapping/>
+  </p:clrMapOvr>
+</p:sld>
+</file>
+
+<file path=ppt/slides/slide38.xml><?xml version="1.0" encoding="utf-8"?>
+<p:sld xmlns:a="http://schemas.openxmlformats.org/drawingml/2006/main" xmlns:r="http://schemas.openxmlformats.org/officeDocument/2006/relationships" xmlns:p="http://schemas.openxmlformats.org/presentationml/2006/main">
+  <p:cSld>
+    <p:spTree>
+      <p:nvGrpSpPr>
+        <p:cNvPr id="1" name=""/>
+        <p:cNvGrpSpPr/>
+        <p:nvPr/>
+      </p:nvGrpSpPr>
+      <p:grpSpPr>
+        <a:xfrm>
+          <a:off x="0" y="0"/>
+          <a:ext cx="0" cy="0"/>
+          <a:chOff x="0" y="0"/>
+          <a:chExt cx="0" cy="0"/>
+        </a:xfrm>
+      </p:grpSpPr>
+      <p:sp>
+        <p:nvSpPr>
+          <p:cNvPr id="2" name="Title 1">
+            <a:extLst>
+              <a:ext uri="{FF2B5EF4-FFF2-40B4-BE49-F238E27FC236}">
                 <a16:creationId xmlns:a16="http://schemas.microsoft.com/office/drawing/2014/main" id="{DF427876-5722-A372-F81B-2C4B9BEBDC23}"/>
               </a:ext>
             </a:extLst>
@@ -11474,7 +12272,7 @@
 </p:sld>
 </file>
 
-<file path=ppt/slides/slide37.xml><?xml version="1.0" encoding="utf-8"?>
+<file path=ppt/slides/slide39.xml><?xml version="1.0" encoding="utf-8"?>
 <p:sld xmlns:a="http://schemas.openxmlformats.org/drawingml/2006/main" xmlns:r="http://schemas.openxmlformats.org/officeDocument/2006/relationships" xmlns:p="http://schemas.openxmlformats.org/presentationml/2006/main">
   <p:cSld>
     <p:spTree>
